--- a/BridgeCheatSheet.pptx
+++ b/BridgeCheatSheet.pptx
@@ -4426,16 +4426,7 @@
                           <a:ea typeface="Calibri" panose="020F0502020204030204" pitchFamily="34" charset="0"/>
                           <a:cs typeface="Calibri" panose="020F0502020204030204" pitchFamily="34" charset="0"/>
                         </a:rPr>
-                        <a:t> with longest suit (no matter how weak the hand</a:t>
-                      </a:r>
-                      <a:r>
-                        <a:rPr lang="en-ZA" sz="1000" b="0" u="none" baseline="0" dirty="0" smtClean="0">
-                          <a:effectLst/>
-                          <a:latin typeface="Calibri" panose="020F0502020204030204" pitchFamily="34" charset="0"/>
-                          <a:ea typeface="Calibri" panose="020F0502020204030204" pitchFamily="34" charset="0"/>
-                          <a:cs typeface="Calibri" panose="020F0502020204030204" pitchFamily="34" charset="0"/>
-                        </a:rPr>
-                        <a:t>)</a:t>
+                        <a:t> with longest suit (no matter how weak the hand)</a:t>
                       </a:r>
                     </a:p>
                     <a:p>
@@ -11094,6 +11085,181 @@
               <a:t>Card Play</a:t>
             </a:r>
             <a:endParaRPr lang="en-ZA" sz="1200" dirty="0"/>
+          </a:p>
+        </p:txBody>
+      </p:sp>
+      <p:sp>
+        <p:nvSpPr>
+          <p:cNvPr id="2" name="TextBox 1"/>
+          <p:cNvSpPr txBox="1"/>
+          <p:nvPr/>
+        </p:nvSpPr>
+        <p:spPr>
+          <a:xfrm>
+            <a:off x="8559115" y="5754008"/>
+            <a:ext cx="3632886" cy="1107996"/>
+          </a:xfrm>
+          <a:prstGeom prst="rect">
+            <a:avLst/>
+          </a:prstGeom>
+          <a:noFill/>
+        </p:spPr>
+        <p:txBody>
+          <a:bodyPr wrap="square" rtlCol="0">
+            <a:spAutoFit/>
+          </a:bodyPr>
+          <a:lstStyle/>
+          <a:p>
+            <a:r>
+              <a:rPr lang="en-ZA" sz="1100" b="1" dirty="0" smtClean="0"/>
+              <a:t>Download </a:t>
+            </a:r>
+            <a:r>
+              <a:rPr lang="en-ZA" sz="1100" dirty="0"/>
+              <a:t>(Note </a:t>
+            </a:r>
+            <a:r>
+              <a:rPr lang="en-ZA" sz="1100" dirty="0" smtClean="0"/>
+              <a:t>that Russell </a:t>
+            </a:r>
+            <a:r>
+              <a:rPr lang="en-ZA" sz="1100" dirty="0"/>
+              <a:t>has 2 L’s</a:t>
+            </a:r>
+            <a:r>
+              <a:rPr lang="en-ZA" sz="1100" dirty="0" smtClean="0"/>
+              <a:t>)</a:t>
+            </a:r>
+          </a:p>
+          <a:p>
+            <a:pPr marL="171450" indent="-171450">
+              <a:buFont typeface="Arial" panose="020B0604020202020204" pitchFamily="34" charset="0"/>
+              <a:buChar char="•"/>
+            </a:pPr>
+            <a:r>
+              <a:rPr lang="en-ZA" sz="1100" dirty="0" smtClean="0"/>
+              <a:t>PDF </a:t>
+            </a:r>
+            <a:r>
+              <a:rPr lang="en-ZA" sz="1100" dirty="0" smtClean="0">
+                <a:hlinkClick r:id="rId2"/>
+              </a:rPr>
+              <a:t>https</a:t>
+            </a:r>
+            <a:r>
+              <a:rPr lang="en-ZA" sz="1100" dirty="0">
+                <a:hlinkClick r:id="rId2"/>
+              </a:rPr>
+              <a:t>://</a:t>
+            </a:r>
+            <a:r>
+              <a:rPr lang="en-ZA" sz="1100" dirty="0" smtClean="0">
+                <a:hlinkClick r:id="rId2"/>
+              </a:rPr>
+              <a:t>tinyurl.com/RussellsBridgePDF</a:t>
+            </a:r>
+            <a:r>
+              <a:rPr lang="en-ZA" sz="1100" dirty="0"/>
+              <a:t> </a:t>
+            </a:r>
+            <a:endParaRPr lang="en-ZA" sz="1100" dirty="0" smtClean="0"/>
+          </a:p>
+          <a:p>
+            <a:pPr marL="171450" indent="-171450">
+              <a:buFont typeface="Arial" panose="020B0604020202020204" pitchFamily="34" charset="0"/>
+              <a:buChar char="•"/>
+            </a:pPr>
+            <a:r>
+              <a:rPr lang="en-ZA" sz="1100" dirty="0" err="1" smtClean="0"/>
+              <a:t>Powerpoint</a:t>
+            </a:r>
+            <a:r>
+              <a:rPr lang="en-ZA" sz="1100" dirty="0" smtClean="0"/>
+              <a:t> </a:t>
+            </a:r>
+            <a:r>
+              <a:rPr lang="en-ZA" sz="1100" u="sng" dirty="0" smtClean="0">
+                <a:solidFill>
+                  <a:srgbClr val="0070C0"/>
+                </a:solidFill>
+                <a:hlinkClick r:id="rId3"/>
+              </a:rPr>
+              <a:t>https</a:t>
+            </a:r>
+            <a:r>
+              <a:rPr lang="en-ZA" sz="1100" u="sng" dirty="0">
+                <a:solidFill>
+                  <a:srgbClr val="0070C0"/>
+                </a:solidFill>
+                <a:hlinkClick r:id="rId3"/>
+              </a:rPr>
+              <a:t>://</a:t>
+            </a:r>
+            <a:r>
+              <a:rPr lang="en-ZA" sz="1100" u="sng" dirty="0" smtClean="0">
+                <a:solidFill>
+                  <a:srgbClr val="0070C0"/>
+                </a:solidFill>
+                <a:hlinkClick r:id="rId3"/>
+              </a:rPr>
+              <a:t>tinyurl.com/RussellBridgePPT</a:t>
+            </a:r>
+            <a:endParaRPr lang="en-ZA" sz="1100" u="sng" dirty="0" smtClean="0">
+              <a:solidFill>
+                <a:srgbClr val="0070C0"/>
+              </a:solidFill>
+            </a:endParaRPr>
+          </a:p>
+          <a:p>
+            <a:endParaRPr lang="en-ZA" sz="1100" u="sng" dirty="0" smtClean="0">
+              <a:solidFill>
+                <a:srgbClr val="0070C0"/>
+              </a:solidFill>
+            </a:endParaRPr>
+          </a:p>
+          <a:p>
+            <a:r>
+              <a:rPr lang="en-ZA" sz="1100" dirty="0" smtClean="0"/>
+              <a:t>My email:  </a:t>
+            </a:r>
+            <a:r>
+              <a:rPr lang="en-ZA" sz="1100" dirty="0" smtClean="0">
+                <a:hlinkClick r:id="rId4"/>
+              </a:rPr>
+              <a:t>russell.contact@gmail.com</a:t>
+            </a:r>
+            <a:r>
+              <a:rPr lang="en-ZA" sz="1100" dirty="0" smtClean="0"/>
+              <a:t>  Cell: 083 709 8553.</a:t>
+            </a:r>
+          </a:p>
+          <a:p>
+            <a:r>
+              <a:rPr lang="en-ZA" sz="1100" dirty="0" smtClean="0"/>
+              <a:t>Feel free to </a:t>
+            </a:r>
+            <a:r>
+              <a:rPr lang="en-ZA" sz="1100" smtClean="0"/>
+              <a:t>share or </a:t>
+            </a:r>
+            <a:r>
+              <a:rPr lang="en-ZA" sz="1100" dirty="0" smtClean="0"/>
+              <a:t>improve this </a:t>
+            </a:r>
+            <a:r>
+              <a:rPr lang="en-ZA" sz="1100" dirty="0" smtClean="0">
+                <a:solidFill>
+                  <a:srgbClr val="FF0000"/>
+                </a:solidFill>
+                <a:sym typeface="Wingdings" panose="05000000000000000000" pitchFamily="2" charset="2"/>
+              </a:rPr>
+              <a:t></a:t>
+            </a:r>
+            <a:endParaRPr lang="en-ZA" sz="1100" dirty="0">
+              <a:solidFill>
+                <a:srgbClr val="FF0000"/>
+              </a:solidFill>
+            </a:endParaRPr>
           </a:p>
         </p:txBody>
       </p:sp>

--- a/BridgeCheatSheet.pptx
+++ b/BridgeCheatSheet.pptx
@@ -243,7 +243,7 @@
           <a:p>
             <a:fld id="{752E92D6-D448-4673-93E0-919B9A560204}" type="datetimeFigureOut">
               <a:rPr lang="en-ZA" smtClean="0"/>
-              <a:t>2019/06/19</a:t>
+              <a:t>2019/06/21</a:t>
             </a:fld>
             <a:endParaRPr lang="en-ZA"/>
           </a:p>
@@ -413,7 +413,7 @@
           <a:p>
             <a:fld id="{752E92D6-D448-4673-93E0-919B9A560204}" type="datetimeFigureOut">
               <a:rPr lang="en-ZA" smtClean="0"/>
-              <a:t>2019/06/19</a:t>
+              <a:t>2019/06/21</a:t>
             </a:fld>
             <a:endParaRPr lang="en-ZA"/>
           </a:p>
@@ -593,7 +593,7 @@
           <a:p>
             <a:fld id="{752E92D6-D448-4673-93E0-919B9A560204}" type="datetimeFigureOut">
               <a:rPr lang="en-ZA" smtClean="0"/>
-              <a:t>2019/06/19</a:t>
+              <a:t>2019/06/21</a:t>
             </a:fld>
             <a:endParaRPr lang="en-ZA"/>
           </a:p>
@@ -763,7 +763,7 @@
           <a:p>
             <a:fld id="{752E92D6-D448-4673-93E0-919B9A560204}" type="datetimeFigureOut">
               <a:rPr lang="en-ZA" smtClean="0"/>
-              <a:t>2019/06/19</a:t>
+              <a:t>2019/06/21</a:t>
             </a:fld>
             <a:endParaRPr lang="en-ZA"/>
           </a:p>
@@ -1009,7 +1009,7 @@
           <a:p>
             <a:fld id="{752E92D6-D448-4673-93E0-919B9A560204}" type="datetimeFigureOut">
               <a:rPr lang="en-ZA" smtClean="0"/>
-              <a:t>2019/06/19</a:t>
+              <a:t>2019/06/21</a:t>
             </a:fld>
             <a:endParaRPr lang="en-ZA"/>
           </a:p>
@@ -1241,7 +1241,7 @@
           <a:p>
             <a:fld id="{752E92D6-D448-4673-93E0-919B9A560204}" type="datetimeFigureOut">
               <a:rPr lang="en-ZA" smtClean="0"/>
-              <a:t>2019/06/19</a:t>
+              <a:t>2019/06/21</a:t>
             </a:fld>
             <a:endParaRPr lang="en-ZA"/>
           </a:p>
@@ -1608,7 +1608,7 @@
           <a:p>
             <a:fld id="{752E92D6-D448-4673-93E0-919B9A560204}" type="datetimeFigureOut">
               <a:rPr lang="en-ZA" smtClean="0"/>
-              <a:t>2019/06/19</a:t>
+              <a:t>2019/06/21</a:t>
             </a:fld>
             <a:endParaRPr lang="en-ZA"/>
           </a:p>
@@ -1726,7 +1726,7 @@
           <a:p>
             <a:fld id="{752E92D6-D448-4673-93E0-919B9A560204}" type="datetimeFigureOut">
               <a:rPr lang="en-ZA" smtClean="0"/>
-              <a:t>2019/06/19</a:t>
+              <a:t>2019/06/21</a:t>
             </a:fld>
             <a:endParaRPr lang="en-ZA"/>
           </a:p>
@@ -1821,7 +1821,7 @@
           <a:p>
             <a:fld id="{752E92D6-D448-4673-93E0-919B9A560204}" type="datetimeFigureOut">
               <a:rPr lang="en-ZA" smtClean="0"/>
-              <a:t>2019/06/19</a:t>
+              <a:t>2019/06/21</a:t>
             </a:fld>
             <a:endParaRPr lang="en-ZA"/>
           </a:p>
@@ -2098,7 +2098,7 @@
           <a:p>
             <a:fld id="{752E92D6-D448-4673-93E0-919B9A560204}" type="datetimeFigureOut">
               <a:rPr lang="en-ZA" smtClean="0"/>
-              <a:t>2019/06/19</a:t>
+              <a:t>2019/06/21</a:t>
             </a:fld>
             <a:endParaRPr lang="en-ZA"/>
           </a:p>
@@ -2351,7 +2351,7 @@
           <a:p>
             <a:fld id="{752E92D6-D448-4673-93E0-919B9A560204}" type="datetimeFigureOut">
               <a:rPr lang="en-ZA" smtClean="0"/>
-              <a:t>2019/06/19</a:t>
+              <a:t>2019/06/21</a:t>
             </a:fld>
             <a:endParaRPr lang="en-ZA"/>
           </a:p>
@@ -2564,7 +2564,7 @@
           <a:p>
             <a:fld id="{752E92D6-D448-4673-93E0-919B9A560204}" type="datetimeFigureOut">
               <a:rPr lang="en-ZA" smtClean="0"/>
-              <a:t>2019/06/19</a:t>
+              <a:t>2019/06/21</a:t>
             </a:fld>
             <a:endParaRPr lang="en-ZA"/>
           </a:p>
@@ -3979,21 +3979,21 @@
           <p:nvPr>
             <p:extLst>
               <p:ext uri="{D42A27DB-BD31-4B8C-83A1-F6EECF244321}">
-                <p14:modId xmlns:p14="http://schemas.microsoft.com/office/powerpoint/2010/main" val="2545204332"/>
+                <p14:modId xmlns:p14="http://schemas.microsoft.com/office/powerpoint/2010/main" val="3540937563"/>
               </p:ext>
             </p:extLst>
           </p:nvPr>
         </p:nvGraphicFramePr>
         <p:xfrm>
           <a:off x="5680462" y="300484"/>
-          <a:ext cx="4608829" cy="2133600"/>
+          <a:ext cx="5716667" cy="2438400"/>
         </p:xfrm>
         <a:graphic>
           <a:graphicData uri="http://schemas.openxmlformats.org/drawingml/2006/table">
             <a:tbl>
               <a:tblPr firstRow="1" firstCol="1" bandRow="1"/>
               <a:tblGrid>
-                <a:gridCol w="4608829"/>
+                <a:gridCol w="5716667"/>
               </a:tblGrid>
               <a:tr h="1518225">
                 <a:tc>
@@ -4198,7 +4198,16 @@
                           <a:ea typeface="Calibri" panose="020F0502020204030204" pitchFamily="34" charset="0"/>
                           <a:cs typeface="Times New Roman" panose="02020603050405020304" pitchFamily="18" charset="0"/>
                         </a:rPr>
-                        <a:t>) requires 4 cards and 5 points.</a:t>
+                        <a:t>) requires 4 cards and 5 points</a:t>
+                      </a:r>
+                      <a:r>
+                        <a:rPr lang="en-ZA" sz="1000" dirty="0" smtClean="0">
+                          <a:effectLst/>
+                          <a:latin typeface="Calibri" panose="020F0502020204030204" pitchFamily="34" charset="0"/>
+                          <a:ea typeface="Calibri" panose="020F0502020204030204" pitchFamily="34" charset="0"/>
+                          <a:cs typeface="Times New Roman" panose="02020603050405020304" pitchFamily="18" charset="0"/>
+                        </a:rPr>
+                        <a:t>. </a:t>
                       </a:r>
                     </a:p>
                     <a:p>
@@ -4208,13 +4217,22 @@
                         </a:spcAft>
                       </a:pPr>
                       <a:r>
+                        <a:rPr lang="en-ZA" sz="1000" dirty="0" smtClean="0">
+                          <a:effectLst/>
+                          <a:latin typeface="Calibri" panose="020F0502020204030204" pitchFamily="34" charset="0"/>
+                          <a:ea typeface="Calibri" panose="020F0502020204030204" pitchFamily="34" charset="0"/>
+                          <a:cs typeface="Times New Roman" panose="02020603050405020304" pitchFamily="18" charset="0"/>
+                        </a:rPr>
+                        <a:t>Change </a:t>
+                      </a:r>
+                      <a:r>
                         <a:rPr lang="en-ZA" sz="1000" dirty="0">
                           <a:effectLst/>
                           <a:latin typeface="Calibri" panose="020F0502020204030204" pitchFamily="34" charset="0"/>
                           <a:ea typeface="Calibri" panose="020F0502020204030204" pitchFamily="34" charset="0"/>
                           <a:cs typeface="Times New Roman" panose="02020603050405020304" pitchFamily="18" charset="0"/>
                         </a:rPr>
-                        <a:t>Change suite at level 2 (e.g. 1</a:t>
+                        <a:t>suite at level 2 (e.g. 1</a:t>
                       </a:r>
                       <a:r>
                         <a:rPr lang="en-ZA" sz="1000" dirty="0">
@@ -4277,13 +4295,31 @@
                         </a:spcAft>
                       </a:pPr>
                       <a:r>
+                        <a:rPr lang="en-ZA" sz="1000" b="1" u="sng" dirty="0" smtClean="0">
+                          <a:effectLst/>
+                          <a:latin typeface="Calibri" panose="020F0502020204030204" pitchFamily="34" charset="0"/>
+                          <a:ea typeface="Calibri" panose="020F0502020204030204" pitchFamily="34" charset="0"/>
+                          <a:cs typeface="Calibri" panose="020F0502020204030204" pitchFamily="34" charset="0"/>
+                        </a:rPr>
+                        <a:t>1NT</a:t>
+                      </a:r>
+                      <a:r>
+                        <a:rPr lang="en-ZA" sz="1000" dirty="0">
+                          <a:effectLst/>
+                          <a:latin typeface="Calibri" panose="020F0502020204030204" pitchFamily="34" charset="0"/>
+                          <a:ea typeface="Calibri" panose="020F0502020204030204" pitchFamily="34" charset="0"/>
+                          <a:cs typeface="Calibri" panose="020F0502020204030204" pitchFamily="34" charset="0"/>
+                        </a:rPr>
+                        <a:t>: 8 points: pass, 9 points: </a:t>
+                      </a:r>
+                      <a:r>
                         <a:rPr lang="en-ZA" sz="1000" b="1" u="sng" dirty="0">
                           <a:effectLst/>
                           <a:latin typeface="Calibri" panose="020F0502020204030204" pitchFamily="34" charset="0"/>
                           <a:ea typeface="Calibri" panose="020F0502020204030204" pitchFamily="34" charset="0"/>
                           <a:cs typeface="Calibri" panose="020F0502020204030204" pitchFamily="34" charset="0"/>
                         </a:rPr>
-                        <a:t>1 NT</a:t>
+                        <a:t>2NT</a:t>
                       </a:r>
                       <a:r>
                         <a:rPr lang="en-ZA" sz="1000" dirty="0">
@@ -4292,10 +4328,26 @@
                           <a:ea typeface="Calibri" panose="020F0502020204030204" pitchFamily="34" charset="0"/>
                           <a:cs typeface="Calibri" panose="020F0502020204030204" pitchFamily="34" charset="0"/>
                         </a:rPr>
-                        <a:t>: 8 points: pass, 9 points: </a:t>
-                      </a:r>
-                      <a:r>
-                        <a:rPr lang="en-ZA" sz="1000" b="1" u="sng" dirty="0">
+                        <a:t>, 10+ points: </a:t>
+                      </a:r>
+                      <a:r>
+                        <a:rPr lang="en-ZA" sz="1000" b="1" u="sng" dirty="0" smtClean="0">
+                          <a:effectLst/>
+                          <a:latin typeface="Calibri" panose="020F0502020204030204" pitchFamily="34" charset="0"/>
+                          <a:ea typeface="Calibri" panose="020F0502020204030204" pitchFamily="34" charset="0"/>
+                          <a:cs typeface="Calibri" panose="020F0502020204030204" pitchFamily="34" charset="0"/>
+                        </a:rPr>
+                        <a:t>3NT</a:t>
+                      </a:r>
+                    </a:p>
+                    <a:p>
+                      <a:pPr algn="l">
+                        <a:spcAft>
+                          <a:spcPts val="0"/>
+                        </a:spcAft>
+                      </a:pPr>
+                      <a:r>
+                        <a:rPr lang="en-ZA" sz="1000" b="1" u="sng" dirty="0" smtClean="0">
                           <a:effectLst/>
                           <a:latin typeface="Calibri" panose="020F0502020204030204" pitchFamily="34" charset="0"/>
                           <a:ea typeface="Calibri" panose="020F0502020204030204" pitchFamily="34" charset="0"/>
@@ -4304,16 +4356,25 @@
                         <a:t>2NT</a:t>
                       </a:r>
                       <a:r>
-                        <a:rPr lang="en-ZA" sz="1000" dirty="0">
-                          <a:effectLst/>
-                          <a:latin typeface="Calibri" panose="020F0502020204030204" pitchFamily="34" charset="0"/>
-                          <a:ea typeface="Calibri" panose="020F0502020204030204" pitchFamily="34" charset="0"/>
-                          <a:cs typeface="Calibri" panose="020F0502020204030204" pitchFamily="34" charset="0"/>
-                        </a:rPr>
-                        <a:t>, 10+ points: </a:t>
-                      </a:r>
-                      <a:r>
-                        <a:rPr lang="en-ZA" sz="1000" b="1" u="sng" dirty="0" smtClean="0">
+                        <a:rPr lang="en-ZA" sz="1000" b="0" u="none" dirty="0" smtClean="0">
+                          <a:effectLst/>
+                          <a:latin typeface="Calibri" panose="020F0502020204030204" pitchFamily="34" charset="0"/>
+                          <a:ea typeface="Calibri" panose="020F0502020204030204" pitchFamily="34" charset="0"/>
+                          <a:cs typeface="Calibri" panose="020F0502020204030204" pitchFamily="34" charset="0"/>
+                        </a:rPr>
+                        <a:t>: 4+ points bit</a:t>
+                      </a:r>
+                      <a:r>
+                        <a:rPr lang="en-ZA" sz="1000" b="1" u="none" baseline="0" dirty="0" smtClean="0">
+                          <a:effectLst/>
+                          <a:latin typeface="Calibri" panose="020F0502020204030204" pitchFamily="34" charset="0"/>
+                          <a:ea typeface="Calibri" panose="020F0502020204030204" pitchFamily="34" charset="0"/>
+                          <a:cs typeface="Calibri" panose="020F0502020204030204" pitchFamily="34" charset="0"/>
+                        </a:rPr>
+                        <a:t> </a:t>
+                      </a:r>
+                      <a:r>
+                        <a:rPr lang="en-ZA" sz="1000" b="1" u="sng" baseline="0" dirty="0" smtClean="0">
                           <a:effectLst/>
                           <a:latin typeface="Calibri" panose="020F0502020204030204" pitchFamily="34" charset="0"/>
                           <a:ea typeface="Calibri" panose="020F0502020204030204" pitchFamily="34" charset="0"/>
@@ -4321,6 +4382,21 @@
                         </a:rPr>
                         <a:t>3NT</a:t>
                       </a:r>
+                      <a:r>
+                        <a:rPr lang="en-ZA" sz="1000" b="0" u="none" baseline="0" dirty="0" smtClean="0">
+                          <a:effectLst/>
+                          <a:latin typeface="Calibri" panose="020F0502020204030204" pitchFamily="34" charset="0"/>
+                          <a:ea typeface="Calibri" panose="020F0502020204030204" pitchFamily="34" charset="0"/>
+                          <a:cs typeface="Calibri" panose="020F0502020204030204" pitchFamily="34" charset="0"/>
+                        </a:rPr>
+                        <a:t> (66% chance of making game), otherwise pass</a:t>
+                      </a:r>
+                      <a:endParaRPr lang="en-ZA" sz="1000" b="0" u="sng" dirty="0" smtClean="0">
+                        <a:effectLst/>
+                        <a:latin typeface="Calibri" panose="020F0502020204030204" pitchFamily="34" charset="0"/>
+                        <a:ea typeface="Calibri" panose="020F0502020204030204" pitchFamily="34" charset="0"/>
+                        <a:cs typeface="Calibri" panose="020F0502020204030204" pitchFamily="34" charset="0"/>
+                      </a:endParaRPr>
                     </a:p>
                     <a:p>
                       <a:pPr algn="l">
@@ -4483,22 +4559,52 @@
                         <a:buChar char="•"/>
                       </a:pPr>
                       <a:r>
+                        <a:rPr lang="en-ZA" sz="1000" b="1" dirty="0" smtClean="0">
+                          <a:effectLst/>
+                          <a:latin typeface="Calibri" panose="020F0502020204030204" pitchFamily="34" charset="0"/>
+                          <a:ea typeface="Calibri" panose="020F0502020204030204" pitchFamily="34" charset="0"/>
+                          <a:cs typeface="Calibri" panose="020F0502020204030204" pitchFamily="34" charset="0"/>
+                        </a:rPr>
+                        <a:t>0-6 pts</a:t>
+                      </a:r>
+                      <a:r>
+                        <a:rPr lang="en-ZA" sz="1000" baseline="0" dirty="0" smtClean="0">
+                          <a:effectLst/>
+                          <a:latin typeface="Calibri" panose="020F0502020204030204" pitchFamily="34" charset="0"/>
+                          <a:ea typeface="Calibri" panose="020F0502020204030204" pitchFamily="34" charset="0"/>
+                          <a:cs typeface="Calibri" panose="020F0502020204030204" pitchFamily="34" charset="0"/>
+                        </a:rPr>
+                        <a:t> or </a:t>
+                      </a:r>
+                      <a:r>
+                        <a:rPr lang="en-ZA" sz="1000" b="1" baseline="0" dirty="0" smtClean="0">
+                          <a:effectLst/>
+                          <a:latin typeface="Calibri" panose="020F0502020204030204" pitchFamily="34" charset="0"/>
+                          <a:ea typeface="Calibri" panose="020F0502020204030204" pitchFamily="34" charset="0"/>
+                          <a:cs typeface="Calibri" panose="020F0502020204030204" pitchFamily="34" charset="0"/>
+                        </a:rPr>
+                        <a:t>7+ pts with no 5+ card</a:t>
+                      </a:r>
+                      <a:r>
+                        <a:rPr lang="en-ZA" sz="1000" baseline="0" dirty="0" smtClean="0">
+                          <a:effectLst/>
+                          <a:latin typeface="Calibri" panose="020F0502020204030204" pitchFamily="34" charset="0"/>
+                          <a:ea typeface="Calibri" panose="020F0502020204030204" pitchFamily="34" charset="0"/>
+                          <a:cs typeface="Calibri" panose="020F0502020204030204" pitchFamily="34" charset="0"/>
+                        </a:rPr>
+                        <a:t> suite bid </a:t>
+                      </a:r>
+                      <a:r>
                         <a:rPr lang="en-ZA" sz="1000" dirty="0" smtClean="0">
-                          <a:effectLst/>
-                          <a:latin typeface="Calibri" panose="020F0502020204030204" pitchFamily="34" charset="0"/>
-                          <a:ea typeface="Calibri" panose="020F0502020204030204" pitchFamily="34" charset="0"/>
-                          <a:cs typeface="Calibri" panose="020F0502020204030204" pitchFamily="34" charset="0"/>
-                        </a:rPr>
-                        <a:t>0-6 pts</a:t>
-                      </a:r>
-                      <a:r>
-                        <a:rPr lang="en-ZA" sz="1000" baseline="0" dirty="0" smtClean="0">
-                          <a:effectLst/>
-                          <a:latin typeface="Calibri" panose="020F0502020204030204" pitchFamily="34" charset="0"/>
-                          <a:ea typeface="Calibri" panose="020F0502020204030204" pitchFamily="34" charset="0"/>
-                          <a:cs typeface="Calibri" panose="020F0502020204030204" pitchFamily="34" charset="0"/>
-                        </a:rPr>
-                        <a:t> or 7+ pts with no 5+ card suite bid </a:t>
+                          <a:solidFill>
+                            <a:srgbClr val="FF0000"/>
+                          </a:solidFill>
+                          <a:effectLst/>
+                          <a:latin typeface="Calibri" panose="020F0502020204030204" pitchFamily="34" charset="0"/>
+                          <a:ea typeface="Calibri" panose="020F0502020204030204" pitchFamily="34" charset="0"/>
+                          <a:cs typeface="Calibri" panose="020F0502020204030204" pitchFamily="34" charset="0"/>
+                        </a:rPr>
+                        <a:t>2</a:t>
                       </a:r>
                       <a:r>
                         <a:rPr lang="en-ZA" sz="1000" dirty="0" smtClean="0">
@@ -4509,24 +4615,12 @@
                           <a:latin typeface="Calibri" panose="020F0502020204030204" pitchFamily="34" charset="0"/>
                           <a:ea typeface="Calibri" panose="020F0502020204030204" pitchFamily="34" charset="0"/>
                           <a:cs typeface="Calibri" panose="020F0502020204030204" pitchFamily="34" charset="0"/>
-                        </a:rPr>
-                        <a:t>2</a:t>
-                      </a:r>
-                      <a:r>
-                        <a:rPr lang="en-ZA" sz="1000" dirty="0" smtClean="0">
-                          <a:solidFill>
-                            <a:srgbClr val="FF0000"/>
-                          </a:solidFill>
-                          <a:effectLst/>
-                          <a:latin typeface="Calibri" panose="020F0502020204030204" pitchFamily="34" charset="0"/>
-                          <a:ea typeface="Calibri" panose="020F0502020204030204" pitchFamily="34" charset="0"/>
-                          <a:cs typeface="Calibri" panose="020F0502020204030204" pitchFamily="34" charset="0"/>
                           <a:sym typeface="Symbol" panose="05050102010706020507" pitchFamily="18" charset="2"/>
                         </a:rPr>
                         <a:t></a:t>
                       </a:r>
                       <a:r>
-                        <a:rPr lang="en-ZA" sz="1000" dirty="0" smtClean="0">
+                        <a:rPr lang="en-ZA" sz="1000" i="1" dirty="0" smtClean="0">
                           <a:solidFill>
                             <a:schemeClr val="tx1"/>
                           </a:solidFill>
@@ -4536,10 +4630,10 @@
                           <a:cs typeface="Calibri" panose="020F0502020204030204" pitchFamily="34" charset="0"/>
                           <a:sym typeface="Symbol" panose="05050102010706020507" pitchFamily="18" charset="2"/>
                         </a:rPr>
-                        <a:t>(negative</a:t>
-                      </a:r>
-                      <a:r>
-                        <a:rPr lang="en-ZA" sz="1000" baseline="0" dirty="0" smtClean="0">
+                        <a:t>negative</a:t>
+                      </a:r>
+                      <a:r>
+                        <a:rPr lang="en-ZA" sz="1000" i="1" baseline="0" dirty="0" smtClean="0">
                           <a:solidFill>
                             <a:schemeClr val="tx1"/>
                           </a:solidFill>
@@ -4549,9 +4643,9 @@
                           <a:cs typeface="Calibri" panose="020F0502020204030204" pitchFamily="34" charset="0"/>
                           <a:sym typeface="Symbol" panose="05050102010706020507" pitchFamily="18" charset="2"/>
                         </a:rPr>
-                        <a:t> response)</a:t>
-                      </a:r>
-                      <a:endParaRPr lang="en-ZA" sz="1000" dirty="0" smtClean="0">
+                        <a:t> response</a:t>
+                      </a:r>
+                      <a:endParaRPr lang="en-ZA" sz="1000" i="1" dirty="0" smtClean="0">
                         <a:solidFill>
                           <a:schemeClr val="tx1"/>
                         </a:solidFill>
@@ -4571,7 +4665,160 @@
                         <a:buChar char="•"/>
                       </a:pPr>
                       <a:r>
+                        <a:rPr lang="en-ZA" sz="1000" b="1" dirty="0" smtClean="0">
+                          <a:solidFill>
+                            <a:schemeClr val="tx1"/>
+                          </a:solidFill>
+                          <a:effectLst/>
+                          <a:latin typeface="Calibri" panose="020F0502020204030204" pitchFamily="34" charset="0"/>
+                          <a:ea typeface="Calibri" panose="020F0502020204030204" pitchFamily="34" charset="0"/>
+                          <a:cs typeface="Calibri" panose="020F0502020204030204" pitchFamily="34" charset="0"/>
+                          <a:sym typeface="Symbol" panose="05050102010706020507" pitchFamily="18" charset="2"/>
+                        </a:rPr>
+                        <a:t>7+</a:t>
+                      </a:r>
+                      <a:r>
+                        <a:rPr lang="en-ZA" sz="1000" b="1" baseline="0" dirty="0" smtClean="0">
+                          <a:solidFill>
+                            <a:schemeClr val="tx1"/>
+                          </a:solidFill>
+                          <a:effectLst/>
+                          <a:latin typeface="Calibri" panose="020F0502020204030204" pitchFamily="34" charset="0"/>
+                          <a:ea typeface="Calibri" panose="020F0502020204030204" pitchFamily="34" charset="0"/>
+                          <a:cs typeface="Calibri" panose="020F0502020204030204" pitchFamily="34" charset="0"/>
+                          <a:sym typeface="Symbol" panose="05050102010706020507" pitchFamily="18" charset="2"/>
+                        </a:rPr>
+                        <a:t> </a:t>
+                      </a:r>
+                      <a:r>
+                        <a:rPr lang="en-ZA" sz="1000" b="1" baseline="0" dirty="0" smtClean="0">
+                          <a:solidFill>
+                            <a:schemeClr val="tx1"/>
+                          </a:solidFill>
+                          <a:effectLst/>
+                          <a:latin typeface="Calibri" panose="020F0502020204030204" pitchFamily="34" charset="0"/>
+                          <a:ea typeface="Calibri" panose="020F0502020204030204" pitchFamily="34" charset="0"/>
+                          <a:cs typeface="Calibri" panose="020F0502020204030204" pitchFamily="34" charset="0"/>
+                          <a:sym typeface="Symbol" panose="05050102010706020507" pitchFamily="18" charset="2"/>
+                        </a:rPr>
+                        <a:t>pts, 5 </a:t>
+                      </a:r>
+                      <a:r>
+                        <a:rPr lang="en-ZA" sz="1000" b="1" baseline="0" dirty="0" smtClean="0">
+                          <a:solidFill>
+                            <a:schemeClr val="tx1"/>
+                          </a:solidFill>
+                          <a:effectLst/>
+                          <a:latin typeface="Calibri" panose="020F0502020204030204" pitchFamily="34" charset="0"/>
+                          <a:ea typeface="Calibri" panose="020F0502020204030204" pitchFamily="34" charset="0"/>
+                          <a:cs typeface="Calibri" panose="020F0502020204030204" pitchFamily="34" charset="0"/>
+                          <a:sym typeface="Symbol" panose="05050102010706020507" pitchFamily="18" charset="2"/>
+                        </a:rPr>
+                        <a:t>card </a:t>
+                      </a:r>
+                      <a:r>
+                        <a:rPr lang="en-ZA" sz="1000" b="1" baseline="0" dirty="0" smtClean="0">
+                          <a:solidFill>
+                            <a:schemeClr val="tx1"/>
+                          </a:solidFill>
+                          <a:effectLst/>
+                          <a:latin typeface="Calibri" panose="020F0502020204030204" pitchFamily="34" charset="0"/>
+                          <a:ea typeface="Calibri" panose="020F0502020204030204" pitchFamily="34" charset="0"/>
+                          <a:cs typeface="Calibri" panose="020F0502020204030204" pitchFamily="34" charset="0"/>
+                          <a:sym typeface="Symbol" panose="05050102010706020507" pitchFamily="18" charset="2"/>
+                        </a:rPr>
+                        <a:t>suite</a:t>
+                      </a:r>
+                      <a:r>
+                        <a:rPr lang="en-ZA" sz="1000" baseline="0" dirty="0" smtClean="0">
+                          <a:solidFill>
+                            <a:schemeClr val="tx1"/>
+                          </a:solidFill>
+                          <a:effectLst/>
+                          <a:latin typeface="Calibri" panose="020F0502020204030204" pitchFamily="34" charset="0"/>
+                          <a:ea typeface="Calibri" panose="020F0502020204030204" pitchFamily="34" charset="0"/>
+                          <a:cs typeface="Calibri" panose="020F0502020204030204" pitchFamily="34" charset="0"/>
+                          <a:sym typeface="Symbol" panose="05050102010706020507" pitchFamily="18" charset="2"/>
+                        </a:rPr>
+                        <a:t> </a:t>
+                      </a:r>
+                      <a:r>
+                        <a:rPr lang="en-ZA" sz="1000" baseline="0" dirty="0" smtClean="0">
+                          <a:solidFill>
+                            <a:schemeClr val="tx1"/>
+                          </a:solidFill>
+                          <a:effectLst/>
+                          <a:latin typeface="Calibri" panose="020F0502020204030204" pitchFamily="34" charset="0"/>
+                          <a:ea typeface="Calibri" panose="020F0502020204030204" pitchFamily="34" charset="0"/>
+                          <a:cs typeface="Calibri" panose="020F0502020204030204" pitchFamily="34" charset="0"/>
+                          <a:sym typeface="Symbol" panose="05050102010706020507" pitchFamily="18" charset="2"/>
+                        </a:rPr>
+                        <a:t>bid best (</a:t>
+                      </a:r>
+                      <a:r>
+                        <a:rPr lang="en-ZA" sz="1000" baseline="0" dirty="0" smtClean="0">
+                          <a:solidFill>
+                            <a:schemeClr val="tx1"/>
+                          </a:solidFill>
+                          <a:effectLst/>
+                          <a:latin typeface="Calibri" panose="020F0502020204030204" pitchFamily="34" charset="0"/>
+                          <a:ea typeface="Calibri" panose="020F0502020204030204" pitchFamily="34" charset="0"/>
+                          <a:cs typeface="Calibri" panose="020F0502020204030204" pitchFamily="34" charset="0"/>
+                          <a:sym typeface="Symbol" panose="05050102010706020507" pitchFamily="18" charset="2"/>
+                        </a:rPr>
+                        <a:t>long) </a:t>
+                      </a:r>
+                      <a:r>
+                        <a:rPr lang="en-ZA" sz="1000" baseline="0" dirty="0" smtClean="0">
+                          <a:solidFill>
+                            <a:schemeClr val="tx1"/>
+                          </a:solidFill>
+                          <a:effectLst/>
+                          <a:latin typeface="Calibri" panose="020F0502020204030204" pitchFamily="34" charset="0"/>
+                          <a:ea typeface="Calibri" panose="020F0502020204030204" pitchFamily="34" charset="0"/>
+                          <a:cs typeface="Calibri" panose="020F0502020204030204" pitchFamily="34" charset="0"/>
+                          <a:sym typeface="Symbol" panose="05050102010706020507" pitchFamily="18" charset="2"/>
+                        </a:rPr>
+                        <a:t>suite </a:t>
+                      </a:r>
+                      <a:r>
+                        <a:rPr lang="en-ZA" sz="1000" baseline="0" dirty="0" smtClean="0">
+                          <a:solidFill>
+                            <a:schemeClr val="tx1"/>
+                          </a:solidFill>
+                          <a:effectLst/>
+                          <a:latin typeface="Calibri" panose="020F0502020204030204" pitchFamily="34" charset="0"/>
+                          <a:ea typeface="Calibri" panose="020F0502020204030204" pitchFamily="34" charset="0"/>
+                          <a:cs typeface="Calibri" panose="020F0502020204030204" pitchFamily="34" charset="0"/>
+                          <a:sym typeface="Symbol" panose="05050102010706020507" pitchFamily="18" charset="2"/>
+                        </a:rPr>
+                        <a:t>(2</a:t>
+                      </a:r>
+                      <a:r>
                         <a:rPr lang="en-ZA" sz="1000" dirty="0" smtClean="0">
+                          <a:effectLst/>
+                          <a:latin typeface="Calibri" panose="020F0502020204030204" pitchFamily="34" charset="0"/>
+                          <a:ea typeface="Calibri" panose="020F0502020204030204" pitchFamily="34" charset="0"/>
+                          <a:cs typeface="Calibri" panose="020F0502020204030204" pitchFamily="34" charset="0"/>
+                          <a:sym typeface="Symbol" panose="05050102010706020507" pitchFamily="18" charset="2"/>
+                        </a:rPr>
+                        <a:t>, </a:t>
+                      </a:r>
+                      <a:r>
+                        <a:rPr lang="en-ZA" sz="1000" dirty="0" smtClean="0">
+                          <a:solidFill>
+                            <a:srgbClr val="FF0000"/>
+                          </a:solidFill>
+                          <a:effectLst/>
+                          <a:latin typeface="Calibri" panose="020F0502020204030204" pitchFamily="34" charset="0"/>
+                          <a:ea typeface="Calibri" panose="020F0502020204030204" pitchFamily="34" charset="0"/>
+                          <a:cs typeface="Calibri" panose="020F0502020204030204" pitchFamily="34" charset="0"/>
+                          <a:sym typeface="Symbol" panose="05050102010706020507" pitchFamily="18" charset="2"/>
+                        </a:rPr>
+                        <a:t>2</a:t>
+                      </a:r>
+                      <a:r>
+                        <a:rPr lang="en-ZA" sz="1000" dirty="0" smtClean="0">
                           <a:solidFill>
                             <a:schemeClr val="tx1"/>
                           </a:solidFill>
@@ -4581,10 +4828,23 @@
                           <a:cs typeface="Calibri" panose="020F0502020204030204" pitchFamily="34" charset="0"/>
                           <a:sym typeface="Symbol" panose="05050102010706020507" pitchFamily="18" charset="2"/>
                         </a:rPr>
-                        <a:t>7+</a:t>
-                      </a:r>
-                      <a:r>
-                        <a:rPr lang="en-ZA" sz="1000" baseline="0" dirty="0" smtClean="0">
+                        <a:t>,</a:t>
+                      </a:r>
+                      <a:r>
+                        <a:rPr lang="en-ZA" sz="1000" dirty="0" smtClean="0">
+                          <a:solidFill>
+                            <a:srgbClr val="FF0000"/>
+                          </a:solidFill>
+                          <a:effectLst/>
+                          <a:latin typeface="Calibri" panose="020F0502020204030204" pitchFamily="34" charset="0"/>
+                          <a:ea typeface="Calibri" panose="020F0502020204030204" pitchFamily="34" charset="0"/>
+                          <a:cs typeface="Calibri" panose="020F0502020204030204" pitchFamily="34" charset="0"/>
+                          <a:sym typeface="Symbol" panose="05050102010706020507" pitchFamily="18" charset="2"/>
+                        </a:rPr>
+                        <a:t> </a:t>
+                      </a:r>
+                      <a:r>
+                        <a:rPr lang="en-ZA" sz="1000" dirty="0" smtClean="0">
                           <a:solidFill>
                             <a:schemeClr val="tx1"/>
                           </a:solidFill>
@@ -4594,17 +4854,248 @@
                           <a:cs typeface="Calibri" panose="020F0502020204030204" pitchFamily="34" charset="0"/>
                           <a:sym typeface="Symbol" panose="05050102010706020507" pitchFamily="18" charset="2"/>
                         </a:rPr>
-                        <a:t> pts and 5 card suite: bid best (longest) suite (positive response)</a:t>
-                      </a:r>
-                      <a:endParaRPr lang="en-ZA" sz="1000" b="0" u="none" baseline="0" dirty="0" smtClean="0">
-                        <a:solidFill>
-                          <a:schemeClr val="tx1"/>
-                        </a:solidFill>
-                        <a:effectLst/>
-                        <a:latin typeface="Calibri" panose="020F0502020204030204" pitchFamily="34" charset="0"/>
-                        <a:ea typeface="Calibri" panose="020F0502020204030204" pitchFamily="34" charset="0"/>
-                        <a:cs typeface="Calibri" panose="020F0502020204030204" pitchFamily="34" charset="0"/>
-                      </a:endParaRPr>
+                        <a:t>2</a:t>
+                      </a:r>
+                      <a:r>
+                        <a:rPr lang="en-ZA" sz="1000" dirty="0" smtClean="0">
+                          <a:effectLst/>
+                          <a:latin typeface="Calibri" panose="020F0502020204030204" pitchFamily="34" charset="0"/>
+                          <a:ea typeface="Calibri" panose="020F0502020204030204" pitchFamily="34" charset="0"/>
+                          <a:cs typeface="Calibri" panose="020F0502020204030204" pitchFamily="34" charset="0"/>
+                          <a:sym typeface="Symbol" panose="05050102010706020507" pitchFamily="18" charset="2"/>
+                        </a:rPr>
+                        <a:t> , </a:t>
+                      </a:r>
+                      <a:r>
+                        <a:rPr lang="en-ZA" sz="1000" u="none" dirty="0" smtClean="0">
+                          <a:solidFill>
+                            <a:srgbClr val="FF0000"/>
+                          </a:solidFill>
+                          <a:effectLst/>
+                          <a:latin typeface="Calibri" panose="020F0502020204030204" pitchFamily="34" charset="0"/>
+                          <a:ea typeface="Calibri" panose="020F0502020204030204" pitchFamily="34" charset="0"/>
+                          <a:cs typeface="Calibri" panose="020F0502020204030204" pitchFamily="34" charset="0"/>
+                          <a:sym typeface="Symbol" panose="05050102010706020507" pitchFamily="18" charset="2"/>
+                        </a:rPr>
+                        <a:t>3</a:t>
+                      </a:r>
+                      <a:r>
+                        <a:rPr lang="en-ZA" sz="1000" b="1" dirty="0" smtClean="0">
+                          <a:solidFill>
+                            <a:srgbClr val="FF0000"/>
+                          </a:solidFill>
+                          <a:effectLst/>
+                          <a:latin typeface="Calibri" panose="020F0502020204030204" pitchFamily="34" charset="0"/>
+                          <a:ea typeface="Calibri" panose="020F0502020204030204" pitchFamily="34" charset="0"/>
+                          <a:cs typeface="Calibri" panose="020F0502020204030204" pitchFamily="34" charset="0"/>
+                          <a:sym typeface="Symbol" panose="05050102010706020507" pitchFamily="18" charset="2"/>
+                        </a:rPr>
+                        <a:t></a:t>
+                      </a:r>
+                      <a:r>
+                        <a:rPr lang="en-ZA" sz="1000" b="0" dirty="0" smtClean="0">
+                          <a:solidFill>
+                            <a:schemeClr val="tx1"/>
+                          </a:solidFill>
+                          <a:effectLst/>
+                          <a:latin typeface="Calibri" panose="020F0502020204030204" pitchFamily="34" charset="0"/>
+                          <a:ea typeface="Calibri" panose="020F0502020204030204" pitchFamily="34" charset="0"/>
+                          <a:cs typeface="Calibri" panose="020F0502020204030204" pitchFamily="34" charset="0"/>
+                          <a:sym typeface="Symbol" panose="05050102010706020507" pitchFamily="18" charset="2"/>
+                        </a:rPr>
+                        <a:t>)</a:t>
+                      </a:r>
+                      <a:r>
+                        <a:rPr lang="en-ZA" sz="1000" b="1" dirty="0" smtClean="0">
+                          <a:solidFill>
+                            <a:srgbClr val="FF0000"/>
+                          </a:solidFill>
+                          <a:effectLst/>
+                          <a:latin typeface="Calibri" panose="020F0502020204030204" pitchFamily="34" charset="0"/>
+                          <a:ea typeface="Calibri" panose="020F0502020204030204" pitchFamily="34" charset="0"/>
+                          <a:cs typeface="Calibri" panose="020F0502020204030204" pitchFamily="34" charset="0"/>
+                          <a:sym typeface="Symbol" panose="05050102010706020507" pitchFamily="18" charset="2"/>
+                        </a:rPr>
+                        <a:t> </a:t>
+                      </a:r>
+                      <a:r>
+                        <a:rPr lang="en-ZA" sz="1000" i="1" baseline="0" dirty="0" smtClean="0">
+                          <a:solidFill>
+                            <a:schemeClr val="tx1"/>
+                          </a:solidFill>
+                          <a:effectLst/>
+                          <a:latin typeface="Calibri" panose="020F0502020204030204" pitchFamily="34" charset="0"/>
+                          <a:ea typeface="Calibri" panose="020F0502020204030204" pitchFamily="34" charset="0"/>
+                          <a:cs typeface="Calibri" panose="020F0502020204030204" pitchFamily="34" charset="0"/>
+                          <a:sym typeface="Symbol" panose="05050102010706020507" pitchFamily="18" charset="2"/>
+                        </a:rPr>
+                        <a:t>positive response</a:t>
+                      </a:r>
+                    </a:p>
+                    <a:p>
+                      <a:pPr marL="171450" indent="-171450" algn="l">
+                        <a:spcAft>
+                          <a:spcPts val="0"/>
+                        </a:spcAft>
+                        <a:buFont typeface="Arial" panose="020B0604020202020204" pitchFamily="34" charset="0"/>
+                        <a:buChar char="•"/>
+                      </a:pPr>
+                      <a:r>
+                        <a:rPr lang="en-ZA" sz="1000" i="0" baseline="0" dirty="0" smtClean="0">
+                          <a:solidFill>
+                            <a:schemeClr val="tx1"/>
+                          </a:solidFill>
+                          <a:effectLst/>
+                          <a:latin typeface="Calibri" panose="020F0502020204030204" pitchFamily="34" charset="0"/>
+                          <a:ea typeface="Calibri" panose="020F0502020204030204" pitchFamily="34" charset="0"/>
+                          <a:cs typeface="Calibri" panose="020F0502020204030204" pitchFamily="34" charset="0"/>
+                          <a:sym typeface="Symbol" panose="05050102010706020507" pitchFamily="18" charset="2"/>
+                        </a:rPr>
+                        <a:t>Note that </a:t>
+                      </a:r>
+                      <a:r>
+                        <a:rPr lang="en-ZA" sz="1000" b="1" i="0" baseline="0" dirty="0" smtClean="0">
+                          <a:solidFill>
+                            <a:srgbClr val="FF0000"/>
+                          </a:solidFill>
+                          <a:effectLst/>
+                          <a:latin typeface="Calibri" panose="020F0502020204030204" pitchFamily="34" charset="0"/>
+                          <a:ea typeface="Calibri" panose="020F0502020204030204" pitchFamily="34" charset="0"/>
+                          <a:cs typeface="Calibri" panose="020F0502020204030204" pitchFamily="34" charset="0"/>
+                          <a:sym typeface="Symbol" panose="05050102010706020507" pitchFamily="18" charset="2"/>
+                        </a:rPr>
+                        <a:t>3</a:t>
+                      </a:r>
+                      <a:r>
+                        <a:rPr lang="en-ZA" sz="1000" b="1" dirty="0" smtClean="0">
+                          <a:solidFill>
+                            <a:srgbClr val="FF0000"/>
+                          </a:solidFill>
+                          <a:effectLst/>
+                          <a:latin typeface="Calibri" panose="020F0502020204030204" pitchFamily="34" charset="0"/>
+                          <a:ea typeface="Calibri" panose="020F0502020204030204" pitchFamily="34" charset="0"/>
+                          <a:cs typeface="Calibri" panose="020F0502020204030204" pitchFamily="34" charset="0"/>
+                          <a:sym typeface="Symbol" panose="05050102010706020507" pitchFamily="18" charset="2"/>
+                        </a:rPr>
+                        <a:t></a:t>
+                      </a:r>
+                      <a:r>
+                        <a:rPr lang="en-ZA" sz="1000" b="1" i="0" baseline="0" dirty="0" smtClean="0">
+                          <a:solidFill>
+                            <a:schemeClr val="tx1"/>
+                          </a:solidFill>
+                          <a:effectLst/>
+                          <a:latin typeface="Calibri" panose="020F0502020204030204" pitchFamily="34" charset="0"/>
+                          <a:ea typeface="Calibri" panose="020F0502020204030204" pitchFamily="34" charset="0"/>
+                          <a:cs typeface="Calibri" panose="020F0502020204030204" pitchFamily="34" charset="0"/>
+                          <a:sym typeface="Symbol" panose="05050102010706020507" pitchFamily="18" charset="2"/>
+                        </a:rPr>
+                        <a:t> not </a:t>
+                      </a:r>
+                      <a:r>
+                        <a:rPr lang="en-ZA" sz="1000" b="1" i="0" baseline="0" dirty="0" smtClean="0">
+                          <a:solidFill>
+                            <a:srgbClr val="FF0000"/>
+                          </a:solidFill>
+                          <a:effectLst/>
+                          <a:latin typeface="Calibri" panose="020F0502020204030204" pitchFamily="34" charset="0"/>
+                          <a:ea typeface="Calibri" panose="020F0502020204030204" pitchFamily="34" charset="0"/>
+                          <a:cs typeface="Calibri" panose="020F0502020204030204" pitchFamily="34" charset="0"/>
+                          <a:sym typeface="Symbol" panose="05050102010706020507" pitchFamily="18" charset="2"/>
+                        </a:rPr>
+                        <a:t>2</a:t>
+                      </a:r>
+                      <a:r>
+                        <a:rPr lang="en-ZA" sz="1000" b="1" dirty="0" smtClean="0">
+                          <a:solidFill>
+                            <a:srgbClr val="FF0000"/>
+                          </a:solidFill>
+                          <a:effectLst/>
+                          <a:latin typeface="Calibri" panose="020F0502020204030204" pitchFamily="34" charset="0"/>
+                          <a:ea typeface="Calibri" panose="020F0502020204030204" pitchFamily="34" charset="0"/>
+                          <a:cs typeface="Calibri" panose="020F0502020204030204" pitchFamily="34" charset="0"/>
+                          <a:sym typeface="Symbol" panose="05050102010706020507" pitchFamily="18" charset="2"/>
+                        </a:rPr>
+                        <a:t></a:t>
+                      </a:r>
+                      <a:r>
+                        <a:rPr lang="en-ZA" sz="1000" b="1" i="0" baseline="0" dirty="0" smtClean="0">
+                          <a:solidFill>
+                            <a:schemeClr val="tx1"/>
+                          </a:solidFill>
+                          <a:effectLst/>
+                          <a:latin typeface="Calibri" panose="020F0502020204030204" pitchFamily="34" charset="0"/>
+                          <a:ea typeface="Calibri" panose="020F0502020204030204" pitchFamily="34" charset="0"/>
+                          <a:cs typeface="Calibri" panose="020F0502020204030204" pitchFamily="34" charset="0"/>
+                          <a:sym typeface="Symbol" panose="05050102010706020507" pitchFamily="18" charset="2"/>
+                        </a:rPr>
+                        <a:t> </a:t>
+                      </a:r>
+                      <a:r>
+                        <a:rPr lang="en-ZA" sz="1000" i="0" baseline="0" dirty="0" smtClean="0">
+                          <a:solidFill>
+                            <a:schemeClr val="tx1"/>
+                          </a:solidFill>
+                          <a:effectLst/>
+                          <a:latin typeface="Calibri" panose="020F0502020204030204" pitchFamily="34" charset="0"/>
+                          <a:ea typeface="Calibri" panose="020F0502020204030204" pitchFamily="34" charset="0"/>
+                          <a:cs typeface="Calibri" panose="020F0502020204030204" pitchFamily="34" charset="0"/>
+                          <a:sym typeface="Symbol" panose="05050102010706020507" pitchFamily="18" charset="2"/>
+                        </a:rPr>
+                        <a:t>is used to represent a </a:t>
+                      </a:r>
+                      <a:r>
+                        <a:rPr lang="en-ZA" sz="1000" i="1" baseline="0" dirty="0" smtClean="0">
+                          <a:solidFill>
+                            <a:schemeClr val="tx1"/>
+                          </a:solidFill>
+                          <a:effectLst/>
+                          <a:latin typeface="Calibri" panose="020F0502020204030204" pitchFamily="34" charset="0"/>
+                          <a:ea typeface="Calibri" panose="020F0502020204030204" pitchFamily="34" charset="0"/>
+                          <a:cs typeface="Calibri" panose="020F0502020204030204" pitchFamily="34" charset="0"/>
+                          <a:sym typeface="Symbol" panose="05050102010706020507" pitchFamily="18" charset="2"/>
+                        </a:rPr>
+                        <a:t>positive </a:t>
+                      </a:r>
+                      <a:r>
+                        <a:rPr lang="en-ZA" sz="1000" b="1" i="1" dirty="0" smtClean="0">
+                          <a:solidFill>
+                            <a:srgbClr val="FF0000"/>
+                          </a:solidFill>
+                          <a:effectLst/>
+                          <a:latin typeface="Calibri" panose="020F0502020204030204" pitchFamily="34" charset="0"/>
+                          <a:ea typeface="Calibri" panose="020F0502020204030204" pitchFamily="34" charset="0"/>
+                          <a:cs typeface="Calibri" panose="020F0502020204030204" pitchFamily="34" charset="0"/>
+                          <a:sym typeface="Symbol" panose="05050102010706020507" pitchFamily="18" charset="2"/>
+                        </a:rPr>
+                        <a:t></a:t>
+                      </a:r>
+                      <a:r>
+                        <a:rPr lang="en-ZA" sz="1000" i="1" baseline="0" dirty="0" smtClean="0">
+                          <a:solidFill>
+                            <a:schemeClr val="tx1"/>
+                          </a:solidFill>
+                          <a:effectLst/>
+                          <a:latin typeface="Calibri" panose="020F0502020204030204" pitchFamily="34" charset="0"/>
+                          <a:ea typeface="Calibri" panose="020F0502020204030204" pitchFamily="34" charset="0"/>
+                          <a:cs typeface="Calibri" panose="020F0502020204030204" pitchFamily="34" charset="0"/>
+                          <a:sym typeface="Symbol" panose="05050102010706020507" pitchFamily="18" charset="2"/>
+                        </a:rPr>
+                        <a:t> response</a:t>
+                      </a:r>
+                      <a:r>
+                        <a:rPr lang="en-ZA" sz="1000" i="0" baseline="0" dirty="0" smtClean="0">
+                          <a:solidFill>
+                            <a:schemeClr val="tx1"/>
+                          </a:solidFill>
+                          <a:effectLst/>
+                          <a:latin typeface="Calibri" panose="020F0502020204030204" pitchFamily="34" charset="0"/>
+                          <a:ea typeface="Calibri" panose="020F0502020204030204" pitchFamily="34" charset="0"/>
+                          <a:cs typeface="Calibri" panose="020F0502020204030204" pitchFamily="34" charset="0"/>
+                          <a:sym typeface="Symbol" panose="05050102010706020507" pitchFamily="18" charset="2"/>
+                        </a:rPr>
+                        <a:t>.</a:t>
+                      </a:r>
                     </a:p>
                   </a:txBody>
                   <a:tcPr marL="68580" marR="68580" marT="0" marB="0">
@@ -4660,13 +5151,13 @@
           <p:nvPr>
             <p:extLst>
               <p:ext uri="{D42A27DB-BD31-4B8C-83A1-F6EECF244321}">
-                <p14:modId xmlns:p14="http://schemas.microsoft.com/office/powerpoint/2010/main" val="4227181227"/>
+                <p14:modId xmlns:p14="http://schemas.microsoft.com/office/powerpoint/2010/main" val="2325772380"/>
               </p:ext>
             </p:extLst>
           </p:nvPr>
         </p:nvGraphicFramePr>
         <p:xfrm>
-          <a:off x="5680463" y="2450560"/>
+          <a:off x="5672224" y="3072151"/>
           <a:ext cx="4608828" cy="1365853"/>
         </p:xfrm>
         <a:graphic>
@@ -10809,13 +11300,13 @@
           <p:nvPr>
             <p:extLst>
               <p:ext uri="{D42A27DB-BD31-4B8C-83A1-F6EECF244321}">
-                <p14:modId xmlns:p14="http://schemas.microsoft.com/office/powerpoint/2010/main" val="3146136808"/>
+                <p14:modId xmlns:p14="http://schemas.microsoft.com/office/powerpoint/2010/main" val="1439298603"/>
               </p:ext>
             </p:extLst>
           </p:nvPr>
         </p:nvGraphicFramePr>
         <p:xfrm>
-          <a:off x="5672732" y="4239041"/>
+          <a:off x="5664493" y="4860632"/>
           <a:ext cx="4616560" cy="407709"/>
         </p:xfrm>
         <a:graphic>
@@ -11053,7 +11544,7 @@
         </p:nvSpPr>
         <p:spPr>
           <a:xfrm>
-            <a:off x="5672224" y="3955584"/>
+            <a:off x="5663985" y="4577175"/>
             <a:ext cx="1394573" cy="276999"/>
           </a:xfrm>
           <a:prstGeom prst="rect">
@@ -11260,6 +11751,114 @@
                 <a:srgbClr val="FF0000"/>
               </a:solidFill>
             </a:endParaRPr>
+          </a:p>
+        </p:txBody>
+      </p:sp>
+      <p:sp>
+        <p:nvSpPr>
+          <p:cNvPr id="3" name="Right Brace 2"/>
+          <p:cNvSpPr/>
+          <p:nvPr/>
+        </p:nvSpPr>
+        <p:spPr>
+          <a:xfrm>
+            <a:off x="9438939" y="1255059"/>
+            <a:ext cx="171226" cy="235586"/>
+          </a:xfrm>
+          <a:prstGeom prst="rightBrace">
+            <a:avLst/>
+          </a:prstGeom>
+        </p:spPr>
+        <p:style>
+          <a:lnRef idx="1">
+            <a:schemeClr val="accent1"/>
+          </a:lnRef>
+          <a:fillRef idx="0">
+            <a:schemeClr val="accent1"/>
+          </a:fillRef>
+          <a:effectRef idx="0">
+            <a:schemeClr val="accent1"/>
+          </a:effectRef>
+          <a:fontRef idx="minor">
+            <a:schemeClr val="tx1"/>
+          </a:fontRef>
+        </p:style>
+        <p:txBody>
+          <a:bodyPr rtlCol="0" anchor="ctr"/>
+          <a:lstStyle/>
+          <a:p>
+            <a:pPr algn="ctr"/>
+            <a:endParaRPr lang="en-ZA"/>
+          </a:p>
+        </p:txBody>
+      </p:sp>
+      <p:sp>
+        <p:nvSpPr>
+          <p:cNvPr id="10" name="TextBox 9"/>
+          <p:cNvSpPr txBox="1"/>
+          <p:nvPr/>
+        </p:nvSpPr>
+        <p:spPr>
+          <a:xfrm>
+            <a:off x="9610165" y="1142019"/>
+            <a:ext cx="1649238" cy="461665"/>
+          </a:xfrm>
+          <a:prstGeom prst="rect">
+            <a:avLst/>
+          </a:prstGeom>
+          <a:gradFill>
+            <a:gsLst>
+              <a:gs pos="0">
+                <a:schemeClr val="accent1">
+                  <a:lumMod val="5000"/>
+                  <a:lumOff val="95000"/>
+                </a:schemeClr>
+              </a:gs>
+              <a:gs pos="74000">
+                <a:schemeClr val="accent1">
+                  <a:lumMod val="45000"/>
+                  <a:lumOff val="55000"/>
+                </a:schemeClr>
+              </a:gs>
+              <a:gs pos="83000">
+                <a:schemeClr val="accent1">
+                  <a:lumMod val="45000"/>
+                  <a:lumOff val="55000"/>
+                </a:schemeClr>
+              </a:gs>
+              <a:gs pos="100000">
+                <a:schemeClr val="accent1">
+                  <a:lumMod val="30000"/>
+                  <a:lumOff val="70000"/>
+                </a:schemeClr>
+              </a:gs>
+            </a:gsLst>
+            <a:lin ang="5400000" scaled="1"/>
+          </a:gradFill>
+        </p:spPr>
+        <p:txBody>
+          <a:bodyPr wrap="square" rtlCol="0">
+            <a:spAutoFit/>
+          </a:bodyPr>
+          <a:lstStyle/>
+          <a:p>
+            <a:r>
+              <a:rPr lang="en-ZA" sz="800" dirty="0" smtClean="0"/>
+              <a:t>NB. Partner cannot pass after this and </a:t>
+            </a:r>
+            <a:r>
+              <a:rPr lang="en-ZA" sz="800" b="1" dirty="0" smtClean="0"/>
+              <a:t>must respond again</a:t>
+            </a:r>
+            <a:r>
+              <a:rPr lang="en-ZA" sz="800" dirty="0" smtClean="0"/>
+              <a:t> to a change </a:t>
+            </a:r>
+            <a:r>
+              <a:rPr lang="en-ZA" sz="800" smtClean="0"/>
+              <a:t>of suite.</a:t>
+            </a:r>
+            <a:endParaRPr lang="en-ZA" sz="800" dirty="0"/>
           </a:p>
         </p:txBody>
       </p:sp>

--- a/BridgeCheatSheet.pptx
+++ b/BridgeCheatSheet.pptx
@@ -243,7 +243,7 @@
           <a:p>
             <a:fld id="{752E92D6-D448-4673-93E0-919B9A560204}" type="datetimeFigureOut">
               <a:rPr lang="en-ZA" smtClean="0"/>
-              <a:t>2019/06/21</a:t>
+              <a:t>2019/06/25</a:t>
             </a:fld>
             <a:endParaRPr lang="en-ZA"/>
           </a:p>
@@ -413,7 +413,7 @@
           <a:p>
             <a:fld id="{752E92D6-D448-4673-93E0-919B9A560204}" type="datetimeFigureOut">
               <a:rPr lang="en-ZA" smtClean="0"/>
-              <a:t>2019/06/21</a:t>
+              <a:t>2019/06/25</a:t>
             </a:fld>
             <a:endParaRPr lang="en-ZA"/>
           </a:p>
@@ -593,7 +593,7 @@
           <a:p>
             <a:fld id="{752E92D6-D448-4673-93E0-919B9A560204}" type="datetimeFigureOut">
               <a:rPr lang="en-ZA" smtClean="0"/>
-              <a:t>2019/06/21</a:t>
+              <a:t>2019/06/25</a:t>
             </a:fld>
             <a:endParaRPr lang="en-ZA"/>
           </a:p>
@@ -763,7 +763,7 @@
           <a:p>
             <a:fld id="{752E92D6-D448-4673-93E0-919B9A560204}" type="datetimeFigureOut">
               <a:rPr lang="en-ZA" smtClean="0"/>
-              <a:t>2019/06/21</a:t>
+              <a:t>2019/06/25</a:t>
             </a:fld>
             <a:endParaRPr lang="en-ZA"/>
           </a:p>
@@ -1009,7 +1009,7 @@
           <a:p>
             <a:fld id="{752E92D6-D448-4673-93E0-919B9A560204}" type="datetimeFigureOut">
               <a:rPr lang="en-ZA" smtClean="0"/>
-              <a:t>2019/06/21</a:t>
+              <a:t>2019/06/25</a:t>
             </a:fld>
             <a:endParaRPr lang="en-ZA"/>
           </a:p>
@@ -1241,7 +1241,7 @@
           <a:p>
             <a:fld id="{752E92D6-D448-4673-93E0-919B9A560204}" type="datetimeFigureOut">
               <a:rPr lang="en-ZA" smtClean="0"/>
-              <a:t>2019/06/21</a:t>
+              <a:t>2019/06/25</a:t>
             </a:fld>
             <a:endParaRPr lang="en-ZA"/>
           </a:p>
@@ -1608,7 +1608,7 @@
           <a:p>
             <a:fld id="{752E92D6-D448-4673-93E0-919B9A560204}" type="datetimeFigureOut">
               <a:rPr lang="en-ZA" smtClean="0"/>
-              <a:t>2019/06/21</a:t>
+              <a:t>2019/06/25</a:t>
             </a:fld>
             <a:endParaRPr lang="en-ZA"/>
           </a:p>
@@ -1726,7 +1726,7 @@
           <a:p>
             <a:fld id="{752E92D6-D448-4673-93E0-919B9A560204}" type="datetimeFigureOut">
               <a:rPr lang="en-ZA" smtClean="0"/>
-              <a:t>2019/06/21</a:t>
+              <a:t>2019/06/25</a:t>
             </a:fld>
             <a:endParaRPr lang="en-ZA"/>
           </a:p>
@@ -1821,7 +1821,7 @@
           <a:p>
             <a:fld id="{752E92D6-D448-4673-93E0-919B9A560204}" type="datetimeFigureOut">
               <a:rPr lang="en-ZA" smtClean="0"/>
-              <a:t>2019/06/21</a:t>
+              <a:t>2019/06/25</a:t>
             </a:fld>
             <a:endParaRPr lang="en-ZA"/>
           </a:p>
@@ -2098,7 +2098,7 @@
           <a:p>
             <a:fld id="{752E92D6-D448-4673-93E0-919B9A560204}" type="datetimeFigureOut">
               <a:rPr lang="en-ZA" smtClean="0"/>
-              <a:t>2019/06/21</a:t>
+              <a:t>2019/06/25</a:t>
             </a:fld>
             <a:endParaRPr lang="en-ZA"/>
           </a:p>
@@ -2351,7 +2351,7 @@
           <a:p>
             <a:fld id="{752E92D6-D448-4673-93E0-919B9A560204}" type="datetimeFigureOut">
               <a:rPr lang="en-ZA" smtClean="0"/>
-              <a:t>2019/06/21</a:t>
+              <a:t>2019/06/25</a:t>
             </a:fld>
             <a:endParaRPr lang="en-ZA"/>
           </a:p>
@@ -2564,7 +2564,7 @@
           <a:p>
             <a:fld id="{752E92D6-D448-4673-93E0-919B9A560204}" type="datetimeFigureOut">
               <a:rPr lang="en-ZA" smtClean="0"/>
-              <a:t>2019/06/21</a:t>
+              <a:t>2019/06/25</a:t>
             </a:fld>
             <a:endParaRPr lang="en-ZA"/>
           </a:p>
@@ -3979,23 +3979,23 @@
           <p:nvPr>
             <p:extLst>
               <p:ext uri="{D42A27DB-BD31-4B8C-83A1-F6EECF244321}">
-                <p14:modId xmlns:p14="http://schemas.microsoft.com/office/powerpoint/2010/main" val="3540937563"/>
+                <p14:modId xmlns:p14="http://schemas.microsoft.com/office/powerpoint/2010/main" val="3778972590"/>
               </p:ext>
             </p:extLst>
           </p:nvPr>
         </p:nvGraphicFramePr>
         <p:xfrm>
           <a:off x="5680462" y="300484"/>
-          <a:ext cx="5716667" cy="2438400"/>
+          <a:ext cx="5812291" cy="2743200"/>
         </p:xfrm>
         <a:graphic>
           <a:graphicData uri="http://schemas.openxmlformats.org/drawingml/2006/table">
             <a:tbl>
               <a:tblPr firstRow="1" firstCol="1" bandRow="1"/>
               <a:tblGrid>
-                <a:gridCol w="5716667"/>
+                <a:gridCol w="5812291"/>
               </a:tblGrid>
-              <a:tr h="1518225">
+              <a:tr h="2693728">
                 <a:tc>
                   <a:txBody>
                     <a:bodyPr/>
@@ -4113,8 +4113,23 @@
                           <a:ea typeface="Calibri" panose="020F0502020204030204" pitchFamily="34" charset="0"/>
                           <a:cs typeface="Times New Roman" panose="02020603050405020304" pitchFamily="18" charset="0"/>
                         </a:rPr>
-                        <a:t>Jump raise (1 -&gt; 3) : 10-11 points and a fit.</a:t>
-                      </a:r>
+                        <a:t>Jump raise (1 -&gt; 3) : 10-11 points and a fit</a:t>
+                      </a:r>
+                      <a:r>
+                        <a:rPr lang="en-ZA" sz="1000" dirty="0" smtClean="0">
+                          <a:effectLst/>
+                          <a:latin typeface="Calibri" panose="020F0502020204030204" pitchFamily="34" charset="0"/>
+                          <a:ea typeface="Calibri" panose="020F0502020204030204" pitchFamily="34" charset="0"/>
+                          <a:cs typeface="Times New Roman" panose="02020603050405020304" pitchFamily="18" charset="0"/>
+                        </a:rPr>
+                        <a:t>.</a:t>
+                      </a:r>
+                      <a:endParaRPr lang="en-ZA" sz="1000" dirty="0">
+                        <a:effectLst/>
+                        <a:latin typeface="Calibri" panose="020F0502020204030204" pitchFamily="34" charset="0"/>
+                        <a:ea typeface="Calibri" panose="020F0502020204030204" pitchFamily="34" charset="0"/>
+                        <a:cs typeface="Times New Roman" panose="02020603050405020304" pitchFamily="18" charset="0"/>
+                      </a:endParaRPr>
                     </a:p>
                     <a:p>
                       <a:pPr algn="l">
@@ -4285,8 +4300,146 @@
                           <a:ea typeface="Calibri" panose="020F0502020204030204" pitchFamily="34" charset="0"/>
                           <a:cs typeface="Times New Roman" panose="02020603050405020304" pitchFamily="18" charset="0"/>
                         </a:rPr>
-                        <a:t>) requires 4 cards and 10+ points.</a:t>
-                      </a:r>
+                        <a:t>) requires 4 cards and 10+ points</a:t>
+                      </a:r>
+                      <a:r>
+                        <a:rPr lang="en-ZA" sz="1000" dirty="0" smtClean="0">
+                          <a:effectLst/>
+                          <a:latin typeface="Calibri" panose="020F0502020204030204" pitchFamily="34" charset="0"/>
+                          <a:ea typeface="Calibri" panose="020F0502020204030204" pitchFamily="34" charset="0"/>
+                          <a:cs typeface="Times New Roman" panose="02020603050405020304" pitchFamily="18" charset="0"/>
+                        </a:rPr>
+                        <a:t>.</a:t>
+                      </a:r>
+                    </a:p>
+                    <a:p>
+                      <a:pPr>
+                        <a:spcAft>
+                          <a:spcPts val="0"/>
+                        </a:spcAft>
+                      </a:pPr>
+                      <a:r>
+                        <a:rPr lang="en-ZA" sz="1000" b="1" u="sng" dirty="0" smtClean="0">
+                          <a:effectLst/>
+                          <a:latin typeface="Calibri" panose="020F0502020204030204" pitchFamily="34" charset="0"/>
+                          <a:ea typeface="Times New Roman" panose="02020603050405020304" pitchFamily="18" charset="0"/>
+                          <a:cs typeface="Times New Roman" panose="02020603050405020304" pitchFamily="18" charset="0"/>
+                        </a:rPr>
+                        <a:t>Responding</a:t>
+                      </a:r>
+                      <a:r>
+                        <a:rPr lang="en-ZA" sz="1000" b="1" u="sng" baseline="0" dirty="0" smtClean="0">
+                          <a:effectLst/>
+                          <a:latin typeface="Calibri" panose="020F0502020204030204" pitchFamily="34" charset="0"/>
+                          <a:ea typeface="Times New Roman" panose="02020603050405020304" pitchFamily="18" charset="0"/>
+                          <a:cs typeface="Times New Roman" panose="02020603050405020304" pitchFamily="18" charset="0"/>
+                        </a:rPr>
+                        <a:t> with 1NT</a:t>
+                      </a:r>
+                      <a:r>
+                        <a:rPr lang="en-ZA" sz="1000" baseline="0" dirty="0" smtClean="0">
+                          <a:effectLst/>
+                          <a:latin typeface="Calibri" panose="020F0502020204030204" pitchFamily="34" charset="0"/>
+                          <a:ea typeface="Times New Roman" panose="02020603050405020304" pitchFamily="18" charset="0"/>
+                          <a:cs typeface="Times New Roman" panose="02020603050405020304" pitchFamily="18" charset="0"/>
+                        </a:rPr>
+                        <a:t> </a:t>
+                      </a:r>
+                    </a:p>
+                    <a:p>
+                      <a:pPr marL="171450" indent="-171450">
+                        <a:spcAft>
+                          <a:spcPts val="0"/>
+                        </a:spcAft>
+                        <a:buFont typeface="Arial" panose="020B0604020202020204" pitchFamily="34" charset="0"/>
+                        <a:buChar char="•"/>
+                      </a:pPr>
+                      <a:r>
+                        <a:rPr lang="en-ZA" sz="1000" b="0" u="none" dirty="0" smtClean="0">
+                          <a:effectLst/>
+                          <a:latin typeface="Calibri" panose="020F0502020204030204" pitchFamily="34" charset="0"/>
+                          <a:ea typeface="Times New Roman" panose="02020603050405020304" pitchFamily="18" charset="0"/>
+                          <a:cs typeface="Times New Roman" panose="02020603050405020304" pitchFamily="18" charset="0"/>
+                        </a:rPr>
+                        <a:t>When</a:t>
+                      </a:r>
+                      <a:r>
+                        <a:rPr lang="en-ZA" sz="1000" b="0" u="none" baseline="0" dirty="0" smtClean="0">
+                          <a:effectLst/>
+                          <a:latin typeface="Calibri" panose="020F0502020204030204" pitchFamily="34" charset="0"/>
+                          <a:ea typeface="Times New Roman" panose="02020603050405020304" pitchFamily="18" charset="0"/>
+                          <a:cs typeface="Times New Roman" panose="02020603050405020304" pitchFamily="18" charset="0"/>
+                        </a:rPr>
+                        <a:t> </a:t>
+                      </a:r>
+                      <a:r>
+                        <a:rPr lang="en-ZA" sz="1000" b="1" u="none" dirty="0" smtClean="0">
+                          <a:effectLst/>
+                          <a:latin typeface="Calibri" panose="020F0502020204030204" pitchFamily="34" charset="0"/>
+                          <a:ea typeface="Times New Roman" panose="02020603050405020304" pitchFamily="18" charset="0"/>
+                          <a:cs typeface="Times New Roman" panose="02020603050405020304" pitchFamily="18" charset="0"/>
+                        </a:rPr>
+                        <a:t>cannot support partner</a:t>
+                      </a:r>
+                      <a:r>
+                        <a:rPr lang="en-ZA" sz="1000" b="0" u="none" baseline="0" dirty="0" smtClean="0">
+                          <a:effectLst/>
+                          <a:latin typeface="Calibri" panose="020F0502020204030204" pitchFamily="34" charset="0"/>
+                          <a:ea typeface="Times New Roman" panose="02020603050405020304" pitchFamily="18" charset="0"/>
+                          <a:cs typeface="Times New Roman" panose="02020603050405020304" pitchFamily="18" charset="0"/>
+                        </a:rPr>
+                        <a:t> </a:t>
+                      </a:r>
+                      <a:r>
+                        <a:rPr lang="en-ZA" sz="1000" b="1" u="none" baseline="0" dirty="0" smtClean="0">
+                          <a:effectLst/>
+                          <a:latin typeface="Calibri" panose="020F0502020204030204" pitchFamily="34" charset="0"/>
+                          <a:ea typeface="Times New Roman" panose="02020603050405020304" pitchFamily="18" charset="0"/>
+                          <a:cs typeface="Times New Roman" panose="02020603050405020304" pitchFamily="18" charset="0"/>
+                        </a:rPr>
+                        <a:t>&amp; </a:t>
+                      </a:r>
+                      <a:r>
+                        <a:rPr lang="en-ZA" sz="1000" b="1" dirty="0" smtClean="0">
+                          <a:effectLst/>
+                          <a:latin typeface="Calibri" panose="020F0502020204030204" pitchFamily="34" charset="0"/>
+                          <a:ea typeface="Times New Roman" panose="02020603050405020304" pitchFamily="18" charset="0"/>
+                          <a:cs typeface="Times New Roman" panose="02020603050405020304" pitchFamily="18" charset="0"/>
+                        </a:rPr>
+                        <a:t>have no 4+ card suit at 1 level</a:t>
+                      </a:r>
+                      <a:r>
+                        <a:rPr lang="en-ZA" sz="1000" dirty="0" smtClean="0">
+                          <a:effectLst/>
+                          <a:latin typeface="Calibri" panose="020F0502020204030204" pitchFamily="34" charset="0"/>
+                          <a:ea typeface="Times New Roman" panose="02020603050405020304" pitchFamily="18" charset="0"/>
+                          <a:cs typeface="Times New Roman" panose="02020603050405020304" pitchFamily="18" charset="0"/>
+                        </a:rPr>
+                        <a:t>. </a:t>
+                      </a:r>
+                      <a:r>
+                        <a:rPr lang="en-ZA" sz="1000" i="1" dirty="0" smtClean="0">
+                          <a:effectLst/>
+                          <a:latin typeface="Calibri" panose="020F0502020204030204" pitchFamily="34" charset="0"/>
+                          <a:ea typeface="Times New Roman" panose="02020603050405020304" pitchFamily="18" charset="0"/>
+                          <a:cs typeface="Times New Roman" panose="02020603050405020304" pitchFamily="18" charset="0"/>
+                        </a:rPr>
+                        <a:t>A very common bid</a:t>
+                      </a:r>
+                      <a:r>
+                        <a:rPr lang="en-ZA" sz="1000" i="1" baseline="0" dirty="0" smtClean="0">
+                          <a:effectLst/>
+                          <a:latin typeface="Calibri" panose="020F0502020204030204" pitchFamily="34" charset="0"/>
+                          <a:ea typeface="Times New Roman" panose="02020603050405020304" pitchFamily="18" charset="0"/>
+                          <a:cs typeface="Times New Roman" panose="02020603050405020304" pitchFamily="18" charset="0"/>
+                        </a:rPr>
+                        <a:t> (showing 5-9 pts)</a:t>
+                      </a:r>
+                      <a:endParaRPr lang="en-ZA" sz="1000" i="1" dirty="0" smtClean="0">
+                        <a:effectLst/>
+                        <a:latin typeface="Times New Roman" panose="02020603050405020304" pitchFamily="18" charset="0"/>
+                        <a:ea typeface="Times New Roman" panose="02020603050405020304" pitchFamily="18" charset="0"/>
+                      </a:endParaRPr>
                     </a:p>
                     <a:p>
                       <a:pPr algn="l">
@@ -4301,6 +4454,24 @@
                           <a:ea typeface="Calibri" panose="020F0502020204030204" pitchFamily="34" charset="0"/>
                           <a:cs typeface="Calibri" panose="020F0502020204030204" pitchFamily="34" charset="0"/>
                         </a:rPr>
+                        <a:t>Responding</a:t>
+                      </a:r>
+                      <a:r>
+                        <a:rPr lang="en-ZA" sz="1000" b="1" u="sng" baseline="0" dirty="0" smtClean="0">
+                          <a:effectLst/>
+                          <a:latin typeface="Calibri" panose="020F0502020204030204" pitchFamily="34" charset="0"/>
+                          <a:ea typeface="Calibri" panose="020F0502020204030204" pitchFamily="34" charset="0"/>
+                          <a:cs typeface="Calibri" panose="020F0502020204030204" pitchFamily="34" charset="0"/>
+                        </a:rPr>
+                        <a:t> to </a:t>
+                      </a:r>
+                      <a:r>
+                        <a:rPr lang="en-ZA" sz="1000" b="1" u="sng" dirty="0" smtClean="0">
+                          <a:effectLst/>
+                          <a:latin typeface="Calibri" panose="020F0502020204030204" pitchFamily="34" charset="0"/>
+                          <a:ea typeface="Calibri" panose="020F0502020204030204" pitchFamily="34" charset="0"/>
+                          <a:cs typeface="Calibri" panose="020F0502020204030204" pitchFamily="34" charset="0"/>
+                        </a:rPr>
                         <a:t>1NT</a:t>
                       </a:r>
                       <a:r>
@@ -4353,6 +4524,24 @@
                           <a:ea typeface="Calibri" panose="020F0502020204030204" pitchFamily="34" charset="0"/>
                           <a:cs typeface="Calibri" panose="020F0502020204030204" pitchFamily="34" charset="0"/>
                         </a:rPr>
+                        <a:t>Responding</a:t>
+                      </a:r>
+                      <a:r>
+                        <a:rPr lang="en-ZA" sz="1000" b="1" u="sng" baseline="0" dirty="0" smtClean="0">
+                          <a:effectLst/>
+                          <a:latin typeface="Calibri" panose="020F0502020204030204" pitchFamily="34" charset="0"/>
+                          <a:ea typeface="Calibri" panose="020F0502020204030204" pitchFamily="34" charset="0"/>
+                          <a:cs typeface="Calibri" panose="020F0502020204030204" pitchFamily="34" charset="0"/>
+                        </a:rPr>
+                        <a:t> to </a:t>
+                      </a:r>
+                      <a:r>
+                        <a:rPr lang="en-ZA" sz="1000" b="1" u="sng" dirty="0" smtClean="0">
+                          <a:effectLst/>
+                          <a:latin typeface="Calibri" panose="020F0502020204030204" pitchFamily="34" charset="0"/>
+                          <a:ea typeface="Calibri" panose="020F0502020204030204" pitchFamily="34" charset="0"/>
+                          <a:cs typeface="Calibri" panose="020F0502020204030204" pitchFamily="34" charset="0"/>
+                        </a:rPr>
                         <a:t>2NT</a:t>
                       </a:r>
                       <a:r>
@@ -4362,7 +4551,16 @@
                           <a:ea typeface="Calibri" panose="020F0502020204030204" pitchFamily="34" charset="0"/>
                           <a:cs typeface="Calibri" panose="020F0502020204030204" pitchFamily="34" charset="0"/>
                         </a:rPr>
-                        <a:t>: 4+ points bit</a:t>
+                        <a:t>: 4+ points </a:t>
+                      </a:r>
+                      <a:r>
+                        <a:rPr lang="en-ZA" sz="1000" b="0" u="none" dirty="0" smtClean="0">
+                          <a:effectLst/>
+                          <a:latin typeface="Calibri" panose="020F0502020204030204" pitchFamily="34" charset="0"/>
+                          <a:ea typeface="Calibri" panose="020F0502020204030204" pitchFamily="34" charset="0"/>
+                          <a:cs typeface="Calibri" panose="020F0502020204030204" pitchFamily="34" charset="0"/>
+                        </a:rPr>
+                        <a:t>bid</a:t>
                       </a:r>
                       <a:r>
                         <a:rPr lang="en-ZA" sz="1000" b="1" u="none" baseline="0" dirty="0" smtClean="0">
@@ -4511,6 +4709,24 @@
                           <a:spcPts val="0"/>
                         </a:spcAft>
                       </a:pPr>
+                      <a:r>
+                        <a:rPr lang="en-ZA" sz="1000" b="1" u="sng" dirty="0" smtClean="0">
+                          <a:effectLst/>
+                          <a:latin typeface="Calibri" panose="020F0502020204030204" pitchFamily="34" charset="0"/>
+                          <a:ea typeface="Calibri" panose="020F0502020204030204" pitchFamily="34" charset="0"/>
+                          <a:cs typeface="Calibri" panose="020F0502020204030204" pitchFamily="34" charset="0"/>
+                        </a:rPr>
+                        <a:t>Responding</a:t>
+                      </a:r>
+                      <a:r>
+                        <a:rPr lang="en-ZA" sz="1000" b="1" u="sng" baseline="0" dirty="0" smtClean="0">
+                          <a:effectLst/>
+                          <a:latin typeface="Calibri" panose="020F0502020204030204" pitchFamily="34" charset="0"/>
+                          <a:ea typeface="Calibri" panose="020F0502020204030204" pitchFamily="34" charset="0"/>
+                          <a:cs typeface="Calibri" panose="020F0502020204030204" pitchFamily="34" charset="0"/>
+                        </a:rPr>
+                        <a:t> to </a:t>
+                      </a:r>
                       <a:r>
                         <a:rPr lang="en-ZA" sz="1000" b="1" u="sng" dirty="0" smtClean="0">
                           <a:effectLst/>
@@ -4688,10 +4904,10 @@
                           <a:cs typeface="Calibri" panose="020F0502020204030204" pitchFamily="34" charset="0"/>
                           <a:sym typeface="Symbol" panose="05050102010706020507" pitchFamily="18" charset="2"/>
                         </a:rPr>
-                        <a:t> </a:t>
-                      </a:r>
-                      <a:r>
-                        <a:rPr lang="en-ZA" sz="1000" b="1" baseline="0" dirty="0" smtClean="0">
+                        <a:t> pts, 5 card suite</a:t>
+                      </a:r>
+                      <a:r>
+                        <a:rPr lang="en-ZA" sz="1000" baseline="0" dirty="0" smtClean="0">
                           <a:solidFill>
                             <a:schemeClr val="tx1"/>
                           </a:solidFill>
@@ -4701,98 +4917,7 @@
                           <a:cs typeface="Calibri" panose="020F0502020204030204" pitchFamily="34" charset="0"/>
                           <a:sym typeface="Symbol" panose="05050102010706020507" pitchFamily="18" charset="2"/>
                         </a:rPr>
-                        <a:t>pts, 5 </a:t>
-                      </a:r>
-                      <a:r>
-                        <a:rPr lang="en-ZA" sz="1000" b="1" baseline="0" dirty="0" smtClean="0">
-                          <a:solidFill>
-                            <a:schemeClr val="tx1"/>
-                          </a:solidFill>
-                          <a:effectLst/>
-                          <a:latin typeface="Calibri" panose="020F0502020204030204" pitchFamily="34" charset="0"/>
-                          <a:ea typeface="Calibri" panose="020F0502020204030204" pitchFamily="34" charset="0"/>
-                          <a:cs typeface="Calibri" panose="020F0502020204030204" pitchFamily="34" charset="0"/>
-                          <a:sym typeface="Symbol" panose="05050102010706020507" pitchFamily="18" charset="2"/>
-                        </a:rPr>
-                        <a:t>card </a:t>
-                      </a:r>
-                      <a:r>
-                        <a:rPr lang="en-ZA" sz="1000" b="1" baseline="0" dirty="0" smtClean="0">
-                          <a:solidFill>
-                            <a:schemeClr val="tx1"/>
-                          </a:solidFill>
-                          <a:effectLst/>
-                          <a:latin typeface="Calibri" panose="020F0502020204030204" pitchFamily="34" charset="0"/>
-                          <a:ea typeface="Calibri" panose="020F0502020204030204" pitchFamily="34" charset="0"/>
-                          <a:cs typeface="Calibri" panose="020F0502020204030204" pitchFamily="34" charset="0"/>
-                          <a:sym typeface="Symbol" panose="05050102010706020507" pitchFamily="18" charset="2"/>
-                        </a:rPr>
-                        <a:t>suite</a:t>
-                      </a:r>
-                      <a:r>
-                        <a:rPr lang="en-ZA" sz="1000" baseline="0" dirty="0" smtClean="0">
-                          <a:solidFill>
-                            <a:schemeClr val="tx1"/>
-                          </a:solidFill>
-                          <a:effectLst/>
-                          <a:latin typeface="Calibri" panose="020F0502020204030204" pitchFamily="34" charset="0"/>
-                          <a:ea typeface="Calibri" panose="020F0502020204030204" pitchFamily="34" charset="0"/>
-                          <a:cs typeface="Calibri" panose="020F0502020204030204" pitchFamily="34" charset="0"/>
-                          <a:sym typeface="Symbol" panose="05050102010706020507" pitchFamily="18" charset="2"/>
-                        </a:rPr>
-                        <a:t> </a:t>
-                      </a:r>
-                      <a:r>
-                        <a:rPr lang="en-ZA" sz="1000" baseline="0" dirty="0" smtClean="0">
-                          <a:solidFill>
-                            <a:schemeClr val="tx1"/>
-                          </a:solidFill>
-                          <a:effectLst/>
-                          <a:latin typeface="Calibri" panose="020F0502020204030204" pitchFamily="34" charset="0"/>
-                          <a:ea typeface="Calibri" panose="020F0502020204030204" pitchFamily="34" charset="0"/>
-                          <a:cs typeface="Calibri" panose="020F0502020204030204" pitchFamily="34" charset="0"/>
-                          <a:sym typeface="Symbol" panose="05050102010706020507" pitchFamily="18" charset="2"/>
-                        </a:rPr>
-                        <a:t>bid best (</a:t>
-                      </a:r>
-                      <a:r>
-                        <a:rPr lang="en-ZA" sz="1000" baseline="0" dirty="0" smtClean="0">
-                          <a:solidFill>
-                            <a:schemeClr val="tx1"/>
-                          </a:solidFill>
-                          <a:effectLst/>
-                          <a:latin typeface="Calibri" panose="020F0502020204030204" pitchFamily="34" charset="0"/>
-                          <a:ea typeface="Calibri" panose="020F0502020204030204" pitchFamily="34" charset="0"/>
-                          <a:cs typeface="Calibri" panose="020F0502020204030204" pitchFamily="34" charset="0"/>
-                          <a:sym typeface="Symbol" panose="05050102010706020507" pitchFamily="18" charset="2"/>
-                        </a:rPr>
-                        <a:t>long) </a:t>
-                      </a:r>
-                      <a:r>
-                        <a:rPr lang="en-ZA" sz="1000" baseline="0" dirty="0" smtClean="0">
-                          <a:solidFill>
-                            <a:schemeClr val="tx1"/>
-                          </a:solidFill>
-                          <a:effectLst/>
-                          <a:latin typeface="Calibri" panose="020F0502020204030204" pitchFamily="34" charset="0"/>
-                          <a:ea typeface="Calibri" panose="020F0502020204030204" pitchFamily="34" charset="0"/>
-                          <a:cs typeface="Calibri" panose="020F0502020204030204" pitchFamily="34" charset="0"/>
-                          <a:sym typeface="Symbol" panose="05050102010706020507" pitchFamily="18" charset="2"/>
-                        </a:rPr>
-                        <a:t>suite </a:t>
-                      </a:r>
-                      <a:r>
-                        <a:rPr lang="en-ZA" sz="1000" baseline="0" dirty="0" smtClean="0">
-                          <a:solidFill>
-                            <a:schemeClr val="tx1"/>
-                          </a:solidFill>
-                          <a:effectLst/>
-                          <a:latin typeface="Calibri" panose="020F0502020204030204" pitchFamily="34" charset="0"/>
-                          <a:ea typeface="Calibri" panose="020F0502020204030204" pitchFamily="34" charset="0"/>
-                          <a:cs typeface="Calibri" panose="020F0502020204030204" pitchFamily="34" charset="0"/>
-                          <a:sym typeface="Symbol" panose="05050102010706020507" pitchFamily="18" charset="2"/>
-                        </a:rPr>
-                        <a:t>(2</a:t>
+                        <a:t> bid best (long) suite (2</a:t>
                       </a:r>
                       <a:r>
                         <a:rPr lang="en-ZA" sz="1000" dirty="0" smtClean="0">
@@ -11587,8 +11712,8 @@
         </p:nvSpPr>
         <p:spPr>
           <a:xfrm>
-            <a:off x="8559115" y="5754008"/>
-            <a:ext cx="3632886" cy="1107996"/>
+            <a:off x="8929117" y="5459262"/>
+            <a:ext cx="3011333" cy="1200329"/>
           </a:xfrm>
           <a:prstGeom prst="rect">
             <a:avLst/>
@@ -11602,23 +11727,23 @@
           <a:lstStyle/>
           <a:p>
             <a:r>
-              <a:rPr lang="en-ZA" sz="1100" b="1" dirty="0" smtClean="0"/>
+              <a:rPr lang="en-ZA" sz="900" b="1" dirty="0" smtClean="0"/>
               <a:t>Download </a:t>
             </a:r>
             <a:r>
-              <a:rPr lang="en-ZA" sz="1100" dirty="0"/>
+              <a:rPr lang="en-ZA" sz="900" dirty="0"/>
               <a:t>(Note </a:t>
             </a:r>
             <a:r>
-              <a:rPr lang="en-ZA" sz="1100" dirty="0" smtClean="0"/>
+              <a:rPr lang="en-ZA" sz="900" dirty="0" smtClean="0"/>
               <a:t>that Russell </a:t>
             </a:r>
             <a:r>
-              <a:rPr lang="en-ZA" sz="1100" dirty="0"/>
+              <a:rPr lang="en-ZA" sz="900" dirty="0"/>
               <a:t>has 2 L’s</a:t>
             </a:r>
             <a:r>
-              <a:rPr lang="en-ZA" sz="1100" dirty="0" smtClean="0"/>
+              <a:rPr lang="en-ZA" sz="900" dirty="0" smtClean="0"/>
               <a:t>)</a:t>
             </a:r>
           </a:p>
@@ -11628,32 +11753,32 @@
               <a:buChar char="•"/>
             </a:pPr>
             <a:r>
-              <a:rPr lang="en-ZA" sz="1100" dirty="0" smtClean="0"/>
+              <a:rPr lang="en-ZA" sz="900" dirty="0" smtClean="0"/>
               <a:t>PDF </a:t>
             </a:r>
             <a:r>
-              <a:rPr lang="en-ZA" sz="1100" dirty="0" smtClean="0">
+              <a:rPr lang="en-ZA" sz="900" dirty="0" smtClean="0">
                 <a:hlinkClick r:id="rId2"/>
               </a:rPr>
               <a:t>https</a:t>
             </a:r>
             <a:r>
-              <a:rPr lang="en-ZA" sz="1100" dirty="0">
+              <a:rPr lang="en-ZA" sz="900" dirty="0">
                 <a:hlinkClick r:id="rId2"/>
               </a:rPr>
               <a:t>://</a:t>
             </a:r>
             <a:r>
-              <a:rPr lang="en-ZA" sz="1100" dirty="0" smtClean="0">
+              <a:rPr lang="en-ZA" sz="900" dirty="0" smtClean="0">
                 <a:hlinkClick r:id="rId2"/>
               </a:rPr>
               <a:t>tinyurl.com/RussellsBridgePDF</a:t>
             </a:r>
             <a:r>
-              <a:rPr lang="en-ZA" sz="1100" dirty="0"/>
+              <a:rPr lang="en-ZA" sz="900" dirty="0"/>
               <a:t> </a:t>
             </a:r>
-            <a:endParaRPr lang="en-ZA" sz="1100" dirty="0" smtClean="0"/>
+            <a:endParaRPr lang="en-ZA" sz="900" dirty="0" smtClean="0"/>
           </a:p>
           <a:p>
             <a:pPr marL="171450" indent="-171450">
@@ -11661,15 +11786,15 @@
               <a:buChar char="•"/>
             </a:pPr>
             <a:r>
-              <a:rPr lang="en-ZA" sz="1100" dirty="0" err="1" smtClean="0"/>
+              <a:rPr lang="en-ZA" sz="900" dirty="0" err="1" smtClean="0"/>
               <a:t>Powerpoint</a:t>
             </a:r>
             <a:r>
-              <a:rPr lang="en-ZA" sz="1100" dirty="0" smtClean="0"/>
+              <a:rPr lang="en-ZA" sz="900" dirty="0" smtClean="0"/>
               <a:t> </a:t>
             </a:r>
             <a:r>
-              <a:rPr lang="en-ZA" sz="1100" u="sng" dirty="0" smtClean="0">
+              <a:rPr lang="en-ZA" sz="900" u="sng" dirty="0" smtClean="0">
                 <a:solidFill>
                   <a:srgbClr val="0070C0"/>
                 </a:solidFill>
@@ -11678,7 +11803,7 @@
               <a:t>https</a:t>
             </a:r>
             <a:r>
-              <a:rPr lang="en-ZA" sz="1100" u="sng" dirty="0">
+              <a:rPr lang="en-ZA" sz="900" u="sng" dirty="0">
                 <a:solidFill>
                   <a:srgbClr val="0070C0"/>
                 </a:solidFill>
@@ -11687,7 +11812,7 @@
               <a:t>://</a:t>
             </a:r>
             <a:r>
-              <a:rPr lang="en-ZA" sz="1100" u="sng" dirty="0" smtClean="0">
+              <a:rPr lang="en-ZA" sz="900" u="sng" dirty="0" smtClean="0">
                 <a:solidFill>
                   <a:srgbClr val="0070C0"/>
                 </a:solidFill>
@@ -11695,14 +11820,14 @@
               </a:rPr>
               <a:t>tinyurl.com/RussellBridgePPT</a:t>
             </a:r>
-            <a:endParaRPr lang="en-ZA" sz="1100" u="sng" dirty="0" smtClean="0">
+            <a:endParaRPr lang="en-ZA" sz="900" u="sng" dirty="0" smtClean="0">
               <a:solidFill>
                 <a:srgbClr val="0070C0"/>
               </a:solidFill>
             </a:endParaRPr>
           </a:p>
           <a:p>
-            <a:endParaRPr lang="en-ZA" sz="1100" u="sng" dirty="0" smtClean="0">
+            <a:endParaRPr lang="en-ZA" sz="900" u="sng" dirty="0" smtClean="0">
               <a:solidFill>
                 <a:srgbClr val="0070C0"/>
               </a:solidFill>
@@ -11710,35 +11835,27 @@
           </a:p>
           <a:p>
             <a:r>
-              <a:rPr lang="en-ZA" sz="1100" dirty="0" smtClean="0"/>
+              <a:rPr lang="en-ZA" sz="900" dirty="0" smtClean="0"/>
               <a:t>My email:  </a:t>
             </a:r>
             <a:r>
-              <a:rPr lang="en-ZA" sz="1100" dirty="0" smtClean="0">
+              <a:rPr lang="en-ZA" sz="900" dirty="0" smtClean="0">
                 <a:hlinkClick r:id="rId4"/>
               </a:rPr>
               <a:t>russell.contact@gmail.com</a:t>
             </a:r>
             <a:r>
-              <a:rPr lang="en-ZA" sz="1100" dirty="0" smtClean="0"/>
+              <a:rPr lang="en-ZA" sz="900" dirty="0" smtClean="0"/>
               <a:t>  Cell: 083 709 8553.</a:t>
             </a:r>
           </a:p>
           <a:p>
             <a:r>
-              <a:rPr lang="en-ZA" sz="1100" dirty="0" smtClean="0"/>
-              <a:t>Feel free to </a:t>
+              <a:rPr lang="en-ZA" sz="900" dirty="0" smtClean="0"/>
+              <a:t>Feel free to share or improve this </a:t>
             </a:r>
             <a:r>
-              <a:rPr lang="en-ZA" sz="1100" smtClean="0"/>
-              <a:t>share or </a:t>
-            </a:r>
-            <a:r>
-              <a:rPr lang="en-ZA" sz="1100" dirty="0" smtClean="0"/>
-              <a:t>improve this </a:t>
-            </a:r>
-            <a:r>
-              <a:rPr lang="en-ZA" sz="1100" dirty="0" smtClean="0">
+              <a:rPr lang="en-ZA" sz="900" dirty="0" smtClean="0">
                 <a:solidFill>
                   <a:srgbClr val="FF0000"/>
                 </a:solidFill>
@@ -11746,9 +11863,27 @@
               </a:rPr>
               <a:t></a:t>
             </a:r>
-            <a:endParaRPr lang="en-ZA" sz="1100" dirty="0">
+          </a:p>
+          <a:p>
+            <a:endParaRPr lang="en-ZA" sz="900" dirty="0" smtClean="0">
               <a:solidFill>
                 <a:srgbClr val="FF0000"/>
+              </a:solidFill>
+              <a:sym typeface="Wingdings" panose="05000000000000000000" pitchFamily="2" charset="2"/>
+            </a:endParaRPr>
+          </a:p>
+          <a:p>
+            <a:r>
+              <a:rPr lang="en-ZA" sz="900" i="1" dirty="0" smtClean="0">
+                <a:solidFill>
+                  <a:srgbClr val="002060"/>
+                </a:solidFill>
+              </a:rPr>
+              <a:t>Last updated: 25 June 2019 11:45pm</a:t>
+            </a:r>
+            <a:endParaRPr lang="en-ZA" sz="900" i="1" dirty="0">
+              <a:solidFill>
+                <a:srgbClr val="002060"/>
               </a:solidFill>
             </a:endParaRPr>
           </a:p>
@@ -11800,7 +11935,7 @@
         </p:nvSpPr>
         <p:spPr>
           <a:xfrm>
-            <a:off x="9610165" y="1142019"/>
+            <a:off x="9610165" y="1143267"/>
             <a:ext cx="1649238" cy="461665"/>
           </a:xfrm>
           <a:prstGeom prst="rect">
@@ -11844,19 +11979,23 @@
           <a:p>
             <a:r>
               <a:rPr lang="en-ZA" sz="800" dirty="0" smtClean="0"/>
-              <a:t>NB. Partner cannot pass after this and </a:t>
+              <a:t>NB. Partner cannot pass after </a:t>
+            </a:r>
+            <a:r>
+              <a:rPr lang="en-ZA" sz="800" dirty="0" smtClean="0"/>
+              <a:t>an initial change of suite </a:t>
+            </a:r>
+            <a:r>
+              <a:rPr lang="en-ZA" sz="800" dirty="0" smtClean="0"/>
+              <a:t>and </a:t>
             </a:r>
             <a:r>
               <a:rPr lang="en-ZA" sz="800" b="1" dirty="0" smtClean="0"/>
-              <a:t>must respond again</a:t>
+              <a:t>must respond </a:t>
             </a:r>
             <a:r>
-              <a:rPr lang="en-ZA" sz="800" dirty="0" smtClean="0"/>
-              <a:t> to a change </a:t>
-            </a:r>
-            <a:r>
-              <a:rPr lang="en-ZA" sz="800" smtClean="0"/>
-              <a:t>of suite.</a:t>
+              <a:rPr lang="en-ZA" sz="800" b="1" dirty="0" smtClean="0"/>
+              <a:t>again.</a:t>
             </a:r>
             <a:endParaRPr lang="en-ZA" sz="800" dirty="0"/>
           </a:p>

--- a/BridgeCheatSheet.pptx
+++ b/BridgeCheatSheet.pptx
@@ -4,6 +4,12 @@
   <p:sldMasterIdLst>
     <p:sldMasterId id="2147483648" r:id="rId1"/>
   </p:sldMasterIdLst>
+  <p:notesMasterIdLst>
+    <p:notesMasterId r:id="rId3"/>
+  </p:notesMasterIdLst>
+  <p:handoutMasterIdLst>
+    <p:handoutMasterId r:id="rId4"/>
+  </p:handoutMasterIdLst>
   <p:sldIdLst>
     <p:sldId id="256" r:id="rId2"/>
   </p:sldIdLst>
@@ -110,6 +116,615 @@
     </p:ext>
   </p:extLst>
 </p:presentation>
+</file>
+
+<file path=ppt/handoutMasters/handoutMaster1.xml><?xml version="1.0" encoding="utf-8"?>
+<p:handoutMaster xmlns:a="http://schemas.openxmlformats.org/drawingml/2006/main" xmlns:r="http://schemas.openxmlformats.org/officeDocument/2006/relationships" xmlns:p="http://schemas.openxmlformats.org/presentationml/2006/main">
+  <p:cSld>
+    <p:bg>
+      <p:bgRef idx="1001">
+        <a:schemeClr val="bg1"/>
+      </p:bgRef>
+    </p:bg>
+    <p:spTree>
+      <p:nvGrpSpPr>
+        <p:cNvPr id="1" name=""/>
+        <p:cNvGrpSpPr/>
+        <p:nvPr/>
+      </p:nvGrpSpPr>
+      <p:grpSpPr>
+        <a:xfrm>
+          <a:off x="0" y="0"/>
+          <a:ext cx="0" cy="0"/>
+          <a:chOff x="0" y="0"/>
+          <a:chExt cx="0" cy="0"/>
+        </a:xfrm>
+      </p:grpSpPr>
+      <p:sp>
+        <p:nvSpPr>
+          <p:cNvPr id="2" name="Header Placeholder 1"/>
+          <p:cNvSpPr>
+            <a:spLocks noGrp="1"/>
+          </p:cNvSpPr>
+          <p:nvPr>
+            <p:ph type="hdr" sz="quarter"/>
+          </p:nvPr>
+        </p:nvSpPr>
+        <p:spPr>
+          <a:xfrm>
+            <a:off x="0" y="0"/>
+            <a:ext cx="2946400" cy="495300"/>
+          </a:xfrm>
+          <a:prstGeom prst="rect">
+            <a:avLst/>
+          </a:prstGeom>
+        </p:spPr>
+        <p:txBody>
+          <a:bodyPr vert="horz" lIns="91440" tIns="45720" rIns="91440" bIns="45720" rtlCol="0"/>
+          <a:lstStyle>
+            <a:lvl1pPr algn="l">
+              <a:defRPr sz="1200"/>
+            </a:lvl1pPr>
+          </a:lstStyle>
+          <a:p>
+            <a:r>
+              <a:rPr lang="en-ZA" smtClean="0"/>
+              <a:t>Bridge Cheat Sheet</a:t>
+            </a:r>
+            <a:endParaRPr lang="en-ZA"/>
+          </a:p>
+        </p:txBody>
+      </p:sp>
+      <p:sp>
+        <p:nvSpPr>
+          <p:cNvPr id="3" name="Date Placeholder 2"/>
+          <p:cNvSpPr>
+            <a:spLocks noGrp="1"/>
+          </p:cNvSpPr>
+          <p:nvPr>
+            <p:ph type="dt" sz="quarter" idx="1"/>
+          </p:nvPr>
+        </p:nvSpPr>
+        <p:spPr>
+          <a:xfrm>
+            <a:off x="3849688" y="0"/>
+            <a:ext cx="2946400" cy="495300"/>
+          </a:xfrm>
+          <a:prstGeom prst="rect">
+            <a:avLst/>
+          </a:prstGeom>
+        </p:spPr>
+        <p:txBody>
+          <a:bodyPr vert="horz" lIns="91440" tIns="45720" rIns="91440" bIns="45720" rtlCol="0"/>
+          <a:lstStyle>
+            <a:lvl1pPr algn="r">
+              <a:defRPr sz="1200"/>
+            </a:lvl1pPr>
+          </a:lstStyle>
+          <a:p>
+            <a:fld id="{1535C51F-7995-47F5-AC87-42E538F89E77}" type="datetimeFigureOut">
+              <a:rPr lang="en-ZA" smtClean="0"/>
+              <a:t>2019/07/01</a:t>
+            </a:fld>
+            <a:endParaRPr lang="en-ZA"/>
+          </a:p>
+        </p:txBody>
+      </p:sp>
+      <p:sp>
+        <p:nvSpPr>
+          <p:cNvPr id="4" name="Footer Placeholder 3"/>
+          <p:cNvSpPr>
+            <a:spLocks noGrp="1"/>
+          </p:cNvSpPr>
+          <p:nvPr>
+            <p:ph type="ftr" sz="quarter" idx="2"/>
+          </p:nvPr>
+        </p:nvSpPr>
+        <p:spPr>
+          <a:xfrm>
+            <a:off x="0" y="9378950"/>
+            <a:ext cx="2946400" cy="495300"/>
+          </a:xfrm>
+          <a:prstGeom prst="rect">
+            <a:avLst/>
+          </a:prstGeom>
+        </p:spPr>
+        <p:txBody>
+          <a:bodyPr vert="horz" lIns="91440" tIns="45720" rIns="91440" bIns="45720" rtlCol="0" anchor="b"/>
+          <a:lstStyle>
+            <a:lvl1pPr algn="l">
+              <a:defRPr sz="1200"/>
+            </a:lvl1pPr>
+          </a:lstStyle>
+          <a:p>
+            <a:endParaRPr lang="en-ZA"/>
+          </a:p>
+        </p:txBody>
+      </p:sp>
+      <p:sp>
+        <p:nvSpPr>
+          <p:cNvPr id="5" name="Slide Number Placeholder 4"/>
+          <p:cNvSpPr>
+            <a:spLocks noGrp="1"/>
+          </p:cNvSpPr>
+          <p:nvPr>
+            <p:ph type="sldNum" sz="quarter" idx="3"/>
+          </p:nvPr>
+        </p:nvSpPr>
+        <p:spPr>
+          <a:xfrm>
+            <a:off x="3849688" y="9378950"/>
+            <a:ext cx="2946400" cy="495300"/>
+          </a:xfrm>
+          <a:prstGeom prst="rect">
+            <a:avLst/>
+          </a:prstGeom>
+        </p:spPr>
+        <p:txBody>
+          <a:bodyPr vert="horz" lIns="91440" tIns="45720" rIns="91440" bIns="45720" rtlCol="0" anchor="b"/>
+          <a:lstStyle>
+            <a:lvl1pPr algn="r">
+              <a:defRPr sz="1200"/>
+            </a:lvl1pPr>
+          </a:lstStyle>
+          <a:p>
+            <a:fld id="{00DB17FB-F51F-4D86-BD75-437AA350F28F}" type="slidenum">
+              <a:rPr lang="en-ZA" smtClean="0"/>
+              <a:t>‹#›</a:t>
+            </a:fld>
+            <a:endParaRPr lang="en-ZA"/>
+          </a:p>
+        </p:txBody>
+      </p:sp>
+    </p:spTree>
+    <p:extLst>
+      <p:ext uri="{BB962C8B-B14F-4D97-AF65-F5344CB8AC3E}">
+        <p14:creationId xmlns:p14="http://schemas.microsoft.com/office/powerpoint/2010/main" val="2735953543"/>
+      </p:ext>
+    </p:extLst>
+  </p:cSld>
+  <p:clrMap bg1="lt1" tx1="dk1" bg2="lt2" tx2="dk2" accent1="accent1" accent2="accent2" accent3="accent3" accent4="accent4" accent5="accent5" accent6="accent6" hlink="hlink" folHlink="folHlink"/>
+  <p:hf sldNum="0" ftr="0" dt="0"/>
+</p:handoutMaster>
+</file>
+
+<file path=ppt/notesMasters/notesMaster1.xml><?xml version="1.0" encoding="utf-8"?>
+<p:notesMaster xmlns:a="http://schemas.openxmlformats.org/drawingml/2006/main" xmlns:r="http://schemas.openxmlformats.org/officeDocument/2006/relationships" xmlns:p="http://schemas.openxmlformats.org/presentationml/2006/main">
+  <p:cSld>
+    <p:bg>
+      <p:bgRef idx="1001">
+        <a:schemeClr val="bg1"/>
+      </p:bgRef>
+    </p:bg>
+    <p:spTree>
+      <p:nvGrpSpPr>
+        <p:cNvPr id="1" name=""/>
+        <p:cNvGrpSpPr/>
+        <p:nvPr/>
+      </p:nvGrpSpPr>
+      <p:grpSpPr>
+        <a:xfrm>
+          <a:off x="0" y="0"/>
+          <a:ext cx="0" cy="0"/>
+          <a:chOff x="0" y="0"/>
+          <a:chExt cx="0" cy="0"/>
+        </a:xfrm>
+      </p:grpSpPr>
+      <p:sp>
+        <p:nvSpPr>
+          <p:cNvPr id="2" name="Header Placeholder 1"/>
+          <p:cNvSpPr>
+            <a:spLocks noGrp="1"/>
+          </p:cNvSpPr>
+          <p:nvPr>
+            <p:ph type="hdr" sz="quarter"/>
+          </p:nvPr>
+        </p:nvSpPr>
+        <p:spPr>
+          <a:xfrm>
+            <a:off x="0" y="0"/>
+            <a:ext cx="2946400" cy="495300"/>
+          </a:xfrm>
+          <a:prstGeom prst="rect">
+            <a:avLst/>
+          </a:prstGeom>
+        </p:spPr>
+        <p:txBody>
+          <a:bodyPr vert="horz" lIns="91440" tIns="45720" rIns="91440" bIns="45720" rtlCol="0"/>
+          <a:lstStyle>
+            <a:lvl1pPr algn="l">
+              <a:defRPr sz="1200"/>
+            </a:lvl1pPr>
+          </a:lstStyle>
+          <a:p>
+            <a:r>
+              <a:rPr lang="en-ZA" smtClean="0"/>
+              <a:t>Bridge Cheat Sheet</a:t>
+            </a:r>
+            <a:endParaRPr lang="en-ZA"/>
+          </a:p>
+        </p:txBody>
+      </p:sp>
+      <p:sp>
+        <p:nvSpPr>
+          <p:cNvPr id="3" name="Date Placeholder 2"/>
+          <p:cNvSpPr>
+            <a:spLocks noGrp="1"/>
+          </p:cNvSpPr>
+          <p:nvPr>
+            <p:ph type="dt" idx="1"/>
+          </p:nvPr>
+        </p:nvSpPr>
+        <p:spPr>
+          <a:xfrm>
+            <a:off x="3849688" y="0"/>
+            <a:ext cx="2946400" cy="495300"/>
+          </a:xfrm>
+          <a:prstGeom prst="rect">
+            <a:avLst/>
+          </a:prstGeom>
+        </p:spPr>
+        <p:txBody>
+          <a:bodyPr vert="horz" lIns="91440" tIns="45720" rIns="91440" bIns="45720" rtlCol="0"/>
+          <a:lstStyle>
+            <a:lvl1pPr algn="r">
+              <a:defRPr sz="1200"/>
+            </a:lvl1pPr>
+          </a:lstStyle>
+          <a:p>
+            <a:fld id="{01F8569C-BA01-4DE6-AD7F-AEF7F83BBCB3}" type="datetimeFigureOut">
+              <a:rPr lang="en-ZA" smtClean="0"/>
+              <a:t>2019/07/01</a:t>
+            </a:fld>
+            <a:endParaRPr lang="en-ZA"/>
+          </a:p>
+        </p:txBody>
+      </p:sp>
+      <p:sp>
+        <p:nvSpPr>
+          <p:cNvPr id="4" name="Slide Image Placeholder 3"/>
+          <p:cNvSpPr>
+            <a:spLocks noGrp="1" noRot="1" noChangeAspect="1"/>
+          </p:cNvSpPr>
+          <p:nvPr>
+            <p:ph type="sldImg" idx="2"/>
+          </p:nvPr>
+        </p:nvSpPr>
+        <p:spPr>
+          <a:xfrm>
+            <a:off x="438150" y="1235075"/>
+            <a:ext cx="5921375" cy="3332163"/>
+          </a:xfrm>
+          <a:prstGeom prst="rect">
+            <a:avLst/>
+          </a:prstGeom>
+          <a:noFill/>
+          <a:ln w="12700">
+            <a:solidFill>
+              <a:prstClr val="black"/>
+            </a:solidFill>
+          </a:ln>
+        </p:spPr>
+        <p:txBody>
+          <a:bodyPr vert="horz" lIns="91440" tIns="45720" rIns="91440" bIns="45720" rtlCol="0" anchor="ctr"/>
+          <a:lstStyle/>
+          <a:p>
+            <a:endParaRPr lang="en-ZA"/>
+          </a:p>
+        </p:txBody>
+      </p:sp>
+      <p:sp>
+        <p:nvSpPr>
+          <p:cNvPr id="5" name="Notes Placeholder 4"/>
+          <p:cNvSpPr>
+            <a:spLocks noGrp="1"/>
+          </p:cNvSpPr>
+          <p:nvPr>
+            <p:ph type="body" sz="quarter" idx="3"/>
+          </p:nvPr>
+        </p:nvSpPr>
+        <p:spPr>
+          <a:xfrm>
+            <a:off x="679450" y="4751388"/>
+            <a:ext cx="5438775" cy="3889375"/>
+          </a:xfrm>
+          <a:prstGeom prst="rect">
+            <a:avLst/>
+          </a:prstGeom>
+        </p:spPr>
+        <p:txBody>
+          <a:bodyPr vert="horz" lIns="91440" tIns="45720" rIns="91440" bIns="45720" rtlCol="0"/>
+          <a:lstStyle/>
+          <a:p>
+            <a:pPr lvl="0"/>
+            <a:r>
+              <a:rPr lang="en-US" smtClean="0"/>
+              <a:t>Click to edit Master text styles</a:t>
+            </a:r>
+          </a:p>
+          <a:p>
+            <a:pPr lvl="1"/>
+            <a:r>
+              <a:rPr lang="en-US" smtClean="0"/>
+              <a:t>Second level</a:t>
+            </a:r>
+          </a:p>
+          <a:p>
+            <a:pPr lvl="2"/>
+            <a:r>
+              <a:rPr lang="en-US" smtClean="0"/>
+              <a:t>Third level</a:t>
+            </a:r>
+          </a:p>
+          <a:p>
+            <a:pPr lvl="3"/>
+            <a:r>
+              <a:rPr lang="en-US" smtClean="0"/>
+              <a:t>Fourth level</a:t>
+            </a:r>
+          </a:p>
+          <a:p>
+            <a:pPr lvl="4"/>
+            <a:r>
+              <a:rPr lang="en-US" smtClean="0"/>
+              <a:t>Fifth level</a:t>
+            </a:r>
+            <a:endParaRPr lang="en-ZA"/>
+          </a:p>
+        </p:txBody>
+      </p:sp>
+      <p:sp>
+        <p:nvSpPr>
+          <p:cNvPr id="6" name="Footer Placeholder 5"/>
+          <p:cNvSpPr>
+            <a:spLocks noGrp="1"/>
+          </p:cNvSpPr>
+          <p:nvPr>
+            <p:ph type="ftr" sz="quarter" idx="4"/>
+          </p:nvPr>
+        </p:nvSpPr>
+        <p:spPr>
+          <a:xfrm>
+            <a:off x="0" y="9378950"/>
+            <a:ext cx="2946400" cy="495300"/>
+          </a:xfrm>
+          <a:prstGeom prst="rect">
+            <a:avLst/>
+          </a:prstGeom>
+        </p:spPr>
+        <p:txBody>
+          <a:bodyPr vert="horz" lIns="91440" tIns="45720" rIns="91440" bIns="45720" rtlCol="0" anchor="b"/>
+          <a:lstStyle>
+            <a:lvl1pPr algn="l">
+              <a:defRPr sz="1200"/>
+            </a:lvl1pPr>
+          </a:lstStyle>
+          <a:p>
+            <a:endParaRPr lang="en-ZA"/>
+          </a:p>
+        </p:txBody>
+      </p:sp>
+      <p:sp>
+        <p:nvSpPr>
+          <p:cNvPr id="7" name="Slide Number Placeholder 6"/>
+          <p:cNvSpPr>
+            <a:spLocks noGrp="1"/>
+          </p:cNvSpPr>
+          <p:nvPr>
+            <p:ph type="sldNum" sz="quarter" idx="5"/>
+          </p:nvPr>
+        </p:nvSpPr>
+        <p:spPr>
+          <a:xfrm>
+            <a:off x="3849688" y="9378950"/>
+            <a:ext cx="2946400" cy="495300"/>
+          </a:xfrm>
+          <a:prstGeom prst="rect">
+            <a:avLst/>
+          </a:prstGeom>
+        </p:spPr>
+        <p:txBody>
+          <a:bodyPr vert="horz" lIns="91440" tIns="45720" rIns="91440" bIns="45720" rtlCol="0" anchor="b"/>
+          <a:lstStyle>
+            <a:lvl1pPr algn="r">
+              <a:defRPr sz="1200"/>
+            </a:lvl1pPr>
+          </a:lstStyle>
+          <a:p>
+            <a:fld id="{2E539A3A-AD9E-4B48-8AD2-A6FCF9224EF6}" type="slidenum">
+              <a:rPr lang="en-ZA" smtClean="0"/>
+              <a:t>‹#›</a:t>
+            </a:fld>
+            <a:endParaRPr lang="en-ZA"/>
+          </a:p>
+        </p:txBody>
+      </p:sp>
+    </p:spTree>
+    <p:extLst>
+      <p:ext uri="{BB962C8B-B14F-4D97-AF65-F5344CB8AC3E}">
+        <p14:creationId xmlns:p14="http://schemas.microsoft.com/office/powerpoint/2010/main" val="3790675099"/>
+      </p:ext>
+    </p:extLst>
+  </p:cSld>
+  <p:clrMap bg1="lt1" tx1="dk1" bg2="lt2" tx2="dk2" accent1="accent1" accent2="accent2" accent3="accent3" accent4="accent4" accent5="accent5" accent6="accent6" hlink="hlink" folHlink="folHlink"/>
+  <p:hf sldNum="0" ftr="0" dt="0"/>
+  <p:notesStyle>
+    <a:lvl1pPr marL="0" algn="l" defTabSz="914400" rtl="0" eaLnBrk="1" latinLnBrk="0" hangingPunct="1">
+      <a:defRPr sz="1200" kern="1200">
+        <a:solidFill>
+          <a:schemeClr val="tx1"/>
+        </a:solidFill>
+        <a:latin typeface="+mn-lt"/>
+        <a:ea typeface="+mn-ea"/>
+        <a:cs typeface="+mn-cs"/>
+      </a:defRPr>
+    </a:lvl1pPr>
+    <a:lvl2pPr marL="457200" algn="l" defTabSz="914400" rtl="0" eaLnBrk="1" latinLnBrk="0" hangingPunct="1">
+      <a:defRPr sz="1200" kern="1200">
+        <a:solidFill>
+          <a:schemeClr val="tx1"/>
+        </a:solidFill>
+        <a:latin typeface="+mn-lt"/>
+        <a:ea typeface="+mn-ea"/>
+        <a:cs typeface="+mn-cs"/>
+      </a:defRPr>
+    </a:lvl2pPr>
+    <a:lvl3pPr marL="914400" algn="l" defTabSz="914400" rtl="0" eaLnBrk="1" latinLnBrk="0" hangingPunct="1">
+      <a:defRPr sz="1200" kern="1200">
+        <a:solidFill>
+          <a:schemeClr val="tx1"/>
+        </a:solidFill>
+        <a:latin typeface="+mn-lt"/>
+        <a:ea typeface="+mn-ea"/>
+        <a:cs typeface="+mn-cs"/>
+      </a:defRPr>
+    </a:lvl3pPr>
+    <a:lvl4pPr marL="1371600" algn="l" defTabSz="914400" rtl="0" eaLnBrk="1" latinLnBrk="0" hangingPunct="1">
+      <a:defRPr sz="1200" kern="1200">
+        <a:solidFill>
+          <a:schemeClr val="tx1"/>
+        </a:solidFill>
+        <a:latin typeface="+mn-lt"/>
+        <a:ea typeface="+mn-ea"/>
+        <a:cs typeface="+mn-cs"/>
+      </a:defRPr>
+    </a:lvl4pPr>
+    <a:lvl5pPr marL="1828800" algn="l" defTabSz="914400" rtl="0" eaLnBrk="1" latinLnBrk="0" hangingPunct="1">
+      <a:defRPr sz="1200" kern="1200">
+        <a:solidFill>
+          <a:schemeClr val="tx1"/>
+        </a:solidFill>
+        <a:latin typeface="+mn-lt"/>
+        <a:ea typeface="+mn-ea"/>
+        <a:cs typeface="+mn-cs"/>
+      </a:defRPr>
+    </a:lvl5pPr>
+    <a:lvl6pPr marL="2286000" algn="l" defTabSz="914400" rtl="0" eaLnBrk="1" latinLnBrk="0" hangingPunct="1">
+      <a:defRPr sz="1200" kern="1200">
+        <a:solidFill>
+          <a:schemeClr val="tx1"/>
+        </a:solidFill>
+        <a:latin typeface="+mn-lt"/>
+        <a:ea typeface="+mn-ea"/>
+        <a:cs typeface="+mn-cs"/>
+      </a:defRPr>
+    </a:lvl6pPr>
+    <a:lvl7pPr marL="2743200" algn="l" defTabSz="914400" rtl="0" eaLnBrk="1" latinLnBrk="0" hangingPunct="1">
+      <a:defRPr sz="1200" kern="1200">
+        <a:solidFill>
+          <a:schemeClr val="tx1"/>
+        </a:solidFill>
+        <a:latin typeface="+mn-lt"/>
+        <a:ea typeface="+mn-ea"/>
+        <a:cs typeface="+mn-cs"/>
+      </a:defRPr>
+    </a:lvl7pPr>
+    <a:lvl8pPr marL="3200400" algn="l" defTabSz="914400" rtl="0" eaLnBrk="1" latinLnBrk="0" hangingPunct="1">
+      <a:defRPr sz="1200" kern="1200">
+        <a:solidFill>
+          <a:schemeClr val="tx1"/>
+        </a:solidFill>
+        <a:latin typeface="+mn-lt"/>
+        <a:ea typeface="+mn-ea"/>
+        <a:cs typeface="+mn-cs"/>
+      </a:defRPr>
+    </a:lvl8pPr>
+    <a:lvl9pPr marL="3657600" algn="l" defTabSz="914400" rtl="0" eaLnBrk="1" latinLnBrk="0" hangingPunct="1">
+      <a:defRPr sz="1200" kern="1200">
+        <a:solidFill>
+          <a:schemeClr val="tx1"/>
+        </a:solidFill>
+        <a:latin typeface="+mn-lt"/>
+        <a:ea typeface="+mn-ea"/>
+        <a:cs typeface="+mn-cs"/>
+      </a:defRPr>
+    </a:lvl9pPr>
+  </p:notesStyle>
+</p:notesMaster>
+</file>
+
+<file path=ppt/notesSlides/notesSlide1.xml><?xml version="1.0" encoding="utf-8"?>
+<p:notes xmlns:a="http://schemas.openxmlformats.org/drawingml/2006/main" xmlns:r="http://schemas.openxmlformats.org/officeDocument/2006/relationships" xmlns:p="http://schemas.openxmlformats.org/presentationml/2006/main">
+  <p:cSld>
+    <p:spTree>
+      <p:nvGrpSpPr>
+        <p:cNvPr id="1" name=""/>
+        <p:cNvGrpSpPr/>
+        <p:nvPr/>
+      </p:nvGrpSpPr>
+      <p:grpSpPr>
+        <a:xfrm>
+          <a:off x="0" y="0"/>
+          <a:ext cx="0" cy="0"/>
+          <a:chOff x="0" y="0"/>
+          <a:chExt cx="0" cy="0"/>
+        </a:xfrm>
+      </p:grpSpPr>
+      <p:sp>
+        <p:nvSpPr>
+          <p:cNvPr id="2" name="Slide Image Placeholder 1"/>
+          <p:cNvSpPr>
+            <a:spLocks noGrp="1" noRot="1" noChangeAspect="1"/>
+          </p:cNvSpPr>
+          <p:nvPr>
+            <p:ph type="sldImg"/>
+          </p:nvPr>
+        </p:nvSpPr>
+        <p:spPr/>
+      </p:sp>
+      <p:sp>
+        <p:nvSpPr>
+          <p:cNvPr id="3" name="Notes Placeholder 2"/>
+          <p:cNvSpPr>
+            <a:spLocks noGrp="1"/>
+          </p:cNvSpPr>
+          <p:nvPr>
+            <p:ph type="body" idx="1"/>
+          </p:nvPr>
+        </p:nvSpPr>
+        <p:spPr/>
+        <p:txBody>
+          <a:bodyPr/>
+          <a:lstStyle/>
+          <a:p>
+            <a:endParaRPr lang="en-ZA"/>
+          </a:p>
+        </p:txBody>
+      </p:sp>
+      <p:sp>
+        <p:nvSpPr>
+          <p:cNvPr id="5" name="Header Placeholder 4"/>
+          <p:cNvSpPr>
+            <a:spLocks noGrp="1"/>
+          </p:cNvSpPr>
+          <p:nvPr>
+            <p:ph type="hdr" sz="quarter" idx="10"/>
+          </p:nvPr>
+        </p:nvSpPr>
+        <p:spPr/>
+        <p:txBody>
+          <a:bodyPr/>
+          <a:lstStyle/>
+          <a:p>
+            <a:r>
+              <a:rPr lang="en-ZA" smtClean="0"/>
+              <a:t>Bridge Cheat Sheet</a:t>
+            </a:r>
+            <a:endParaRPr lang="en-ZA"/>
+          </a:p>
+        </p:txBody>
+      </p:sp>
+    </p:spTree>
+    <p:extLst>
+      <p:ext uri="{BB962C8B-B14F-4D97-AF65-F5344CB8AC3E}">
+        <p14:creationId xmlns:p14="http://schemas.microsoft.com/office/powerpoint/2010/main" val="3063459049"/>
+      </p:ext>
+    </p:extLst>
+  </p:cSld>
+  <p:clrMapOvr>
+    <a:masterClrMapping/>
+  </p:clrMapOvr>
+</p:notes>
 </file>
 
 <file path=ppt/slideLayouts/slideLayout1.xml><?xml version="1.0" encoding="utf-8"?>
@@ -243,7 +858,7 @@
           <a:p>
             <a:fld id="{752E92D6-D448-4673-93E0-919B9A560204}" type="datetimeFigureOut">
               <a:rPr lang="en-ZA" smtClean="0"/>
-              <a:t>2019/06/25</a:t>
+              <a:t>2019/07/01</a:t>
             </a:fld>
             <a:endParaRPr lang="en-ZA"/>
           </a:p>
@@ -413,7 +1028,7 @@
           <a:p>
             <a:fld id="{752E92D6-D448-4673-93E0-919B9A560204}" type="datetimeFigureOut">
               <a:rPr lang="en-ZA" smtClean="0"/>
-              <a:t>2019/06/25</a:t>
+              <a:t>2019/07/01</a:t>
             </a:fld>
             <a:endParaRPr lang="en-ZA"/>
           </a:p>
@@ -593,7 +1208,7 @@
           <a:p>
             <a:fld id="{752E92D6-D448-4673-93E0-919B9A560204}" type="datetimeFigureOut">
               <a:rPr lang="en-ZA" smtClean="0"/>
-              <a:t>2019/06/25</a:t>
+              <a:t>2019/07/01</a:t>
             </a:fld>
             <a:endParaRPr lang="en-ZA"/>
           </a:p>
@@ -763,7 +1378,7 @@
           <a:p>
             <a:fld id="{752E92D6-D448-4673-93E0-919B9A560204}" type="datetimeFigureOut">
               <a:rPr lang="en-ZA" smtClean="0"/>
-              <a:t>2019/06/25</a:t>
+              <a:t>2019/07/01</a:t>
             </a:fld>
             <a:endParaRPr lang="en-ZA"/>
           </a:p>
@@ -1009,7 +1624,7 @@
           <a:p>
             <a:fld id="{752E92D6-D448-4673-93E0-919B9A560204}" type="datetimeFigureOut">
               <a:rPr lang="en-ZA" smtClean="0"/>
-              <a:t>2019/06/25</a:t>
+              <a:t>2019/07/01</a:t>
             </a:fld>
             <a:endParaRPr lang="en-ZA"/>
           </a:p>
@@ -1241,7 +1856,7 @@
           <a:p>
             <a:fld id="{752E92D6-D448-4673-93E0-919B9A560204}" type="datetimeFigureOut">
               <a:rPr lang="en-ZA" smtClean="0"/>
-              <a:t>2019/06/25</a:t>
+              <a:t>2019/07/01</a:t>
             </a:fld>
             <a:endParaRPr lang="en-ZA"/>
           </a:p>
@@ -1608,7 +2223,7 @@
           <a:p>
             <a:fld id="{752E92D6-D448-4673-93E0-919B9A560204}" type="datetimeFigureOut">
               <a:rPr lang="en-ZA" smtClean="0"/>
-              <a:t>2019/06/25</a:t>
+              <a:t>2019/07/01</a:t>
             </a:fld>
             <a:endParaRPr lang="en-ZA"/>
           </a:p>
@@ -1726,7 +2341,7 @@
           <a:p>
             <a:fld id="{752E92D6-D448-4673-93E0-919B9A560204}" type="datetimeFigureOut">
               <a:rPr lang="en-ZA" smtClean="0"/>
-              <a:t>2019/06/25</a:t>
+              <a:t>2019/07/01</a:t>
             </a:fld>
             <a:endParaRPr lang="en-ZA"/>
           </a:p>
@@ -1821,7 +2436,7 @@
           <a:p>
             <a:fld id="{752E92D6-D448-4673-93E0-919B9A560204}" type="datetimeFigureOut">
               <a:rPr lang="en-ZA" smtClean="0"/>
-              <a:t>2019/06/25</a:t>
+              <a:t>2019/07/01</a:t>
             </a:fld>
             <a:endParaRPr lang="en-ZA"/>
           </a:p>
@@ -2098,7 +2713,7 @@
           <a:p>
             <a:fld id="{752E92D6-D448-4673-93E0-919B9A560204}" type="datetimeFigureOut">
               <a:rPr lang="en-ZA" smtClean="0"/>
-              <a:t>2019/06/25</a:t>
+              <a:t>2019/07/01</a:t>
             </a:fld>
             <a:endParaRPr lang="en-ZA"/>
           </a:p>
@@ -2351,7 +2966,7 @@
           <a:p>
             <a:fld id="{752E92D6-D448-4673-93E0-919B9A560204}" type="datetimeFigureOut">
               <a:rPr lang="en-ZA" smtClean="0"/>
-              <a:t>2019/06/25</a:t>
+              <a:t>2019/07/01</a:t>
             </a:fld>
             <a:endParaRPr lang="en-ZA"/>
           </a:p>
@@ -2564,7 +3179,7 @@
           <a:p>
             <a:fld id="{752E92D6-D448-4673-93E0-919B9A560204}" type="datetimeFigureOut">
               <a:rPr lang="en-ZA" smtClean="0"/>
-              <a:t>2019/06/25</a:t>
+              <a:t>2019/07/01</a:t>
             </a:fld>
             <a:endParaRPr lang="en-ZA"/>
           </a:p>
@@ -2978,13 +3593,13 @@
           <p:nvPr>
             <p:extLst>
               <p:ext uri="{D42A27DB-BD31-4B8C-83A1-F6EECF244321}">
-                <p14:modId xmlns:p14="http://schemas.microsoft.com/office/powerpoint/2010/main" val="1308525282"/>
+                <p14:modId xmlns:p14="http://schemas.microsoft.com/office/powerpoint/2010/main" val="456589832"/>
               </p:ext>
             </p:extLst>
           </p:nvPr>
         </p:nvGraphicFramePr>
         <p:xfrm>
-          <a:off x="2032000" y="744380"/>
+          <a:off x="2323779" y="737371"/>
           <a:ext cx="1625600" cy="581912"/>
         </p:xfrm>
         <a:graphic>
@@ -3021,21 +3636,21 @@
           <p:nvPr>
             <p:extLst>
               <p:ext uri="{D42A27DB-BD31-4B8C-83A1-F6EECF244321}">
-                <p14:modId xmlns:p14="http://schemas.microsoft.com/office/powerpoint/2010/main" val="590915772"/>
+                <p14:modId xmlns:p14="http://schemas.microsoft.com/office/powerpoint/2010/main" val="185017797"/>
               </p:ext>
             </p:extLst>
           </p:nvPr>
         </p:nvGraphicFramePr>
         <p:xfrm>
-          <a:off x="8588" y="309311"/>
-          <a:ext cx="5494288" cy="1524000"/>
+          <a:off x="300367" y="302302"/>
+          <a:ext cx="5725120" cy="1524000"/>
         </p:xfrm>
         <a:graphic>
           <a:graphicData uri="http://schemas.openxmlformats.org/drawingml/2006/table">
             <a:tbl>
               <a:tblPr firstRow="1" firstCol="1" bandRow="1"/>
               <a:tblGrid>
-                <a:gridCol w="5494288"/>
+                <a:gridCol w="5725120"/>
               </a:tblGrid>
               <a:tr h="1499127">
                 <a:tc>
@@ -3064,7 +3679,230 @@
                           <a:ea typeface="Calibri" panose="020F0502020204030204" pitchFamily="34" charset="0"/>
                           <a:cs typeface="Calibri" panose="020F0502020204030204" pitchFamily="34" charset="0"/>
                         </a:rPr>
-                        <a:t>: 15 - 17, balanced (no voids, singletons, 2 doubletons (excluding length).</a:t>
+                        <a:t>: </a:t>
+                      </a:r>
+                      <a:r>
+                        <a:rPr lang="en-ZA" sz="1000" b="1" dirty="0">
+                          <a:effectLst/>
+                          <a:latin typeface="Calibri" panose="020F0502020204030204" pitchFamily="34" charset="0"/>
+                          <a:ea typeface="Calibri" panose="020F0502020204030204" pitchFamily="34" charset="0"/>
+                          <a:cs typeface="Calibri" panose="020F0502020204030204" pitchFamily="34" charset="0"/>
+                        </a:rPr>
+                        <a:t>15 </a:t>
+                      </a:r>
+                      <a:r>
+                        <a:rPr lang="en-ZA" sz="1000" b="1" dirty="0" smtClean="0">
+                          <a:effectLst/>
+                          <a:latin typeface="Calibri" panose="020F0502020204030204" pitchFamily="34" charset="0"/>
+                          <a:ea typeface="Calibri" panose="020F0502020204030204" pitchFamily="34" charset="0"/>
+                          <a:cs typeface="Calibri" panose="020F0502020204030204" pitchFamily="34" charset="0"/>
+                        </a:rPr>
+                        <a:t>- 17 points </a:t>
+                      </a:r>
+                      <a:r>
+                        <a:rPr lang="en-ZA" sz="1000" b="0" dirty="0" smtClean="0">
+                          <a:effectLst/>
+                          <a:latin typeface="Calibri" panose="020F0502020204030204" pitchFamily="34" charset="0"/>
+                          <a:ea typeface="Calibri" panose="020F0502020204030204" pitchFamily="34" charset="0"/>
+                          <a:cs typeface="Calibri" panose="020F0502020204030204" pitchFamily="34" charset="0"/>
+                        </a:rPr>
+                        <a:t>(exclude length), </a:t>
+                      </a:r>
+                      <a:r>
+                        <a:rPr lang="en-ZA" sz="1000" b="1" dirty="0">
+                          <a:effectLst/>
+                          <a:latin typeface="Calibri" panose="020F0502020204030204" pitchFamily="34" charset="0"/>
+                          <a:ea typeface="Calibri" panose="020F0502020204030204" pitchFamily="34" charset="0"/>
+                          <a:cs typeface="Calibri" panose="020F0502020204030204" pitchFamily="34" charset="0"/>
+                        </a:rPr>
+                        <a:t>balanced</a:t>
+                      </a:r>
+                      <a:r>
+                        <a:rPr lang="en-ZA" sz="1000" b="0" dirty="0">
+                          <a:effectLst/>
+                          <a:latin typeface="Calibri" panose="020F0502020204030204" pitchFamily="34" charset="0"/>
+                          <a:ea typeface="Calibri" panose="020F0502020204030204" pitchFamily="34" charset="0"/>
+                          <a:cs typeface="Calibri" panose="020F0502020204030204" pitchFamily="34" charset="0"/>
+                        </a:rPr>
+                        <a:t> (no voids, </a:t>
+                      </a:r>
+                      <a:r>
+                        <a:rPr lang="en-ZA" sz="1000" b="0" dirty="0" smtClean="0">
+                          <a:effectLst/>
+                          <a:latin typeface="Calibri" panose="020F0502020204030204" pitchFamily="34" charset="0"/>
+                          <a:ea typeface="Calibri" panose="020F0502020204030204" pitchFamily="34" charset="0"/>
+                          <a:cs typeface="Calibri" panose="020F0502020204030204" pitchFamily="34" charset="0"/>
+                        </a:rPr>
+                        <a:t>no singletons</a:t>
+                      </a:r>
+                      <a:r>
+                        <a:rPr lang="en-ZA" sz="1000" b="0" dirty="0">
+                          <a:effectLst/>
+                          <a:latin typeface="Calibri" panose="020F0502020204030204" pitchFamily="34" charset="0"/>
+                          <a:ea typeface="Calibri" panose="020F0502020204030204" pitchFamily="34" charset="0"/>
+                          <a:cs typeface="Calibri" panose="020F0502020204030204" pitchFamily="34" charset="0"/>
+                        </a:rPr>
+                        <a:t>, </a:t>
+                      </a:r>
+                      <a:r>
+                        <a:rPr lang="en-ZA" sz="1000" b="0" dirty="0" smtClean="0">
+                          <a:effectLst/>
+                          <a:latin typeface="Calibri" panose="020F0502020204030204" pitchFamily="34" charset="0"/>
+                          <a:ea typeface="Calibri" panose="020F0502020204030204" pitchFamily="34" charset="0"/>
+                          <a:cs typeface="Calibri" panose="020F0502020204030204" pitchFamily="34" charset="0"/>
+                        </a:rPr>
+                        <a:t>no 2+ doubletons). </a:t>
+                      </a:r>
+                      <a:r>
+                        <a:rPr lang="en-ZA" sz="1000" i="1" dirty="0" smtClean="0">
+                          <a:solidFill>
+                            <a:schemeClr val="tx2">
+                              <a:lumMod val="60000"/>
+                              <a:lumOff val="40000"/>
+                            </a:schemeClr>
+                          </a:solidFill>
+                          <a:effectLst/>
+                          <a:latin typeface="Calibri" panose="020F0502020204030204" pitchFamily="34" charset="0"/>
+                          <a:ea typeface="Calibri" panose="020F0502020204030204" pitchFamily="34" charset="0"/>
+                          <a:cs typeface="Calibri" panose="020F0502020204030204" pitchFamily="34" charset="0"/>
+                        </a:rPr>
+                        <a:t>[4, 5]</a:t>
+                      </a:r>
+                      <a:endParaRPr lang="en-ZA" sz="1000" i="1" dirty="0">
+                        <a:solidFill>
+                          <a:schemeClr val="tx2">
+                            <a:lumMod val="60000"/>
+                            <a:lumOff val="40000"/>
+                          </a:schemeClr>
+                        </a:solidFill>
+                        <a:effectLst/>
+                        <a:latin typeface="Calibri" panose="020F0502020204030204" pitchFamily="34" charset="0"/>
+                        <a:ea typeface="Calibri" panose="020F0502020204030204" pitchFamily="34" charset="0"/>
+                        <a:cs typeface="Times New Roman" panose="02020603050405020304" pitchFamily="18" charset="0"/>
+                      </a:endParaRPr>
+                    </a:p>
+                    <a:p>
+                      <a:pPr marL="0" marR="0" lvl="0" indent="0" algn="l" defTabSz="914400" rtl="0" eaLnBrk="1" fontAlgn="auto" latinLnBrk="0" hangingPunct="1">
+                        <a:lnSpc>
+                          <a:spcPct val="100000"/>
+                        </a:lnSpc>
+                        <a:spcBef>
+                          <a:spcPts val="0"/>
+                        </a:spcBef>
+                        <a:spcAft>
+                          <a:spcPts val="0"/>
+                        </a:spcAft>
+                        <a:buClrTx/>
+                        <a:buSzTx/>
+                        <a:buFontTx/>
+                        <a:buNone/>
+                        <a:tabLst/>
+                        <a:defRPr/>
+                      </a:pPr>
+                      <a:r>
+                        <a:rPr lang="en-ZA" sz="1000" b="1" u="sng" dirty="0">
+                          <a:effectLst/>
+                          <a:latin typeface="Calibri" panose="020F0502020204030204" pitchFamily="34" charset="0"/>
+                          <a:ea typeface="Calibri" panose="020F0502020204030204" pitchFamily="34" charset="0"/>
+                          <a:cs typeface="Calibri" panose="020F0502020204030204" pitchFamily="34" charset="0"/>
+                        </a:rPr>
+                        <a:t>2 NT</a:t>
+                      </a:r>
+                      <a:r>
+                        <a:rPr lang="en-ZA" sz="1000" dirty="0">
+                          <a:effectLst/>
+                          <a:latin typeface="Calibri" panose="020F0502020204030204" pitchFamily="34" charset="0"/>
+                          <a:ea typeface="Calibri" panose="020F0502020204030204" pitchFamily="34" charset="0"/>
+                          <a:cs typeface="Calibri" panose="020F0502020204030204" pitchFamily="34" charset="0"/>
+                        </a:rPr>
+                        <a:t>: </a:t>
+                      </a:r>
+                      <a:r>
+                        <a:rPr lang="en-ZA" sz="1000" b="1" dirty="0">
+                          <a:effectLst/>
+                          <a:latin typeface="Calibri" panose="020F0502020204030204" pitchFamily="34" charset="0"/>
+                          <a:ea typeface="Calibri" panose="020F0502020204030204" pitchFamily="34" charset="0"/>
+                          <a:cs typeface="Calibri" panose="020F0502020204030204" pitchFamily="34" charset="0"/>
+                        </a:rPr>
+                        <a:t>20 </a:t>
+                      </a:r>
+                      <a:r>
+                        <a:rPr lang="en-ZA" sz="1000" b="1" dirty="0" smtClean="0">
+                          <a:effectLst/>
+                          <a:latin typeface="Calibri" panose="020F0502020204030204" pitchFamily="34" charset="0"/>
+                          <a:ea typeface="Calibri" panose="020F0502020204030204" pitchFamily="34" charset="0"/>
+                          <a:cs typeface="Calibri" panose="020F0502020204030204" pitchFamily="34" charset="0"/>
+                        </a:rPr>
+                        <a:t>- 22 points</a:t>
+                      </a:r>
+                      <a:r>
+                        <a:rPr lang="en-ZA" sz="1000" dirty="0" smtClean="0">
+                          <a:effectLst/>
+                          <a:latin typeface="Calibri" panose="020F0502020204030204" pitchFamily="34" charset="0"/>
+                          <a:ea typeface="Calibri" panose="020F0502020204030204" pitchFamily="34" charset="0"/>
+                          <a:cs typeface="Calibri" panose="020F0502020204030204" pitchFamily="34" charset="0"/>
+                        </a:rPr>
+                        <a:t>  (exclude length), </a:t>
+                      </a:r>
+                      <a:r>
+                        <a:rPr lang="en-ZA" sz="1000" b="1" dirty="0">
+                          <a:effectLst/>
+                          <a:latin typeface="Calibri" panose="020F0502020204030204" pitchFamily="34" charset="0"/>
+                          <a:ea typeface="Calibri" panose="020F0502020204030204" pitchFamily="34" charset="0"/>
+                          <a:cs typeface="Calibri" panose="020F0502020204030204" pitchFamily="34" charset="0"/>
+                        </a:rPr>
+                        <a:t>balanced </a:t>
+                      </a:r>
+                      <a:r>
+                        <a:rPr lang="en-ZA" sz="1000" b="1" dirty="0" smtClean="0">
+                          <a:effectLst/>
+                          <a:latin typeface="Calibri" panose="020F0502020204030204" pitchFamily="34" charset="0"/>
+                          <a:ea typeface="Calibri" panose="020F0502020204030204" pitchFamily="34" charset="0"/>
+                          <a:cs typeface="Calibri" panose="020F0502020204030204" pitchFamily="34" charset="0"/>
+                        </a:rPr>
+                        <a:t>but can </a:t>
+                      </a:r>
+                      <a:r>
+                        <a:rPr lang="en-ZA" sz="1000" b="1" dirty="0">
+                          <a:effectLst/>
+                          <a:latin typeface="Calibri" panose="020F0502020204030204" pitchFamily="34" charset="0"/>
+                          <a:ea typeface="Calibri" panose="020F0502020204030204" pitchFamily="34" charset="0"/>
+                          <a:cs typeface="Calibri" panose="020F0502020204030204" pitchFamily="34" charset="0"/>
+                        </a:rPr>
+                        <a:t>have </a:t>
+                      </a:r>
+                      <a:r>
+                        <a:rPr lang="en-ZA" sz="1000" b="1" dirty="0" smtClean="0">
+                          <a:effectLst/>
+                          <a:latin typeface="Calibri" panose="020F0502020204030204" pitchFamily="34" charset="0"/>
+                          <a:ea typeface="Calibri" panose="020F0502020204030204" pitchFamily="34" charset="0"/>
+                          <a:cs typeface="Calibri" panose="020F0502020204030204" pitchFamily="34" charset="0"/>
+                        </a:rPr>
+                        <a:t>doubletons</a:t>
+                      </a:r>
+                      <a:r>
+                        <a:rPr lang="en-ZA" sz="1000" dirty="0" smtClean="0">
+                          <a:effectLst/>
+                          <a:latin typeface="Calibri" panose="020F0502020204030204" pitchFamily="34" charset="0"/>
+                          <a:ea typeface="Calibri" panose="020F0502020204030204" pitchFamily="34" charset="0"/>
+                          <a:cs typeface="Calibri" panose="020F0502020204030204" pitchFamily="34" charset="0"/>
+                        </a:rPr>
+                        <a:t>. </a:t>
+                      </a:r>
+                      <a:r>
+                        <a:rPr lang="en-ZA" sz="1000" i="1" dirty="0" smtClean="0">
+                          <a:solidFill>
+                            <a:schemeClr val="tx2">
+                              <a:lumMod val="60000"/>
+                              <a:lumOff val="40000"/>
+                            </a:schemeClr>
+                          </a:solidFill>
+                          <a:effectLst/>
+                          <a:latin typeface="Calibri" panose="020F0502020204030204" pitchFamily="34" charset="0"/>
+                          <a:ea typeface="Calibri" panose="020F0502020204030204" pitchFamily="34" charset="0"/>
+                          <a:cs typeface="Calibri" panose="020F0502020204030204" pitchFamily="34" charset="0"/>
+                        </a:rPr>
+                        <a:t>[8]</a:t>
                       </a:r>
                       <a:endParaRPr lang="en-ZA" sz="1000" dirty="0">
                         <a:effectLst/>
@@ -3080,13 +3918,31 @@
                         </a:spcAft>
                       </a:pPr>
                       <a:r>
-                        <a:rPr lang="en-ZA" sz="1000" b="1" u="sng" dirty="0">
-                          <a:effectLst/>
-                          <a:latin typeface="Calibri" panose="020F0502020204030204" pitchFamily="34" charset="0"/>
-                          <a:ea typeface="Calibri" panose="020F0502020204030204" pitchFamily="34" charset="0"/>
-                          <a:cs typeface="Calibri" panose="020F0502020204030204" pitchFamily="34" charset="0"/>
-                        </a:rPr>
-                        <a:t>2 NT</a:t>
+                        <a:rPr lang="en-ZA" sz="1000" b="1" dirty="0">
+                          <a:effectLst/>
+                          <a:latin typeface="Calibri" panose="020F0502020204030204" pitchFamily="34" charset="0"/>
+                          <a:ea typeface="Calibri" panose="020F0502020204030204" pitchFamily="34" charset="0"/>
+                          <a:cs typeface="Calibri" panose="020F0502020204030204" pitchFamily="34" charset="0"/>
+                        </a:rPr>
+                        <a:t>5+ length, 12</a:t>
+                      </a:r>
+                      <a:r>
+                        <a:rPr lang="en-ZA" sz="1000" b="1" dirty="0" smtClean="0">
+                          <a:effectLst/>
+                          <a:latin typeface="Calibri" panose="020F0502020204030204" pitchFamily="34" charset="0"/>
+                          <a:ea typeface="Calibri" panose="020F0502020204030204" pitchFamily="34" charset="0"/>
+                          <a:cs typeface="Calibri" panose="020F0502020204030204" pitchFamily="34" charset="0"/>
+                        </a:rPr>
+                        <a:t>+ points</a:t>
+                      </a:r>
+                      <a:r>
+                        <a:rPr lang="en-ZA" sz="1000" dirty="0" smtClean="0">
+                          <a:effectLst/>
+                          <a:latin typeface="Calibri" panose="020F0502020204030204" pitchFamily="34" charset="0"/>
+                          <a:ea typeface="Calibri" panose="020F0502020204030204" pitchFamily="34" charset="0"/>
+                          <a:cs typeface="Calibri" panose="020F0502020204030204" pitchFamily="34" charset="0"/>
+                        </a:rPr>
+                        <a:t>: </a:t>
                       </a:r>
                       <a:r>
                         <a:rPr lang="en-ZA" sz="1000" dirty="0">
@@ -3095,7 +3951,705 @@
                           <a:ea typeface="Calibri" panose="020F0502020204030204" pitchFamily="34" charset="0"/>
                           <a:cs typeface="Calibri" panose="020F0502020204030204" pitchFamily="34" charset="0"/>
                         </a:rPr>
-                        <a:t>: 20 - 22, balanced can have 2 doubletons</a:t>
+                        <a:t>open </a:t>
+                      </a:r>
+                      <a:r>
+                        <a:rPr lang="en-ZA" sz="1000" b="0" dirty="0">
+                          <a:effectLst/>
+                          <a:latin typeface="Calibri" panose="020F0502020204030204" pitchFamily="34" charset="0"/>
+                          <a:ea typeface="Calibri" panose="020F0502020204030204" pitchFamily="34" charset="0"/>
+                          <a:cs typeface="Calibri" panose="020F0502020204030204" pitchFamily="34" charset="0"/>
+                        </a:rPr>
+                        <a:t>strongest suit</a:t>
+                      </a:r>
+                      <a:r>
+                        <a:rPr lang="en-ZA" sz="1000" dirty="0" smtClean="0">
+                          <a:effectLst/>
+                          <a:latin typeface="Calibri" panose="020F0502020204030204" pitchFamily="34" charset="0"/>
+                          <a:ea typeface="Calibri" panose="020F0502020204030204" pitchFamily="34" charset="0"/>
+                          <a:cs typeface="Calibri" panose="020F0502020204030204" pitchFamily="34" charset="0"/>
+                        </a:rPr>
+                        <a:t>. </a:t>
+                      </a:r>
+                      <a:r>
+                        <a:rPr lang="en-ZA" sz="1000" i="1" dirty="0" smtClean="0">
+                          <a:solidFill>
+                            <a:schemeClr val="tx2">
+                              <a:lumMod val="60000"/>
+                              <a:lumOff val="40000"/>
+                            </a:schemeClr>
+                          </a:solidFill>
+                          <a:effectLst/>
+                          <a:latin typeface="Calibri" panose="020F0502020204030204" pitchFamily="34" charset="0"/>
+                          <a:ea typeface="Calibri" panose="020F0502020204030204" pitchFamily="34" charset="0"/>
+                          <a:cs typeface="Calibri" panose="020F0502020204030204" pitchFamily="34" charset="0"/>
+                        </a:rPr>
+                        <a:t>[5]</a:t>
+                      </a:r>
+                      <a:endParaRPr lang="en-ZA" sz="1000" dirty="0">
+                        <a:solidFill>
+                          <a:schemeClr val="tx2">
+                            <a:lumMod val="60000"/>
+                            <a:lumOff val="40000"/>
+                          </a:schemeClr>
+                        </a:solidFill>
+                        <a:effectLst/>
+                        <a:latin typeface="Calibri" panose="020F0502020204030204" pitchFamily="34" charset="0"/>
+                        <a:ea typeface="Calibri" panose="020F0502020204030204" pitchFamily="34" charset="0"/>
+                        <a:cs typeface="Times New Roman" panose="02020603050405020304" pitchFamily="18" charset="0"/>
+                      </a:endParaRPr>
+                    </a:p>
+                    <a:p>
+                      <a:pPr>
+                        <a:spcAft>
+                          <a:spcPts val="0"/>
+                        </a:spcAft>
+                      </a:pPr>
+                      <a:r>
+                        <a:rPr lang="en-ZA" sz="1000" b="1" dirty="0">
+                          <a:effectLst/>
+                          <a:latin typeface="Calibri" panose="020F0502020204030204" pitchFamily="34" charset="0"/>
+                          <a:ea typeface="Calibri" panose="020F0502020204030204" pitchFamily="34" charset="0"/>
+                          <a:cs typeface="Calibri" panose="020F0502020204030204" pitchFamily="34" charset="0"/>
+                        </a:rPr>
+                        <a:t>Major </a:t>
+                      </a:r>
+                      <a:r>
+                        <a:rPr lang="en-ZA" sz="1000" b="1" dirty="0" smtClean="0">
+                          <a:effectLst/>
+                          <a:latin typeface="Calibri" panose="020F0502020204030204" pitchFamily="34" charset="0"/>
+                          <a:ea typeface="Calibri" panose="020F0502020204030204" pitchFamily="34" charset="0"/>
+                          <a:cs typeface="Calibri" panose="020F0502020204030204" pitchFamily="34" charset="0"/>
+                        </a:rPr>
+                        <a:t>suite</a:t>
+                      </a:r>
+                      <a:r>
+                        <a:rPr lang="en-ZA" sz="1000" dirty="0" smtClean="0">
+                          <a:effectLst/>
+                          <a:latin typeface="Calibri" panose="020F0502020204030204" pitchFamily="34" charset="0"/>
+                          <a:ea typeface="Calibri" panose="020F0502020204030204" pitchFamily="34" charset="0"/>
+                          <a:cs typeface="Calibri" panose="020F0502020204030204" pitchFamily="34" charset="0"/>
+                        </a:rPr>
+                        <a:t> </a:t>
+                      </a:r>
+                      <a:r>
+                        <a:rPr lang="en-ZA" sz="1000" dirty="0">
+                          <a:effectLst/>
+                          <a:latin typeface="Calibri" panose="020F0502020204030204" pitchFamily="34" charset="0"/>
+                          <a:ea typeface="Calibri" panose="020F0502020204030204" pitchFamily="34" charset="0"/>
+                          <a:cs typeface="Calibri" panose="020F0502020204030204" pitchFamily="34" charset="0"/>
+                        </a:rPr>
+                        <a:t>5+ length, </a:t>
+                      </a:r>
+                      <a:r>
+                        <a:rPr lang="en-ZA" sz="1000" dirty="0" smtClean="0">
+                          <a:effectLst/>
+                          <a:latin typeface="Calibri" panose="020F0502020204030204" pitchFamily="34" charset="0"/>
+                          <a:ea typeface="Calibri" panose="020F0502020204030204" pitchFamily="34" charset="0"/>
+                          <a:cs typeface="Calibri" panose="020F0502020204030204" pitchFamily="34" charset="0"/>
+                        </a:rPr>
+                        <a:t>12-21</a:t>
+                      </a:r>
+                      <a:r>
+                        <a:rPr lang="en-ZA" sz="1000" dirty="0">
+                          <a:effectLst/>
+                          <a:latin typeface="Calibri" panose="020F0502020204030204" pitchFamily="34" charset="0"/>
+                          <a:ea typeface="Calibri" panose="020F0502020204030204" pitchFamily="34" charset="0"/>
+                          <a:cs typeface="Calibri" panose="020F0502020204030204" pitchFamily="34" charset="0"/>
+                        </a:rPr>
+                        <a:t>: Open strongest (1</a:t>
+                      </a:r>
+                      <a:r>
+                        <a:rPr lang="en-ZA" sz="1000" dirty="0">
+                          <a:effectLst/>
+                          <a:latin typeface="Calibri" panose="020F0502020204030204" pitchFamily="34" charset="0"/>
+                          <a:ea typeface="Calibri" panose="020F0502020204030204" pitchFamily="34" charset="0"/>
+                          <a:cs typeface="Calibri" panose="020F0502020204030204" pitchFamily="34" charset="0"/>
+                          <a:sym typeface="Symbol" panose="05050102010706020507" pitchFamily="18" charset="2"/>
+                        </a:rPr>
+                        <a:t></a:t>
+                      </a:r>
+                      <a:r>
+                        <a:rPr lang="en-ZA" sz="1000" dirty="0">
+                          <a:effectLst/>
+                          <a:latin typeface="Calibri" panose="020F0502020204030204" pitchFamily="34" charset="0"/>
+                          <a:ea typeface="Calibri" panose="020F0502020204030204" pitchFamily="34" charset="0"/>
+                          <a:cs typeface="Calibri" panose="020F0502020204030204" pitchFamily="34" charset="0"/>
+                        </a:rPr>
+                        <a:t>, </a:t>
+                      </a:r>
+                      <a:r>
+                        <a:rPr lang="en-ZA" sz="1000" dirty="0">
+                          <a:solidFill>
+                            <a:srgbClr val="FF0000"/>
+                          </a:solidFill>
+                          <a:effectLst/>
+                          <a:latin typeface="Calibri" panose="020F0502020204030204" pitchFamily="34" charset="0"/>
+                          <a:ea typeface="Calibri" panose="020F0502020204030204" pitchFamily="34" charset="0"/>
+                          <a:cs typeface="Calibri" panose="020F0502020204030204" pitchFamily="34" charset="0"/>
+                        </a:rPr>
+                        <a:t>1</a:t>
+                      </a:r>
+                      <a:r>
+                        <a:rPr lang="en-ZA" sz="1000" dirty="0">
+                          <a:solidFill>
+                            <a:srgbClr val="FF0000"/>
+                          </a:solidFill>
+                          <a:effectLst/>
+                          <a:latin typeface="Calibri" panose="020F0502020204030204" pitchFamily="34" charset="0"/>
+                          <a:ea typeface="Calibri" panose="020F0502020204030204" pitchFamily="34" charset="0"/>
+                          <a:cs typeface="Calibri" panose="020F0502020204030204" pitchFamily="34" charset="0"/>
+                          <a:sym typeface="Symbol" panose="05050102010706020507" pitchFamily="18" charset="2"/>
+                        </a:rPr>
+                        <a:t></a:t>
+                      </a:r>
+                      <a:r>
+                        <a:rPr lang="en-ZA" sz="1000" dirty="0" smtClean="0">
+                          <a:effectLst/>
+                          <a:latin typeface="Calibri" panose="020F0502020204030204" pitchFamily="34" charset="0"/>
+                          <a:ea typeface="Calibri" panose="020F0502020204030204" pitchFamily="34" charset="0"/>
+                          <a:cs typeface="Calibri" panose="020F0502020204030204" pitchFamily="34" charset="0"/>
+                        </a:rPr>
+                        <a:t>)</a:t>
+                      </a:r>
+                      <a:r>
+                        <a:rPr lang="en-ZA" sz="1000" i="1" dirty="0" smtClean="0">
+                          <a:solidFill>
+                            <a:srgbClr val="00B050"/>
+                          </a:solidFill>
+                          <a:effectLst/>
+                          <a:latin typeface="Calibri" panose="020F0502020204030204" pitchFamily="34" charset="0"/>
+                          <a:ea typeface="Calibri" panose="020F0502020204030204" pitchFamily="34" charset="0"/>
+                          <a:cs typeface="Calibri" panose="020F0502020204030204" pitchFamily="34" charset="0"/>
+                        </a:rPr>
+                        <a:t> </a:t>
+                      </a:r>
+                      <a:r>
+                        <a:rPr lang="en-ZA" sz="1000" i="1" dirty="0" smtClean="0">
+                          <a:solidFill>
+                            <a:schemeClr val="tx2">
+                              <a:lumMod val="60000"/>
+                              <a:lumOff val="40000"/>
+                            </a:schemeClr>
+                          </a:solidFill>
+                          <a:effectLst/>
+                          <a:latin typeface="Calibri" panose="020F0502020204030204" pitchFamily="34" charset="0"/>
+                          <a:ea typeface="Calibri" panose="020F0502020204030204" pitchFamily="34" charset="0"/>
+                          <a:cs typeface="Calibri" panose="020F0502020204030204" pitchFamily="34" charset="0"/>
+                        </a:rPr>
+                        <a:t>[5]</a:t>
+                      </a:r>
+                      <a:endParaRPr lang="en-ZA" sz="1000" dirty="0">
+                        <a:solidFill>
+                          <a:schemeClr val="tx2">
+                            <a:lumMod val="60000"/>
+                            <a:lumOff val="40000"/>
+                          </a:schemeClr>
+                        </a:solidFill>
+                        <a:effectLst/>
+                        <a:latin typeface="Calibri" panose="020F0502020204030204" pitchFamily="34" charset="0"/>
+                        <a:ea typeface="Calibri" panose="020F0502020204030204" pitchFamily="34" charset="0"/>
+                        <a:cs typeface="Times New Roman" panose="02020603050405020304" pitchFamily="18" charset="0"/>
+                      </a:endParaRPr>
+                    </a:p>
+                    <a:p>
+                      <a:pPr>
+                        <a:spcAft>
+                          <a:spcPts val="0"/>
+                        </a:spcAft>
+                      </a:pPr>
+                      <a:r>
+                        <a:rPr lang="en-ZA" sz="1000" b="1" dirty="0">
+                          <a:effectLst/>
+                          <a:latin typeface="Calibri" panose="020F0502020204030204" pitchFamily="34" charset="0"/>
+                          <a:ea typeface="Calibri" panose="020F0502020204030204" pitchFamily="34" charset="0"/>
+                          <a:cs typeface="Calibri" panose="020F0502020204030204" pitchFamily="34" charset="0"/>
+                        </a:rPr>
+                        <a:t>Minor </a:t>
+                      </a:r>
+                      <a:r>
+                        <a:rPr lang="en-ZA" sz="1000" b="1" dirty="0" smtClean="0">
+                          <a:effectLst/>
+                          <a:latin typeface="Calibri" panose="020F0502020204030204" pitchFamily="34" charset="0"/>
+                          <a:ea typeface="Calibri" panose="020F0502020204030204" pitchFamily="34" charset="0"/>
+                          <a:cs typeface="Calibri" panose="020F0502020204030204" pitchFamily="34" charset="0"/>
+                        </a:rPr>
+                        <a:t>suite</a:t>
+                      </a:r>
+                      <a:r>
+                        <a:rPr lang="en-ZA" sz="1000" dirty="0" smtClean="0">
+                          <a:effectLst/>
+                          <a:latin typeface="Calibri" panose="020F0502020204030204" pitchFamily="34" charset="0"/>
+                          <a:ea typeface="Calibri" panose="020F0502020204030204" pitchFamily="34" charset="0"/>
+                          <a:cs typeface="Calibri" panose="020F0502020204030204" pitchFamily="34" charset="0"/>
+                        </a:rPr>
+                        <a:t> </a:t>
+                      </a:r>
+                      <a:r>
+                        <a:rPr lang="en-ZA" sz="1000" dirty="0">
+                          <a:solidFill>
+                            <a:srgbClr val="FF0000"/>
+                          </a:solidFill>
+                          <a:effectLst/>
+                          <a:latin typeface="Calibri" panose="020F0502020204030204" pitchFamily="34" charset="0"/>
+                          <a:ea typeface="Calibri" panose="020F0502020204030204" pitchFamily="34" charset="0"/>
+                          <a:cs typeface="Calibri" panose="020F0502020204030204" pitchFamily="34" charset="0"/>
+                        </a:rPr>
+                        <a:t>4</a:t>
+                      </a:r>
+                      <a:r>
+                        <a:rPr lang="en-ZA" sz="1000" dirty="0">
+                          <a:solidFill>
+                            <a:srgbClr val="FF0000"/>
+                          </a:solidFill>
+                          <a:effectLst/>
+                          <a:latin typeface="Calibri" panose="020F0502020204030204" pitchFamily="34" charset="0"/>
+                          <a:ea typeface="Calibri" panose="020F0502020204030204" pitchFamily="34" charset="0"/>
+                          <a:cs typeface="Calibri" panose="020F0502020204030204" pitchFamily="34" charset="0"/>
+                          <a:sym typeface="Symbol" panose="05050102010706020507" pitchFamily="18" charset="2"/>
+                        </a:rPr>
+                        <a:t></a:t>
+                      </a:r>
+                      <a:r>
+                        <a:rPr lang="en-ZA" sz="1000" dirty="0">
+                          <a:effectLst/>
+                          <a:latin typeface="Calibri" panose="020F0502020204030204" pitchFamily="34" charset="0"/>
+                          <a:ea typeface="Calibri" panose="020F0502020204030204" pitchFamily="34" charset="0"/>
+                          <a:cs typeface="Calibri" panose="020F0502020204030204" pitchFamily="34" charset="0"/>
+                        </a:rPr>
+                        <a:t>, 4</a:t>
+                      </a:r>
+                      <a:r>
+                        <a:rPr lang="en-ZA" sz="1000" dirty="0">
+                          <a:effectLst/>
+                          <a:latin typeface="Calibri" panose="020F0502020204030204" pitchFamily="34" charset="0"/>
+                          <a:ea typeface="Calibri" panose="020F0502020204030204" pitchFamily="34" charset="0"/>
+                          <a:cs typeface="Calibri" panose="020F0502020204030204" pitchFamily="34" charset="0"/>
+                          <a:sym typeface="Symbol" panose="05050102010706020507" pitchFamily="18" charset="2"/>
+                        </a:rPr>
+                        <a:t></a:t>
+                      </a:r>
+                      <a:r>
+                        <a:rPr lang="en-ZA" sz="1000" dirty="0">
+                          <a:effectLst/>
+                          <a:latin typeface="Calibri" panose="020F0502020204030204" pitchFamily="34" charset="0"/>
+                          <a:ea typeface="Calibri" panose="020F0502020204030204" pitchFamily="34" charset="0"/>
+                          <a:cs typeface="Calibri" panose="020F0502020204030204" pitchFamily="34" charset="0"/>
+                        </a:rPr>
+                        <a:t>, 12-21: open </a:t>
+                      </a:r>
+                      <a:r>
+                        <a:rPr lang="en-ZA" sz="1000" dirty="0">
+                          <a:solidFill>
+                            <a:srgbClr val="FF0000"/>
+                          </a:solidFill>
+                          <a:effectLst/>
+                          <a:latin typeface="Calibri" panose="020F0502020204030204" pitchFamily="34" charset="0"/>
+                          <a:ea typeface="Calibri" panose="020F0502020204030204" pitchFamily="34" charset="0"/>
+                          <a:cs typeface="Calibri" panose="020F0502020204030204" pitchFamily="34" charset="0"/>
+                        </a:rPr>
+                        <a:t>1</a:t>
+                      </a:r>
+                      <a:r>
+                        <a:rPr lang="en-ZA" sz="1000" dirty="0" smtClean="0">
+                          <a:solidFill>
+                            <a:srgbClr val="FF0000"/>
+                          </a:solidFill>
+                          <a:effectLst/>
+                          <a:latin typeface="Calibri" panose="020F0502020204030204" pitchFamily="34" charset="0"/>
+                          <a:ea typeface="Calibri" panose="020F0502020204030204" pitchFamily="34" charset="0"/>
+                          <a:cs typeface="Calibri" panose="020F0502020204030204" pitchFamily="34" charset="0"/>
+                          <a:sym typeface="Symbol" panose="05050102010706020507" pitchFamily="18" charset="2"/>
+                        </a:rPr>
+                        <a:t> </a:t>
+                      </a:r>
+                      <a:r>
+                        <a:rPr lang="en-ZA" sz="1000" i="1" dirty="0" smtClean="0">
+                          <a:solidFill>
+                            <a:schemeClr val="tx2">
+                              <a:lumMod val="60000"/>
+                              <a:lumOff val="40000"/>
+                            </a:schemeClr>
+                          </a:solidFill>
+                          <a:effectLst/>
+                          <a:latin typeface="Calibri" panose="020F0502020204030204" pitchFamily="34" charset="0"/>
+                          <a:ea typeface="Calibri" panose="020F0502020204030204" pitchFamily="34" charset="0"/>
+                          <a:cs typeface="Calibri" panose="020F0502020204030204" pitchFamily="34" charset="0"/>
+                        </a:rPr>
+                        <a:t>[5]</a:t>
+                      </a:r>
+                      <a:endParaRPr lang="en-ZA" sz="1000" dirty="0">
+                        <a:solidFill>
+                          <a:schemeClr val="tx2">
+                            <a:lumMod val="60000"/>
+                            <a:lumOff val="40000"/>
+                          </a:schemeClr>
+                        </a:solidFill>
+                        <a:effectLst/>
+                        <a:latin typeface="Calibri" panose="020F0502020204030204" pitchFamily="34" charset="0"/>
+                        <a:ea typeface="Calibri" panose="020F0502020204030204" pitchFamily="34" charset="0"/>
+                        <a:cs typeface="Times New Roman" panose="02020603050405020304" pitchFamily="18" charset="0"/>
+                      </a:endParaRPr>
+                    </a:p>
+                    <a:p>
+                      <a:pPr>
+                        <a:spcAft>
+                          <a:spcPts val="0"/>
+                        </a:spcAft>
+                      </a:pPr>
+                      <a:r>
+                        <a:rPr lang="en-ZA" sz="1000" b="1" dirty="0">
+                          <a:effectLst/>
+                          <a:latin typeface="Calibri" panose="020F0502020204030204" pitchFamily="34" charset="0"/>
+                          <a:ea typeface="Calibri" panose="020F0502020204030204" pitchFamily="34" charset="0"/>
+                          <a:cs typeface="Calibri" panose="020F0502020204030204" pitchFamily="34" charset="0"/>
+                        </a:rPr>
+                        <a:t>Minor suite</a:t>
+                      </a:r>
+                      <a:r>
+                        <a:rPr lang="en-ZA" sz="1000" dirty="0">
+                          <a:effectLst/>
+                          <a:latin typeface="Calibri" panose="020F0502020204030204" pitchFamily="34" charset="0"/>
+                          <a:ea typeface="Calibri" panose="020F0502020204030204" pitchFamily="34" charset="0"/>
+                          <a:cs typeface="Calibri" panose="020F0502020204030204" pitchFamily="34" charset="0"/>
+                        </a:rPr>
+                        <a:t> </a:t>
+                      </a:r>
+                      <a:r>
+                        <a:rPr lang="en-ZA" sz="1000" dirty="0">
+                          <a:solidFill>
+                            <a:srgbClr val="FF0000"/>
+                          </a:solidFill>
+                          <a:effectLst/>
+                          <a:latin typeface="Calibri" panose="020F0502020204030204" pitchFamily="34" charset="0"/>
+                          <a:ea typeface="Calibri" panose="020F0502020204030204" pitchFamily="34" charset="0"/>
+                          <a:cs typeface="Calibri" panose="020F0502020204030204" pitchFamily="34" charset="0"/>
+                        </a:rPr>
+                        <a:t>3</a:t>
+                      </a:r>
+                      <a:r>
+                        <a:rPr lang="en-ZA" sz="1000" dirty="0">
+                          <a:solidFill>
+                            <a:srgbClr val="FF0000"/>
+                          </a:solidFill>
+                          <a:effectLst/>
+                          <a:latin typeface="Calibri" panose="020F0502020204030204" pitchFamily="34" charset="0"/>
+                          <a:ea typeface="Calibri" panose="020F0502020204030204" pitchFamily="34" charset="0"/>
+                          <a:cs typeface="Calibri" panose="020F0502020204030204" pitchFamily="34" charset="0"/>
+                          <a:sym typeface="Symbol" panose="05050102010706020507" pitchFamily="18" charset="2"/>
+                        </a:rPr>
+                        <a:t></a:t>
+                      </a:r>
+                      <a:r>
+                        <a:rPr lang="en-ZA" sz="1000" dirty="0">
+                          <a:effectLst/>
+                          <a:latin typeface="Calibri" panose="020F0502020204030204" pitchFamily="34" charset="0"/>
+                          <a:ea typeface="Calibri" panose="020F0502020204030204" pitchFamily="34" charset="0"/>
+                          <a:cs typeface="Calibri" panose="020F0502020204030204" pitchFamily="34" charset="0"/>
+                        </a:rPr>
+                        <a:t>, 3</a:t>
+                      </a:r>
+                      <a:r>
+                        <a:rPr lang="en-ZA" sz="1000" dirty="0">
+                          <a:effectLst/>
+                          <a:latin typeface="Calibri" panose="020F0502020204030204" pitchFamily="34" charset="0"/>
+                          <a:ea typeface="Calibri" panose="020F0502020204030204" pitchFamily="34" charset="0"/>
+                          <a:cs typeface="Calibri" panose="020F0502020204030204" pitchFamily="34" charset="0"/>
+                          <a:sym typeface="Symbol" panose="05050102010706020507" pitchFamily="18" charset="2"/>
+                        </a:rPr>
+                        <a:t></a:t>
+                      </a:r>
+                      <a:r>
+                        <a:rPr lang="en-ZA" sz="1000" dirty="0">
+                          <a:effectLst/>
+                          <a:latin typeface="Calibri" panose="020F0502020204030204" pitchFamily="34" charset="0"/>
+                          <a:ea typeface="Calibri" panose="020F0502020204030204" pitchFamily="34" charset="0"/>
+                          <a:cs typeface="Calibri" panose="020F0502020204030204" pitchFamily="34" charset="0"/>
+                        </a:rPr>
+                        <a:t>: 12-21: open </a:t>
+                      </a:r>
+                      <a:r>
+                        <a:rPr lang="en-ZA" sz="1000" dirty="0" smtClean="0">
+                          <a:effectLst/>
+                          <a:latin typeface="Calibri" panose="020F0502020204030204" pitchFamily="34" charset="0"/>
+                          <a:ea typeface="Calibri" panose="020F0502020204030204" pitchFamily="34" charset="0"/>
+                          <a:cs typeface="Calibri" panose="020F0502020204030204" pitchFamily="34" charset="0"/>
+                        </a:rPr>
+                        <a:t>1</a:t>
+                      </a:r>
+                      <a:r>
+                        <a:rPr lang="en-ZA" sz="1000" dirty="0" smtClean="0">
+                          <a:effectLst/>
+                          <a:latin typeface="Calibri" panose="020F0502020204030204" pitchFamily="34" charset="0"/>
+                          <a:ea typeface="Calibri" panose="020F0502020204030204" pitchFamily="34" charset="0"/>
+                          <a:cs typeface="Calibri" panose="020F0502020204030204" pitchFamily="34" charset="0"/>
+                          <a:sym typeface="Symbol" panose="05050102010706020507" pitchFamily="18" charset="2"/>
+                        </a:rPr>
+                        <a:t> </a:t>
+                      </a:r>
+                      <a:r>
+                        <a:rPr lang="en-ZA" sz="1000" i="1" dirty="0" smtClean="0">
+                          <a:solidFill>
+                            <a:schemeClr val="tx2">
+                              <a:lumMod val="60000"/>
+                              <a:lumOff val="40000"/>
+                            </a:schemeClr>
+                          </a:solidFill>
+                          <a:effectLst/>
+                          <a:latin typeface="Calibri" panose="020F0502020204030204" pitchFamily="34" charset="0"/>
+                          <a:ea typeface="Calibri" panose="020F0502020204030204" pitchFamily="34" charset="0"/>
+                          <a:cs typeface="Calibri" panose="020F0502020204030204" pitchFamily="34" charset="0"/>
+                        </a:rPr>
+                        <a:t>[5]</a:t>
+                      </a:r>
+                      <a:endParaRPr lang="en-ZA" sz="1000" dirty="0">
+                        <a:solidFill>
+                          <a:schemeClr val="tx2">
+                            <a:lumMod val="60000"/>
+                            <a:lumOff val="40000"/>
+                          </a:schemeClr>
+                        </a:solidFill>
+                        <a:effectLst/>
+                        <a:latin typeface="Calibri" panose="020F0502020204030204" pitchFamily="34" charset="0"/>
+                        <a:ea typeface="Calibri" panose="020F0502020204030204" pitchFamily="34" charset="0"/>
+                        <a:cs typeface="Times New Roman" panose="02020603050405020304" pitchFamily="18" charset="0"/>
+                      </a:endParaRPr>
+                    </a:p>
+                    <a:p>
+                      <a:pPr>
+                        <a:spcAft>
+                          <a:spcPts val="0"/>
+                        </a:spcAft>
+                      </a:pPr>
+                      <a:r>
+                        <a:rPr lang="en-ZA" sz="1000" b="1" dirty="0">
+                          <a:effectLst/>
+                          <a:latin typeface="Calibri" panose="020F0502020204030204" pitchFamily="34" charset="0"/>
+                          <a:ea typeface="Calibri" panose="020F0502020204030204" pitchFamily="34" charset="0"/>
+                          <a:cs typeface="Calibri" panose="020F0502020204030204" pitchFamily="34" charset="0"/>
+                        </a:rPr>
+                        <a:t>Artificial bid 2</a:t>
+                      </a:r>
+                      <a:r>
+                        <a:rPr lang="en-ZA" sz="1000" b="1" dirty="0">
+                          <a:effectLst/>
+                          <a:latin typeface="Calibri" panose="020F0502020204030204" pitchFamily="34" charset="0"/>
+                          <a:ea typeface="Calibri" panose="020F0502020204030204" pitchFamily="34" charset="0"/>
+                          <a:cs typeface="Calibri" panose="020F0502020204030204" pitchFamily="34" charset="0"/>
+                          <a:sym typeface="Symbol" panose="05050102010706020507" pitchFamily="18" charset="2"/>
+                        </a:rPr>
+                        <a:t></a:t>
+                      </a:r>
+                      <a:r>
+                        <a:rPr lang="en-ZA" sz="1000" dirty="0">
+                          <a:effectLst/>
+                          <a:latin typeface="Calibri" panose="020F0502020204030204" pitchFamily="34" charset="0"/>
+                          <a:ea typeface="Calibri" panose="020F0502020204030204" pitchFamily="34" charset="0"/>
+                          <a:cs typeface="Calibri" panose="020F0502020204030204" pitchFamily="34" charset="0"/>
+                        </a:rPr>
+                        <a:t>: 23+ points. </a:t>
+                      </a:r>
+                      <a:r>
+                        <a:rPr lang="en-ZA" sz="1000" b="1" u="none" dirty="0">
+                          <a:effectLst/>
+                          <a:latin typeface="Calibri" panose="020F0502020204030204" pitchFamily="34" charset="0"/>
+                          <a:ea typeface="Calibri" panose="020F0502020204030204" pitchFamily="34" charset="0"/>
+                          <a:cs typeface="Calibri" panose="020F0502020204030204" pitchFamily="34" charset="0"/>
+                        </a:rPr>
+                        <a:t>Partner must </a:t>
+                      </a:r>
+                      <a:r>
+                        <a:rPr lang="en-ZA" sz="1000" b="1" u="none" dirty="0" smtClean="0">
+                          <a:effectLst/>
+                          <a:latin typeface="Calibri" panose="020F0502020204030204" pitchFamily="34" charset="0"/>
+                          <a:ea typeface="Calibri" panose="020F0502020204030204" pitchFamily="34" charset="0"/>
+                          <a:cs typeface="Calibri" panose="020F0502020204030204" pitchFamily="34" charset="0"/>
+                        </a:rPr>
+                        <a:t>respond! </a:t>
+                      </a:r>
+                      <a:r>
+                        <a:rPr lang="en-ZA" sz="1000" i="1" dirty="0" smtClean="0">
+                          <a:solidFill>
+                            <a:schemeClr val="tx2">
+                              <a:lumMod val="60000"/>
+                              <a:lumOff val="40000"/>
+                            </a:schemeClr>
+                          </a:solidFill>
+                          <a:effectLst/>
+                          <a:latin typeface="Calibri" panose="020F0502020204030204" pitchFamily="34" charset="0"/>
+                          <a:ea typeface="Calibri" panose="020F0502020204030204" pitchFamily="34" charset="0"/>
+                          <a:cs typeface="Calibri" panose="020F0502020204030204" pitchFamily="34" charset="0"/>
+                        </a:rPr>
+                        <a:t>[8]</a:t>
+                      </a:r>
+                      <a:endParaRPr lang="en-ZA" sz="1000" b="1" u="none" dirty="0">
+                        <a:effectLst/>
+                        <a:latin typeface="Calibri" panose="020F0502020204030204" pitchFamily="34" charset="0"/>
+                        <a:ea typeface="Calibri" panose="020F0502020204030204" pitchFamily="34" charset="0"/>
+                        <a:cs typeface="Times New Roman" panose="02020603050405020304" pitchFamily="18" charset="0"/>
+                      </a:endParaRPr>
+                    </a:p>
+                    <a:p>
+                      <a:pPr>
+                        <a:spcAft>
+                          <a:spcPts val="0"/>
+                        </a:spcAft>
+                      </a:pPr>
+                      <a:r>
+                        <a:rPr lang="en-ZA" sz="1000" b="1" dirty="0">
+                          <a:effectLst/>
+                          <a:latin typeface="Calibri" panose="020F0502020204030204" pitchFamily="34" charset="0"/>
+                          <a:ea typeface="Calibri" panose="020F0502020204030204" pitchFamily="34" charset="0"/>
+                          <a:cs typeface="Calibri" panose="020F0502020204030204" pitchFamily="34" charset="0"/>
+                        </a:rPr>
+                        <a:t>Weak 2 </a:t>
+                      </a:r>
+                      <a:r>
+                        <a:rPr lang="en-ZA" sz="1000" b="1" dirty="0" smtClean="0">
+                          <a:effectLst/>
+                          <a:latin typeface="Calibri" panose="020F0502020204030204" pitchFamily="34" charset="0"/>
+                          <a:ea typeface="Calibri" panose="020F0502020204030204" pitchFamily="34" charset="0"/>
+                          <a:cs typeface="Calibri" panose="020F0502020204030204" pitchFamily="34" charset="0"/>
+                        </a:rPr>
+                        <a:t>bids</a:t>
+                      </a:r>
+                      <a:r>
+                        <a:rPr lang="en-ZA" sz="1000" dirty="0" smtClean="0">
+                          <a:effectLst/>
+                          <a:latin typeface="Calibri" panose="020F0502020204030204" pitchFamily="34" charset="0"/>
+                          <a:ea typeface="Calibri" panose="020F0502020204030204" pitchFamily="34" charset="0"/>
+                          <a:cs typeface="Calibri" panose="020F0502020204030204" pitchFamily="34" charset="0"/>
+                        </a:rPr>
+                        <a:t> </a:t>
+                      </a:r>
+                      <a:r>
+                        <a:rPr lang="en-ZA" sz="1000" dirty="0">
+                          <a:solidFill>
+                            <a:srgbClr val="FF0000"/>
+                          </a:solidFill>
+                          <a:effectLst/>
+                          <a:latin typeface="Calibri" panose="020F0502020204030204" pitchFamily="34" charset="0"/>
+                          <a:ea typeface="Calibri" panose="020F0502020204030204" pitchFamily="34" charset="0"/>
+                          <a:cs typeface="Calibri" panose="020F0502020204030204" pitchFamily="34" charset="0"/>
+                        </a:rPr>
+                        <a:t>2</a:t>
+                      </a:r>
+                      <a:r>
+                        <a:rPr lang="en-ZA" sz="1000" dirty="0">
+                          <a:solidFill>
+                            <a:srgbClr val="FF0000"/>
+                          </a:solidFill>
+                          <a:effectLst/>
+                          <a:latin typeface="Calibri" panose="020F0502020204030204" pitchFamily="34" charset="0"/>
+                          <a:ea typeface="Calibri" panose="020F0502020204030204" pitchFamily="34" charset="0"/>
+                          <a:cs typeface="Calibri" panose="020F0502020204030204" pitchFamily="34" charset="0"/>
+                          <a:sym typeface="Symbol" panose="05050102010706020507" pitchFamily="18" charset="2"/>
+                        </a:rPr>
+                        <a:t></a:t>
+                      </a:r>
+                      <a:r>
+                        <a:rPr lang="en-ZA" sz="1000" dirty="0">
+                          <a:effectLst/>
+                          <a:latin typeface="Calibri" panose="020F0502020204030204" pitchFamily="34" charset="0"/>
+                          <a:ea typeface="Calibri" panose="020F0502020204030204" pitchFamily="34" charset="0"/>
+                          <a:cs typeface="Calibri" panose="020F0502020204030204" pitchFamily="34" charset="0"/>
+                        </a:rPr>
+                        <a:t>, </a:t>
+                      </a:r>
+                      <a:r>
+                        <a:rPr lang="en-ZA" sz="1000" dirty="0">
+                          <a:solidFill>
+                            <a:srgbClr val="FF0000"/>
+                          </a:solidFill>
+                          <a:effectLst/>
+                          <a:latin typeface="Calibri" panose="020F0502020204030204" pitchFamily="34" charset="0"/>
+                          <a:ea typeface="Calibri" panose="020F0502020204030204" pitchFamily="34" charset="0"/>
+                          <a:cs typeface="Calibri" panose="020F0502020204030204" pitchFamily="34" charset="0"/>
+                        </a:rPr>
+                        <a:t>2</a:t>
+                      </a:r>
+                      <a:r>
+                        <a:rPr lang="en-ZA" sz="1000" dirty="0">
+                          <a:solidFill>
+                            <a:srgbClr val="FF0000"/>
+                          </a:solidFill>
+                          <a:effectLst/>
+                          <a:latin typeface="Calibri" panose="020F0502020204030204" pitchFamily="34" charset="0"/>
+                          <a:ea typeface="Calibri" panose="020F0502020204030204" pitchFamily="34" charset="0"/>
+                          <a:cs typeface="Calibri" panose="020F0502020204030204" pitchFamily="34" charset="0"/>
+                          <a:sym typeface="Symbol" panose="05050102010706020507" pitchFamily="18" charset="2"/>
+                        </a:rPr>
+                        <a:t></a:t>
+                      </a:r>
+                      <a:r>
+                        <a:rPr lang="en-ZA" sz="1000" dirty="0">
+                          <a:effectLst/>
+                          <a:latin typeface="Calibri" panose="020F0502020204030204" pitchFamily="34" charset="0"/>
+                          <a:ea typeface="Calibri" panose="020F0502020204030204" pitchFamily="34" charset="0"/>
+                          <a:cs typeface="Calibri" panose="020F0502020204030204" pitchFamily="34" charset="0"/>
+                        </a:rPr>
+                        <a:t>, 2</a:t>
+                      </a:r>
+                      <a:r>
+                        <a:rPr lang="en-ZA" sz="1000" dirty="0">
+                          <a:effectLst/>
+                          <a:latin typeface="Calibri" panose="020F0502020204030204" pitchFamily="34" charset="0"/>
+                          <a:ea typeface="Calibri" panose="020F0502020204030204" pitchFamily="34" charset="0"/>
+                          <a:cs typeface="Calibri" panose="020F0502020204030204" pitchFamily="34" charset="0"/>
+                          <a:sym typeface="Symbol" panose="05050102010706020507" pitchFamily="18" charset="2"/>
+                        </a:rPr>
+                        <a:t></a:t>
+                      </a:r>
+                      <a:r>
+                        <a:rPr lang="en-ZA" sz="1000" dirty="0">
+                          <a:effectLst/>
+                          <a:latin typeface="Calibri" panose="020F0502020204030204" pitchFamily="34" charset="0"/>
+                          <a:ea typeface="Calibri" panose="020F0502020204030204" pitchFamily="34" charset="0"/>
+                          <a:cs typeface="Calibri" panose="020F0502020204030204" pitchFamily="34" charset="0"/>
+                        </a:rPr>
+                        <a:t>: 6 card suit, 5 </a:t>
+                      </a:r>
+                      <a:r>
+                        <a:rPr lang="en-ZA" sz="1000" dirty="0" smtClean="0">
+                          <a:effectLst/>
+                          <a:latin typeface="Calibri" panose="020F0502020204030204" pitchFamily="34" charset="0"/>
+                          <a:ea typeface="Calibri" panose="020F0502020204030204" pitchFamily="34" charset="0"/>
+                          <a:cs typeface="Calibri" panose="020F0502020204030204" pitchFamily="34" charset="0"/>
+                        </a:rPr>
+                        <a:t>- 9 points (exclude length) with </a:t>
+                      </a:r>
+                      <a:r>
+                        <a:rPr lang="en-ZA" sz="1000" dirty="0">
+                          <a:effectLst/>
+                          <a:latin typeface="Calibri" panose="020F0502020204030204" pitchFamily="34" charset="0"/>
+                          <a:ea typeface="Calibri" panose="020F0502020204030204" pitchFamily="34" charset="0"/>
+                          <a:cs typeface="Calibri" panose="020F0502020204030204" pitchFamily="34" charset="0"/>
+                        </a:rPr>
+                        <a:t>2 </a:t>
+                      </a:r>
+                      <a:r>
+                        <a:rPr lang="en-ZA" sz="1000" dirty="0" smtClean="0">
+                          <a:effectLst/>
+                          <a:latin typeface="Calibri" panose="020F0502020204030204" pitchFamily="34" charset="0"/>
+                          <a:ea typeface="Calibri" panose="020F0502020204030204" pitchFamily="34" charset="0"/>
+                          <a:cs typeface="Calibri" panose="020F0502020204030204" pitchFamily="34" charset="0"/>
+                        </a:rPr>
+                        <a:t>honours. </a:t>
+                      </a:r>
+                      <a:r>
+                        <a:rPr lang="en-ZA" sz="1000" i="1" dirty="0" smtClean="0">
+                          <a:solidFill>
+                            <a:schemeClr val="tx2">
+                              <a:lumMod val="60000"/>
+                              <a:lumOff val="40000"/>
+                            </a:schemeClr>
+                          </a:solidFill>
+                          <a:effectLst/>
+                          <a:latin typeface="Calibri" panose="020F0502020204030204" pitchFamily="34" charset="0"/>
+                          <a:ea typeface="Calibri" panose="020F0502020204030204" pitchFamily="34" charset="0"/>
+                          <a:cs typeface="Calibri" panose="020F0502020204030204" pitchFamily="34" charset="0"/>
+                        </a:rPr>
+                        <a:t>[8]</a:t>
                       </a:r>
                       <a:endParaRPr lang="en-ZA" sz="1000" dirty="0">
                         <a:effectLst/>
@@ -3111,13 +4665,160 @@
                         </a:spcAft>
                       </a:pPr>
                       <a:r>
+                        <a:rPr lang="en-ZA" sz="1000" b="1" dirty="0">
+                          <a:effectLst/>
+                          <a:latin typeface="Calibri" panose="020F0502020204030204" pitchFamily="34" charset="0"/>
+                          <a:ea typeface="Calibri" panose="020F0502020204030204" pitchFamily="34" charset="0"/>
+                          <a:cs typeface="Calibri" panose="020F0502020204030204" pitchFamily="34" charset="0"/>
+                        </a:rPr>
+                        <a:t>Pre-emptive bid </a:t>
+                      </a:r>
+                      <a:r>
+                        <a:rPr lang="en-ZA" sz="1000" b="1" dirty="0" smtClean="0">
+                          <a:effectLst/>
+                          <a:latin typeface="Calibri" panose="020F0502020204030204" pitchFamily="34" charset="0"/>
+                          <a:ea typeface="Calibri" panose="020F0502020204030204" pitchFamily="34" charset="0"/>
+                          <a:cs typeface="Calibri" panose="020F0502020204030204" pitchFamily="34" charset="0"/>
+                        </a:rPr>
+                        <a:t>3</a:t>
+                      </a:r>
+                      <a:r>
+                        <a:rPr lang="en-ZA" sz="1000" dirty="0" smtClean="0">
+                          <a:effectLst/>
+                          <a:latin typeface="Calibri" panose="020F0502020204030204" pitchFamily="34" charset="0"/>
+                          <a:ea typeface="Calibri" panose="020F0502020204030204" pitchFamily="34" charset="0"/>
+                          <a:cs typeface="Calibri" panose="020F0502020204030204" pitchFamily="34" charset="0"/>
+                        </a:rPr>
+                        <a:t> </a:t>
+                      </a:r>
+                      <a:r>
                         <a:rPr lang="en-ZA" sz="1000" dirty="0">
-                          <a:effectLst/>
-                          <a:latin typeface="Calibri" panose="020F0502020204030204" pitchFamily="34" charset="0"/>
-                          <a:ea typeface="Calibri" panose="020F0502020204030204" pitchFamily="34" charset="0"/>
-                          <a:cs typeface="Calibri" panose="020F0502020204030204" pitchFamily="34" charset="0"/>
-                        </a:rPr>
-                        <a:t>5+ length, 12+: open strongest suit.</a:t>
+                          <a:solidFill>
+                            <a:srgbClr val="FF0000"/>
+                          </a:solidFill>
+                          <a:effectLst/>
+                          <a:latin typeface="Calibri" panose="020F0502020204030204" pitchFamily="34" charset="0"/>
+                          <a:ea typeface="Calibri" panose="020F0502020204030204" pitchFamily="34" charset="0"/>
+                          <a:cs typeface="Calibri" panose="020F0502020204030204" pitchFamily="34" charset="0"/>
+                        </a:rPr>
+                        <a:t>3</a:t>
+                      </a:r>
+                      <a:r>
+                        <a:rPr lang="en-ZA" sz="1000" dirty="0">
+                          <a:solidFill>
+                            <a:srgbClr val="FF0000"/>
+                          </a:solidFill>
+                          <a:effectLst/>
+                          <a:latin typeface="Calibri" panose="020F0502020204030204" pitchFamily="34" charset="0"/>
+                          <a:ea typeface="Calibri" panose="020F0502020204030204" pitchFamily="34" charset="0"/>
+                          <a:cs typeface="Calibri" panose="020F0502020204030204" pitchFamily="34" charset="0"/>
+                          <a:sym typeface="Symbol" panose="05050102010706020507" pitchFamily="18" charset="2"/>
+                        </a:rPr>
+                        <a:t></a:t>
+                      </a:r>
+                      <a:r>
+                        <a:rPr lang="en-ZA" sz="1000" dirty="0">
+                          <a:effectLst/>
+                          <a:latin typeface="Calibri" panose="020F0502020204030204" pitchFamily="34" charset="0"/>
+                          <a:ea typeface="Calibri" panose="020F0502020204030204" pitchFamily="34" charset="0"/>
+                          <a:cs typeface="Calibri" panose="020F0502020204030204" pitchFamily="34" charset="0"/>
+                        </a:rPr>
+                        <a:t>, </a:t>
+                      </a:r>
+                      <a:r>
+                        <a:rPr lang="en-ZA" sz="1000" dirty="0">
+                          <a:solidFill>
+                            <a:srgbClr val="FF0000"/>
+                          </a:solidFill>
+                          <a:effectLst/>
+                          <a:latin typeface="Calibri" panose="020F0502020204030204" pitchFamily="34" charset="0"/>
+                          <a:ea typeface="Calibri" panose="020F0502020204030204" pitchFamily="34" charset="0"/>
+                          <a:cs typeface="Calibri" panose="020F0502020204030204" pitchFamily="34" charset="0"/>
+                        </a:rPr>
+                        <a:t>3</a:t>
+                      </a:r>
+                      <a:r>
+                        <a:rPr lang="en-ZA" sz="1000" dirty="0">
+                          <a:solidFill>
+                            <a:srgbClr val="FF0000"/>
+                          </a:solidFill>
+                          <a:effectLst/>
+                          <a:latin typeface="Calibri" panose="020F0502020204030204" pitchFamily="34" charset="0"/>
+                          <a:ea typeface="Calibri" panose="020F0502020204030204" pitchFamily="34" charset="0"/>
+                          <a:cs typeface="Calibri" panose="020F0502020204030204" pitchFamily="34" charset="0"/>
+                          <a:sym typeface="Symbol" panose="05050102010706020507" pitchFamily="18" charset="2"/>
+                        </a:rPr>
+                        <a:t></a:t>
+                      </a:r>
+                      <a:r>
+                        <a:rPr lang="en-ZA" sz="1000" dirty="0">
+                          <a:effectLst/>
+                          <a:latin typeface="Calibri" panose="020F0502020204030204" pitchFamily="34" charset="0"/>
+                          <a:ea typeface="Calibri" panose="020F0502020204030204" pitchFamily="34" charset="0"/>
+                          <a:cs typeface="Calibri" panose="020F0502020204030204" pitchFamily="34" charset="0"/>
+                        </a:rPr>
+                        <a:t>, 3</a:t>
+                      </a:r>
+                      <a:r>
+                        <a:rPr lang="en-ZA" sz="1000" dirty="0">
+                          <a:effectLst/>
+                          <a:latin typeface="Calibri" panose="020F0502020204030204" pitchFamily="34" charset="0"/>
+                          <a:ea typeface="Calibri" panose="020F0502020204030204" pitchFamily="34" charset="0"/>
+                          <a:cs typeface="Calibri" panose="020F0502020204030204" pitchFamily="34" charset="0"/>
+                          <a:sym typeface="Symbol" panose="05050102010706020507" pitchFamily="18" charset="2"/>
+                        </a:rPr>
+                        <a:t></a:t>
+                      </a:r>
+                      <a:r>
+                        <a:rPr lang="en-ZA" sz="1000" dirty="0">
+                          <a:effectLst/>
+                          <a:latin typeface="Calibri" panose="020F0502020204030204" pitchFamily="34" charset="0"/>
+                          <a:ea typeface="Calibri" panose="020F0502020204030204" pitchFamily="34" charset="0"/>
+                          <a:cs typeface="Calibri" panose="020F0502020204030204" pitchFamily="34" charset="0"/>
+                        </a:rPr>
+                        <a:t>: 7 card suit, 5 - 9 </a:t>
+                      </a:r>
+                      <a:r>
+                        <a:rPr lang="en-ZA" sz="1000" dirty="0" smtClean="0">
+                          <a:effectLst/>
+                          <a:latin typeface="Calibri" panose="020F0502020204030204" pitchFamily="34" charset="0"/>
+                          <a:ea typeface="Calibri" panose="020F0502020204030204" pitchFamily="34" charset="0"/>
+                          <a:cs typeface="Calibri" panose="020F0502020204030204" pitchFamily="34" charset="0"/>
+                        </a:rPr>
+                        <a:t>points (exclude length) with </a:t>
+                      </a:r>
+                      <a:r>
+                        <a:rPr lang="en-ZA" sz="1000" dirty="0">
+                          <a:effectLst/>
+                          <a:latin typeface="Calibri" panose="020F0502020204030204" pitchFamily="34" charset="0"/>
+                          <a:ea typeface="Calibri" panose="020F0502020204030204" pitchFamily="34" charset="0"/>
+                          <a:cs typeface="Calibri" panose="020F0502020204030204" pitchFamily="34" charset="0"/>
+                        </a:rPr>
+                        <a:t>2 </a:t>
+                      </a:r>
+                      <a:r>
+                        <a:rPr lang="en-ZA" sz="1000" dirty="0" smtClean="0">
+                          <a:effectLst/>
+                          <a:latin typeface="Calibri" panose="020F0502020204030204" pitchFamily="34" charset="0"/>
+                          <a:ea typeface="Calibri" panose="020F0502020204030204" pitchFamily="34" charset="0"/>
+                          <a:cs typeface="Calibri" panose="020F0502020204030204" pitchFamily="34" charset="0"/>
+                        </a:rPr>
+                        <a:t>honours </a:t>
+                      </a:r>
+                      <a:r>
+                        <a:rPr lang="en-ZA" sz="1000" i="1" dirty="0" smtClean="0">
+                          <a:solidFill>
+                            <a:schemeClr val="tx2">
+                              <a:lumMod val="60000"/>
+                              <a:lumOff val="40000"/>
+                            </a:schemeClr>
+                          </a:solidFill>
+                          <a:effectLst/>
+                          <a:latin typeface="Calibri" panose="020F0502020204030204" pitchFamily="34" charset="0"/>
+                          <a:ea typeface="Calibri" panose="020F0502020204030204" pitchFamily="34" charset="0"/>
+                          <a:cs typeface="Calibri" panose="020F0502020204030204" pitchFamily="34" charset="0"/>
+                        </a:rPr>
+                        <a:t>[8]</a:t>
                       </a:r>
                       <a:endParaRPr lang="en-ZA" sz="1000" dirty="0">
                         <a:effectLst/>
@@ -3139,7 +4840,7 @@
                           <a:ea typeface="Calibri" panose="020F0502020204030204" pitchFamily="34" charset="0"/>
                           <a:cs typeface="Calibri" panose="020F0502020204030204" pitchFamily="34" charset="0"/>
                         </a:rPr>
-                        <a:t>Major </a:t>
+                        <a:t>Pre-emptive bid </a:t>
                       </a:r>
                       <a:r>
                         <a:rPr lang="en-ZA" sz="1000" b="1" dirty="0" smtClean="0">
@@ -3148,7 +4849,7 @@
                           <a:ea typeface="Calibri" panose="020F0502020204030204" pitchFamily="34" charset="0"/>
                           <a:cs typeface="Calibri" panose="020F0502020204030204" pitchFamily="34" charset="0"/>
                         </a:rPr>
-                        <a:t>suite</a:t>
+                        <a:t>4</a:t>
                       </a:r>
                       <a:r>
                         <a:rPr lang="en-ZA" sz="1000" dirty="0" smtClean="0">
@@ -3160,22 +4861,63 @@
                         <a:t> </a:t>
                       </a:r>
                       <a:r>
+                        <a:rPr lang="en-ZA" sz="1000" dirty="0" smtClean="0">
+                          <a:solidFill>
+                            <a:srgbClr val="FF0000"/>
+                          </a:solidFill>
+                          <a:effectLst/>
+                          <a:latin typeface="Calibri" panose="020F0502020204030204" pitchFamily="34" charset="0"/>
+                          <a:ea typeface="Calibri" panose="020F0502020204030204" pitchFamily="34" charset="0"/>
+                          <a:cs typeface="Calibri" panose="020F0502020204030204" pitchFamily="34" charset="0"/>
+                        </a:rPr>
+                        <a:t>4</a:t>
+                      </a:r>
+                      <a:r>
+                        <a:rPr lang="en-ZA" sz="1000" dirty="0" smtClean="0">
+                          <a:solidFill>
+                            <a:srgbClr val="FF0000"/>
+                          </a:solidFill>
+                          <a:effectLst/>
+                          <a:latin typeface="Calibri" panose="020F0502020204030204" pitchFamily="34" charset="0"/>
+                          <a:ea typeface="Calibri" panose="020F0502020204030204" pitchFamily="34" charset="0"/>
+                          <a:cs typeface="Calibri" panose="020F0502020204030204" pitchFamily="34" charset="0"/>
+                          <a:sym typeface="Symbol" panose="05050102010706020507" pitchFamily="18" charset="2"/>
+                        </a:rPr>
+                        <a:t></a:t>
+                      </a:r>
+                      <a:r>
                         <a:rPr lang="en-ZA" sz="1000" dirty="0">
                           <a:effectLst/>
                           <a:latin typeface="Calibri" panose="020F0502020204030204" pitchFamily="34" charset="0"/>
                           <a:ea typeface="Calibri" panose="020F0502020204030204" pitchFamily="34" charset="0"/>
                           <a:cs typeface="Calibri" panose="020F0502020204030204" pitchFamily="34" charset="0"/>
                         </a:rPr>
-                        <a:t>5+ length, </a:t>
+                        <a:t>, </a:t>
                       </a:r>
                       <a:r>
                         <a:rPr lang="en-ZA" sz="1000" dirty="0" smtClean="0">
-                          <a:effectLst/>
-                          <a:latin typeface="Calibri" panose="020F0502020204030204" pitchFamily="34" charset="0"/>
-                          <a:ea typeface="Calibri" panose="020F0502020204030204" pitchFamily="34" charset="0"/>
-                          <a:cs typeface="Calibri" panose="020F0502020204030204" pitchFamily="34" charset="0"/>
-                        </a:rPr>
-                        <a:t>12-21</a:t>
+                          <a:solidFill>
+                            <a:srgbClr val="FF0000"/>
+                          </a:solidFill>
+                          <a:effectLst/>
+                          <a:latin typeface="Calibri" panose="020F0502020204030204" pitchFamily="34" charset="0"/>
+                          <a:ea typeface="Calibri" panose="020F0502020204030204" pitchFamily="34" charset="0"/>
+                          <a:cs typeface="Calibri" panose="020F0502020204030204" pitchFamily="34" charset="0"/>
+                        </a:rPr>
+                        <a:t>4</a:t>
+                      </a:r>
+                      <a:r>
+                        <a:rPr lang="en-ZA" sz="1000" dirty="0" smtClean="0">
+                          <a:solidFill>
+                            <a:srgbClr val="FF0000"/>
+                          </a:solidFill>
+                          <a:effectLst/>
+                          <a:latin typeface="Calibri" panose="020F0502020204030204" pitchFamily="34" charset="0"/>
+                          <a:ea typeface="Calibri" panose="020F0502020204030204" pitchFamily="34" charset="0"/>
+                          <a:cs typeface="Calibri" panose="020F0502020204030204" pitchFamily="34" charset="0"/>
+                          <a:sym typeface="Symbol" panose="05050102010706020507" pitchFamily="18" charset="2"/>
+                        </a:rPr>
+                        <a:t></a:t>
                       </a:r>
                       <a:r>
                         <a:rPr lang="en-ZA" sz="1000" dirty="0">
@@ -3184,7 +4926,26 @@
                           <a:ea typeface="Calibri" panose="020F0502020204030204" pitchFamily="34" charset="0"/>
                           <a:cs typeface="Calibri" panose="020F0502020204030204" pitchFamily="34" charset="0"/>
                         </a:rPr>
-                        <a:t>: Open strongest (1</a:t>
+                        <a:t>, </a:t>
+                      </a:r>
+                      <a:r>
+                        <a:rPr lang="en-ZA" sz="1000" dirty="0" smtClean="0">
+                          <a:effectLst/>
+                          <a:latin typeface="Calibri" panose="020F0502020204030204" pitchFamily="34" charset="0"/>
+                          <a:ea typeface="Calibri" panose="020F0502020204030204" pitchFamily="34" charset="0"/>
+                          <a:cs typeface="Calibri" panose="020F0502020204030204" pitchFamily="34" charset="0"/>
+                        </a:rPr>
+                        <a:t>4</a:t>
+                      </a:r>
+                      <a:r>
+                        <a:rPr lang="en-ZA" sz="1000" dirty="0" smtClean="0">
+                          <a:effectLst/>
+                          <a:latin typeface="Calibri" panose="020F0502020204030204" pitchFamily="34" charset="0"/>
+                          <a:ea typeface="Calibri" panose="020F0502020204030204" pitchFamily="34" charset="0"/>
+                          <a:cs typeface="Calibri" panose="020F0502020204030204" pitchFamily="34" charset="0"/>
+                          <a:sym typeface="Symbol" panose="05050102010706020507" pitchFamily="18" charset="2"/>
+                        </a:rPr>
+                        <a:t></a:t>
                       </a:r>
                       <a:r>
                         <a:rPr lang="en-ZA" sz="1000" dirty="0">
@@ -3192,9 +4953,17 @@
                           <a:latin typeface="Calibri" panose="020F0502020204030204" pitchFamily="34" charset="0"/>
                           <a:ea typeface="Calibri" panose="020F0502020204030204" pitchFamily="34" charset="0"/>
                           <a:cs typeface="Calibri" panose="020F0502020204030204" pitchFamily="34" charset="0"/>
-                          <a:sym typeface="Symbol" panose="05050102010706020507" pitchFamily="18" charset="2"/>
-                        </a:rPr>
-                        <a:t></a:t>
+                        </a:rPr>
+                        <a:t>: 8 card suit, 5 - 9 </a:t>
+                      </a:r>
+                      <a:r>
+                        <a:rPr lang="en-ZA" sz="1000" dirty="0" smtClean="0">
+                          <a:effectLst/>
+                          <a:latin typeface="Calibri" panose="020F0502020204030204" pitchFamily="34" charset="0"/>
+                          <a:ea typeface="Calibri" panose="020F0502020204030204" pitchFamily="34" charset="0"/>
+                          <a:cs typeface="Calibri" panose="020F0502020204030204" pitchFamily="34" charset="0"/>
+                        </a:rPr>
+                        <a:t>points (exclude length) with </a:t>
                       </a:r>
                       <a:r>
                         <a:rPr lang="en-ZA" sz="1000" dirty="0">
@@ -3203,720 +4972,22 @@
                           <a:ea typeface="Calibri" panose="020F0502020204030204" pitchFamily="34" charset="0"/>
                           <a:cs typeface="Calibri" panose="020F0502020204030204" pitchFamily="34" charset="0"/>
                         </a:rPr>
-                        <a:t>, </a:t>
-                      </a:r>
-                      <a:r>
-                        <a:rPr lang="en-ZA" sz="1000" dirty="0">
-                          <a:solidFill>
-                            <a:srgbClr val="FF0000"/>
-                          </a:solidFill>
-                          <a:effectLst/>
-                          <a:latin typeface="Calibri" panose="020F0502020204030204" pitchFamily="34" charset="0"/>
-                          <a:ea typeface="Calibri" panose="020F0502020204030204" pitchFamily="34" charset="0"/>
-                          <a:cs typeface="Calibri" panose="020F0502020204030204" pitchFamily="34" charset="0"/>
-                        </a:rPr>
-                        <a:t>1</a:t>
-                      </a:r>
-                      <a:r>
-                        <a:rPr lang="en-ZA" sz="1000" dirty="0">
-                          <a:solidFill>
-                            <a:srgbClr val="FF0000"/>
-                          </a:solidFill>
-                          <a:effectLst/>
-                          <a:latin typeface="Calibri" panose="020F0502020204030204" pitchFamily="34" charset="0"/>
-                          <a:ea typeface="Calibri" panose="020F0502020204030204" pitchFamily="34" charset="0"/>
-                          <a:cs typeface="Calibri" panose="020F0502020204030204" pitchFamily="34" charset="0"/>
-                          <a:sym typeface="Symbol" panose="05050102010706020507" pitchFamily="18" charset="2"/>
-                        </a:rPr>
-                        <a:t></a:t>
-                      </a:r>
-                      <a:r>
-                        <a:rPr lang="en-ZA" sz="1000" dirty="0">
-                          <a:effectLst/>
-                          <a:latin typeface="Calibri" panose="020F0502020204030204" pitchFamily="34" charset="0"/>
-                          <a:ea typeface="Calibri" panose="020F0502020204030204" pitchFamily="34" charset="0"/>
-                          <a:cs typeface="Calibri" panose="020F0502020204030204" pitchFamily="34" charset="0"/>
-                        </a:rPr>
-                        <a:t>)</a:t>
-                      </a:r>
-                      <a:endParaRPr lang="en-ZA" sz="1000" dirty="0">
-                        <a:effectLst/>
-                        <a:latin typeface="Calibri" panose="020F0502020204030204" pitchFamily="34" charset="0"/>
-                        <a:ea typeface="Calibri" panose="020F0502020204030204" pitchFamily="34" charset="0"/>
-                        <a:cs typeface="Times New Roman" panose="02020603050405020304" pitchFamily="18" charset="0"/>
-                      </a:endParaRPr>
-                    </a:p>
-                    <a:p>
-                      <a:pPr>
-                        <a:spcAft>
-                          <a:spcPts val="0"/>
-                        </a:spcAft>
-                      </a:pPr>
-                      <a:r>
-                        <a:rPr lang="en-ZA" sz="1000" b="1" dirty="0">
-                          <a:effectLst/>
-                          <a:latin typeface="Calibri" panose="020F0502020204030204" pitchFamily="34" charset="0"/>
-                          <a:ea typeface="Calibri" panose="020F0502020204030204" pitchFamily="34" charset="0"/>
-                          <a:cs typeface="Calibri" panose="020F0502020204030204" pitchFamily="34" charset="0"/>
-                        </a:rPr>
-                        <a:t>Minor </a:t>
-                      </a:r>
-                      <a:r>
-                        <a:rPr lang="en-ZA" sz="1000" b="1" dirty="0" smtClean="0">
-                          <a:effectLst/>
-                          <a:latin typeface="Calibri" panose="020F0502020204030204" pitchFamily="34" charset="0"/>
-                          <a:ea typeface="Calibri" panose="020F0502020204030204" pitchFamily="34" charset="0"/>
-                          <a:cs typeface="Calibri" panose="020F0502020204030204" pitchFamily="34" charset="0"/>
-                        </a:rPr>
-                        <a:t>suite</a:t>
-                      </a:r>
-                      <a:r>
-                        <a:rPr lang="en-ZA" sz="1000" dirty="0" smtClean="0">
-                          <a:effectLst/>
-                          <a:latin typeface="Calibri" panose="020F0502020204030204" pitchFamily="34" charset="0"/>
-                          <a:ea typeface="Calibri" panose="020F0502020204030204" pitchFamily="34" charset="0"/>
-                          <a:cs typeface="Calibri" panose="020F0502020204030204" pitchFamily="34" charset="0"/>
-                        </a:rPr>
-                        <a:t> </a:t>
-                      </a:r>
-                      <a:r>
-                        <a:rPr lang="en-ZA" sz="1000" dirty="0">
-                          <a:solidFill>
-                            <a:srgbClr val="FF0000"/>
-                          </a:solidFill>
-                          <a:effectLst/>
-                          <a:latin typeface="Calibri" panose="020F0502020204030204" pitchFamily="34" charset="0"/>
-                          <a:ea typeface="Calibri" panose="020F0502020204030204" pitchFamily="34" charset="0"/>
-                          <a:cs typeface="Calibri" panose="020F0502020204030204" pitchFamily="34" charset="0"/>
-                        </a:rPr>
-                        <a:t>4</a:t>
-                      </a:r>
-                      <a:r>
-                        <a:rPr lang="en-ZA" sz="1000" dirty="0">
-                          <a:solidFill>
-                            <a:srgbClr val="FF0000"/>
-                          </a:solidFill>
-                          <a:effectLst/>
-                          <a:latin typeface="Calibri" panose="020F0502020204030204" pitchFamily="34" charset="0"/>
-                          <a:ea typeface="Calibri" panose="020F0502020204030204" pitchFamily="34" charset="0"/>
-                          <a:cs typeface="Calibri" panose="020F0502020204030204" pitchFamily="34" charset="0"/>
-                          <a:sym typeface="Symbol" panose="05050102010706020507" pitchFamily="18" charset="2"/>
-                        </a:rPr>
-                        <a:t></a:t>
-                      </a:r>
-                      <a:r>
-                        <a:rPr lang="en-ZA" sz="1000" dirty="0">
-                          <a:effectLst/>
-                          <a:latin typeface="Calibri" panose="020F0502020204030204" pitchFamily="34" charset="0"/>
-                          <a:ea typeface="Calibri" panose="020F0502020204030204" pitchFamily="34" charset="0"/>
-                          <a:cs typeface="Calibri" panose="020F0502020204030204" pitchFamily="34" charset="0"/>
-                        </a:rPr>
-                        <a:t>, 4</a:t>
-                      </a:r>
-                      <a:r>
-                        <a:rPr lang="en-ZA" sz="1000" dirty="0">
-                          <a:effectLst/>
-                          <a:latin typeface="Calibri" panose="020F0502020204030204" pitchFamily="34" charset="0"/>
-                          <a:ea typeface="Calibri" panose="020F0502020204030204" pitchFamily="34" charset="0"/>
-                          <a:cs typeface="Calibri" panose="020F0502020204030204" pitchFamily="34" charset="0"/>
-                          <a:sym typeface="Symbol" panose="05050102010706020507" pitchFamily="18" charset="2"/>
-                        </a:rPr>
-                        <a:t></a:t>
-                      </a:r>
-                      <a:r>
-                        <a:rPr lang="en-ZA" sz="1000" dirty="0">
-                          <a:effectLst/>
-                          <a:latin typeface="Calibri" panose="020F0502020204030204" pitchFamily="34" charset="0"/>
-                          <a:ea typeface="Calibri" panose="020F0502020204030204" pitchFamily="34" charset="0"/>
-                          <a:cs typeface="Calibri" panose="020F0502020204030204" pitchFamily="34" charset="0"/>
-                        </a:rPr>
-                        <a:t>, 12-21: open </a:t>
-                      </a:r>
-                      <a:r>
-                        <a:rPr lang="en-ZA" sz="1000" dirty="0">
-                          <a:solidFill>
-                            <a:srgbClr val="FF0000"/>
-                          </a:solidFill>
-                          <a:effectLst/>
-                          <a:latin typeface="Calibri" panose="020F0502020204030204" pitchFamily="34" charset="0"/>
-                          <a:ea typeface="Calibri" panose="020F0502020204030204" pitchFamily="34" charset="0"/>
-                          <a:cs typeface="Calibri" panose="020F0502020204030204" pitchFamily="34" charset="0"/>
-                        </a:rPr>
-                        <a:t>1</a:t>
-                      </a:r>
-                      <a:r>
-                        <a:rPr lang="en-ZA" sz="1000" dirty="0">
-                          <a:solidFill>
-                            <a:srgbClr val="FF0000"/>
-                          </a:solidFill>
-                          <a:effectLst/>
-                          <a:latin typeface="Calibri" panose="020F0502020204030204" pitchFamily="34" charset="0"/>
-                          <a:ea typeface="Calibri" panose="020F0502020204030204" pitchFamily="34" charset="0"/>
-                          <a:cs typeface="Calibri" panose="020F0502020204030204" pitchFamily="34" charset="0"/>
-                          <a:sym typeface="Symbol" panose="05050102010706020507" pitchFamily="18" charset="2"/>
-                        </a:rPr>
-                        <a:t></a:t>
-                      </a:r>
-                      <a:endParaRPr lang="en-ZA" sz="1000" dirty="0">
-                        <a:effectLst/>
-                        <a:latin typeface="Calibri" panose="020F0502020204030204" pitchFamily="34" charset="0"/>
-                        <a:ea typeface="Calibri" panose="020F0502020204030204" pitchFamily="34" charset="0"/>
-                        <a:cs typeface="Times New Roman" panose="02020603050405020304" pitchFamily="18" charset="0"/>
-                      </a:endParaRPr>
-                    </a:p>
-                    <a:p>
-                      <a:pPr>
-                        <a:spcAft>
-                          <a:spcPts val="0"/>
-                        </a:spcAft>
-                      </a:pPr>
-                      <a:r>
-                        <a:rPr lang="en-ZA" sz="1000" b="1" dirty="0">
-                          <a:effectLst/>
-                          <a:latin typeface="Calibri" panose="020F0502020204030204" pitchFamily="34" charset="0"/>
-                          <a:ea typeface="Calibri" panose="020F0502020204030204" pitchFamily="34" charset="0"/>
-                          <a:cs typeface="Calibri" panose="020F0502020204030204" pitchFamily="34" charset="0"/>
-                        </a:rPr>
-                        <a:t>Minor suite</a:t>
-                      </a:r>
-                      <a:r>
-                        <a:rPr lang="en-ZA" sz="1000" dirty="0">
-                          <a:effectLst/>
-                          <a:latin typeface="Calibri" panose="020F0502020204030204" pitchFamily="34" charset="0"/>
-                          <a:ea typeface="Calibri" panose="020F0502020204030204" pitchFamily="34" charset="0"/>
-                          <a:cs typeface="Calibri" panose="020F0502020204030204" pitchFamily="34" charset="0"/>
-                        </a:rPr>
-                        <a:t> </a:t>
-                      </a:r>
-                      <a:r>
-                        <a:rPr lang="en-ZA" sz="1000" dirty="0">
-                          <a:solidFill>
-                            <a:srgbClr val="FF0000"/>
-                          </a:solidFill>
-                          <a:effectLst/>
-                          <a:latin typeface="Calibri" panose="020F0502020204030204" pitchFamily="34" charset="0"/>
-                          <a:ea typeface="Calibri" panose="020F0502020204030204" pitchFamily="34" charset="0"/>
-                          <a:cs typeface="Calibri" panose="020F0502020204030204" pitchFamily="34" charset="0"/>
-                        </a:rPr>
-                        <a:t>3</a:t>
-                      </a:r>
-                      <a:r>
-                        <a:rPr lang="en-ZA" sz="1000" dirty="0">
-                          <a:solidFill>
-                            <a:srgbClr val="FF0000"/>
-                          </a:solidFill>
-                          <a:effectLst/>
-                          <a:latin typeface="Calibri" panose="020F0502020204030204" pitchFamily="34" charset="0"/>
-                          <a:ea typeface="Calibri" panose="020F0502020204030204" pitchFamily="34" charset="0"/>
-                          <a:cs typeface="Calibri" panose="020F0502020204030204" pitchFamily="34" charset="0"/>
-                          <a:sym typeface="Symbol" panose="05050102010706020507" pitchFamily="18" charset="2"/>
-                        </a:rPr>
-                        <a:t></a:t>
-                      </a:r>
-                      <a:r>
-                        <a:rPr lang="en-ZA" sz="1000" dirty="0">
-                          <a:effectLst/>
-                          <a:latin typeface="Calibri" panose="020F0502020204030204" pitchFamily="34" charset="0"/>
-                          <a:ea typeface="Calibri" panose="020F0502020204030204" pitchFamily="34" charset="0"/>
-                          <a:cs typeface="Calibri" panose="020F0502020204030204" pitchFamily="34" charset="0"/>
-                        </a:rPr>
-                        <a:t>, 3</a:t>
-                      </a:r>
-                      <a:r>
-                        <a:rPr lang="en-ZA" sz="1000" dirty="0">
-                          <a:effectLst/>
-                          <a:latin typeface="Calibri" panose="020F0502020204030204" pitchFamily="34" charset="0"/>
-                          <a:ea typeface="Calibri" panose="020F0502020204030204" pitchFamily="34" charset="0"/>
-                          <a:cs typeface="Calibri" panose="020F0502020204030204" pitchFamily="34" charset="0"/>
-                          <a:sym typeface="Symbol" panose="05050102010706020507" pitchFamily="18" charset="2"/>
-                        </a:rPr>
-                        <a:t></a:t>
-                      </a:r>
-                      <a:r>
-                        <a:rPr lang="en-ZA" sz="1000" dirty="0">
-                          <a:effectLst/>
-                          <a:latin typeface="Calibri" panose="020F0502020204030204" pitchFamily="34" charset="0"/>
-                          <a:ea typeface="Calibri" panose="020F0502020204030204" pitchFamily="34" charset="0"/>
-                          <a:cs typeface="Calibri" panose="020F0502020204030204" pitchFamily="34" charset="0"/>
-                        </a:rPr>
-                        <a:t>: 12-21: open </a:t>
-                      </a:r>
-                      <a:r>
-                        <a:rPr lang="en-ZA" sz="1000" dirty="0" smtClean="0">
-                          <a:effectLst/>
-                          <a:latin typeface="Calibri" panose="020F0502020204030204" pitchFamily="34" charset="0"/>
-                          <a:ea typeface="Calibri" panose="020F0502020204030204" pitchFamily="34" charset="0"/>
-                          <a:cs typeface="Calibri" panose="020F0502020204030204" pitchFamily="34" charset="0"/>
-                        </a:rPr>
-                        <a:t>1</a:t>
-                      </a:r>
-                      <a:r>
-                        <a:rPr lang="en-ZA" sz="1000" dirty="0" smtClean="0">
-                          <a:effectLst/>
-                          <a:latin typeface="Calibri" panose="020F0502020204030204" pitchFamily="34" charset="0"/>
-                          <a:ea typeface="Calibri" panose="020F0502020204030204" pitchFamily="34" charset="0"/>
-                          <a:cs typeface="Calibri" panose="020F0502020204030204" pitchFamily="34" charset="0"/>
-                          <a:sym typeface="Symbol" panose="05050102010706020507" pitchFamily="18" charset="2"/>
-                        </a:rPr>
-                        <a:t></a:t>
-                      </a:r>
-                      <a:endParaRPr lang="en-ZA" sz="1000" dirty="0">
-                        <a:effectLst/>
-                        <a:latin typeface="Calibri" panose="020F0502020204030204" pitchFamily="34" charset="0"/>
-                        <a:ea typeface="Calibri" panose="020F0502020204030204" pitchFamily="34" charset="0"/>
-                        <a:cs typeface="Times New Roman" panose="02020603050405020304" pitchFamily="18" charset="0"/>
-                      </a:endParaRPr>
-                    </a:p>
-                    <a:p>
-                      <a:pPr>
-                        <a:spcAft>
-                          <a:spcPts val="0"/>
-                        </a:spcAft>
-                      </a:pPr>
-                      <a:r>
-                        <a:rPr lang="en-ZA" sz="1000" b="1" dirty="0">
-                          <a:effectLst/>
-                          <a:latin typeface="Calibri" panose="020F0502020204030204" pitchFamily="34" charset="0"/>
-                          <a:ea typeface="Calibri" panose="020F0502020204030204" pitchFamily="34" charset="0"/>
-                          <a:cs typeface="Calibri" panose="020F0502020204030204" pitchFamily="34" charset="0"/>
-                        </a:rPr>
-                        <a:t>Artificial bid 2</a:t>
-                      </a:r>
-                      <a:r>
-                        <a:rPr lang="en-ZA" sz="1000" b="1" dirty="0">
-                          <a:effectLst/>
-                          <a:latin typeface="Calibri" panose="020F0502020204030204" pitchFamily="34" charset="0"/>
-                          <a:ea typeface="Calibri" panose="020F0502020204030204" pitchFamily="34" charset="0"/>
-                          <a:cs typeface="Calibri" panose="020F0502020204030204" pitchFamily="34" charset="0"/>
-                          <a:sym typeface="Symbol" panose="05050102010706020507" pitchFamily="18" charset="2"/>
-                        </a:rPr>
-                        <a:t></a:t>
-                      </a:r>
-                      <a:r>
-                        <a:rPr lang="en-ZA" sz="1000" dirty="0">
-                          <a:effectLst/>
-                          <a:latin typeface="Calibri" panose="020F0502020204030204" pitchFamily="34" charset="0"/>
-                          <a:ea typeface="Calibri" panose="020F0502020204030204" pitchFamily="34" charset="0"/>
-                          <a:cs typeface="Calibri" panose="020F0502020204030204" pitchFamily="34" charset="0"/>
-                        </a:rPr>
-                        <a:t>: 23+ points. </a:t>
-                      </a:r>
-                      <a:r>
-                        <a:rPr lang="en-ZA" sz="1000" b="1" u="none" dirty="0">
-                          <a:effectLst/>
-                          <a:latin typeface="Calibri" panose="020F0502020204030204" pitchFamily="34" charset="0"/>
-                          <a:ea typeface="Calibri" panose="020F0502020204030204" pitchFamily="34" charset="0"/>
-                          <a:cs typeface="Calibri" panose="020F0502020204030204" pitchFamily="34" charset="0"/>
-                        </a:rPr>
-                        <a:t>Partner must </a:t>
-                      </a:r>
-                      <a:r>
-                        <a:rPr lang="en-ZA" sz="1000" b="1" u="none" dirty="0" smtClean="0">
-                          <a:effectLst/>
-                          <a:latin typeface="Calibri" panose="020F0502020204030204" pitchFamily="34" charset="0"/>
-                          <a:ea typeface="Calibri" panose="020F0502020204030204" pitchFamily="34" charset="0"/>
-                          <a:cs typeface="Calibri" panose="020F0502020204030204" pitchFamily="34" charset="0"/>
-                        </a:rPr>
-                        <a:t>respond!</a:t>
-                      </a:r>
-                      <a:endParaRPr lang="en-ZA" sz="1000" b="1" u="none" dirty="0">
-                        <a:effectLst/>
-                        <a:latin typeface="Calibri" panose="020F0502020204030204" pitchFamily="34" charset="0"/>
-                        <a:ea typeface="Calibri" panose="020F0502020204030204" pitchFamily="34" charset="0"/>
-                        <a:cs typeface="Times New Roman" panose="02020603050405020304" pitchFamily="18" charset="0"/>
-                      </a:endParaRPr>
-                    </a:p>
-                    <a:p>
-                      <a:pPr>
-                        <a:spcAft>
-                          <a:spcPts val="0"/>
-                        </a:spcAft>
-                      </a:pPr>
-                      <a:r>
-                        <a:rPr lang="en-ZA" sz="1000" b="1" dirty="0">
-                          <a:effectLst/>
-                          <a:latin typeface="Calibri" panose="020F0502020204030204" pitchFamily="34" charset="0"/>
-                          <a:ea typeface="Calibri" panose="020F0502020204030204" pitchFamily="34" charset="0"/>
-                          <a:cs typeface="Calibri" panose="020F0502020204030204" pitchFamily="34" charset="0"/>
-                        </a:rPr>
-                        <a:t>Weak 2 </a:t>
-                      </a:r>
-                      <a:r>
-                        <a:rPr lang="en-ZA" sz="1000" b="1" dirty="0" smtClean="0">
-                          <a:effectLst/>
-                          <a:latin typeface="Calibri" panose="020F0502020204030204" pitchFamily="34" charset="0"/>
-                          <a:ea typeface="Calibri" panose="020F0502020204030204" pitchFamily="34" charset="0"/>
-                          <a:cs typeface="Calibri" panose="020F0502020204030204" pitchFamily="34" charset="0"/>
-                        </a:rPr>
-                        <a:t>bids</a:t>
-                      </a:r>
-                      <a:r>
-                        <a:rPr lang="en-ZA" sz="1000" dirty="0" smtClean="0">
-                          <a:effectLst/>
-                          <a:latin typeface="Calibri" panose="020F0502020204030204" pitchFamily="34" charset="0"/>
-                          <a:ea typeface="Calibri" panose="020F0502020204030204" pitchFamily="34" charset="0"/>
-                          <a:cs typeface="Calibri" panose="020F0502020204030204" pitchFamily="34" charset="0"/>
-                        </a:rPr>
-                        <a:t> </a:t>
-                      </a:r>
-                      <a:r>
-                        <a:rPr lang="en-ZA" sz="1000" dirty="0">
-                          <a:solidFill>
-                            <a:srgbClr val="FF0000"/>
-                          </a:solidFill>
-                          <a:effectLst/>
-                          <a:latin typeface="Calibri" panose="020F0502020204030204" pitchFamily="34" charset="0"/>
-                          <a:ea typeface="Calibri" panose="020F0502020204030204" pitchFamily="34" charset="0"/>
-                          <a:cs typeface="Calibri" panose="020F0502020204030204" pitchFamily="34" charset="0"/>
-                        </a:rPr>
-                        <a:t>2</a:t>
-                      </a:r>
-                      <a:r>
-                        <a:rPr lang="en-ZA" sz="1000" dirty="0">
-                          <a:solidFill>
-                            <a:srgbClr val="FF0000"/>
-                          </a:solidFill>
-                          <a:effectLst/>
-                          <a:latin typeface="Calibri" panose="020F0502020204030204" pitchFamily="34" charset="0"/>
-                          <a:ea typeface="Calibri" panose="020F0502020204030204" pitchFamily="34" charset="0"/>
-                          <a:cs typeface="Calibri" panose="020F0502020204030204" pitchFamily="34" charset="0"/>
-                          <a:sym typeface="Symbol" panose="05050102010706020507" pitchFamily="18" charset="2"/>
-                        </a:rPr>
-                        <a:t></a:t>
-                      </a:r>
-                      <a:r>
-                        <a:rPr lang="en-ZA" sz="1000" dirty="0">
-                          <a:effectLst/>
-                          <a:latin typeface="Calibri" panose="020F0502020204030204" pitchFamily="34" charset="0"/>
-                          <a:ea typeface="Calibri" panose="020F0502020204030204" pitchFamily="34" charset="0"/>
-                          <a:cs typeface="Calibri" panose="020F0502020204030204" pitchFamily="34" charset="0"/>
-                        </a:rPr>
-                        <a:t>, </a:t>
-                      </a:r>
-                      <a:r>
-                        <a:rPr lang="en-ZA" sz="1000" dirty="0">
-                          <a:solidFill>
-                            <a:srgbClr val="FF0000"/>
-                          </a:solidFill>
-                          <a:effectLst/>
-                          <a:latin typeface="Calibri" panose="020F0502020204030204" pitchFamily="34" charset="0"/>
-                          <a:ea typeface="Calibri" panose="020F0502020204030204" pitchFamily="34" charset="0"/>
-                          <a:cs typeface="Calibri" panose="020F0502020204030204" pitchFamily="34" charset="0"/>
-                        </a:rPr>
-                        <a:t>2</a:t>
-                      </a:r>
-                      <a:r>
-                        <a:rPr lang="en-ZA" sz="1000" dirty="0">
-                          <a:solidFill>
-                            <a:srgbClr val="FF0000"/>
-                          </a:solidFill>
-                          <a:effectLst/>
-                          <a:latin typeface="Calibri" panose="020F0502020204030204" pitchFamily="34" charset="0"/>
-                          <a:ea typeface="Calibri" panose="020F0502020204030204" pitchFamily="34" charset="0"/>
-                          <a:cs typeface="Calibri" panose="020F0502020204030204" pitchFamily="34" charset="0"/>
-                          <a:sym typeface="Symbol" panose="05050102010706020507" pitchFamily="18" charset="2"/>
-                        </a:rPr>
-                        <a:t></a:t>
-                      </a:r>
-                      <a:r>
-                        <a:rPr lang="en-ZA" sz="1000" dirty="0">
-                          <a:effectLst/>
-                          <a:latin typeface="Calibri" panose="020F0502020204030204" pitchFamily="34" charset="0"/>
-                          <a:ea typeface="Calibri" panose="020F0502020204030204" pitchFamily="34" charset="0"/>
-                          <a:cs typeface="Calibri" panose="020F0502020204030204" pitchFamily="34" charset="0"/>
-                        </a:rPr>
-                        <a:t>, 2</a:t>
-                      </a:r>
-                      <a:r>
-                        <a:rPr lang="en-ZA" sz="1000" dirty="0">
-                          <a:effectLst/>
-                          <a:latin typeface="Calibri" panose="020F0502020204030204" pitchFamily="34" charset="0"/>
-                          <a:ea typeface="Calibri" panose="020F0502020204030204" pitchFamily="34" charset="0"/>
-                          <a:cs typeface="Calibri" panose="020F0502020204030204" pitchFamily="34" charset="0"/>
-                          <a:sym typeface="Symbol" panose="05050102010706020507" pitchFamily="18" charset="2"/>
-                        </a:rPr>
-                        <a:t></a:t>
-                      </a:r>
-                      <a:r>
-                        <a:rPr lang="en-ZA" sz="1000" dirty="0">
-                          <a:effectLst/>
-                          <a:latin typeface="Calibri" panose="020F0502020204030204" pitchFamily="34" charset="0"/>
-                          <a:ea typeface="Calibri" panose="020F0502020204030204" pitchFamily="34" charset="0"/>
-                          <a:cs typeface="Calibri" panose="020F0502020204030204" pitchFamily="34" charset="0"/>
-                        </a:rPr>
-                        <a:t>: 6 card suit, 5 - 9 with 2 </a:t>
-                      </a:r>
-                      <a:r>
-                        <a:rPr lang="en-ZA" sz="1000" dirty="0" smtClean="0">
-                          <a:effectLst/>
-                          <a:latin typeface="Calibri" panose="020F0502020204030204" pitchFamily="34" charset="0"/>
-                          <a:ea typeface="Calibri" panose="020F0502020204030204" pitchFamily="34" charset="0"/>
-                          <a:cs typeface="Calibri" panose="020F0502020204030204" pitchFamily="34" charset="0"/>
-                        </a:rPr>
-                        <a:t>honours. </a:t>
-                      </a:r>
-                      <a:endParaRPr lang="en-ZA" sz="1000" dirty="0">
-                        <a:effectLst/>
-                        <a:latin typeface="Calibri" panose="020F0502020204030204" pitchFamily="34" charset="0"/>
-                        <a:ea typeface="Calibri" panose="020F0502020204030204" pitchFamily="34" charset="0"/>
-                        <a:cs typeface="Times New Roman" panose="02020603050405020304" pitchFamily="18" charset="0"/>
-                      </a:endParaRPr>
-                    </a:p>
-                    <a:p>
-                      <a:pPr>
-                        <a:spcAft>
-                          <a:spcPts val="0"/>
-                        </a:spcAft>
-                      </a:pPr>
-                      <a:r>
-                        <a:rPr lang="en-ZA" sz="1000" b="1" dirty="0">
-                          <a:effectLst/>
-                          <a:latin typeface="Calibri" panose="020F0502020204030204" pitchFamily="34" charset="0"/>
-                          <a:ea typeface="Calibri" panose="020F0502020204030204" pitchFamily="34" charset="0"/>
-                          <a:cs typeface="Calibri" panose="020F0502020204030204" pitchFamily="34" charset="0"/>
-                        </a:rPr>
-                        <a:t>Pre-emptive bid </a:t>
-                      </a:r>
-                      <a:r>
-                        <a:rPr lang="en-ZA" sz="1000" b="1" dirty="0" smtClean="0">
-                          <a:effectLst/>
-                          <a:latin typeface="Calibri" panose="020F0502020204030204" pitchFamily="34" charset="0"/>
-                          <a:ea typeface="Calibri" panose="020F0502020204030204" pitchFamily="34" charset="0"/>
-                          <a:cs typeface="Calibri" panose="020F0502020204030204" pitchFamily="34" charset="0"/>
-                        </a:rPr>
-                        <a:t>3</a:t>
-                      </a:r>
-                      <a:r>
-                        <a:rPr lang="en-ZA" sz="1000" dirty="0" smtClean="0">
-                          <a:effectLst/>
-                          <a:latin typeface="Calibri" panose="020F0502020204030204" pitchFamily="34" charset="0"/>
-                          <a:ea typeface="Calibri" panose="020F0502020204030204" pitchFamily="34" charset="0"/>
-                          <a:cs typeface="Calibri" panose="020F0502020204030204" pitchFamily="34" charset="0"/>
-                        </a:rPr>
-                        <a:t> </a:t>
-                      </a:r>
-                      <a:r>
-                        <a:rPr lang="en-ZA" sz="1000" dirty="0">
-                          <a:solidFill>
-                            <a:srgbClr val="FF0000"/>
-                          </a:solidFill>
-                          <a:effectLst/>
-                          <a:latin typeface="Calibri" panose="020F0502020204030204" pitchFamily="34" charset="0"/>
-                          <a:ea typeface="Calibri" panose="020F0502020204030204" pitchFamily="34" charset="0"/>
-                          <a:cs typeface="Calibri" panose="020F0502020204030204" pitchFamily="34" charset="0"/>
-                        </a:rPr>
-                        <a:t>3</a:t>
-                      </a:r>
-                      <a:r>
-                        <a:rPr lang="en-ZA" sz="1000" dirty="0">
-                          <a:solidFill>
-                            <a:srgbClr val="FF0000"/>
-                          </a:solidFill>
-                          <a:effectLst/>
-                          <a:latin typeface="Calibri" panose="020F0502020204030204" pitchFamily="34" charset="0"/>
-                          <a:ea typeface="Calibri" panose="020F0502020204030204" pitchFamily="34" charset="0"/>
-                          <a:cs typeface="Calibri" panose="020F0502020204030204" pitchFamily="34" charset="0"/>
-                          <a:sym typeface="Symbol" panose="05050102010706020507" pitchFamily="18" charset="2"/>
-                        </a:rPr>
-                        <a:t></a:t>
-                      </a:r>
-                      <a:r>
-                        <a:rPr lang="en-ZA" sz="1000" dirty="0">
-                          <a:effectLst/>
-                          <a:latin typeface="Calibri" panose="020F0502020204030204" pitchFamily="34" charset="0"/>
-                          <a:ea typeface="Calibri" panose="020F0502020204030204" pitchFamily="34" charset="0"/>
-                          <a:cs typeface="Calibri" panose="020F0502020204030204" pitchFamily="34" charset="0"/>
-                        </a:rPr>
-                        <a:t>, </a:t>
-                      </a:r>
-                      <a:r>
-                        <a:rPr lang="en-ZA" sz="1000" dirty="0">
-                          <a:solidFill>
-                            <a:srgbClr val="FF0000"/>
-                          </a:solidFill>
-                          <a:effectLst/>
-                          <a:latin typeface="Calibri" panose="020F0502020204030204" pitchFamily="34" charset="0"/>
-                          <a:ea typeface="Calibri" panose="020F0502020204030204" pitchFamily="34" charset="0"/>
-                          <a:cs typeface="Calibri" panose="020F0502020204030204" pitchFamily="34" charset="0"/>
-                        </a:rPr>
-                        <a:t>3</a:t>
-                      </a:r>
-                      <a:r>
-                        <a:rPr lang="en-ZA" sz="1000" dirty="0">
-                          <a:solidFill>
-                            <a:srgbClr val="FF0000"/>
-                          </a:solidFill>
-                          <a:effectLst/>
-                          <a:latin typeface="Calibri" panose="020F0502020204030204" pitchFamily="34" charset="0"/>
-                          <a:ea typeface="Calibri" panose="020F0502020204030204" pitchFamily="34" charset="0"/>
-                          <a:cs typeface="Calibri" panose="020F0502020204030204" pitchFamily="34" charset="0"/>
-                          <a:sym typeface="Symbol" panose="05050102010706020507" pitchFamily="18" charset="2"/>
-                        </a:rPr>
-                        <a:t></a:t>
-                      </a:r>
-                      <a:r>
-                        <a:rPr lang="en-ZA" sz="1000" dirty="0">
-                          <a:effectLst/>
-                          <a:latin typeface="Calibri" panose="020F0502020204030204" pitchFamily="34" charset="0"/>
-                          <a:ea typeface="Calibri" panose="020F0502020204030204" pitchFamily="34" charset="0"/>
-                          <a:cs typeface="Calibri" panose="020F0502020204030204" pitchFamily="34" charset="0"/>
-                        </a:rPr>
-                        <a:t>, 3</a:t>
-                      </a:r>
-                      <a:r>
-                        <a:rPr lang="en-ZA" sz="1000" dirty="0">
-                          <a:effectLst/>
-                          <a:latin typeface="Calibri" panose="020F0502020204030204" pitchFamily="34" charset="0"/>
-                          <a:ea typeface="Calibri" panose="020F0502020204030204" pitchFamily="34" charset="0"/>
-                          <a:cs typeface="Calibri" panose="020F0502020204030204" pitchFamily="34" charset="0"/>
-                          <a:sym typeface="Symbol" panose="05050102010706020507" pitchFamily="18" charset="2"/>
-                        </a:rPr>
-                        <a:t></a:t>
-                      </a:r>
-                      <a:r>
-                        <a:rPr lang="en-ZA" sz="1000" dirty="0">
-                          <a:effectLst/>
-                          <a:latin typeface="Calibri" panose="020F0502020204030204" pitchFamily="34" charset="0"/>
-                          <a:ea typeface="Calibri" panose="020F0502020204030204" pitchFamily="34" charset="0"/>
-                          <a:cs typeface="Calibri" panose="020F0502020204030204" pitchFamily="34" charset="0"/>
-                        </a:rPr>
-                        <a:t>: 7 card suit, 5 - 9 with 2 honours</a:t>
-                      </a:r>
-                      <a:endParaRPr lang="en-ZA" sz="1000" dirty="0">
-                        <a:effectLst/>
-                        <a:latin typeface="Calibri" panose="020F0502020204030204" pitchFamily="34" charset="0"/>
-                        <a:ea typeface="Calibri" panose="020F0502020204030204" pitchFamily="34" charset="0"/>
-                        <a:cs typeface="Times New Roman" panose="02020603050405020304" pitchFamily="18" charset="0"/>
-                      </a:endParaRPr>
-                    </a:p>
-                    <a:p>
-                      <a:pPr>
-                        <a:spcAft>
-                          <a:spcPts val="0"/>
-                        </a:spcAft>
-                      </a:pPr>
-                      <a:r>
-                        <a:rPr lang="en-ZA" sz="1000" b="1" dirty="0">
-                          <a:effectLst/>
-                          <a:latin typeface="Calibri" panose="020F0502020204030204" pitchFamily="34" charset="0"/>
-                          <a:ea typeface="Calibri" panose="020F0502020204030204" pitchFamily="34" charset="0"/>
-                          <a:cs typeface="Calibri" panose="020F0502020204030204" pitchFamily="34" charset="0"/>
-                        </a:rPr>
-                        <a:t>Pre-emptive bid </a:t>
-                      </a:r>
-                      <a:r>
-                        <a:rPr lang="en-ZA" sz="1000" b="1" dirty="0" smtClean="0">
-                          <a:effectLst/>
-                          <a:latin typeface="Calibri" panose="020F0502020204030204" pitchFamily="34" charset="0"/>
-                          <a:ea typeface="Calibri" panose="020F0502020204030204" pitchFamily="34" charset="0"/>
-                          <a:cs typeface="Calibri" panose="020F0502020204030204" pitchFamily="34" charset="0"/>
-                        </a:rPr>
-                        <a:t>4</a:t>
-                      </a:r>
-                      <a:r>
-                        <a:rPr lang="en-ZA" sz="1000" dirty="0" smtClean="0">
-                          <a:effectLst/>
-                          <a:latin typeface="Calibri" panose="020F0502020204030204" pitchFamily="34" charset="0"/>
-                          <a:ea typeface="Calibri" panose="020F0502020204030204" pitchFamily="34" charset="0"/>
-                          <a:cs typeface="Calibri" panose="020F0502020204030204" pitchFamily="34" charset="0"/>
-                        </a:rPr>
-                        <a:t> </a:t>
-                      </a:r>
-                      <a:r>
-                        <a:rPr lang="en-ZA" sz="1000" dirty="0" smtClean="0">
-                          <a:solidFill>
-                            <a:srgbClr val="FF0000"/>
-                          </a:solidFill>
-                          <a:effectLst/>
-                          <a:latin typeface="Calibri" panose="020F0502020204030204" pitchFamily="34" charset="0"/>
-                          <a:ea typeface="Calibri" panose="020F0502020204030204" pitchFamily="34" charset="0"/>
-                          <a:cs typeface="Calibri" panose="020F0502020204030204" pitchFamily="34" charset="0"/>
-                        </a:rPr>
-                        <a:t>4</a:t>
-                      </a:r>
-                      <a:r>
-                        <a:rPr lang="en-ZA" sz="1000" dirty="0" smtClean="0">
-                          <a:solidFill>
-                            <a:srgbClr val="FF0000"/>
-                          </a:solidFill>
-                          <a:effectLst/>
-                          <a:latin typeface="Calibri" panose="020F0502020204030204" pitchFamily="34" charset="0"/>
-                          <a:ea typeface="Calibri" panose="020F0502020204030204" pitchFamily="34" charset="0"/>
-                          <a:cs typeface="Calibri" panose="020F0502020204030204" pitchFamily="34" charset="0"/>
-                          <a:sym typeface="Symbol" panose="05050102010706020507" pitchFamily="18" charset="2"/>
-                        </a:rPr>
-                        <a:t></a:t>
-                      </a:r>
-                      <a:r>
-                        <a:rPr lang="en-ZA" sz="1000" dirty="0">
-                          <a:effectLst/>
-                          <a:latin typeface="Calibri" panose="020F0502020204030204" pitchFamily="34" charset="0"/>
-                          <a:ea typeface="Calibri" panose="020F0502020204030204" pitchFamily="34" charset="0"/>
-                          <a:cs typeface="Calibri" panose="020F0502020204030204" pitchFamily="34" charset="0"/>
-                        </a:rPr>
-                        <a:t>, </a:t>
-                      </a:r>
-                      <a:r>
-                        <a:rPr lang="en-ZA" sz="1000" dirty="0" smtClean="0">
-                          <a:solidFill>
-                            <a:srgbClr val="FF0000"/>
-                          </a:solidFill>
-                          <a:effectLst/>
-                          <a:latin typeface="Calibri" panose="020F0502020204030204" pitchFamily="34" charset="0"/>
-                          <a:ea typeface="Calibri" panose="020F0502020204030204" pitchFamily="34" charset="0"/>
-                          <a:cs typeface="Calibri" panose="020F0502020204030204" pitchFamily="34" charset="0"/>
-                        </a:rPr>
-                        <a:t>4</a:t>
-                      </a:r>
-                      <a:r>
-                        <a:rPr lang="en-ZA" sz="1000" dirty="0" smtClean="0">
-                          <a:solidFill>
-                            <a:srgbClr val="FF0000"/>
-                          </a:solidFill>
-                          <a:effectLst/>
-                          <a:latin typeface="Calibri" panose="020F0502020204030204" pitchFamily="34" charset="0"/>
-                          <a:ea typeface="Calibri" panose="020F0502020204030204" pitchFamily="34" charset="0"/>
-                          <a:cs typeface="Calibri" panose="020F0502020204030204" pitchFamily="34" charset="0"/>
-                          <a:sym typeface="Symbol" panose="05050102010706020507" pitchFamily="18" charset="2"/>
-                        </a:rPr>
-                        <a:t></a:t>
-                      </a:r>
-                      <a:r>
-                        <a:rPr lang="en-ZA" sz="1000" dirty="0">
-                          <a:effectLst/>
-                          <a:latin typeface="Calibri" panose="020F0502020204030204" pitchFamily="34" charset="0"/>
-                          <a:ea typeface="Calibri" panose="020F0502020204030204" pitchFamily="34" charset="0"/>
-                          <a:cs typeface="Calibri" panose="020F0502020204030204" pitchFamily="34" charset="0"/>
-                        </a:rPr>
-                        <a:t>, </a:t>
-                      </a:r>
-                      <a:r>
-                        <a:rPr lang="en-ZA" sz="1000" dirty="0" smtClean="0">
-                          <a:effectLst/>
-                          <a:latin typeface="Calibri" panose="020F0502020204030204" pitchFamily="34" charset="0"/>
-                          <a:ea typeface="Calibri" panose="020F0502020204030204" pitchFamily="34" charset="0"/>
-                          <a:cs typeface="Calibri" panose="020F0502020204030204" pitchFamily="34" charset="0"/>
-                        </a:rPr>
-                        <a:t>4</a:t>
-                      </a:r>
-                      <a:r>
-                        <a:rPr lang="en-ZA" sz="1000" dirty="0" smtClean="0">
-                          <a:effectLst/>
-                          <a:latin typeface="Calibri" panose="020F0502020204030204" pitchFamily="34" charset="0"/>
-                          <a:ea typeface="Calibri" panose="020F0502020204030204" pitchFamily="34" charset="0"/>
-                          <a:cs typeface="Calibri" panose="020F0502020204030204" pitchFamily="34" charset="0"/>
-                          <a:sym typeface="Symbol" panose="05050102010706020507" pitchFamily="18" charset="2"/>
-                        </a:rPr>
-                        <a:t></a:t>
-                      </a:r>
-                      <a:r>
-                        <a:rPr lang="en-ZA" sz="1000" dirty="0">
-                          <a:effectLst/>
-                          <a:latin typeface="Calibri" panose="020F0502020204030204" pitchFamily="34" charset="0"/>
-                          <a:ea typeface="Calibri" panose="020F0502020204030204" pitchFamily="34" charset="0"/>
-                          <a:cs typeface="Calibri" panose="020F0502020204030204" pitchFamily="34" charset="0"/>
-                        </a:rPr>
-                        <a:t>: 8 card suit, 5 - 9 with 2 honours </a:t>
+                        <a:t>2 honours </a:t>
+                      </a:r>
+                      <a:r>
+                        <a:rPr lang="en-ZA" sz="1000" i="1" dirty="0" smtClean="0">
+                          <a:solidFill>
+                            <a:schemeClr val="tx2">
+                              <a:lumMod val="60000"/>
+                              <a:lumOff val="40000"/>
+                            </a:schemeClr>
+                          </a:solidFill>
+                          <a:effectLst/>
+                          <a:latin typeface="Calibri" panose="020F0502020204030204" pitchFamily="34" charset="0"/>
+                          <a:ea typeface="Calibri" panose="020F0502020204030204" pitchFamily="34" charset="0"/>
+                          <a:cs typeface="Calibri" panose="020F0502020204030204" pitchFamily="34" charset="0"/>
+                        </a:rPr>
+                        <a:t>[8]</a:t>
                       </a:r>
                       <a:endParaRPr lang="en-ZA" sz="1000" dirty="0">
                         <a:effectLst/>
@@ -3979,14 +5050,14 @@
           <p:nvPr>
             <p:extLst>
               <p:ext uri="{D42A27DB-BD31-4B8C-83A1-F6EECF244321}">
-                <p14:modId xmlns:p14="http://schemas.microsoft.com/office/powerpoint/2010/main" val="3778972590"/>
+                <p14:modId xmlns:p14="http://schemas.microsoft.com/office/powerpoint/2010/main" val="997354003"/>
               </p:ext>
             </p:extLst>
           </p:nvPr>
         </p:nvGraphicFramePr>
         <p:xfrm>
-          <a:off x="5680462" y="300484"/>
-          <a:ext cx="5812291" cy="2743200"/>
+          <a:off x="6217900" y="307123"/>
+          <a:ext cx="5812291" cy="2590800"/>
         </p:xfrm>
         <a:graphic>
           <a:graphicData uri="http://schemas.openxmlformats.org/drawingml/2006/table">
@@ -3995,7 +5066,7 @@
               <a:tblGrid>
                 <a:gridCol w="5812291"/>
               </a:tblGrid>
-              <a:tr h="2693728">
+              <a:tr h="2504316">
                 <a:tc>
                   <a:txBody>
                     <a:bodyPr/>
@@ -4007,32 +5078,80 @@
                         </a:spcAft>
                       </a:pPr>
                       <a:r>
-                        <a:rPr lang="en-ZA" sz="1000" dirty="0">
-                          <a:effectLst/>
-                          <a:latin typeface="Calibri" panose="020F0502020204030204" pitchFamily="34" charset="0"/>
-                          <a:ea typeface="Calibri" panose="020F0502020204030204" pitchFamily="34" charset="0"/>
-                          <a:cs typeface="Times New Roman" panose="02020603050405020304" pitchFamily="18" charset="0"/>
-                        </a:rPr>
-                        <a:t>Length is </a:t>
-                      </a:r>
-                      <a:r>
-                        <a:rPr lang="en-ZA" sz="1000" b="1" u="none" dirty="0">
-                          <a:effectLst/>
-                          <a:latin typeface="Calibri" panose="020F0502020204030204" pitchFamily="34" charset="0"/>
-                          <a:ea typeface="Calibri" panose="020F0502020204030204" pitchFamily="34" charset="0"/>
-                          <a:cs typeface="Times New Roman" panose="02020603050405020304" pitchFamily="18" charset="0"/>
-                        </a:rPr>
-                        <a:t>included</a:t>
-                      </a:r>
-                      <a:r>
-                        <a:rPr lang="en-ZA" sz="1000" dirty="0">
-                          <a:effectLst/>
-                          <a:latin typeface="Calibri" panose="020F0502020204030204" pitchFamily="34" charset="0"/>
-                          <a:ea typeface="Calibri" panose="020F0502020204030204" pitchFamily="34" charset="0"/>
-                          <a:cs typeface="Times New Roman" panose="02020603050405020304" pitchFamily="18" charset="0"/>
-                        </a:rPr>
-                        <a:t> (Notes say otherwise)</a:t>
-                      </a:r>
+                        <a:rPr lang="en-ZA" sz="1000" b="0" u="none" dirty="0" smtClean="0">
+                          <a:effectLst/>
+                          <a:latin typeface="Calibri" panose="020F0502020204030204" pitchFamily="34" charset="0"/>
+                          <a:ea typeface="Calibri" panose="020F0502020204030204" pitchFamily="34" charset="0"/>
+                          <a:cs typeface="Calibri" panose="020F0502020204030204" pitchFamily="34" charset="0"/>
+                        </a:rPr>
+                        <a:t>Adjust Doubleton +1, Singleton</a:t>
+                      </a:r>
+                      <a:r>
+                        <a:rPr lang="en-ZA" sz="1000" b="0" u="none" baseline="0" dirty="0" smtClean="0">
+                          <a:effectLst/>
+                          <a:latin typeface="Calibri" panose="020F0502020204030204" pitchFamily="34" charset="0"/>
+                          <a:ea typeface="Calibri" panose="020F0502020204030204" pitchFamily="34" charset="0"/>
+                          <a:cs typeface="Calibri" panose="020F0502020204030204" pitchFamily="34" charset="0"/>
+                        </a:rPr>
+                        <a:t> +2, Void +3 (</a:t>
+                      </a:r>
+                      <a:r>
+                        <a:rPr lang="en-ZA" sz="1000" b="1" u="none" baseline="0" dirty="0" smtClean="0">
+                          <a:effectLst/>
+                          <a:latin typeface="Calibri" panose="020F0502020204030204" pitchFamily="34" charset="0"/>
+                          <a:ea typeface="Calibri" panose="020F0502020204030204" pitchFamily="34" charset="0"/>
+                          <a:cs typeface="Calibri" panose="020F0502020204030204" pitchFamily="34" charset="0"/>
+                        </a:rPr>
+                        <a:t>Don’t </a:t>
+                      </a:r>
+                      <a:r>
+                        <a:rPr lang="en-ZA" sz="1000" b="1" u="none" baseline="0" dirty="0" smtClean="0">
+                          <a:effectLst/>
+                          <a:latin typeface="Calibri" panose="020F0502020204030204" pitchFamily="34" charset="0"/>
+                          <a:ea typeface="Calibri" panose="020F0502020204030204" pitchFamily="34" charset="0"/>
+                          <a:cs typeface="Calibri" panose="020F0502020204030204" pitchFamily="34" charset="0"/>
+                        </a:rPr>
+                        <a:t>also include </a:t>
+                      </a:r>
+                      <a:r>
+                        <a:rPr lang="en-ZA" sz="1000" b="1" u="none" baseline="0" dirty="0" smtClean="0">
+                          <a:effectLst/>
+                          <a:latin typeface="Calibri" panose="020F0502020204030204" pitchFamily="34" charset="0"/>
+                          <a:ea typeface="Calibri" panose="020F0502020204030204" pitchFamily="34" charset="0"/>
+                          <a:cs typeface="Calibri" panose="020F0502020204030204" pitchFamily="34" charset="0"/>
+                        </a:rPr>
+                        <a:t>length</a:t>
+                      </a:r>
+                      <a:r>
+                        <a:rPr lang="en-ZA" sz="1000" b="0" u="none" baseline="0" dirty="0" smtClean="0">
+                          <a:effectLst/>
+                          <a:latin typeface="Calibri" panose="020F0502020204030204" pitchFamily="34" charset="0"/>
+                          <a:ea typeface="Calibri" panose="020F0502020204030204" pitchFamily="34" charset="0"/>
+                          <a:cs typeface="Calibri" panose="020F0502020204030204" pitchFamily="34" charset="0"/>
+                        </a:rPr>
+                        <a:t> when adjusting) </a:t>
+                      </a:r>
+                      <a:r>
+                        <a:rPr lang="en-ZA" sz="1000" i="1" dirty="0" smtClean="0">
+                          <a:solidFill>
+                            <a:schemeClr val="tx2">
+                              <a:lumMod val="60000"/>
+                              <a:lumOff val="40000"/>
+                            </a:schemeClr>
+                          </a:solidFill>
+                          <a:effectLst/>
+                          <a:latin typeface="Calibri" panose="020F0502020204030204" pitchFamily="34" charset="0"/>
+                          <a:ea typeface="Calibri" panose="020F0502020204030204" pitchFamily="34" charset="0"/>
+                          <a:cs typeface="Calibri" panose="020F0502020204030204" pitchFamily="34" charset="0"/>
+                        </a:rPr>
+                        <a:t>[6, 11]</a:t>
+                      </a:r>
+                      <a:endParaRPr lang="en-ZA" sz="1000" b="0" u="none" baseline="0" dirty="0" smtClean="0">
+                        <a:effectLst/>
+                        <a:latin typeface="Calibri" panose="020F0502020204030204" pitchFamily="34" charset="0"/>
+                        <a:ea typeface="Calibri" panose="020F0502020204030204" pitchFamily="34" charset="0"/>
+                        <a:cs typeface="Calibri" panose="020F0502020204030204" pitchFamily="34" charset="0"/>
+                      </a:endParaRPr>
                     </a:p>
                     <a:p>
                       <a:pPr algn="l">
@@ -4041,13 +5160,22 @@
                         </a:spcAft>
                       </a:pPr>
                       <a:r>
+                        <a:rPr lang="en-ZA" sz="1000" dirty="0" smtClean="0">
+                          <a:effectLst/>
+                          <a:latin typeface="Calibri" panose="020F0502020204030204" pitchFamily="34" charset="0"/>
+                          <a:ea typeface="Calibri" panose="020F0502020204030204" pitchFamily="34" charset="0"/>
+                          <a:cs typeface="Times New Roman" panose="02020603050405020304" pitchFamily="18" charset="0"/>
+                        </a:rPr>
+                        <a:t>A </a:t>
+                      </a:r>
+                      <a:r>
                         <a:rPr lang="en-ZA" sz="1000" dirty="0">
                           <a:effectLst/>
                           <a:latin typeface="Calibri" panose="020F0502020204030204" pitchFamily="34" charset="0"/>
                           <a:ea typeface="Calibri" panose="020F0502020204030204" pitchFamily="34" charset="0"/>
                           <a:cs typeface="Times New Roman" panose="02020603050405020304" pitchFamily="18" charset="0"/>
                         </a:rPr>
-                        <a:t>A fit is </a:t>
+                        <a:t>fit is </a:t>
                       </a:r>
                       <a:r>
                         <a:rPr lang="en-ZA" sz="1000" b="1" u="none" dirty="0">
@@ -4065,55 +5193,7 @@
                           <a:ea typeface="Calibri" panose="020F0502020204030204" pitchFamily="34" charset="0"/>
                           <a:cs typeface="Times New Roman" panose="02020603050405020304" pitchFamily="18" charset="0"/>
                         </a:rPr>
-                        <a:t> of a suite (you and partner).</a:t>
-                      </a:r>
-                    </a:p>
-                    <a:p>
-                      <a:pPr algn="l">
-                        <a:spcAft>
-                          <a:spcPts val="0"/>
-                        </a:spcAft>
-                      </a:pPr>
-                      <a:r>
-                        <a:rPr lang="en-ZA" sz="1000" dirty="0">
-                          <a:effectLst/>
-                          <a:latin typeface="Calibri" panose="020F0502020204030204" pitchFamily="34" charset="0"/>
-                          <a:ea typeface="Calibri" panose="020F0502020204030204" pitchFamily="34" charset="0"/>
-                          <a:cs typeface="Times New Roman" panose="02020603050405020304" pitchFamily="18" charset="0"/>
-                        </a:rPr>
-                        <a:t>Respond with 5+ points otherwise pass.</a:t>
-                      </a:r>
-                    </a:p>
-                    <a:p>
-                      <a:pPr algn="l">
-                        <a:spcAft>
-                          <a:spcPts val="0"/>
-                        </a:spcAft>
-                      </a:pPr>
-                      <a:r>
-                        <a:rPr lang="en-ZA" sz="1000" dirty="0">
-                          <a:effectLst/>
-                          <a:latin typeface="Calibri" panose="020F0502020204030204" pitchFamily="34" charset="0"/>
-                          <a:ea typeface="Calibri" panose="020F0502020204030204" pitchFamily="34" charset="0"/>
-                          <a:cs typeface="Times New Roman" panose="02020603050405020304" pitchFamily="18" charset="0"/>
-                        </a:rPr>
-                        <a:t>Single raise (1 -&gt; 2) : 5-9 pts and a fit.</a:t>
-                      </a:r>
-                    </a:p>
-                    <a:p>
-                      <a:pPr algn="l">
-                        <a:spcAft>
-                          <a:spcPts val="0"/>
-                        </a:spcAft>
-                      </a:pPr>
-                      <a:r>
-                        <a:rPr lang="en-ZA" sz="1000" dirty="0">
-                          <a:effectLst/>
-                          <a:latin typeface="Calibri" panose="020F0502020204030204" pitchFamily="34" charset="0"/>
-                          <a:ea typeface="Calibri" panose="020F0502020204030204" pitchFamily="34" charset="0"/>
-                          <a:cs typeface="Times New Roman" panose="02020603050405020304" pitchFamily="18" charset="0"/>
-                        </a:rPr>
-                        <a:t>Jump raise (1 -&gt; 3) : 10-11 points and a fit</a:t>
+                        <a:t> of a suite (you and partner</a:t>
                       </a:r>
                       <a:r>
                         <a:rPr lang="en-ZA" sz="1000" dirty="0" smtClean="0">
@@ -4122,7 +5202,22 @@
                           <a:ea typeface="Calibri" panose="020F0502020204030204" pitchFamily="34" charset="0"/>
                           <a:cs typeface="Times New Roman" panose="02020603050405020304" pitchFamily="18" charset="0"/>
                         </a:rPr>
-                        <a:t>.</a:t>
+                        <a:t>). </a:t>
+                      </a:r>
+                      <a:r>
+                        <a:rPr lang="en-ZA" sz="1000" i="1" dirty="0" smtClean="0">
+                          <a:solidFill>
+                            <a:schemeClr val="tx2">
+                              <a:lumMod val="60000"/>
+                              <a:lumOff val="40000"/>
+                            </a:schemeClr>
+                          </a:solidFill>
+                          <a:effectLst/>
+                          <a:latin typeface="Calibri" panose="020F0502020204030204" pitchFamily="34" charset="0"/>
+                          <a:ea typeface="Calibri" panose="020F0502020204030204" pitchFamily="34" charset="0"/>
+                          <a:cs typeface="Calibri" panose="020F0502020204030204" pitchFamily="34" charset="0"/>
+                        </a:rPr>
+                        <a:t>[6]</a:t>
                       </a:r>
                       <a:endParaRPr lang="en-ZA" sz="1000" dirty="0">
                         <a:effectLst/>
@@ -4138,14 +5233,62 @@
                         </a:spcAft>
                       </a:pPr>
                       <a:r>
+                        <a:rPr lang="en-ZA" sz="1000" b="1" dirty="0" smtClean="0">
+                          <a:effectLst/>
+                          <a:latin typeface="Calibri" panose="020F0502020204030204" pitchFamily="34" charset="0"/>
+                          <a:ea typeface="Calibri" panose="020F0502020204030204" pitchFamily="34" charset="0"/>
+                          <a:cs typeface="Times New Roman" panose="02020603050405020304" pitchFamily="18" charset="0"/>
+                        </a:rPr>
+                        <a:t>Must Respond </a:t>
+                      </a:r>
+                      <a:r>
+                        <a:rPr lang="en-ZA" sz="1000" b="1" dirty="0">
+                          <a:effectLst/>
+                          <a:latin typeface="Calibri" panose="020F0502020204030204" pitchFamily="34" charset="0"/>
+                          <a:ea typeface="Calibri" panose="020F0502020204030204" pitchFamily="34" charset="0"/>
+                          <a:cs typeface="Times New Roman" panose="02020603050405020304" pitchFamily="18" charset="0"/>
+                        </a:rPr>
+                        <a:t>with 5+ points</a:t>
+                      </a:r>
+                      <a:r>
                         <a:rPr lang="en-ZA" sz="1000" dirty="0">
                           <a:effectLst/>
                           <a:latin typeface="Calibri" panose="020F0502020204030204" pitchFamily="34" charset="0"/>
                           <a:ea typeface="Calibri" panose="020F0502020204030204" pitchFamily="34" charset="0"/>
                           <a:cs typeface="Times New Roman" panose="02020603050405020304" pitchFamily="18" charset="0"/>
                         </a:rPr>
-                        <a:t>Direct raise (1 -&gt; 4) : 12+ points and a fit.</a:t>
-                      </a:r>
+                        <a:t> otherwise pass</a:t>
+                      </a:r>
+                      <a:r>
+                        <a:rPr lang="en-ZA" sz="1000" dirty="0" smtClean="0">
+                          <a:effectLst/>
+                          <a:latin typeface="Calibri" panose="020F0502020204030204" pitchFamily="34" charset="0"/>
+                          <a:ea typeface="Calibri" panose="020F0502020204030204" pitchFamily="34" charset="0"/>
+                          <a:cs typeface="Times New Roman" panose="02020603050405020304" pitchFamily="18" charset="0"/>
+                        </a:rPr>
+                        <a:t>.</a:t>
+                      </a:r>
+                      <a:r>
+                        <a:rPr lang="en-ZA" sz="1000" i="1" dirty="0" smtClean="0">
+                          <a:solidFill>
+                            <a:schemeClr val="tx2">
+                              <a:lumMod val="60000"/>
+                              <a:lumOff val="40000"/>
+                            </a:schemeClr>
+                          </a:solidFill>
+                          <a:effectLst/>
+                          <a:latin typeface="Calibri" panose="020F0502020204030204" pitchFamily="34" charset="0"/>
+                          <a:ea typeface="Calibri" panose="020F0502020204030204" pitchFamily="34" charset="0"/>
+                          <a:cs typeface="Calibri" panose="020F0502020204030204" pitchFamily="34" charset="0"/>
+                        </a:rPr>
+                        <a:t> [6]</a:t>
+                      </a:r>
+                      <a:endParaRPr lang="en-ZA" sz="1000" dirty="0">
+                        <a:effectLst/>
+                        <a:latin typeface="Calibri" panose="020F0502020204030204" pitchFamily="34" charset="0"/>
+                        <a:ea typeface="Calibri" panose="020F0502020204030204" pitchFamily="34" charset="0"/>
+                        <a:cs typeface="Times New Roman" panose="02020603050405020304" pitchFamily="18" charset="0"/>
+                      </a:endParaRPr>
                     </a:p>
                     <a:p>
                       <a:pPr algn="l">
@@ -4160,70 +5303,47 @@
                           <a:ea typeface="Calibri" panose="020F0502020204030204" pitchFamily="34" charset="0"/>
                           <a:cs typeface="Times New Roman" panose="02020603050405020304" pitchFamily="18" charset="0"/>
                         </a:rPr>
-                        <a:t>Change suite at level 1 (e.g. 1</a:t>
-                      </a:r>
-                      <a:r>
-                        <a:rPr lang="en-ZA" sz="1000" dirty="0">
-                          <a:effectLst/>
-                          <a:latin typeface="Calibri" panose="020F0502020204030204" pitchFamily="34" charset="0"/>
-                          <a:ea typeface="Calibri" panose="020F0502020204030204" pitchFamily="34" charset="0"/>
-                          <a:cs typeface="Times New Roman" panose="02020603050405020304" pitchFamily="18" charset="0"/>
-                          <a:sym typeface="Symbol" panose="05050102010706020507" pitchFamily="18" charset="2"/>
-                        </a:rPr>
-                        <a:t></a:t>
-                      </a:r>
-                      <a:r>
-                        <a:rPr lang="en-ZA" sz="1000" dirty="0">
-                          <a:effectLst/>
-                          <a:latin typeface="Calibri" panose="020F0502020204030204" pitchFamily="34" charset="0"/>
-                          <a:ea typeface="Calibri" panose="020F0502020204030204" pitchFamily="34" charset="0"/>
-                          <a:cs typeface="Times New Roman" panose="02020603050405020304" pitchFamily="18" charset="0"/>
-                        </a:rPr>
-                        <a:t> to </a:t>
-                      </a:r>
-                      <a:r>
-                        <a:rPr lang="en-ZA" sz="1000" dirty="0">
-                          <a:solidFill>
-                            <a:srgbClr val="FF0000"/>
-                          </a:solidFill>
-                          <a:effectLst/>
-                          <a:latin typeface="Calibri" panose="020F0502020204030204" pitchFamily="34" charset="0"/>
-                          <a:ea typeface="Calibri" panose="020F0502020204030204" pitchFamily="34" charset="0"/>
-                          <a:cs typeface="Times New Roman" panose="02020603050405020304" pitchFamily="18" charset="0"/>
-                        </a:rPr>
-                        <a:t>1</a:t>
-                      </a:r>
-                      <a:r>
-                        <a:rPr lang="en-ZA" sz="1000" dirty="0">
-                          <a:solidFill>
-                            <a:srgbClr val="FF0000"/>
-                          </a:solidFill>
-                          <a:effectLst/>
-                          <a:latin typeface="Calibri" panose="020F0502020204030204" pitchFamily="34" charset="0"/>
-                          <a:ea typeface="Calibri" panose="020F0502020204030204" pitchFamily="34" charset="0"/>
-                          <a:cs typeface="Calibri" panose="020F0502020204030204" pitchFamily="34" charset="0"/>
-                          <a:sym typeface="Symbol" panose="05050102010706020507" pitchFamily="18" charset="2"/>
-                        </a:rPr>
-                        <a:t></a:t>
-                      </a:r>
-                      <a:r>
-                        <a:rPr lang="en-ZA" sz="1000" dirty="0">
-                          <a:effectLst/>
-                          <a:latin typeface="Calibri" panose="020F0502020204030204" pitchFamily="34" charset="0"/>
-                          <a:ea typeface="Calibri" panose="020F0502020204030204" pitchFamily="34" charset="0"/>
-                          <a:cs typeface="Times New Roman" panose="02020603050405020304" pitchFamily="18" charset="0"/>
-                        </a:rPr>
-                        <a:t>) requires 4 cards and 5 points</a:t>
-                      </a:r>
-                      <a:r>
-                        <a:rPr lang="en-ZA" sz="1000" dirty="0" smtClean="0">
-                          <a:effectLst/>
-                          <a:latin typeface="Calibri" panose="020F0502020204030204" pitchFamily="34" charset="0"/>
-                          <a:ea typeface="Calibri" panose="020F0502020204030204" pitchFamily="34" charset="0"/>
-                          <a:cs typeface="Times New Roman" panose="02020603050405020304" pitchFamily="18" charset="0"/>
-                        </a:rPr>
-                        <a:t>. </a:t>
-                      </a:r>
+                        <a:t>Single raise (1 -&gt; 2) : </a:t>
+                      </a:r>
+                      <a:r>
+                        <a:rPr lang="en-ZA" sz="1000" b="1" dirty="0">
+                          <a:effectLst/>
+                          <a:latin typeface="Calibri" panose="020F0502020204030204" pitchFamily="34" charset="0"/>
+                          <a:ea typeface="Calibri" panose="020F0502020204030204" pitchFamily="34" charset="0"/>
+                          <a:cs typeface="Times New Roman" panose="02020603050405020304" pitchFamily="18" charset="0"/>
+                        </a:rPr>
+                        <a:t>5-9 pts and a fit</a:t>
+                      </a:r>
+                      <a:r>
+                        <a:rPr lang="en-ZA" sz="1000" b="1" dirty="0" smtClean="0">
+                          <a:effectLst/>
+                          <a:latin typeface="Calibri" panose="020F0502020204030204" pitchFamily="34" charset="0"/>
+                          <a:ea typeface="Calibri" panose="020F0502020204030204" pitchFamily="34" charset="0"/>
+                          <a:cs typeface="Times New Roman" panose="02020603050405020304" pitchFamily="18" charset="0"/>
+                        </a:rPr>
+                        <a:t>.</a:t>
+                      </a:r>
+                      <a:r>
+                        <a:rPr lang="en-ZA" sz="1000" i="1" dirty="0" smtClean="0">
+                          <a:solidFill>
+                            <a:schemeClr val="tx2">
+                              <a:lumMod val="60000"/>
+                              <a:lumOff val="40000"/>
+                            </a:schemeClr>
+                          </a:solidFill>
+                          <a:effectLst/>
+                          <a:latin typeface="Calibri" panose="020F0502020204030204" pitchFamily="34" charset="0"/>
+                          <a:ea typeface="Calibri" panose="020F0502020204030204" pitchFamily="34" charset="0"/>
+                          <a:cs typeface="Calibri" panose="020F0502020204030204" pitchFamily="34" charset="0"/>
+                        </a:rPr>
+                        <a:t> [6]</a:t>
+                      </a:r>
+                      <a:endParaRPr lang="en-ZA" sz="1000" b="1" dirty="0">
+                        <a:effectLst/>
+                        <a:latin typeface="Calibri" panose="020F0502020204030204" pitchFamily="34" charset="0"/>
+                        <a:ea typeface="Calibri" panose="020F0502020204030204" pitchFamily="34" charset="0"/>
+                        <a:cs typeface="Times New Roman" panose="02020603050405020304" pitchFamily="18" charset="0"/>
+                      </a:endParaRPr>
                     </a:p>
                     <a:p>
                       <a:pPr algn="l">
@@ -4232,12 +5352,248 @@
                         </a:spcAft>
                       </a:pPr>
                       <a:r>
+                        <a:rPr lang="en-ZA" sz="1000" dirty="0">
+                          <a:effectLst/>
+                          <a:latin typeface="Calibri" panose="020F0502020204030204" pitchFamily="34" charset="0"/>
+                          <a:ea typeface="Calibri" panose="020F0502020204030204" pitchFamily="34" charset="0"/>
+                          <a:cs typeface="Times New Roman" panose="02020603050405020304" pitchFamily="18" charset="0"/>
+                        </a:rPr>
+                        <a:t>Jump raise (1 -&gt; 3) : </a:t>
+                      </a:r>
+                      <a:r>
+                        <a:rPr lang="en-ZA" sz="1000" b="1" dirty="0">
+                          <a:effectLst/>
+                          <a:latin typeface="Calibri" panose="020F0502020204030204" pitchFamily="34" charset="0"/>
+                          <a:ea typeface="Calibri" panose="020F0502020204030204" pitchFamily="34" charset="0"/>
+                          <a:cs typeface="Times New Roman" panose="02020603050405020304" pitchFamily="18" charset="0"/>
+                        </a:rPr>
+                        <a:t>10-11 points and a fit</a:t>
+                      </a:r>
+                      <a:r>
+                        <a:rPr lang="en-ZA" sz="1000" b="1" dirty="0" smtClean="0">
+                          <a:effectLst/>
+                          <a:latin typeface="Calibri" panose="020F0502020204030204" pitchFamily="34" charset="0"/>
+                          <a:ea typeface="Calibri" panose="020F0502020204030204" pitchFamily="34" charset="0"/>
+                          <a:cs typeface="Times New Roman" panose="02020603050405020304" pitchFamily="18" charset="0"/>
+                        </a:rPr>
+                        <a:t>.</a:t>
+                      </a:r>
+                      <a:r>
+                        <a:rPr lang="en-ZA" sz="1000" i="1" dirty="0" smtClean="0">
+                          <a:solidFill>
+                            <a:schemeClr val="tx2">
+                              <a:lumMod val="60000"/>
+                              <a:lumOff val="40000"/>
+                            </a:schemeClr>
+                          </a:solidFill>
+                          <a:effectLst/>
+                          <a:latin typeface="Calibri" panose="020F0502020204030204" pitchFamily="34" charset="0"/>
+                          <a:ea typeface="Calibri" panose="020F0502020204030204" pitchFamily="34" charset="0"/>
+                          <a:cs typeface="Calibri" panose="020F0502020204030204" pitchFamily="34" charset="0"/>
+                        </a:rPr>
+                        <a:t> [6]</a:t>
+                      </a:r>
+                      <a:endParaRPr lang="en-ZA" sz="1000" b="1" dirty="0">
+                        <a:effectLst/>
+                        <a:latin typeface="Calibri" panose="020F0502020204030204" pitchFamily="34" charset="0"/>
+                        <a:ea typeface="Calibri" panose="020F0502020204030204" pitchFamily="34" charset="0"/>
+                        <a:cs typeface="Times New Roman" panose="02020603050405020304" pitchFamily="18" charset="0"/>
+                      </a:endParaRPr>
+                    </a:p>
+                    <a:p>
+                      <a:pPr algn="l">
+                        <a:spcAft>
+                          <a:spcPts val="0"/>
+                        </a:spcAft>
+                      </a:pPr>
+                      <a:r>
+                        <a:rPr lang="en-ZA" sz="1000" dirty="0">
+                          <a:effectLst/>
+                          <a:latin typeface="Calibri" panose="020F0502020204030204" pitchFamily="34" charset="0"/>
+                          <a:ea typeface="Calibri" panose="020F0502020204030204" pitchFamily="34" charset="0"/>
+                          <a:cs typeface="Times New Roman" panose="02020603050405020304" pitchFamily="18" charset="0"/>
+                        </a:rPr>
+                        <a:t>Direct raise (1 -&gt; 4) : </a:t>
+                      </a:r>
+                      <a:r>
+                        <a:rPr lang="en-ZA" sz="1000" b="1" dirty="0">
+                          <a:effectLst/>
+                          <a:latin typeface="Calibri" panose="020F0502020204030204" pitchFamily="34" charset="0"/>
+                          <a:ea typeface="Calibri" panose="020F0502020204030204" pitchFamily="34" charset="0"/>
+                          <a:cs typeface="Times New Roman" panose="02020603050405020304" pitchFamily="18" charset="0"/>
+                        </a:rPr>
+                        <a:t>12+ points and a fit</a:t>
+                      </a:r>
+                      <a:r>
+                        <a:rPr lang="en-ZA" sz="1000" b="1" dirty="0" smtClean="0">
+                          <a:effectLst/>
+                          <a:latin typeface="Calibri" panose="020F0502020204030204" pitchFamily="34" charset="0"/>
+                          <a:ea typeface="Calibri" panose="020F0502020204030204" pitchFamily="34" charset="0"/>
+                          <a:cs typeface="Times New Roman" panose="02020603050405020304" pitchFamily="18" charset="0"/>
+                        </a:rPr>
+                        <a:t>.</a:t>
+                      </a:r>
+                      <a:r>
+                        <a:rPr lang="en-ZA" sz="1000" i="1" dirty="0" smtClean="0">
+                          <a:solidFill>
+                            <a:schemeClr val="tx2">
+                              <a:lumMod val="60000"/>
+                              <a:lumOff val="40000"/>
+                            </a:schemeClr>
+                          </a:solidFill>
+                          <a:effectLst/>
+                          <a:latin typeface="Calibri" panose="020F0502020204030204" pitchFamily="34" charset="0"/>
+                          <a:ea typeface="Calibri" panose="020F0502020204030204" pitchFamily="34" charset="0"/>
+                          <a:cs typeface="Calibri" panose="020F0502020204030204" pitchFamily="34" charset="0"/>
+                        </a:rPr>
+                        <a:t> [6]</a:t>
+                      </a:r>
+                      <a:endParaRPr lang="en-ZA" sz="1000" b="1" dirty="0">
+                        <a:effectLst/>
+                        <a:latin typeface="Calibri" panose="020F0502020204030204" pitchFamily="34" charset="0"/>
+                        <a:ea typeface="Calibri" panose="020F0502020204030204" pitchFamily="34" charset="0"/>
+                        <a:cs typeface="Times New Roman" panose="02020603050405020304" pitchFamily="18" charset="0"/>
+                      </a:endParaRPr>
+                    </a:p>
+                    <a:p>
+                      <a:pPr algn="l">
+                        <a:spcAft>
+                          <a:spcPts val="0"/>
+                        </a:spcAft>
+                      </a:pPr>
+                      <a:r>
+                        <a:rPr lang="en-ZA" sz="1000" dirty="0">
+                          <a:effectLst/>
+                          <a:latin typeface="Calibri" panose="020F0502020204030204" pitchFamily="34" charset="0"/>
+                          <a:ea typeface="Calibri" panose="020F0502020204030204" pitchFamily="34" charset="0"/>
+                          <a:cs typeface="Times New Roman" panose="02020603050405020304" pitchFamily="18" charset="0"/>
+                        </a:rPr>
+                        <a:t>Change suite at </a:t>
+                      </a:r>
+                      <a:r>
+                        <a:rPr lang="en-ZA" sz="1000" b="1" dirty="0">
+                          <a:effectLst/>
+                          <a:latin typeface="Calibri" panose="020F0502020204030204" pitchFamily="34" charset="0"/>
+                          <a:ea typeface="Calibri" panose="020F0502020204030204" pitchFamily="34" charset="0"/>
+                          <a:cs typeface="Times New Roman" panose="02020603050405020304" pitchFamily="18" charset="0"/>
+                        </a:rPr>
+                        <a:t>level 1</a:t>
+                      </a:r>
+                      <a:r>
+                        <a:rPr lang="en-ZA" sz="1000" dirty="0">
+                          <a:effectLst/>
+                          <a:latin typeface="Calibri" panose="020F0502020204030204" pitchFamily="34" charset="0"/>
+                          <a:ea typeface="Calibri" panose="020F0502020204030204" pitchFamily="34" charset="0"/>
+                          <a:cs typeface="Times New Roman" panose="02020603050405020304" pitchFamily="18" charset="0"/>
+                        </a:rPr>
+                        <a:t> (e.g. 1</a:t>
+                      </a:r>
+                      <a:r>
+                        <a:rPr lang="en-ZA" sz="1000" dirty="0">
+                          <a:effectLst/>
+                          <a:latin typeface="Calibri" panose="020F0502020204030204" pitchFamily="34" charset="0"/>
+                          <a:ea typeface="Calibri" panose="020F0502020204030204" pitchFamily="34" charset="0"/>
+                          <a:cs typeface="Times New Roman" panose="02020603050405020304" pitchFamily="18" charset="0"/>
+                          <a:sym typeface="Symbol" panose="05050102010706020507" pitchFamily="18" charset="2"/>
+                        </a:rPr>
+                        <a:t></a:t>
+                      </a:r>
+                      <a:r>
+                        <a:rPr lang="en-ZA" sz="1000" dirty="0">
+                          <a:effectLst/>
+                          <a:latin typeface="Calibri" panose="020F0502020204030204" pitchFamily="34" charset="0"/>
+                          <a:ea typeface="Calibri" panose="020F0502020204030204" pitchFamily="34" charset="0"/>
+                          <a:cs typeface="Times New Roman" panose="02020603050405020304" pitchFamily="18" charset="0"/>
+                        </a:rPr>
+                        <a:t> to </a:t>
+                      </a:r>
+                      <a:r>
+                        <a:rPr lang="en-ZA" sz="1000" dirty="0">
+                          <a:solidFill>
+                            <a:srgbClr val="FF0000"/>
+                          </a:solidFill>
+                          <a:effectLst/>
+                          <a:latin typeface="Calibri" panose="020F0502020204030204" pitchFamily="34" charset="0"/>
+                          <a:ea typeface="Calibri" panose="020F0502020204030204" pitchFamily="34" charset="0"/>
+                          <a:cs typeface="Times New Roman" panose="02020603050405020304" pitchFamily="18" charset="0"/>
+                        </a:rPr>
+                        <a:t>1</a:t>
+                      </a:r>
+                      <a:r>
+                        <a:rPr lang="en-ZA" sz="1000" dirty="0">
+                          <a:solidFill>
+                            <a:srgbClr val="FF0000"/>
+                          </a:solidFill>
+                          <a:effectLst/>
+                          <a:latin typeface="Calibri" panose="020F0502020204030204" pitchFamily="34" charset="0"/>
+                          <a:ea typeface="Calibri" panose="020F0502020204030204" pitchFamily="34" charset="0"/>
+                          <a:cs typeface="Calibri" panose="020F0502020204030204" pitchFamily="34" charset="0"/>
+                          <a:sym typeface="Symbol" panose="05050102010706020507" pitchFamily="18" charset="2"/>
+                        </a:rPr>
+                        <a:t></a:t>
+                      </a:r>
+                      <a:r>
+                        <a:rPr lang="en-ZA" sz="1000" dirty="0">
+                          <a:effectLst/>
+                          <a:latin typeface="Calibri" panose="020F0502020204030204" pitchFamily="34" charset="0"/>
+                          <a:ea typeface="Calibri" panose="020F0502020204030204" pitchFamily="34" charset="0"/>
+                          <a:cs typeface="Times New Roman" panose="02020603050405020304" pitchFamily="18" charset="0"/>
+                        </a:rPr>
+                        <a:t>) requires </a:t>
+                      </a:r>
+                      <a:r>
+                        <a:rPr lang="en-ZA" sz="1000" b="1" dirty="0">
+                          <a:effectLst/>
+                          <a:latin typeface="Calibri" panose="020F0502020204030204" pitchFamily="34" charset="0"/>
+                          <a:ea typeface="Calibri" panose="020F0502020204030204" pitchFamily="34" charset="0"/>
+                          <a:cs typeface="Times New Roman" panose="02020603050405020304" pitchFamily="18" charset="0"/>
+                        </a:rPr>
+                        <a:t>4 cards and 5 points</a:t>
+                      </a:r>
+                      <a:r>
                         <a:rPr lang="en-ZA" sz="1000" dirty="0" smtClean="0">
                           <a:effectLst/>
                           <a:latin typeface="Calibri" panose="020F0502020204030204" pitchFamily="34" charset="0"/>
                           <a:ea typeface="Calibri" panose="020F0502020204030204" pitchFamily="34" charset="0"/>
                           <a:cs typeface="Times New Roman" panose="02020603050405020304" pitchFamily="18" charset="0"/>
                         </a:rPr>
+                        <a:t>. </a:t>
+                      </a:r>
+                      <a:r>
+                        <a:rPr lang="en-ZA" sz="1000" i="1" dirty="0" smtClean="0">
+                          <a:solidFill>
+                            <a:schemeClr val="tx2">
+                              <a:lumMod val="60000"/>
+                              <a:lumOff val="40000"/>
+                            </a:schemeClr>
+                          </a:solidFill>
+                          <a:effectLst/>
+                          <a:latin typeface="Calibri" panose="020F0502020204030204" pitchFamily="34" charset="0"/>
+                          <a:ea typeface="Calibri" panose="020F0502020204030204" pitchFamily="34" charset="0"/>
+                          <a:cs typeface="Calibri" panose="020F0502020204030204" pitchFamily="34" charset="0"/>
+                        </a:rPr>
+                        <a:t>[6]</a:t>
+                      </a:r>
+                      <a:endParaRPr lang="en-ZA" sz="1000" dirty="0" smtClean="0">
+                        <a:effectLst/>
+                        <a:latin typeface="Calibri" panose="020F0502020204030204" pitchFamily="34" charset="0"/>
+                        <a:ea typeface="Calibri" panose="020F0502020204030204" pitchFamily="34" charset="0"/>
+                        <a:cs typeface="Times New Roman" panose="02020603050405020304" pitchFamily="18" charset="0"/>
+                      </a:endParaRPr>
+                    </a:p>
+                    <a:p>
+                      <a:pPr algn="l">
+                        <a:spcAft>
+                          <a:spcPts val="0"/>
+                        </a:spcAft>
+                      </a:pPr>
+                      <a:r>
+                        <a:rPr lang="en-ZA" sz="1000" dirty="0" smtClean="0">
+                          <a:effectLst/>
+                          <a:latin typeface="Calibri" panose="020F0502020204030204" pitchFamily="34" charset="0"/>
+                          <a:ea typeface="Calibri" panose="020F0502020204030204" pitchFamily="34" charset="0"/>
+                          <a:cs typeface="Times New Roman" panose="02020603050405020304" pitchFamily="18" charset="0"/>
+                        </a:rPr>
                         <a:t>Change </a:t>
                       </a:r>
                       <a:r>
@@ -4247,13 +5603,31 @@
                           <a:ea typeface="Calibri" panose="020F0502020204030204" pitchFamily="34" charset="0"/>
                           <a:cs typeface="Times New Roman" panose="02020603050405020304" pitchFamily="18" charset="0"/>
                         </a:rPr>
-                        <a:t>suite at level 2 (e.g. 1</a:t>
+                        <a:t>suite at </a:t>
+                      </a:r>
+                      <a:r>
+                        <a:rPr lang="en-ZA" sz="1000" b="1" dirty="0">
+                          <a:effectLst/>
+                          <a:latin typeface="Calibri" panose="020F0502020204030204" pitchFamily="34" charset="0"/>
+                          <a:ea typeface="Calibri" panose="020F0502020204030204" pitchFamily="34" charset="0"/>
+                          <a:cs typeface="Times New Roman" panose="02020603050405020304" pitchFamily="18" charset="0"/>
+                        </a:rPr>
+                        <a:t>level 2</a:t>
                       </a:r>
                       <a:r>
                         <a:rPr lang="en-ZA" sz="1000" dirty="0">
                           <a:effectLst/>
                           <a:latin typeface="Calibri" panose="020F0502020204030204" pitchFamily="34" charset="0"/>
                           <a:ea typeface="Calibri" panose="020F0502020204030204" pitchFamily="34" charset="0"/>
+                          <a:cs typeface="Times New Roman" panose="02020603050405020304" pitchFamily="18" charset="0"/>
+                        </a:rPr>
+                        <a:t> (e.g. 1</a:t>
+                      </a:r>
+                      <a:r>
+                        <a:rPr lang="en-ZA" sz="1000" dirty="0">
+                          <a:effectLst/>
+                          <a:latin typeface="Calibri" panose="020F0502020204030204" pitchFamily="34" charset="0"/>
+                          <a:ea typeface="Calibri" panose="020F0502020204030204" pitchFamily="34" charset="0"/>
                           <a:cs typeface="Calibri" panose="020F0502020204030204" pitchFamily="34" charset="0"/>
                           <a:sym typeface="Symbol" panose="05050102010706020507" pitchFamily="18" charset="2"/>
                         </a:rPr>
@@ -4300,7 +5674,16 @@
                           <a:ea typeface="Calibri" panose="020F0502020204030204" pitchFamily="34" charset="0"/>
                           <a:cs typeface="Times New Roman" panose="02020603050405020304" pitchFamily="18" charset="0"/>
                         </a:rPr>
-                        <a:t>) requires 4 cards and 10+ points</a:t>
+                        <a:t>) requires </a:t>
+                      </a:r>
+                      <a:r>
+                        <a:rPr lang="en-ZA" sz="1000" b="1" dirty="0">
+                          <a:effectLst/>
+                          <a:latin typeface="Calibri" panose="020F0502020204030204" pitchFamily="34" charset="0"/>
+                          <a:ea typeface="Calibri" panose="020F0502020204030204" pitchFamily="34" charset="0"/>
+                          <a:cs typeface="Times New Roman" panose="02020603050405020304" pitchFamily="18" charset="0"/>
+                        </a:rPr>
+                        <a:t>4 cards and 10+ points</a:t>
                       </a:r>
                       <a:r>
                         <a:rPr lang="en-ZA" sz="1000" dirty="0" smtClean="0">
@@ -4311,6 +5694,27 @@
                         </a:rPr>
                         <a:t>.</a:t>
                       </a:r>
+                      <a:r>
+                        <a:rPr lang="en-ZA" sz="1000" i="1" dirty="0" smtClean="0">
+                          <a:solidFill>
+                            <a:schemeClr val="tx2">
+                              <a:lumMod val="60000"/>
+                              <a:lumOff val="40000"/>
+                            </a:schemeClr>
+                          </a:solidFill>
+                          <a:effectLst/>
+                          <a:latin typeface="Calibri" panose="020F0502020204030204" pitchFamily="34" charset="0"/>
+                          <a:ea typeface="Calibri" panose="020F0502020204030204" pitchFamily="34" charset="0"/>
+                          <a:cs typeface="Calibri" panose="020F0502020204030204" pitchFamily="34" charset="0"/>
+                        </a:rPr>
+                        <a:t> [6]</a:t>
+                      </a:r>
+                      <a:endParaRPr lang="en-ZA" sz="1000" dirty="0" smtClean="0">
+                        <a:effectLst/>
+                        <a:latin typeface="Calibri" panose="020F0502020204030204" pitchFamily="34" charset="0"/>
+                        <a:ea typeface="Calibri" panose="020F0502020204030204" pitchFamily="34" charset="0"/>
+                        <a:cs typeface="Times New Roman" panose="02020603050405020304" pitchFamily="18" charset="0"/>
+                      </a:endParaRPr>
                     </a:p>
                     <a:p>
                       <a:pPr>
@@ -4319,7 +5723,7 @@
                         </a:spcAft>
                       </a:pPr>
                       <a:r>
-                        <a:rPr lang="en-ZA" sz="1000" b="1" u="sng" dirty="0" smtClean="0">
+                        <a:rPr lang="en-ZA" sz="1000" b="1" u="none" dirty="0" smtClean="0">
                           <a:effectLst/>
                           <a:latin typeface="Calibri" panose="020F0502020204030204" pitchFamily="34" charset="0"/>
                           <a:ea typeface="Times New Roman" panose="02020603050405020304" pitchFamily="18" charset="0"/>
@@ -4328,13 +5732,22 @@
                         <a:t>Responding</a:t>
                       </a:r>
                       <a:r>
+                        <a:rPr lang="en-ZA" sz="1000" b="1" u="none" baseline="0" dirty="0" smtClean="0">
+                          <a:effectLst/>
+                          <a:latin typeface="Calibri" panose="020F0502020204030204" pitchFamily="34" charset="0"/>
+                          <a:ea typeface="Times New Roman" panose="02020603050405020304" pitchFamily="18" charset="0"/>
+                          <a:cs typeface="Times New Roman" panose="02020603050405020304" pitchFamily="18" charset="0"/>
+                        </a:rPr>
+                        <a:t> with </a:t>
+                      </a:r>
+                      <a:r>
                         <a:rPr lang="en-ZA" sz="1000" b="1" u="sng" baseline="0" dirty="0" smtClean="0">
                           <a:effectLst/>
                           <a:latin typeface="Calibri" panose="020F0502020204030204" pitchFamily="34" charset="0"/>
                           <a:ea typeface="Times New Roman" panose="02020603050405020304" pitchFamily="18" charset="0"/>
                           <a:cs typeface="Times New Roman" panose="02020603050405020304" pitchFamily="18" charset="0"/>
                         </a:rPr>
-                        <a:t> with 1NT</a:t>
+                        <a:t>1NT</a:t>
                       </a:r>
                       <a:r>
                         <a:rPr lang="en-ZA" sz="1000" baseline="0" dirty="0" smtClean="0">
@@ -4345,6 +5758,27 @@
                         </a:rPr>
                         <a:t> </a:t>
                       </a:r>
+                      <a:r>
+                        <a:rPr lang="en-ZA" sz="1000" i="1" dirty="0" smtClean="0">
+                          <a:solidFill>
+                            <a:schemeClr val="tx2">
+                              <a:lumMod val="60000"/>
+                              <a:lumOff val="40000"/>
+                            </a:schemeClr>
+                          </a:solidFill>
+                          <a:effectLst/>
+                          <a:latin typeface="Calibri" panose="020F0502020204030204" pitchFamily="34" charset="0"/>
+                          <a:ea typeface="Calibri" panose="020F0502020204030204" pitchFamily="34" charset="0"/>
+                          <a:cs typeface="Calibri" panose="020F0502020204030204" pitchFamily="34" charset="0"/>
+                        </a:rPr>
+                        <a:t>[6]</a:t>
+                      </a:r>
+                      <a:endParaRPr lang="en-ZA" sz="1000" baseline="0" dirty="0" smtClean="0">
+                        <a:effectLst/>
+                        <a:latin typeface="Calibri" panose="020F0502020204030204" pitchFamily="34" charset="0"/>
+                        <a:ea typeface="Times New Roman" panose="02020603050405020304" pitchFamily="18" charset="0"/>
+                        <a:cs typeface="Times New Roman" panose="02020603050405020304" pitchFamily="18" charset="0"/>
+                      </a:endParaRPr>
                     </a:p>
                     <a:p>
                       <a:pPr marL="171450" indent="-171450">
@@ -4424,7 +5858,7 @@
                           <a:ea typeface="Times New Roman" panose="02020603050405020304" pitchFamily="18" charset="0"/>
                           <a:cs typeface="Times New Roman" panose="02020603050405020304" pitchFamily="18" charset="0"/>
                         </a:rPr>
-                        <a:t>A very common bid</a:t>
+                        <a:t>A very common response</a:t>
                       </a:r>
                       <a:r>
                         <a:rPr lang="en-ZA" sz="1000" i="1" baseline="0" dirty="0" smtClean="0">
@@ -4433,7 +5867,7 @@
                           <a:ea typeface="Times New Roman" panose="02020603050405020304" pitchFamily="18" charset="0"/>
                           <a:cs typeface="Times New Roman" panose="02020603050405020304" pitchFamily="18" charset="0"/>
                         </a:rPr>
-                        <a:t> (showing 5-9 pts)</a:t>
+                        <a:t> showing 5-9 pts.</a:t>
                       </a:r>
                       <a:endParaRPr lang="en-ZA" sz="1000" i="1" dirty="0" smtClean="0">
                         <a:effectLst/>
@@ -4448,22 +5882,58 @@
                         </a:spcAft>
                       </a:pPr>
                       <a:r>
+                        <a:rPr lang="en-ZA" sz="1000" b="1" u="none" dirty="0" smtClean="0">
+                          <a:effectLst/>
+                          <a:latin typeface="Calibri" panose="020F0502020204030204" pitchFamily="34" charset="0"/>
+                          <a:ea typeface="Calibri" panose="020F0502020204030204" pitchFamily="34" charset="0"/>
+                          <a:cs typeface="Calibri" panose="020F0502020204030204" pitchFamily="34" charset="0"/>
+                        </a:rPr>
+                        <a:t>Responding</a:t>
+                      </a:r>
+                      <a:r>
+                        <a:rPr lang="en-ZA" sz="1000" b="1" u="none" baseline="0" dirty="0" smtClean="0">
+                          <a:effectLst/>
+                          <a:latin typeface="Calibri" panose="020F0502020204030204" pitchFamily="34" charset="0"/>
+                          <a:ea typeface="Calibri" panose="020F0502020204030204" pitchFamily="34" charset="0"/>
+                          <a:cs typeface="Calibri" panose="020F0502020204030204" pitchFamily="34" charset="0"/>
+                        </a:rPr>
+                        <a:t> to </a:t>
+                      </a:r>
+                      <a:r>
                         <a:rPr lang="en-ZA" sz="1000" b="1" u="sng" dirty="0" smtClean="0">
                           <a:effectLst/>
                           <a:latin typeface="Calibri" panose="020F0502020204030204" pitchFamily="34" charset="0"/>
                           <a:ea typeface="Calibri" panose="020F0502020204030204" pitchFamily="34" charset="0"/>
                           <a:cs typeface="Calibri" panose="020F0502020204030204" pitchFamily="34" charset="0"/>
                         </a:rPr>
-                        <a:t>Responding</a:t>
-                      </a:r>
-                      <a:r>
-                        <a:rPr lang="en-ZA" sz="1000" b="1" u="sng" baseline="0" dirty="0" smtClean="0">
-                          <a:effectLst/>
-                          <a:latin typeface="Calibri" panose="020F0502020204030204" pitchFamily="34" charset="0"/>
-                          <a:ea typeface="Calibri" panose="020F0502020204030204" pitchFamily="34" charset="0"/>
-                          <a:cs typeface="Calibri" panose="020F0502020204030204" pitchFamily="34" charset="0"/>
-                        </a:rPr>
-                        <a:t> to </a:t>
+                        <a:t>1NT</a:t>
+                      </a:r>
+                      <a:r>
+                        <a:rPr lang="en-ZA" sz="1000" dirty="0">
+                          <a:effectLst/>
+                          <a:latin typeface="Calibri" panose="020F0502020204030204" pitchFamily="34" charset="0"/>
+                          <a:ea typeface="Calibri" panose="020F0502020204030204" pitchFamily="34" charset="0"/>
+                          <a:cs typeface="Calibri" panose="020F0502020204030204" pitchFamily="34" charset="0"/>
+                        </a:rPr>
+                        <a:t>: 8 points: pass, 9 points: </a:t>
+                      </a:r>
+                      <a:r>
+                        <a:rPr lang="en-ZA" sz="1000" b="1" u="sng" dirty="0">
+                          <a:effectLst/>
+                          <a:latin typeface="Calibri" panose="020F0502020204030204" pitchFamily="34" charset="0"/>
+                          <a:ea typeface="Calibri" panose="020F0502020204030204" pitchFamily="34" charset="0"/>
+                          <a:cs typeface="Calibri" panose="020F0502020204030204" pitchFamily="34" charset="0"/>
+                        </a:rPr>
+                        <a:t>2NT</a:t>
+                      </a:r>
+                      <a:r>
+                        <a:rPr lang="en-ZA" sz="1000" dirty="0">
+                          <a:effectLst/>
+                          <a:latin typeface="Calibri" panose="020F0502020204030204" pitchFamily="34" charset="0"/>
+                          <a:ea typeface="Calibri" panose="020F0502020204030204" pitchFamily="34" charset="0"/>
+                          <a:cs typeface="Calibri" panose="020F0502020204030204" pitchFamily="34" charset="0"/>
+                        </a:rPr>
+                        <a:t>, 10+ points: </a:t>
                       </a:r>
                       <a:r>
                         <a:rPr lang="en-ZA" sz="1000" b="1" u="sng" dirty="0" smtClean="0">
@@ -4472,44 +5942,38 @@
                           <a:ea typeface="Calibri" panose="020F0502020204030204" pitchFamily="34" charset="0"/>
                           <a:cs typeface="Calibri" panose="020F0502020204030204" pitchFamily="34" charset="0"/>
                         </a:rPr>
-                        <a:t>1NT</a:t>
-                      </a:r>
-                      <a:r>
-                        <a:rPr lang="en-ZA" sz="1000" dirty="0">
-                          <a:effectLst/>
-                          <a:latin typeface="Calibri" panose="020F0502020204030204" pitchFamily="34" charset="0"/>
-                          <a:ea typeface="Calibri" panose="020F0502020204030204" pitchFamily="34" charset="0"/>
-                          <a:cs typeface="Calibri" panose="020F0502020204030204" pitchFamily="34" charset="0"/>
-                        </a:rPr>
-                        <a:t>: 8 points: pass, 9 points: </a:t>
-                      </a:r>
-                      <a:r>
-                        <a:rPr lang="en-ZA" sz="1000" b="1" u="sng" dirty="0">
-                          <a:effectLst/>
-                          <a:latin typeface="Calibri" panose="020F0502020204030204" pitchFamily="34" charset="0"/>
-                          <a:ea typeface="Calibri" panose="020F0502020204030204" pitchFamily="34" charset="0"/>
-                          <a:cs typeface="Calibri" panose="020F0502020204030204" pitchFamily="34" charset="0"/>
-                        </a:rPr>
-                        <a:t>2NT</a:t>
-                      </a:r>
-                      <a:r>
-                        <a:rPr lang="en-ZA" sz="1000" dirty="0">
-                          <a:effectLst/>
-                          <a:latin typeface="Calibri" panose="020F0502020204030204" pitchFamily="34" charset="0"/>
-                          <a:ea typeface="Calibri" panose="020F0502020204030204" pitchFamily="34" charset="0"/>
-                          <a:cs typeface="Calibri" panose="020F0502020204030204" pitchFamily="34" charset="0"/>
-                        </a:rPr>
-                        <a:t>, 10+ points: </a:t>
-                      </a:r>
-                      <a:r>
-                        <a:rPr lang="en-ZA" sz="1000" b="1" u="sng" dirty="0" smtClean="0">
-                          <a:effectLst/>
-                          <a:latin typeface="Calibri" panose="020F0502020204030204" pitchFamily="34" charset="0"/>
-                          <a:ea typeface="Calibri" panose="020F0502020204030204" pitchFamily="34" charset="0"/>
-                          <a:cs typeface="Calibri" panose="020F0502020204030204" pitchFamily="34" charset="0"/>
-                        </a:rPr>
                         <a:t>3NT</a:t>
                       </a:r>
+                      <a:r>
+                        <a:rPr lang="en-ZA" sz="1000" b="1" u="none" dirty="0" smtClean="0">
+                          <a:effectLst/>
+                          <a:latin typeface="Calibri" panose="020F0502020204030204" pitchFamily="34" charset="0"/>
+                          <a:ea typeface="Calibri" panose="020F0502020204030204" pitchFamily="34" charset="0"/>
+                          <a:cs typeface="Calibri" panose="020F0502020204030204" pitchFamily="34" charset="0"/>
+                        </a:rPr>
+                        <a:t> </a:t>
+                      </a:r>
+                      <a:r>
+                        <a:rPr lang="en-ZA" sz="1000" i="1" dirty="0" smtClean="0">
+                          <a:solidFill>
+                            <a:schemeClr val="tx2">
+                              <a:lumMod val="60000"/>
+                              <a:lumOff val="40000"/>
+                            </a:schemeClr>
+                          </a:solidFill>
+                          <a:effectLst/>
+                          <a:latin typeface="Calibri" panose="020F0502020204030204" pitchFamily="34" charset="0"/>
+                          <a:ea typeface="Calibri" panose="020F0502020204030204" pitchFamily="34" charset="0"/>
+                          <a:cs typeface="Calibri" panose="020F0502020204030204" pitchFamily="34" charset="0"/>
+                        </a:rPr>
+                        <a:t>[7]</a:t>
+                      </a:r>
+                      <a:endParaRPr lang="en-ZA" sz="1000" b="1" u="sng" dirty="0" smtClean="0">
+                        <a:effectLst/>
+                        <a:latin typeface="Calibri" panose="020F0502020204030204" pitchFamily="34" charset="0"/>
+                        <a:ea typeface="Calibri" panose="020F0502020204030204" pitchFamily="34" charset="0"/>
+                        <a:cs typeface="Calibri" panose="020F0502020204030204" pitchFamily="34" charset="0"/>
+                      </a:endParaRPr>
                     </a:p>
                     <a:p>
                       <a:pPr algn="l">
@@ -4518,13 +5982,49 @@
                         </a:spcAft>
                       </a:pPr>
                       <a:r>
+                        <a:rPr lang="en-ZA" sz="1000" b="1" u="none" dirty="0" smtClean="0">
+                          <a:effectLst/>
+                          <a:latin typeface="Calibri" panose="020F0502020204030204" pitchFamily="34" charset="0"/>
+                          <a:ea typeface="Calibri" panose="020F0502020204030204" pitchFamily="34" charset="0"/>
+                          <a:cs typeface="Calibri" panose="020F0502020204030204" pitchFamily="34" charset="0"/>
+                        </a:rPr>
+                        <a:t>Responding</a:t>
+                      </a:r>
+                      <a:r>
+                        <a:rPr lang="en-ZA" sz="1000" b="1" u="none" baseline="0" dirty="0" smtClean="0">
+                          <a:effectLst/>
+                          <a:latin typeface="Calibri" panose="020F0502020204030204" pitchFamily="34" charset="0"/>
+                          <a:ea typeface="Calibri" panose="020F0502020204030204" pitchFamily="34" charset="0"/>
+                          <a:cs typeface="Calibri" panose="020F0502020204030204" pitchFamily="34" charset="0"/>
+                        </a:rPr>
+                        <a:t> to </a:t>
+                      </a:r>
+                      <a:r>
                         <a:rPr lang="en-ZA" sz="1000" b="1" u="sng" dirty="0" smtClean="0">
                           <a:effectLst/>
                           <a:latin typeface="Calibri" panose="020F0502020204030204" pitchFamily="34" charset="0"/>
                           <a:ea typeface="Calibri" panose="020F0502020204030204" pitchFamily="34" charset="0"/>
                           <a:cs typeface="Calibri" panose="020F0502020204030204" pitchFamily="34" charset="0"/>
                         </a:rPr>
-                        <a:t>Responding</a:t>
+                        <a:t>2NT</a:t>
+                      </a:r>
+                      <a:r>
+                        <a:rPr lang="en-ZA" sz="1000" b="0" u="none" dirty="0" smtClean="0">
+                          <a:effectLst/>
+                          <a:latin typeface="Calibri" panose="020F0502020204030204" pitchFamily="34" charset="0"/>
+                          <a:ea typeface="Calibri" panose="020F0502020204030204" pitchFamily="34" charset="0"/>
+                          <a:cs typeface="Calibri" panose="020F0502020204030204" pitchFamily="34" charset="0"/>
+                        </a:rPr>
+                        <a:t>: 4+ points bid</a:t>
+                      </a:r>
+                      <a:r>
+                        <a:rPr lang="en-ZA" sz="1000" b="1" u="none" baseline="0" dirty="0" smtClean="0">
+                          <a:effectLst/>
+                          <a:latin typeface="Calibri" panose="020F0502020204030204" pitchFamily="34" charset="0"/>
+                          <a:ea typeface="Calibri" panose="020F0502020204030204" pitchFamily="34" charset="0"/>
+                          <a:cs typeface="Calibri" panose="020F0502020204030204" pitchFamily="34" charset="0"/>
+                        </a:rPr>
+                        <a:t> </a:t>
                       </a:r>
                       <a:r>
                         <a:rPr lang="en-ZA" sz="1000" b="1" u="sng" baseline="0" dirty="0" smtClean="0">
@@ -4533,51 +6033,6 @@
                           <a:ea typeface="Calibri" panose="020F0502020204030204" pitchFamily="34" charset="0"/>
                           <a:cs typeface="Calibri" panose="020F0502020204030204" pitchFamily="34" charset="0"/>
                         </a:rPr>
-                        <a:t> to </a:t>
-                      </a:r>
-                      <a:r>
-                        <a:rPr lang="en-ZA" sz="1000" b="1" u="sng" dirty="0" smtClean="0">
-                          <a:effectLst/>
-                          <a:latin typeface="Calibri" panose="020F0502020204030204" pitchFamily="34" charset="0"/>
-                          <a:ea typeface="Calibri" panose="020F0502020204030204" pitchFamily="34" charset="0"/>
-                          <a:cs typeface="Calibri" panose="020F0502020204030204" pitchFamily="34" charset="0"/>
-                        </a:rPr>
-                        <a:t>2NT</a:t>
-                      </a:r>
-                      <a:r>
-                        <a:rPr lang="en-ZA" sz="1000" b="0" u="none" dirty="0" smtClean="0">
-                          <a:effectLst/>
-                          <a:latin typeface="Calibri" panose="020F0502020204030204" pitchFamily="34" charset="0"/>
-                          <a:ea typeface="Calibri" panose="020F0502020204030204" pitchFamily="34" charset="0"/>
-                          <a:cs typeface="Calibri" panose="020F0502020204030204" pitchFamily="34" charset="0"/>
-                        </a:rPr>
-                        <a:t>: 4+ points </a:t>
-                      </a:r>
-                      <a:r>
-                        <a:rPr lang="en-ZA" sz="1000" b="0" u="none" dirty="0" smtClean="0">
-                          <a:effectLst/>
-                          <a:latin typeface="Calibri" panose="020F0502020204030204" pitchFamily="34" charset="0"/>
-                          <a:ea typeface="Calibri" panose="020F0502020204030204" pitchFamily="34" charset="0"/>
-                          <a:cs typeface="Calibri" panose="020F0502020204030204" pitchFamily="34" charset="0"/>
-                        </a:rPr>
-                        <a:t>bid</a:t>
-                      </a:r>
-                      <a:r>
-                        <a:rPr lang="en-ZA" sz="1000" b="1" u="none" baseline="0" dirty="0" smtClean="0">
-                          <a:effectLst/>
-                          <a:latin typeface="Calibri" panose="020F0502020204030204" pitchFamily="34" charset="0"/>
-                          <a:ea typeface="Calibri" panose="020F0502020204030204" pitchFamily="34" charset="0"/>
-                          <a:cs typeface="Calibri" panose="020F0502020204030204" pitchFamily="34" charset="0"/>
-                        </a:rPr>
-                        <a:t> </a:t>
-                      </a:r>
-                      <a:r>
-                        <a:rPr lang="en-ZA" sz="1000" b="1" u="sng" baseline="0" dirty="0" smtClean="0">
-                          <a:effectLst/>
-                          <a:latin typeface="Calibri" panose="020F0502020204030204" pitchFamily="34" charset="0"/>
-                          <a:ea typeface="Calibri" panose="020F0502020204030204" pitchFamily="34" charset="0"/>
-                          <a:cs typeface="Calibri" panose="020F0502020204030204" pitchFamily="34" charset="0"/>
-                        </a:rPr>
                         <a:t>3NT</a:t>
                       </a:r>
                       <a:r>
@@ -4587,7 +6042,22 @@
                           <a:ea typeface="Calibri" panose="020F0502020204030204" pitchFamily="34" charset="0"/>
                           <a:cs typeface="Calibri" panose="020F0502020204030204" pitchFamily="34" charset="0"/>
                         </a:rPr>
-                        <a:t> (66% chance of making game), otherwise pass</a:t>
+                        <a:t> (66% chance of making game), otherwise pass </a:t>
+                      </a:r>
+                      <a:r>
+                        <a:rPr lang="en-ZA" sz="1000" i="1" dirty="0" smtClean="0">
+                          <a:solidFill>
+                            <a:schemeClr val="tx2">
+                              <a:lumMod val="60000"/>
+                              <a:lumOff val="40000"/>
+                            </a:schemeClr>
+                          </a:solidFill>
+                          <a:effectLst/>
+                          <a:latin typeface="Calibri" panose="020F0502020204030204" pitchFamily="34" charset="0"/>
+                          <a:ea typeface="Calibri" panose="020F0502020204030204" pitchFamily="34" charset="0"/>
+                          <a:cs typeface="Calibri" panose="020F0502020204030204" pitchFamily="34" charset="0"/>
+                        </a:rPr>
+                        <a:t>[7]</a:t>
                       </a:r>
                       <a:endParaRPr lang="en-ZA" sz="1000" b="0" u="sng" dirty="0" smtClean="0">
                         <a:effectLst/>
@@ -4603,13 +6073,13 @@
                         </a:spcAft>
                       </a:pPr>
                       <a:r>
-                        <a:rPr lang="en-ZA" sz="1000" b="0" u="none" dirty="0" smtClean="0">
-                          <a:effectLst/>
-                          <a:latin typeface="Calibri" panose="020F0502020204030204" pitchFamily="34" charset="0"/>
-                          <a:ea typeface="Calibri" panose="020F0502020204030204" pitchFamily="34" charset="0"/>
-                          <a:cs typeface="Calibri" panose="020F0502020204030204" pitchFamily="34" charset="0"/>
-                        </a:rPr>
-                        <a:t>Adjust Doubleton +1, Singleton</a:t>
+                        <a:rPr lang="en-ZA" sz="1000" b="1" u="none" baseline="0" dirty="0" smtClean="0">
+                          <a:effectLst/>
+                          <a:latin typeface="Calibri" panose="020F0502020204030204" pitchFamily="34" charset="0"/>
+                          <a:ea typeface="Calibri" panose="020F0502020204030204" pitchFamily="34" charset="0"/>
+                          <a:cs typeface="Calibri" panose="020F0502020204030204" pitchFamily="34" charset="0"/>
+                        </a:rPr>
+                        <a:t>Take out Double</a:t>
                       </a:r>
                       <a:r>
                         <a:rPr lang="en-ZA" sz="1000" b="0" u="none" baseline="0" dirty="0" smtClean="0">
@@ -4618,7 +6088,28 @@
                           <a:ea typeface="Calibri" panose="020F0502020204030204" pitchFamily="34" charset="0"/>
                           <a:cs typeface="Calibri" panose="020F0502020204030204" pitchFamily="34" charset="0"/>
                         </a:rPr>
-                        <a:t> +2, Void +3 (</a:t>
+                        <a:t> </a:t>
+                      </a:r>
+                      <a:r>
+                        <a:rPr lang="en-ZA" sz="1000" b="1" u="sng" baseline="0" dirty="0" smtClean="0">
+                          <a:solidFill>
+                            <a:srgbClr val="FF0000"/>
+                          </a:solidFill>
+                          <a:effectLst/>
+                          <a:latin typeface="Calibri" panose="020F0502020204030204" pitchFamily="34" charset="0"/>
+                          <a:ea typeface="Calibri" panose="020F0502020204030204" pitchFamily="34" charset="0"/>
+                          <a:cs typeface="Calibri" panose="020F0502020204030204" pitchFamily="34" charset="0"/>
+                        </a:rPr>
+                        <a:t>D</a:t>
+                      </a:r>
+                      <a:r>
+                        <a:rPr lang="en-ZA" sz="1000" b="0" u="none" baseline="0" dirty="0" smtClean="0">
+                          <a:effectLst/>
+                          <a:latin typeface="Calibri" panose="020F0502020204030204" pitchFamily="34" charset="0"/>
+                          <a:ea typeface="Calibri" panose="020F0502020204030204" pitchFamily="34" charset="0"/>
+                          <a:cs typeface="Calibri" panose="020F0502020204030204" pitchFamily="34" charset="0"/>
+                        </a:rPr>
+                        <a:t>: </a:t>
                       </a:r>
                       <a:r>
                         <a:rPr lang="en-ZA" sz="1000" b="1" u="none" baseline="0" dirty="0" smtClean="0">
@@ -4627,7 +6118,7 @@
                           <a:ea typeface="Calibri" panose="020F0502020204030204" pitchFamily="34" charset="0"/>
                           <a:cs typeface="Calibri" panose="020F0502020204030204" pitchFamily="34" charset="0"/>
                         </a:rPr>
-                        <a:t>Don’t include length</a:t>
+                        <a:t>Must respond</a:t>
                       </a:r>
                       <a:r>
                         <a:rPr lang="en-ZA" sz="1000" b="0" u="none" baseline="0" dirty="0" smtClean="0">
@@ -4636,8 +6127,29 @@
                           <a:ea typeface="Calibri" panose="020F0502020204030204" pitchFamily="34" charset="0"/>
                           <a:cs typeface="Calibri" panose="020F0502020204030204" pitchFamily="34" charset="0"/>
                         </a:rPr>
-                        <a:t> when adjusting)</a:t>
-                      </a:r>
+                        <a:t> with longest suit (no matter how weak the hand) </a:t>
+                      </a:r>
+                      <a:r>
+                        <a:rPr lang="en-ZA" sz="1000" i="1" dirty="0" smtClean="0">
+                          <a:solidFill>
+                            <a:schemeClr val="tx2">
+                              <a:lumMod val="60000"/>
+                              <a:lumOff val="40000"/>
+                            </a:schemeClr>
+                          </a:solidFill>
+                          <a:effectLst/>
+                          <a:latin typeface="Calibri" panose="020F0502020204030204" pitchFamily="34" charset="0"/>
+                          <a:ea typeface="Calibri" panose="020F0502020204030204" pitchFamily="34" charset="0"/>
+                          <a:cs typeface="Calibri" panose="020F0502020204030204" pitchFamily="34" charset="0"/>
+                        </a:rPr>
+                        <a:t>[11]</a:t>
+                      </a:r>
+                      <a:endParaRPr lang="en-ZA" sz="1000" b="0" u="none" baseline="0" dirty="0" smtClean="0">
+                        <a:effectLst/>
+                        <a:latin typeface="Calibri" panose="020F0502020204030204" pitchFamily="34" charset="0"/>
+                        <a:ea typeface="Calibri" panose="020F0502020204030204" pitchFamily="34" charset="0"/>
+                        <a:cs typeface="Calibri" panose="020F0502020204030204" pitchFamily="34" charset="0"/>
+                      </a:endParaRPr>
                     </a:p>
                     <a:p>
                       <a:pPr algn="l">
@@ -4646,16 +6158,54 @@
                         </a:spcAft>
                       </a:pPr>
                       <a:r>
-                        <a:rPr lang="en-ZA" sz="1000" b="1" u="none" baseline="0" dirty="0" smtClean="0">
-                          <a:effectLst/>
-                          <a:latin typeface="Calibri" panose="020F0502020204030204" pitchFamily="34" charset="0"/>
-                          <a:ea typeface="Calibri" panose="020F0502020204030204" pitchFamily="34" charset="0"/>
-                          <a:cs typeface="Calibri" panose="020F0502020204030204" pitchFamily="34" charset="0"/>
-                        </a:rPr>
-                        <a:t>Take out Double</a:t>
-                      </a:r>
-                      <a:r>
-                        <a:rPr lang="en-ZA" sz="1000" b="0" u="none" baseline="0" dirty="0" smtClean="0">
+                        <a:rPr lang="en-ZA" sz="1000" b="1" u="sng" dirty="0" smtClean="0">
+                          <a:effectLst/>
+                          <a:latin typeface="Calibri" panose="020F0502020204030204" pitchFamily="34" charset="0"/>
+                          <a:ea typeface="Calibri" panose="020F0502020204030204" pitchFamily="34" charset="0"/>
+                          <a:cs typeface="Calibri" panose="020F0502020204030204" pitchFamily="34" charset="0"/>
+                        </a:rPr>
+                        <a:t>Responding</a:t>
+                      </a:r>
+                      <a:r>
+                        <a:rPr lang="en-ZA" sz="1000" b="1" u="sng" baseline="0" dirty="0" smtClean="0">
+                          <a:effectLst/>
+                          <a:latin typeface="Calibri" panose="020F0502020204030204" pitchFamily="34" charset="0"/>
+                          <a:ea typeface="Calibri" panose="020F0502020204030204" pitchFamily="34" charset="0"/>
+                          <a:cs typeface="Calibri" panose="020F0502020204030204" pitchFamily="34" charset="0"/>
+                        </a:rPr>
+                        <a:t> to </a:t>
+                      </a:r>
+                      <a:r>
+                        <a:rPr lang="en-ZA" sz="1000" b="1" u="sng" dirty="0" smtClean="0">
+                          <a:effectLst/>
+                          <a:latin typeface="Calibri" panose="020F0502020204030204" pitchFamily="34" charset="0"/>
+                          <a:ea typeface="Calibri" panose="020F0502020204030204" pitchFamily="34" charset="0"/>
+                          <a:cs typeface="Calibri" panose="020F0502020204030204" pitchFamily="34" charset="0"/>
+                        </a:rPr>
+                        <a:t>2</a:t>
+                      </a:r>
+                      <a:r>
+                        <a:rPr lang="en-ZA" sz="1000" b="1" u="sng" dirty="0" smtClean="0">
+                          <a:effectLst/>
+                          <a:latin typeface="Calibri" panose="020F0502020204030204" pitchFamily="34" charset="0"/>
+                          <a:ea typeface="Calibri" panose="020F0502020204030204" pitchFamily="34" charset="0"/>
+                          <a:cs typeface="Calibri" panose="020F0502020204030204" pitchFamily="34" charset="0"/>
+                          <a:sym typeface="Symbol" panose="05050102010706020507" pitchFamily="18" charset="2"/>
+                        </a:rPr>
+                        <a:t> Club</a:t>
+                      </a:r>
+                      <a:r>
+                        <a:rPr lang="en-ZA" sz="1000" b="1" u="sng" baseline="0" dirty="0" smtClean="0">
+                          <a:effectLst/>
+                          <a:latin typeface="Calibri" panose="020F0502020204030204" pitchFamily="34" charset="0"/>
+                          <a:ea typeface="Calibri" panose="020F0502020204030204" pitchFamily="34" charset="0"/>
+                          <a:cs typeface="Calibri" panose="020F0502020204030204" pitchFamily="34" charset="0"/>
+                          <a:sym typeface="Symbol" panose="05050102010706020507" pitchFamily="18" charset="2"/>
+                        </a:rPr>
+                        <a:t> Opening</a:t>
+                      </a:r>
+                      <a:r>
+                        <a:rPr lang="en-ZA" sz="1000" dirty="0" smtClean="0">
                           <a:effectLst/>
                           <a:latin typeface="Calibri" panose="020F0502020204030204" pitchFamily="34" charset="0"/>
                           <a:ea typeface="Calibri" panose="020F0502020204030204" pitchFamily="34" charset="0"/>
@@ -4664,107 +6214,26 @@
                         <a:t> </a:t>
                       </a:r>
                       <a:r>
-                        <a:rPr lang="en-ZA" sz="1000" b="1" u="sng" baseline="0" dirty="0" smtClean="0">
-                          <a:solidFill>
-                            <a:srgbClr val="FF0000"/>
-                          </a:solidFill>
-                          <a:effectLst/>
-                          <a:latin typeface="Calibri" panose="020F0502020204030204" pitchFamily="34" charset="0"/>
-                          <a:ea typeface="Calibri" panose="020F0502020204030204" pitchFamily="34" charset="0"/>
-                          <a:cs typeface="Calibri" panose="020F0502020204030204" pitchFamily="34" charset="0"/>
-                        </a:rPr>
-                        <a:t>D</a:t>
-                      </a:r>
-                      <a:r>
-                        <a:rPr lang="en-ZA" sz="1000" b="0" u="none" baseline="0" dirty="0" smtClean="0">
-                          <a:effectLst/>
-                          <a:latin typeface="Calibri" panose="020F0502020204030204" pitchFamily="34" charset="0"/>
-                          <a:ea typeface="Calibri" panose="020F0502020204030204" pitchFamily="34" charset="0"/>
-                          <a:cs typeface="Calibri" panose="020F0502020204030204" pitchFamily="34" charset="0"/>
-                        </a:rPr>
-                        <a:t>: </a:t>
-                      </a:r>
-                      <a:r>
-                        <a:rPr lang="en-ZA" sz="1000" b="1" u="none" baseline="0" dirty="0" smtClean="0">
-                          <a:effectLst/>
-                          <a:latin typeface="Calibri" panose="020F0502020204030204" pitchFamily="34" charset="0"/>
-                          <a:ea typeface="Calibri" panose="020F0502020204030204" pitchFamily="34" charset="0"/>
-                          <a:cs typeface="Calibri" panose="020F0502020204030204" pitchFamily="34" charset="0"/>
-                        </a:rPr>
-                        <a:t>Must respond</a:t>
-                      </a:r>
-                      <a:r>
-                        <a:rPr lang="en-ZA" sz="1000" b="0" u="none" baseline="0" dirty="0" smtClean="0">
-                          <a:effectLst/>
-                          <a:latin typeface="Calibri" panose="020F0502020204030204" pitchFamily="34" charset="0"/>
-                          <a:ea typeface="Calibri" panose="020F0502020204030204" pitchFamily="34" charset="0"/>
-                          <a:cs typeface="Calibri" panose="020F0502020204030204" pitchFamily="34" charset="0"/>
-                        </a:rPr>
-                        <a:t> with longest suit (no matter how weak the hand)</a:t>
-                      </a:r>
-                    </a:p>
-                    <a:p>
-                      <a:pPr algn="l">
-                        <a:spcAft>
-                          <a:spcPts val="0"/>
-                        </a:spcAft>
-                      </a:pPr>
-                      <a:r>
-                        <a:rPr lang="en-ZA" sz="1000" b="1" u="sng" dirty="0" smtClean="0">
-                          <a:effectLst/>
-                          <a:latin typeface="Calibri" panose="020F0502020204030204" pitchFamily="34" charset="0"/>
-                          <a:ea typeface="Calibri" panose="020F0502020204030204" pitchFamily="34" charset="0"/>
-                          <a:cs typeface="Calibri" panose="020F0502020204030204" pitchFamily="34" charset="0"/>
-                        </a:rPr>
-                        <a:t>Responding</a:t>
-                      </a:r>
-                      <a:r>
-                        <a:rPr lang="en-ZA" sz="1000" b="1" u="sng" baseline="0" dirty="0" smtClean="0">
-                          <a:effectLst/>
-                          <a:latin typeface="Calibri" panose="020F0502020204030204" pitchFamily="34" charset="0"/>
-                          <a:ea typeface="Calibri" panose="020F0502020204030204" pitchFamily="34" charset="0"/>
-                          <a:cs typeface="Calibri" panose="020F0502020204030204" pitchFamily="34" charset="0"/>
-                        </a:rPr>
-                        <a:t> to </a:t>
-                      </a:r>
-                      <a:r>
-                        <a:rPr lang="en-ZA" sz="1000" b="1" u="sng" dirty="0" smtClean="0">
-                          <a:effectLst/>
-                          <a:latin typeface="Calibri" panose="020F0502020204030204" pitchFamily="34" charset="0"/>
-                          <a:ea typeface="Calibri" panose="020F0502020204030204" pitchFamily="34" charset="0"/>
-                          <a:cs typeface="Calibri" panose="020F0502020204030204" pitchFamily="34" charset="0"/>
-                        </a:rPr>
-                        <a:t>2</a:t>
-                      </a:r>
-                      <a:r>
-                        <a:rPr lang="en-ZA" sz="1000" b="1" u="sng" dirty="0" smtClean="0">
-                          <a:effectLst/>
-                          <a:latin typeface="Calibri" panose="020F0502020204030204" pitchFamily="34" charset="0"/>
-                          <a:ea typeface="Calibri" panose="020F0502020204030204" pitchFamily="34" charset="0"/>
-                          <a:cs typeface="Calibri" panose="020F0502020204030204" pitchFamily="34" charset="0"/>
-                          <a:sym typeface="Symbol" panose="05050102010706020507" pitchFamily="18" charset="2"/>
-                        </a:rPr>
-                        <a:t> Club</a:t>
-                      </a:r>
-                      <a:r>
-                        <a:rPr lang="en-ZA" sz="1000" b="1" u="sng" baseline="0" dirty="0" smtClean="0">
-                          <a:effectLst/>
-                          <a:latin typeface="Calibri" panose="020F0502020204030204" pitchFamily="34" charset="0"/>
-                          <a:ea typeface="Calibri" panose="020F0502020204030204" pitchFamily="34" charset="0"/>
-                          <a:cs typeface="Calibri" panose="020F0502020204030204" pitchFamily="34" charset="0"/>
-                          <a:sym typeface="Symbol" panose="05050102010706020507" pitchFamily="18" charset="2"/>
-                        </a:rPr>
-                        <a:t> Opening</a:t>
-                      </a:r>
-                      <a:r>
-                        <a:rPr lang="en-ZA" sz="1000" dirty="0" smtClean="0">
-                          <a:effectLst/>
-                          <a:latin typeface="Calibri" panose="020F0502020204030204" pitchFamily="34" charset="0"/>
-                          <a:ea typeface="Calibri" panose="020F0502020204030204" pitchFamily="34" charset="0"/>
-                          <a:cs typeface="Calibri" panose="020F0502020204030204" pitchFamily="34" charset="0"/>
-                        </a:rPr>
-                        <a:t> </a:t>
-                      </a:r>
+                        <a:rPr lang="en-ZA" sz="1000" i="1" dirty="0" smtClean="0">
+                          <a:solidFill>
+                            <a:schemeClr val="tx2">
+                              <a:lumMod val="60000"/>
+                              <a:lumOff val="40000"/>
+                            </a:schemeClr>
+                          </a:solidFill>
+                          <a:effectLst/>
+                          <a:latin typeface="Calibri" panose="020F0502020204030204" pitchFamily="34" charset="0"/>
+                          <a:ea typeface="Calibri" panose="020F0502020204030204" pitchFamily="34" charset="0"/>
+                          <a:cs typeface="Calibri" panose="020F0502020204030204" pitchFamily="34" charset="0"/>
+                        </a:rPr>
+                        <a:t>[12]</a:t>
+                      </a:r>
+                      <a:endParaRPr lang="en-ZA" sz="1000" dirty="0" smtClean="0">
+                        <a:effectLst/>
+                        <a:latin typeface="Calibri" panose="020F0502020204030204" pitchFamily="34" charset="0"/>
+                        <a:ea typeface="Calibri" panose="020F0502020204030204" pitchFamily="34" charset="0"/>
+                        <a:cs typeface="Calibri" panose="020F0502020204030204" pitchFamily="34" charset="0"/>
+                      </a:endParaRPr>
                     </a:p>
                     <a:p>
                       <a:pPr marL="171450" indent="-171450" algn="l">
@@ -4859,7 +6328,22 @@
                           <a:cs typeface="Calibri" panose="020F0502020204030204" pitchFamily="34" charset="0"/>
                           <a:sym typeface="Symbol" panose="05050102010706020507" pitchFamily="18" charset="2"/>
                         </a:rPr>
-                        <a:t> response</a:t>
+                        <a:t> response </a:t>
+                      </a:r>
+                      <a:r>
+                        <a:rPr lang="en-ZA" sz="1000" i="1" dirty="0" smtClean="0">
+                          <a:solidFill>
+                            <a:schemeClr val="tx2">
+                              <a:lumMod val="60000"/>
+                              <a:lumOff val="40000"/>
+                            </a:schemeClr>
+                          </a:solidFill>
+                          <a:effectLst/>
+                          <a:latin typeface="Calibri" panose="020F0502020204030204" pitchFamily="34" charset="0"/>
+                          <a:ea typeface="Calibri" panose="020F0502020204030204" pitchFamily="34" charset="0"/>
+                          <a:cs typeface="Calibri" panose="020F0502020204030204" pitchFamily="34" charset="0"/>
+                        </a:rPr>
+                        <a:t>[12]</a:t>
                       </a:r>
                       <a:endParaRPr lang="en-ZA" sz="1000" i="1" dirty="0" smtClean="0">
                         <a:solidFill>
@@ -5054,8 +6538,33 @@
                           <a:cs typeface="Calibri" panose="020F0502020204030204" pitchFamily="34" charset="0"/>
                           <a:sym typeface="Symbol" panose="05050102010706020507" pitchFamily="18" charset="2"/>
                         </a:rPr>
-                        <a:t>positive response</a:t>
-                      </a:r>
+                        <a:t>positive response </a:t>
+                      </a:r>
+                      <a:r>
+                        <a:rPr lang="en-ZA" sz="1000" i="1" dirty="0" smtClean="0">
+                          <a:solidFill>
+                            <a:schemeClr val="tx2">
+                              <a:lumMod val="60000"/>
+                              <a:lumOff val="40000"/>
+                            </a:schemeClr>
+                          </a:solidFill>
+                          <a:effectLst/>
+                          <a:latin typeface="Calibri" panose="020F0502020204030204" pitchFamily="34" charset="0"/>
+                          <a:ea typeface="Calibri" panose="020F0502020204030204" pitchFamily="34" charset="0"/>
+                          <a:cs typeface="Calibri" panose="020F0502020204030204" pitchFamily="34" charset="0"/>
+                        </a:rPr>
+                        <a:t>[12]</a:t>
+                      </a:r>
+                      <a:endParaRPr lang="en-ZA" sz="1000" i="1" baseline="0" dirty="0" smtClean="0">
+                        <a:solidFill>
+                          <a:schemeClr val="tx1"/>
+                        </a:solidFill>
+                        <a:effectLst/>
+                        <a:latin typeface="Calibri" panose="020F0502020204030204" pitchFamily="34" charset="0"/>
+                        <a:ea typeface="Calibri" panose="020F0502020204030204" pitchFamily="34" charset="0"/>
+                        <a:cs typeface="Calibri" panose="020F0502020204030204" pitchFamily="34" charset="0"/>
+                        <a:sym typeface="Symbol" panose="05050102010706020507" pitchFamily="18" charset="2"/>
+                      </a:endParaRPr>
                     </a:p>
                     <a:p>
                       <a:pPr marL="171450" indent="-171450" algn="l">
@@ -5219,8 +6728,33 @@
                           <a:cs typeface="Calibri" panose="020F0502020204030204" pitchFamily="34" charset="0"/>
                           <a:sym typeface="Symbol" panose="05050102010706020507" pitchFamily="18" charset="2"/>
                         </a:rPr>
-                        <a:t>.</a:t>
-                      </a:r>
+                        <a:t>. </a:t>
+                      </a:r>
+                      <a:r>
+                        <a:rPr lang="en-ZA" sz="1000" i="1" dirty="0" smtClean="0">
+                          <a:solidFill>
+                            <a:schemeClr val="tx2">
+                              <a:lumMod val="60000"/>
+                              <a:lumOff val="40000"/>
+                            </a:schemeClr>
+                          </a:solidFill>
+                          <a:effectLst/>
+                          <a:latin typeface="Calibri" panose="020F0502020204030204" pitchFamily="34" charset="0"/>
+                          <a:ea typeface="Calibri" panose="020F0502020204030204" pitchFamily="34" charset="0"/>
+                          <a:cs typeface="Calibri" panose="020F0502020204030204" pitchFamily="34" charset="0"/>
+                        </a:rPr>
+                        <a:t>[12]</a:t>
+                      </a:r>
+                      <a:endParaRPr lang="en-ZA" sz="1000" i="0" baseline="0" dirty="0" smtClean="0">
+                        <a:solidFill>
+                          <a:schemeClr val="tx1"/>
+                        </a:solidFill>
+                        <a:effectLst/>
+                        <a:latin typeface="Calibri" panose="020F0502020204030204" pitchFamily="34" charset="0"/>
+                        <a:ea typeface="Calibri" panose="020F0502020204030204" pitchFamily="34" charset="0"/>
+                        <a:cs typeface="Calibri" panose="020F0502020204030204" pitchFamily="34" charset="0"/>
+                        <a:sym typeface="Symbol" panose="05050102010706020507" pitchFamily="18" charset="2"/>
+                      </a:endParaRPr>
                     </a:p>
                   </a:txBody>
                   <a:tcPr marL="68580" marR="68580" marT="0" marB="0">
@@ -5276,13 +6810,13 @@
           <p:nvPr>
             <p:extLst>
               <p:ext uri="{D42A27DB-BD31-4B8C-83A1-F6EECF244321}">
-                <p14:modId xmlns:p14="http://schemas.microsoft.com/office/powerpoint/2010/main" val="2325772380"/>
+                <p14:modId xmlns:p14="http://schemas.microsoft.com/office/powerpoint/2010/main" val="2293891041"/>
               </p:ext>
             </p:extLst>
           </p:nvPr>
         </p:nvGraphicFramePr>
         <p:xfrm>
-          <a:off x="5672224" y="3072151"/>
+          <a:off x="6223310" y="2915016"/>
           <a:ext cx="4608828" cy="1365853"/>
         </p:xfrm>
         <a:graphic>
@@ -9497,21 +11031,21 @@
           <p:nvPr>
             <p:extLst>
               <p:ext uri="{D42A27DB-BD31-4B8C-83A1-F6EECF244321}">
-                <p14:modId xmlns:p14="http://schemas.microsoft.com/office/powerpoint/2010/main" val="2514619082"/>
+                <p14:modId xmlns:p14="http://schemas.microsoft.com/office/powerpoint/2010/main" val="982097858"/>
               </p:ext>
             </p:extLst>
           </p:nvPr>
         </p:nvGraphicFramePr>
         <p:xfrm>
-          <a:off x="8588" y="2203989"/>
-          <a:ext cx="5494288" cy="1066800"/>
+          <a:off x="300367" y="2196980"/>
+          <a:ext cx="5725120" cy="1219200"/>
         </p:xfrm>
         <a:graphic>
           <a:graphicData uri="http://schemas.openxmlformats.org/drawingml/2006/table">
             <a:tbl>
               <a:tblPr firstRow="1" firstCol="1" bandRow="1"/>
               <a:tblGrid>
-                <a:gridCol w="5494288"/>
+                <a:gridCol w="5725120"/>
               </a:tblGrid>
               <a:tr h="410423">
                 <a:tc>
@@ -9540,7 +11074,95 @@
                           <a:ea typeface="Calibri" panose="020F0502020204030204" pitchFamily="34" charset="0"/>
                           <a:cs typeface="Times New Roman" panose="02020603050405020304" pitchFamily="18" charset="0"/>
                         </a:rPr>
-                        <a:t> by the opponent</a:t>
+                        <a:t> by the opponent </a:t>
+                      </a:r>
+                      <a:r>
+                        <a:rPr lang="en-ZA" sz="1000" i="1" dirty="0" smtClean="0">
+                          <a:solidFill>
+                            <a:schemeClr val="tx2">
+                              <a:lumMod val="60000"/>
+                              <a:lumOff val="40000"/>
+                            </a:schemeClr>
+                          </a:solidFill>
+                          <a:effectLst/>
+                          <a:latin typeface="Calibri" panose="020F0502020204030204" pitchFamily="34" charset="0"/>
+                          <a:ea typeface="Calibri" panose="020F0502020204030204" pitchFamily="34" charset="0"/>
+                          <a:cs typeface="Calibri" panose="020F0502020204030204" pitchFamily="34" charset="0"/>
+                        </a:rPr>
+                        <a:t>[9</a:t>
+                      </a:r>
+                      <a:r>
+                        <a:rPr lang="en-ZA" sz="1000" i="1" dirty="0" smtClean="0">
+                          <a:solidFill>
+                            <a:schemeClr val="tx2">
+                              <a:lumMod val="60000"/>
+                              <a:lumOff val="40000"/>
+                            </a:schemeClr>
+                          </a:solidFill>
+                          <a:effectLst/>
+                          <a:latin typeface="Calibri" panose="020F0502020204030204" pitchFamily="34" charset="0"/>
+                          <a:ea typeface="Calibri" panose="020F0502020204030204" pitchFamily="34" charset="0"/>
+                          <a:cs typeface="Calibri" panose="020F0502020204030204" pitchFamily="34" charset="0"/>
+                        </a:rPr>
+                        <a:t>]</a:t>
+                      </a:r>
+                    </a:p>
+                    <a:p>
+                      <a:pPr algn="l">
+                        <a:spcAft>
+                          <a:spcPts val="0"/>
+                        </a:spcAft>
+                      </a:pPr>
+                      <a:r>
+                        <a:rPr lang="en-ZA" sz="1000" dirty="0" smtClean="0">
+                          <a:effectLst/>
+                          <a:latin typeface="Calibri" panose="020F0502020204030204" pitchFamily="34" charset="0"/>
+                          <a:ea typeface="Calibri" panose="020F0502020204030204" pitchFamily="34" charset="0"/>
+                          <a:cs typeface="Times New Roman" panose="02020603050405020304" pitchFamily="18" charset="0"/>
+                        </a:rPr>
+                        <a:t>Do </a:t>
+                      </a:r>
+                      <a:r>
+                        <a:rPr lang="en-ZA" sz="1000" b="1" dirty="0" smtClean="0">
+                          <a:effectLst/>
+                          <a:latin typeface="Calibri" panose="020F0502020204030204" pitchFamily="34" charset="0"/>
+                          <a:ea typeface="Calibri" panose="020F0502020204030204" pitchFamily="34" charset="0"/>
+                          <a:cs typeface="Times New Roman" panose="02020603050405020304" pitchFamily="18" charset="0"/>
+                        </a:rPr>
+                        <a:t>not add points</a:t>
+                      </a:r>
+                      <a:r>
+                        <a:rPr lang="en-ZA" sz="1000" b="1" baseline="0" dirty="0" smtClean="0">
+                          <a:effectLst/>
+                          <a:latin typeface="Calibri" panose="020F0502020204030204" pitchFamily="34" charset="0"/>
+                          <a:ea typeface="Calibri" panose="020F0502020204030204" pitchFamily="34" charset="0"/>
+                          <a:cs typeface="Times New Roman" panose="02020603050405020304" pitchFamily="18" charset="0"/>
+                        </a:rPr>
+                        <a:t> for length</a:t>
+                      </a:r>
+                      <a:r>
+                        <a:rPr lang="en-ZA" sz="1000" baseline="0" dirty="0" smtClean="0">
+                          <a:effectLst/>
+                          <a:latin typeface="Calibri" panose="020F0502020204030204" pitchFamily="34" charset="0"/>
+                          <a:ea typeface="Calibri" panose="020F0502020204030204" pitchFamily="34" charset="0"/>
+                          <a:cs typeface="Times New Roman" panose="02020603050405020304" pitchFamily="18" charset="0"/>
+                        </a:rPr>
+                        <a:t> when considering an overcall </a:t>
+                      </a:r>
+                      <a:r>
+                        <a:rPr lang="en-ZA" sz="1000" i="1" dirty="0" smtClean="0">
+                          <a:solidFill>
+                            <a:schemeClr val="tx2">
+                              <a:lumMod val="60000"/>
+                              <a:lumOff val="40000"/>
+                            </a:schemeClr>
+                          </a:solidFill>
+                          <a:effectLst/>
+                          <a:latin typeface="Calibri" panose="020F0502020204030204" pitchFamily="34" charset="0"/>
+                          <a:ea typeface="Calibri" panose="020F0502020204030204" pitchFamily="34" charset="0"/>
+                          <a:cs typeface="Calibri" panose="020F0502020204030204" pitchFamily="34" charset="0"/>
+                        </a:rPr>
+                        <a:t>[9,11]</a:t>
                       </a:r>
                       <a:endParaRPr lang="en-ZA" sz="1000" dirty="0" smtClean="0">
                         <a:effectLst/>
@@ -9574,13 +11196,76 @@
                         <a:t> Requires </a:t>
                       </a:r>
                       <a:r>
-                        <a:rPr lang="en-ZA" sz="1000" dirty="0">
-                          <a:effectLst/>
-                          <a:latin typeface="Calibri" panose="020F0502020204030204" pitchFamily="34" charset="0"/>
-                          <a:ea typeface="Calibri" panose="020F0502020204030204" pitchFamily="34" charset="0"/>
-                          <a:cs typeface="Times New Roman" panose="02020603050405020304" pitchFamily="18" charset="0"/>
-                        </a:rPr>
-                        <a:t>5 card suite, 2 honours, 9+ at 1 level, 10+ at 2 </a:t>
+                        <a:rPr lang="en-ZA" sz="1000" b="1" dirty="0">
+                          <a:effectLst/>
+                          <a:latin typeface="Calibri" panose="020F0502020204030204" pitchFamily="34" charset="0"/>
+                          <a:ea typeface="Calibri" panose="020F0502020204030204" pitchFamily="34" charset="0"/>
+                          <a:cs typeface="Times New Roman" panose="02020603050405020304" pitchFamily="18" charset="0"/>
+                        </a:rPr>
+                        <a:t>5 card suite, 2 honours, </a:t>
+                      </a:r>
+                      <a:r>
+                        <a:rPr lang="en-ZA" sz="1000" b="0" dirty="0">
+                          <a:effectLst/>
+                          <a:latin typeface="Calibri" panose="020F0502020204030204" pitchFamily="34" charset="0"/>
+                          <a:ea typeface="Calibri" panose="020F0502020204030204" pitchFamily="34" charset="0"/>
+                          <a:cs typeface="Times New Roman" panose="02020603050405020304" pitchFamily="18" charset="0"/>
+                        </a:rPr>
+                        <a:t>9</a:t>
+                      </a:r>
+                      <a:r>
+                        <a:rPr lang="en-ZA" sz="1000" b="0" dirty="0" smtClean="0">
+                          <a:effectLst/>
+                          <a:latin typeface="Calibri" panose="020F0502020204030204" pitchFamily="34" charset="0"/>
+                          <a:ea typeface="Calibri" panose="020F0502020204030204" pitchFamily="34" charset="0"/>
+                          <a:cs typeface="Times New Roman" panose="02020603050405020304" pitchFamily="18" charset="0"/>
+                        </a:rPr>
+                        <a:t>+ points </a:t>
+                      </a:r>
+                      <a:r>
+                        <a:rPr lang="en-ZA" sz="1000" b="0" dirty="0">
+                          <a:effectLst/>
+                          <a:latin typeface="Calibri" panose="020F0502020204030204" pitchFamily="34" charset="0"/>
+                          <a:ea typeface="Calibri" panose="020F0502020204030204" pitchFamily="34" charset="0"/>
+                          <a:cs typeface="Times New Roman" panose="02020603050405020304" pitchFamily="18" charset="0"/>
+                        </a:rPr>
+                        <a:t>at 1 level</a:t>
+                      </a:r>
+                      <a:r>
+                        <a:rPr lang="en-ZA" sz="1000" b="1" dirty="0">
+                          <a:effectLst/>
+                          <a:latin typeface="Calibri" panose="020F0502020204030204" pitchFamily="34" charset="0"/>
+                          <a:ea typeface="Calibri" panose="020F0502020204030204" pitchFamily="34" charset="0"/>
+                          <a:cs typeface="Times New Roman" panose="02020603050405020304" pitchFamily="18" charset="0"/>
+                        </a:rPr>
+                        <a:t>, 10+ </a:t>
+                      </a:r>
+                      <a:r>
+                        <a:rPr lang="en-ZA" sz="1000" b="1" dirty="0" smtClean="0">
+                          <a:effectLst/>
+                          <a:latin typeface="Calibri" panose="020F0502020204030204" pitchFamily="34" charset="0"/>
+                          <a:ea typeface="Calibri" panose="020F0502020204030204" pitchFamily="34" charset="0"/>
+                          <a:cs typeface="Times New Roman" panose="02020603050405020304" pitchFamily="18" charset="0"/>
+                        </a:rPr>
+                        <a:t>points at </a:t>
+                      </a:r>
+                      <a:r>
+                        <a:rPr lang="en-ZA" sz="1000" b="1" dirty="0">
+                          <a:effectLst/>
+                          <a:latin typeface="Calibri" panose="020F0502020204030204" pitchFamily="34" charset="0"/>
+                          <a:ea typeface="Calibri" panose="020F0502020204030204" pitchFamily="34" charset="0"/>
+                          <a:cs typeface="Times New Roman" panose="02020603050405020304" pitchFamily="18" charset="0"/>
+                        </a:rPr>
+                        <a:t>2 </a:t>
+                      </a:r>
+                      <a:r>
+                        <a:rPr lang="en-ZA" sz="1000" b="1" dirty="0" smtClean="0">
+                          <a:effectLst/>
+                          <a:latin typeface="Calibri" panose="020F0502020204030204" pitchFamily="34" charset="0"/>
+                          <a:ea typeface="Calibri" panose="020F0502020204030204" pitchFamily="34" charset="0"/>
+                          <a:cs typeface="Times New Roman" panose="02020603050405020304" pitchFamily="18" charset="0"/>
+                        </a:rPr>
+                        <a:t>level</a:t>
                       </a:r>
                       <a:r>
                         <a:rPr lang="en-ZA" sz="1000" dirty="0" smtClean="0">
@@ -9589,8 +11274,29 @@
                           <a:ea typeface="Calibri" panose="020F0502020204030204" pitchFamily="34" charset="0"/>
                           <a:cs typeface="Times New Roman" panose="02020603050405020304" pitchFamily="18" charset="0"/>
                         </a:rPr>
-                        <a:t>level</a:t>
-                      </a:r>
+                        <a:t> </a:t>
+                      </a:r>
+                      <a:r>
+                        <a:rPr lang="en-ZA" sz="1000" i="1" dirty="0" smtClean="0">
+                          <a:solidFill>
+                            <a:schemeClr val="tx2">
+                              <a:lumMod val="60000"/>
+                              <a:lumOff val="40000"/>
+                            </a:schemeClr>
+                          </a:solidFill>
+                          <a:effectLst/>
+                          <a:latin typeface="Calibri" panose="020F0502020204030204" pitchFamily="34" charset="0"/>
+                          <a:ea typeface="Calibri" panose="020F0502020204030204" pitchFamily="34" charset="0"/>
+                          <a:cs typeface="Calibri" panose="020F0502020204030204" pitchFamily="34" charset="0"/>
+                        </a:rPr>
+                        <a:t>[9]</a:t>
+                      </a:r>
+                      <a:endParaRPr lang="en-ZA" sz="1000" dirty="0" smtClean="0">
+                        <a:effectLst/>
+                        <a:latin typeface="Calibri" panose="020F0502020204030204" pitchFamily="34" charset="0"/>
+                        <a:ea typeface="Calibri" panose="020F0502020204030204" pitchFamily="34" charset="0"/>
+                        <a:cs typeface="Times New Roman" panose="02020603050405020304" pitchFamily="18" charset="0"/>
+                      </a:endParaRPr>
                     </a:p>
                     <a:p>
                       <a:pPr algn="l">
@@ -9668,8 +11374,56 @@
                           <a:ea typeface="Calibri" panose="020F0502020204030204" pitchFamily="34" charset="0"/>
                           <a:cs typeface="Times New Roman" panose="02020603050405020304" pitchFamily="18" charset="0"/>
                         </a:rPr>
-                        <a:t> (A+1, K+2 etc.)</a:t>
-                      </a:r>
+                        <a:t> (</a:t>
+                      </a:r>
+                      <a:r>
+                        <a:rPr lang="en-ZA" sz="1000" dirty="0" smtClean="0">
+                          <a:effectLst/>
+                          <a:latin typeface="Calibri" panose="020F0502020204030204" pitchFamily="34" charset="0"/>
+                          <a:ea typeface="Calibri" panose="020F0502020204030204" pitchFamily="34" charset="0"/>
+                          <a:cs typeface="Times New Roman" panose="02020603050405020304" pitchFamily="18" charset="0"/>
+                        </a:rPr>
+                        <a:t>A, K+1,</a:t>
+                      </a:r>
+                      <a:r>
+                        <a:rPr lang="en-ZA" sz="1000" baseline="0" dirty="0" smtClean="0">
+                          <a:effectLst/>
+                          <a:latin typeface="Calibri" panose="020F0502020204030204" pitchFamily="34" charset="0"/>
+                          <a:ea typeface="Calibri" panose="020F0502020204030204" pitchFamily="34" charset="0"/>
+                          <a:cs typeface="Times New Roman" panose="02020603050405020304" pitchFamily="18" charset="0"/>
+                        </a:rPr>
+                        <a:t> Q+2, J+3</a:t>
+                      </a:r>
+                      <a:r>
+                        <a:rPr lang="en-ZA" sz="1000" dirty="0" smtClean="0">
+                          <a:effectLst/>
+                          <a:latin typeface="Calibri" panose="020F0502020204030204" pitchFamily="34" charset="0"/>
+                          <a:ea typeface="Calibri" panose="020F0502020204030204" pitchFamily="34" charset="0"/>
+                          <a:cs typeface="Times New Roman" panose="02020603050405020304" pitchFamily="18" charset="0"/>
+                        </a:rPr>
+                        <a:t>) </a:t>
+                      </a:r>
+                      <a:r>
+                        <a:rPr lang="en-ZA" sz="1000" i="1" dirty="0" smtClean="0">
+                          <a:solidFill>
+                            <a:schemeClr val="tx2">
+                              <a:lumMod val="60000"/>
+                              <a:lumOff val="40000"/>
+                            </a:schemeClr>
+                          </a:solidFill>
+                          <a:effectLst/>
+                          <a:latin typeface="Calibri" panose="020F0502020204030204" pitchFamily="34" charset="0"/>
+                          <a:ea typeface="Calibri" panose="020F0502020204030204" pitchFamily="34" charset="0"/>
+                          <a:cs typeface="Calibri" panose="020F0502020204030204" pitchFamily="34" charset="0"/>
+                        </a:rPr>
+                        <a:t>[9]</a:t>
+                      </a:r>
+                      <a:endParaRPr lang="en-ZA" sz="1000" dirty="0" smtClean="0">
+                        <a:effectLst/>
+                        <a:latin typeface="Calibri" panose="020F0502020204030204" pitchFamily="34" charset="0"/>
+                        <a:ea typeface="Calibri" panose="020F0502020204030204" pitchFamily="34" charset="0"/>
+                        <a:cs typeface="Times New Roman" panose="02020603050405020304" pitchFamily="18" charset="0"/>
+                      </a:endParaRPr>
                     </a:p>
                     <a:p>
                       <a:pPr algn="l">
@@ -9771,8 +11525,29 @@
                           <a:ea typeface="Calibri" panose="020F0502020204030204" pitchFamily="34" charset="0"/>
                           <a:cs typeface="Times New Roman" panose="02020603050405020304" pitchFamily="18" charset="0"/>
                         </a:rPr>
-                        <a:t>needs :</a:t>
-                      </a:r>
+                        <a:t>needs : </a:t>
+                      </a:r>
+                      <a:r>
+                        <a:rPr lang="en-ZA" sz="1000" i="1" dirty="0" smtClean="0">
+                          <a:solidFill>
+                            <a:schemeClr val="tx2">
+                              <a:lumMod val="60000"/>
+                              <a:lumOff val="40000"/>
+                            </a:schemeClr>
+                          </a:solidFill>
+                          <a:effectLst/>
+                          <a:latin typeface="Calibri" panose="020F0502020204030204" pitchFamily="34" charset="0"/>
+                          <a:ea typeface="Calibri" panose="020F0502020204030204" pitchFamily="34" charset="0"/>
+                          <a:cs typeface="Calibri" panose="020F0502020204030204" pitchFamily="34" charset="0"/>
+                        </a:rPr>
+                        <a:t>[11]</a:t>
+                      </a:r>
+                      <a:endParaRPr lang="en-ZA" sz="1000" baseline="0" dirty="0" smtClean="0">
+                        <a:effectLst/>
+                        <a:latin typeface="Calibri" panose="020F0502020204030204" pitchFamily="34" charset="0"/>
+                        <a:ea typeface="Calibri" panose="020F0502020204030204" pitchFamily="34" charset="0"/>
+                        <a:cs typeface="Times New Roman" panose="02020603050405020304" pitchFamily="18" charset="0"/>
+                      </a:endParaRPr>
                     </a:p>
                     <a:p>
                       <a:pPr marL="171450" indent="-171450" algn="l">
@@ -9783,7 +11558,7 @@
                         <a:buChar char="•"/>
                       </a:pPr>
                       <a:r>
-                        <a:rPr lang="en-ZA" sz="1000" dirty="0" smtClean="0">
+                        <a:rPr lang="en-ZA" sz="1000" b="1" dirty="0" smtClean="0">
                           <a:effectLst/>
                           <a:latin typeface="Calibri" panose="020F0502020204030204" pitchFamily="34" charset="0"/>
                           <a:ea typeface="Calibri" panose="020F0502020204030204" pitchFamily="34" charset="0"/>
@@ -9792,14 +11567,44 @@
                         <a:t>12+points, shortage</a:t>
                       </a:r>
                       <a:r>
+                        <a:rPr lang="en-ZA" sz="1000" b="1" baseline="0" dirty="0" smtClean="0">
+                          <a:effectLst/>
+                          <a:latin typeface="Calibri" panose="020F0502020204030204" pitchFamily="34" charset="0"/>
+                          <a:ea typeface="Calibri" panose="020F0502020204030204" pitchFamily="34" charset="0"/>
+                          <a:cs typeface="Times New Roman" panose="02020603050405020304" pitchFamily="18" charset="0"/>
+                        </a:rPr>
+                        <a:t> in their suit</a:t>
+                      </a:r>
+                      <a:r>
                         <a:rPr lang="en-ZA" sz="1000" baseline="0" dirty="0" smtClean="0">
                           <a:effectLst/>
                           <a:latin typeface="Calibri" panose="020F0502020204030204" pitchFamily="34" charset="0"/>
                           <a:ea typeface="Calibri" panose="020F0502020204030204" pitchFamily="34" charset="0"/>
                           <a:cs typeface="Times New Roman" panose="02020603050405020304" pitchFamily="18" charset="0"/>
                         </a:rPr>
-                        <a:t> in their suit (2 or less cards) </a:t>
-                      </a:r>
+                        <a:t> (2 or less cards) </a:t>
+                      </a:r>
+                      <a:r>
+                        <a:rPr lang="en-ZA" sz="1000" i="1" dirty="0" smtClean="0">
+                          <a:solidFill>
+                            <a:schemeClr val="tx2">
+                              <a:lumMod val="60000"/>
+                              <a:lumOff val="40000"/>
+                            </a:schemeClr>
+                          </a:solidFill>
+                          <a:effectLst/>
+                          <a:latin typeface="Calibri" panose="020F0502020204030204" pitchFamily="34" charset="0"/>
+                          <a:ea typeface="Calibri" panose="020F0502020204030204" pitchFamily="34" charset="0"/>
+                          <a:cs typeface="Calibri" panose="020F0502020204030204" pitchFamily="34" charset="0"/>
+                        </a:rPr>
+                        <a:t>[11]</a:t>
+                      </a:r>
+                      <a:endParaRPr lang="en-ZA" sz="1000" baseline="0" dirty="0" smtClean="0">
+                        <a:effectLst/>
+                        <a:latin typeface="Calibri" panose="020F0502020204030204" pitchFamily="34" charset="0"/>
+                        <a:ea typeface="Calibri" panose="020F0502020204030204" pitchFamily="34" charset="0"/>
+                        <a:cs typeface="Times New Roman" panose="02020603050405020304" pitchFamily="18" charset="0"/>
+                      </a:endParaRPr>
                     </a:p>
                     <a:p>
                       <a:pPr marL="171450" indent="-171450" algn="l">
@@ -9861,8 +11666,29 @@
                           <a:ea typeface="Calibri" panose="020F0502020204030204" pitchFamily="34" charset="0"/>
                           <a:cs typeface="Times New Roman" panose="02020603050405020304" pitchFamily="18" charset="0"/>
                         </a:rPr>
-                        <a:t> suit.</a:t>
-                      </a:r>
+                        <a:t> suit. </a:t>
+                      </a:r>
+                      <a:r>
+                        <a:rPr lang="en-ZA" sz="1000" i="1" dirty="0" smtClean="0">
+                          <a:solidFill>
+                            <a:schemeClr val="tx2">
+                              <a:lumMod val="60000"/>
+                              <a:lumOff val="40000"/>
+                            </a:schemeClr>
+                          </a:solidFill>
+                          <a:effectLst/>
+                          <a:latin typeface="Calibri" panose="020F0502020204030204" pitchFamily="34" charset="0"/>
+                          <a:ea typeface="Calibri" panose="020F0502020204030204" pitchFamily="34" charset="0"/>
+                          <a:cs typeface="Calibri" panose="020F0502020204030204" pitchFamily="34" charset="0"/>
+                        </a:rPr>
+                        <a:t>[11]</a:t>
+                      </a:r>
+                      <a:endParaRPr lang="en-ZA" sz="1000" baseline="0" dirty="0" smtClean="0">
+                        <a:effectLst/>
+                        <a:latin typeface="Calibri" panose="020F0502020204030204" pitchFamily="34" charset="0"/>
+                        <a:ea typeface="Calibri" panose="020F0502020204030204" pitchFamily="34" charset="0"/>
+                        <a:cs typeface="Times New Roman" panose="02020603050405020304" pitchFamily="18" charset="0"/>
+                      </a:endParaRPr>
                     </a:p>
                     <a:p>
                       <a:pPr marL="171450" indent="-171450" algn="l">
@@ -9945,8 +11771,29 @@
                           <a:ea typeface="Calibri" panose="020F0502020204030204" pitchFamily="34" charset="0"/>
                           <a:cs typeface="Times New Roman" panose="02020603050405020304" pitchFamily="18" charset="0"/>
                         </a:rPr>
-                        <a:t>.</a:t>
-                      </a:r>
+                        <a:t>. </a:t>
+                      </a:r>
+                      <a:r>
+                        <a:rPr lang="en-ZA" sz="1000" i="1" dirty="0" smtClean="0">
+                          <a:solidFill>
+                            <a:schemeClr val="tx2">
+                              <a:lumMod val="60000"/>
+                              <a:lumOff val="40000"/>
+                            </a:schemeClr>
+                          </a:solidFill>
+                          <a:effectLst/>
+                          <a:latin typeface="Calibri" panose="020F0502020204030204" pitchFamily="34" charset="0"/>
+                          <a:ea typeface="Calibri" panose="020F0502020204030204" pitchFamily="34" charset="0"/>
+                          <a:cs typeface="Calibri" panose="020F0502020204030204" pitchFamily="34" charset="0"/>
+                        </a:rPr>
+                        <a:t>[11]</a:t>
+                      </a:r>
+                      <a:endParaRPr lang="en-ZA" sz="1000" baseline="0" dirty="0" smtClean="0">
+                        <a:effectLst/>
+                        <a:latin typeface="Calibri" panose="020F0502020204030204" pitchFamily="34" charset="0"/>
+                        <a:ea typeface="Calibri" panose="020F0502020204030204" pitchFamily="34" charset="0"/>
+                        <a:cs typeface="Times New Roman" panose="02020603050405020304" pitchFamily="18" charset="0"/>
+                      </a:endParaRPr>
                     </a:p>
                   </a:txBody>
                   <a:tcPr marL="68580" marR="68580" marT="0" marB="0">
@@ -10002,23 +11849,23 @@
           <p:nvPr>
             <p:extLst>
               <p:ext uri="{D42A27DB-BD31-4B8C-83A1-F6EECF244321}">
-                <p14:modId xmlns:p14="http://schemas.microsoft.com/office/powerpoint/2010/main" val="1215910123"/>
+                <p14:modId xmlns:p14="http://schemas.microsoft.com/office/powerpoint/2010/main" val="2011115856"/>
               </p:ext>
             </p:extLst>
           </p:nvPr>
         </p:nvGraphicFramePr>
         <p:xfrm>
-          <a:off x="8239" y="3660094"/>
-          <a:ext cx="5478161" cy="1066800"/>
+          <a:off x="300018" y="3760653"/>
+          <a:ext cx="5725469" cy="1244029"/>
         </p:xfrm>
         <a:graphic>
           <a:graphicData uri="http://schemas.openxmlformats.org/drawingml/2006/table">
             <a:tbl>
               <a:tblPr firstRow="1" firstCol="1" bandRow="1"/>
               <a:tblGrid>
-                <a:gridCol w="5478161"/>
+                <a:gridCol w="5725469"/>
               </a:tblGrid>
-              <a:tr h="1001615">
+              <a:tr h="1244029">
                 <a:tc>
                   <a:txBody>
                     <a:bodyPr/>
@@ -10030,13 +11877,95 @@
                         </a:spcAft>
                       </a:pPr>
                       <a:r>
+                        <a:rPr lang="en-ZA" sz="1000" b="0" dirty="0" smtClean="0">
+                          <a:effectLst/>
+                          <a:latin typeface="Calibri" panose="020F0502020204030204" pitchFamily="34" charset="0"/>
+                          <a:ea typeface="Calibri" panose="020F0502020204030204" pitchFamily="34" charset="0"/>
+                          <a:cs typeface="Times New Roman" panose="02020603050405020304" pitchFamily="18" charset="0"/>
+                        </a:rPr>
+                        <a:t>For lead</a:t>
+                      </a:r>
+                      <a:r>
+                        <a:rPr lang="en-ZA" sz="1000" b="0" baseline="0" dirty="0" smtClean="0">
+                          <a:effectLst/>
+                          <a:latin typeface="Calibri" panose="020F0502020204030204" pitchFamily="34" charset="0"/>
+                          <a:ea typeface="Calibri" panose="020F0502020204030204" pitchFamily="34" charset="0"/>
+                          <a:cs typeface="Times New Roman" panose="02020603050405020304" pitchFamily="18" charset="0"/>
+                        </a:rPr>
+                        <a:t> purposes, </a:t>
+                      </a:r>
+                      <a:r>
+                        <a:rPr lang="en-ZA" sz="1000" b="1" baseline="0" dirty="0" smtClean="0">
+                          <a:effectLst/>
+                          <a:latin typeface="Calibri" panose="020F0502020204030204" pitchFamily="34" charset="0"/>
+                          <a:ea typeface="Calibri" panose="020F0502020204030204" pitchFamily="34" charset="0"/>
+                          <a:cs typeface="Times New Roman" panose="02020603050405020304" pitchFamily="18" charset="0"/>
+                        </a:rPr>
+                        <a:t>10 (T) is considered an honour card</a:t>
+                      </a:r>
+                      <a:r>
+                        <a:rPr lang="en-ZA" sz="1000" b="0" baseline="0" dirty="0" smtClean="0">
+                          <a:effectLst/>
+                          <a:latin typeface="Calibri" panose="020F0502020204030204" pitchFamily="34" charset="0"/>
+                          <a:ea typeface="Calibri" panose="020F0502020204030204" pitchFamily="34" charset="0"/>
+                          <a:cs typeface="Times New Roman" panose="02020603050405020304" pitchFamily="18" charset="0"/>
+                        </a:rPr>
+                        <a:t>. </a:t>
+                      </a:r>
+                      <a:r>
+                        <a:rPr lang="en-ZA" sz="1000" i="1" dirty="0" smtClean="0">
+                          <a:solidFill>
+                            <a:schemeClr val="tx2">
+                              <a:lumMod val="60000"/>
+                              <a:lumOff val="40000"/>
+                            </a:schemeClr>
+                          </a:solidFill>
+                          <a:effectLst/>
+                          <a:latin typeface="Calibri" panose="020F0502020204030204" pitchFamily="34" charset="0"/>
+                          <a:ea typeface="Calibri" panose="020F0502020204030204" pitchFamily="34" charset="0"/>
+                          <a:cs typeface="Calibri" panose="020F0502020204030204" pitchFamily="34" charset="0"/>
+                        </a:rPr>
+                        <a:t>[10]</a:t>
+                      </a:r>
+                      <a:endParaRPr lang="en-ZA" sz="1000" b="0" dirty="0" smtClean="0">
+                        <a:effectLst/>
+                        <a:latin typeface="Calibri" panose="020F0502020204030204" pitchFamily="34" charset="0"/>
+                        <a:ea typeface="Calibri" panose="020F0502020204030204" pitchFamily="34" charset="0"/>
+                        <a:cs typeface="Times New Roman" panose="02020603050405020304" pitchFamily="18" charset="0"/>
+                      </a:endParaRPr>
+                    </a:p>
+                    <a:p>
+                      <a:pPr>
+                        <a:spcAft>
+                          <a:spcPts val="0"/>
+                        </a:spcAft>
+                      </a:pPr>
+                      <a:r>
+                        <a:rPr lang="en-ZA" sz="1000" b="1" dirty="0" smtClean="0">
+                          <a:effectLst/>
+                          <a:latin typeface="Calibri" panose="020F0502020204030204" pitchFamily="34" charset="0"/>
+                          <a:ea typeface="Calibri" panose="020F0502020204030204" pitchFamily="34" charset="0"/>
+                          <a:cs typeface="Times New Roman" panose="02020603050405020304" pitchFamily="18" charset="0"/>
+                        </a:rPr>
+                        <a:t>Top </a:t>
+                      </a:r>
+                      <a:r>
+                        <a:rPr lang="en-ZA" sz="1000" b="1" dirty="0">
+                          <a:effectLst/>
+                          <a:latin typeface="Calibri" panose="020F0502020204030204" pitchFamily="34" charset="0"/>
+                          <a:ea typeface="Calibri" panose="020F0502020204030204" pitchFamily="34" charset="0"/>
+                          <a:cs typeface="Times New Roman" panose="02020603050405020304" pitchFamily="18" charset="0"/>
+                        </a:rPr>
+                        <a:t>of a sequence</a:t>
+                      </a:r>
+                      <a:r>
                         <a:rPr lang="en-ZA" sz="1000" dirty="0">
                           <a:effectLst/>
                           <a:latin typeface="Calibri" panose="020F0502020204030204" pitchFamily="34" charset="0"/>
                           <a:ea typeface="Calibri" panose="020F0502020204030204" pitchFamily="34" charset="0"/>
                           <a:cs typeface="Times New Roman" panose="02020603050405020304" pitchFamily="18" charset="0"/>
                         </a:rPr>
-                        <a:t>Top of a sequence (any 2 touching cards down to 10) </a:t>
+                        <a:t> (any 2 touching cards down to 10) </a:t>
                       </a:r>
                       <a:r>
                         <a:rPr lang="en-ZA" sz="1000" b="1" u="sng" dirty="0" err="1">
@@ -10168,7 +12097,22 @@
                           <a:ea typeface="Calibri" panose="020F0502020204030204" pitchFamily="34" charset="0"/>
                           <a:cs typeface="Times New Roman" panose="02020603050405020304" pitchFamily="18" charset="0"/>
                         </a:rPr>
-                        <a:t>98</a:t>
+                        <a:t>98 </a:t>
+                      </a:r>
+                      <a:r>
+                        <a:rPr lang="en-ZA" sz="1000" i="1" dirty="0" smtClean="0">
+                          <a:solidFill>
+                            <a:schemeClr val="tx2">
+                              <a:lumMod val="60000"/>
+                              <a:lumOff val="40000"/>
+                            </a:schemeClr>
+                          </a:solidFill>
+                          <a:effectLst/>
+                          <a:latin typeface="Calibri" panose="020F0502020204030204" pitchFamily="34" charset="0"/>
+                          <a:ea typeface="Calibri" panose="020F0502020204030204" pitchFamily="34" charset="0"/>
+                          <a:cs typeface="Calibri" panose="020F0502020204030204" pitchFamily="34" charset="0"/>
+                        </a:rPr>
+                        <a:t>[10]</a:t>
                       </a:r>
                       <a:endParaRPr lang="en-ZA" sz="1000" dirty="0">
                         <a:solidFill>
@@ -10187,13 +12131,22 @@
                         </a:spcAft>
                       </a:pPr>
                       <a:r>
+                        <a:rPr lang="en-ZA" sz="1000" b="1" dirty="0">
+                          <a:effectLst/>
+                          <a:latin typeface="Calibri" panose="020F0502020204030204" pitchFamily="34" charset="0"/>
+                          <a:ea typeface="Calibri" panose="020F0502020204030204" pitchFamily="34" charset="0"/>
+                          <a:cs typeface="Times New Roman" panose="02020603050405020304" pitchFamily="18" charset="0"/>
+                        </a:rPr>
+                        <a:t>Top of interior sequence</a:t>
+                      </a:r>
+                      <a:r>
                         <a:rPr lang="en-ZA" sz="1000" dirty="0">
                           <a:effectLst/>
                           <a:latin typeface="Calibri" panose="020F0502020204030204" pitchFamily="34" charset="0"/>
                           <a:ea typeface="Calibri" panose="020F0502020204030204" pitchFamily="34" charset="0"/>
                           <a:cs typeface="Times New Roman" panose="02020603050405020304" pitchFamily="18" charset="0"/>
                         </a:rPr>
-                        <a:t>Top of interior sequence (10 must be present) </a:t>
+                        <a:t> (10 must be present) </a:t>
                       </a:r>
                       <a:r>
                         <a:rPr lang="en-ZA" sz="1000" dirty="0" err="1">
@@ -10241,10 +12194,10 @@
                           <a:ea typeface="Calibri" panose="020F0502020204030204" pitchFamily="34" charset="0"/>
                           <a:cs typeface="Times New Roman" panose="02020603050405020304" pitchFamily="18" charset="0"/>
                         </a:rPr>
-                        <a:t> Q</a:t>
-                      </a:r>
-                      <a:r>
-                        <a:rPr lang="en-ZA" sz="1000" b="1" u="sng" dirty="0">
+                        <a:t> </a:t>
+                      </a:r>
+                      <a:r>
+                        <a:rPr lang="en-ZA" sz="1000" dirty="0" smtClean="0">
                           <a:solidFill>
                             <a:srgbClr val="0070C0"/>
                           </a:solidFill>
@@ -10253,10 +12206,22 @@
                           <a:ea typeface="Calibri" panose="020F0502020204030204" pitchFamily="34" charset="0"/>
                           <a:cs typeface="Times New Roman" panose="02020603050405020304" pitchFamily="18" charset="0"/>
                         </a:rPr>
+                        <a:t>Q</a:t>
+                      </a:r>
+                      <a:r>
+                        <a:rPr lang="en-ZA" sz="1000" b="1" u="sng" dirty="0" smtClean="0">
+                          <a:solidFill>
+                            <a:srgbClr val="0070C0"/>
+                          </a:solidFill>
+                          <a:effectLst/>
+                          <a:latin typeface="Calibri" panose="020F0502020204030204" pitchFamily="34" charset="0"/>
+                          <a:ea typeface="Calibri" panose="020F0502020204030204" pitchFamily="34" charset="0"/>
+                          <a:cs typeface="Times New Roman" panose="02020603050405020304" pitchFamily="18" charset="0"/>
+                        </a:rPr>
                         <a:t>T</a:t>
                       </a:r>
                       <a:r>
-                        <a:rPr lang="en-ZA" sz="1000" dirty="0">
+                        <a:rPr lang="en-ZA" sz="1000" dirty="0" smtClean="0">
                           <a:solidFill>
                             <a:srgbClr val="0070C0"/>
                           </a:solidFill>
@@ -10265,418 +12230,22 @@
                           <a:ea typeface="Calibri" panose="020F0502020204030204" pitchFamily="34" charset="0"/>
                           <a:cs typeface="Times New Roman" panose="02020603050405020304" pitchFamily="18" charset="0"/>
                         </a:rPr>
-                        <a:t>9x</a:t>
-                      </a:r>
-                    </a:p>
-                    <a:p>
-                      <a:pPr>
-                        <a:spcAft>
-                          <a:spcPts val="0"/>
-                        </a:spcAft>
-                      </a:pPr>
-                      <a:r>
-                        <a:rPr lang="en-ZA" sz="1000" dirty="0">
-                          <a:effectLst/>
-                          <a:latin typeface="Calibri" panose="020F0502020204030204" pitchFamily="34" charset="0"/>
-                          <a:ea typeface="Calibri" panose="020F0502020204030204" pitchFamily="34" charset="0"/>
-                          <a:cs typeface="Times New Roman" panose="02020603050405020304" pitchFamily="18" charset="0"/>
-                        </a:rPr>
-                        <a:t>Low from an honour (never below 4</a:t>
-                      </a:r>
-                      <a:r>
-                        <a:rPr lang="en-ZA" sz="1000" baseline="30000" dirty="0">
-                          <a:effectLst/>
-                          <a:latin typeface="Calibri" panose="020F0502020204030204" pitchFamily="34" charset="0"/>
-                          <a:ea typeface="Calibri" panose="020F0502020204030204" pitchFamily="34" charset="0"/>
-                          <a:cs typeface="Times New Roman" panose="02020603050405020304" pitchFamily="18" charset="0"/>
-                        </a:rPr>
-                        <a:t>th</a:t>
-                      </a:r>
-                      <a:r>
-                        <a:rPr lang="en-ZA" sz="1000" dirty="0">
-                          <a:effectLst/>
-                          <a:latin typeface="Calibri" panose="020F0502020204030204" pitchFamily="34" charset="0"/>
-                          <a:ea typeface="Calibri" panose="020F0502020204030204" pitchFamily="34" charset="0"/>
-                          <a:cs typeface="Times New Roman" panose="02020603050405020304" pitchFamily="18" charset="0"/>
-                        </a:rPr>
-                        <a:t> highest) </a:t>
-                      </a:r>
-                      <a:r>
-                        <a:rPr lang="en-ZA" sz="1000" dirty="0">
-                          <a:solidFill>
-                            <a:srgbClr val="0070C0"/>
-                          </a:solidFill>
-                          <a:effectLst/>
-                          <a:latin typeface="Calibri" panose="020F0502020204030204" pitchFamily="34" charset="0"/>
-                          <a:ea typeface="Calibri" panose="020F0502020204030204" pitchFamily="34" charset="0"/>
-                          <a:cs typeface="Times New Roman" panose="02020603050405020304" pitchFamily="18" charset="0"/>
-                        </a:rPr>
-                        <a:t>K8</a:t>
-                      </a:r>
-                      <a:r>
-                        <a:rPr lang="en-ZA" sz="1000" b="1" u="sng" dirty="0">
-                          <a:solidFill>
-                            <a:srgbClr val="0070C0"/>
-                          </a:solidFill>
-                          <a:effectLst/>
-                          <a:latin typeface="Calibri" panose="020F0502020204030204" pitchFamily="34" charset="0"/>
-                          <a:ea typeface="Calibri" panose="020F0502020204030204" pitchFamily="34" charset="0"/>
-                          <a:cs typeface="Times New Roman" panose="02020603050405020304" pitchFamily="18" charset="0"/>
-                        </a:rPr>
-                        <a:t>2</a:t>
-                      </a:r>
-                      <a:r>
-                        <a:rPr lang="en-ZA" sz="1000" dirty="0">
-                          <a:solidFill>
-                            <a:srgbClr val="0070C0"/>
-                          </a:solidFill>
-                          <a:effectLst/>
-                          <a:latin typeface="Calibri" panose="020F0502020204030204" pitchFamily="34" charset="0"/>
-                          <a:ea typeface="Calibri" panose="020F0502020204030204" pitchFamily="34" charset="0"/>
-                          <a:cs typeface="Times New Roman" panose="02020603050405020304" pitchFamily="18" charset="0"/>
-                        </a:rPr>
-                        <a:t> Q96</a:t>
-                      </a:r>
-                      <a:r>
-                        <a:rPr lang="en-ZA" sz="1000" b="1" u="sng" dirty="0">
-                          <a:solidFill>
-                            <a:srgbClr val="0070C0"/>
-                          </a:solidFill>
-                          <a:effectLst/>
-                          <a:latin typeface="Calibri" panose="020F0502020204030204" pitchFamily="34" charset="0"/>
-                          <a:ea typeface="Calibri" panose="020F0502020204030204" pitchFamily="34" charset="0"/>
-                          <a:cs typeface="Times New Roman" panose="02020603050405020304" pitchFamily="18" charset="0"/>
-                        </a:rPr>
-                        <a:t>4</a:t>
-                      </a:r>
-                      <a:r>
-                        <a:rPr lang="en-ZA" sz="1000" dirty="0">
-                          <a:solidFill>
-                            <a:srgbClr val="0070C0"/>
-                          </a:solidFill>
-                          <a:effectLst/>
-                          <a:latin typeface="Calibri" panose="020F0502020204030204" pitchFamily="34" charset="0"/>
-                          <a:ea typeface="Calibri" panose="020F0502020204030204" pitchFamily="34" charset="0"/>
-                          <a:cs typeface="Times New Roman" panose="02020603050405020304" pitchFamily="18" charset="0"/>
-                        </a:rPr>
-                        <a:t> J86</a:t>
-                      </a:r>
-                      <a:r>
-                        <a:rPr lang="en-ZA" sz="1000" b="1" u="sng" dirty="0">
-                          <a:solidFill>
-                            <a:srgbClr val="0070C0"/>
-                          </a:solidFill>
-                          <a:effectLst/>
-                          <a:latin typeface="Calibri" panose="020F0502020204030204" pitchFamily="34" charset="0"/>
-                          <a:ea typeface="Calibri" panose="020F0502020204030204" pitchFamily="34" charset="0"/>
-                          <a:cs typeface="Times New Roman" panose="02020603050405020304" pitchFamily="18" charset="0"/>
-                        </a:rPr>
-                        <a:t>3</a:t>
-                      </a:r>
-                      <a:r>
-                        <a:rPr lang="en-ZA" sz="1000" dirty="0">
-                          <a:solidFill>
-                            <a:srgbClr val="0070C0"/>
-                          </a:solidFill>
-                          <a:effectLst/>
-                          <a:latin typeface="Calibri" panose="020F0502020204030204" pitchFamily="34" charset="0"/>
-                          <a:ea typeface="Calibri" panose="020F0502020204030204" pitchFamily="34" charset="0"/>
-                          <a:cs typeface="Times New Roman" panose="02020603050405020304" pitchFamily="18" charset="0"/>
-                        </a:rPr>
-                        <a:t>2 T75</a:t>
-                      </a:r>
-                      <a:r>
-                        <a:rPr lang="en-ZA" sz="1000" b="1" u="sng" dirty="0">
-                          <a:solidFill>
-                            <a:srgbClr val="0070C0"/>
-                          </a:solidFill>
-                          <a:effectLst/>
-                          <a:latin typeface="Calibri" panose="020F0502020204030204" pitchFamily="34" charset="0"/>
-                          <a:ea typeface="Calibri" panose="020F0502020204030204" pitchFamily="34" charset="0"/>
-                          <a:cs typeface="Times New Roman" panose="02020603050405020304" pitchFamily="18" charset="0"/>
-                        </a:rPr>
-                        <a:t>4</a:t>
-                      </a:r>
-                      <a:r>
-                        <a:rPr lang="en-ZA" sz="1000" dirty="0">
-                          <a:solidFill>
-                            <a:srgbClr val="0070C0"/>
-                          </a:solidFill>
-                          <a:effectLst/>
-                          <a:latin typeface="Calibri" panose="020F0502020204030204" pitchFamily="34" charset="0"/>
-                          <a:ea typeface="Calibri" panose="020F0502020204030204" pitchFamily="34" charset="0"/>
-                          <a:cs typeface="Times New Roman" panose="02020603050405020304" pitchFamily="18" charset="0"/>
-                        </a:rPr>
-                        <a:t> Q96</a:t>
-                      </a:r>
-                      <a:r>
-                        <a:rPr lang="en-ZA" sz="1000" b="1" u="sng" dirty="0">
-                          <a:solidFill>
-                            <a:srgbClr val="0070C0"/>
-                          </a:solidFill>
-                          <a:effectLst/>
-                          <a:latin typeface="Calibri" panose="020F0502020204030204" pitchFamily="34" charset="0"/>
-                          <a:ea typeface="Calibri" panose="020F0502020204030204" pitchFamily="34" charset="0"/>
-                          <a:cs typeface="Times New Roman" panose="02020603050405020304" pitchFamily="18" charset="0"/>
-                        </a:rPr>
-                        <a:t>5</a:t>
-                      </a:r>
-                      <a:r>
-                        <a:rPr lang="en-ZA" sz="1000" dirty="0">
-                          <a:solidFill>
-                            <a:srgbClr val="0070C0"/>
-                          </a:solidFill>
-                          <a:effectLst/>
-                          <a:latin typeface="Calibri" panose="020F0502020204030204" pitchFamily="34" charset="0"/>
-                          <a:ea typeface="Calibri" panose="020F0502020204030204" pitchFamily="34" charset="0"/>
-                          <a:cs typeface="Times New Roman" panose="02020603050405020304" pitchFamily="18" charset="0"/>
-                        </a:rPr>
-                        <a:t>43 K87</a:t>
-                      </a:r>
-                      <a:r>
-                        <a:rPr lang="en-ZA" sz="1000" b="1" u="sng" dirty="0">
-                          <a:solidFill>
-                            <a:srgbClr val="0070C0"/>
-                          </a:solidFill>
-                          <a:effectLst/>
-                          <a:latin typeface="Calibri" panose="020F0502020204030204" pitchFamily="34" charset="0"/>
-                          <a:ea typeface="Calibri" panose="020F0502020204030204" pitchFamily="34" charset="0"/>
-                          <a:cs typeface="Times New Roman" panose="02020603050405020304" pitchFamily="18" charset="0"/>
-                        </a:rPr>
-                        <a:t>6</a:t>
-                      </a:r>
-                      <a:r>
-                        <a:rPr lang="en-ZA" sz="1000" dirty="0">
-                          <a:effectLst/>
-                          <a:latin typeface="Calibri" panose="020F0502020204030204" pitchFamily="34" charset="0"/>
-                          <a:ea typeface="Calibri" panose="020F0502020204030204" pitchFamily="34" charset="0"/>
-                          <a:cs typeface="Times New Roman" panose="02020603050405020304" pitchFamily="18" charset="0"/>
-                        </a:rPr>
-                        <a:t> (No </a:t>
-                      </a:r>
-                      <a:r>
-                        <a:rPr lang="en-ZA" sz="1000" dirty="0" smtClean="0">
-                          <a:effectLst/>
-                          <a:latin typeface="Calibri" panose="020F0502020204030204" pitchFamily="34" charset="0"/>
-                          <a:ea typeface="Calibri" panose="020F0502020204030204" pitchFamily="34" charset="0"/>
-                          <a:cs typeface="Times New Roman" panose="02020603050405020304" pitchFamily="18" charset="0"/>
-                        </a:rPr>
-                        <a:t>Ten - not </a:t>
-                      </a:r>
-                      <a:r>
-                        <a:rPr lang="en-ZA" sz="1000" dirty="0">
-                          <a:effectLst/>
-                          <a:latin typeface="Calibri" panose="020F0502020204030204" pitchFamily="34" charset="0"/>
-                          <a:ea typeface="Calibri" panose="020F0502020204030204" pitchFamily="34" charset="0"/>
-                          <a:cs typeface="Times New Roman" panose="02020603050405020304" pitchFamily="18" charset="0"/>
-                        </a:rPr>
-                        <a:t>a </a:t>
-                      </a:r>
-                      <a:r>
-                        <a:rPr lang="en-ZA" sz="1000" dirty="0" smtClean="0">
-                          <a:effectLst/>
-                          <a:latin typeface="Calibri" panose="020F0502020204030204" pitchFamily="34" charset="0"/>
-                          <a:ea typeface="Calibri" panose="020F0502020204030204" pitchFamily="34" charset="0"/>
-                          <a:cs typeface="Times New Roman" panose="02020603050405020304" pitchFamily="18" charset="0"/>
-                        </a:rPr>
-                        <a:t>seq.)</a:t>
-                      </a:r>
-                      <a:endParaRPr lang="en-ZA" sz="1000" dirty="0">
-                        <a:effectLst/>
-                        <a:latin typeface="Calibri" panose="020F0502020204030204" pitchFamily="34" charset="0"/>
-                        <a:ea typeface="Calibri" panose="020F0502020204030204" pitchFamily="34" charset="0"/>
-                        <a:cs typeface="Times New Roman" panose="02020603050405020304" pitchFamily="18" charset="0"/>
-                      </a:endParaRPr>
-                    </a:p>
-                    <a:p>
-                      <a:pPr>
-                        <a:spcAft>
-                          <a:spcPts val="0"/>
-                        </a:spcAft>
-                      </a:pPr>
-                      <a:r>
-                        <a:rPr lang="en-ZA" sz="1000" dirty="0">
-                          <a:effectLst/>
-                          <a:latin typeface="Calibri" panose="020F0502020204030204" pitchFamily="34" charset="0"/>
-                          <a:ea typeface="Calibri" panose="020F0502020204030204" pitchFamily="34" charset="0"/>
-                          <a:cs typeface="Times New Roman" panose="02020603050405020304" pitchFamily="18" charset="0"/>
-                        </a:rPr>
-                        <a:t>Top of a doubleton </a:t>
-                      </a:r>
-                      <a:r>
-                        <a:rPr lang="en-ZA" sz="1000" b="1" u="sng" dirty="0">
-                          <a:solidFill>
-                            <a:srgbClr val="0070C0"/>
-                          </a:solidFill>
-                          <a:effectLst/>
-                          <a:latin typeface="Calibri" panose="020F0502020204030204" pitchFamily="34" charset="0"/>
-                          <a:ea typeface="Calibri" panose="020F0502020204030204" pitchFamily="34" charset="0"/>
-                          <a:cs typeface="Times New Roman" panose="02020603050405020304" pitchFamily="18" charset="0"/>
-                        </a:rPr>
-                        <a:t>8</a:t>
-                      </a:r>
-                      <a:r>
-                        <a:rPr lang="en-ZA" sz="1000" dirty="0">
-                          <a:solidFill>
-                            <a:srgbClr val="0070C0"/>
-                          </a:solidFill>
-                          <a:effectLst/>
-                          <a:latin typeface="Calibri" panose="020F0502020204030204" pitchFamily="34" charset="0"/>
-                          <a:ea typeface="Calibri" panose="020F0502020204030204" pitchFamily="34" charset="0"/>
-                          <a:cs typeface="Times New Roman" panose="02020603050405020304" pitchFamily="18" charset="0"/>
-                        </a:rPr>
-                        <a:t>6 </a:t>
-                      </a:r>
-                      <a:r>
-                        <a:rPr lang="en-ZA" sz="1000" b="1" u="sng" dirty="0">
-                          <a:solidFill>
-                            <a:srgbClr val="0070C0"/>
-                          </a:solidFill>
-                          <a:effectLst/>
-                          <a:latin typeface="Calibri" panose="020F0502020204030204" pitchFamily="34" charset="0"/>
-                          <a:ea typeface="Calibri" panose="020F0502020204030204" pitchFamily="34" charset="0"/>
-                          <a:cs typeface="Times New Roman" panose="02020603050405020304" pitchFamily="18" charset="0"/>
-                        </a:rPr>
-                        <a:t>7</a:t>
-                      </a:r>
-                      <a:r>
-                        <a:rPr lang="en-ZA" sz="1000" dirty="0">
-                          <a:solidFill>
-                            <a:srgbClr val="0070C0"/>
-                          </a:solidFill>
-                          <a:effectLst/>
-                          <a:latin typeface="Calibri" panose="020F0502020204030204" pitchFamily="34" charset="0"/>
-                          <a:ea typeface="Calibri" panose="020F0502020204030204" pitchFamily="34" charset="0"/>
-                          <a:cs typeface="Times New Roman" panose="02020603050405020304" pitchFamily="18" charset="0"/>
-                        </a:rPr>
-                        <a:t>2 </a:t>
-                      </a:r>
-                      <a:r>
-                        <a:rPr lang="en-ZA" sz="1000" b="1" u="sng" dirty="0">
-                          <a:solidFill>
-                            <a:srgbClr val="0070C0"/>
-                          </a:solidFill>
-                          <a:effectLst/>
-                          <a:latin typeface="Calibri" panose="020F0502020204030204" pitchFamily="34" charset="0"/>
-                          <a:ea typeface="Calibri" panose="020F0502020204030204" pitchFamily="34" charset="0"/>
-                          <a:cs typeface="Times New Roman" panose="02020603050405020304" pitchFamily="18" charset="0"/>
-                        </a:rPr>
-                        <a:t>9</a:t>
-                      </a:r>
-                      <a:r>
-                        <a:rPr lang="en-ZA" sz="1000" dirty="0">
-                          <a:solidFill>
-                            <a:srgbClr val="0070C0"/>
-                          </a:solidFill>
-                          <a:effectLst/>
-                          <a:latin typeface="Calibri" panose="020F0502020204030204" pitchFamily="34" charset="0"/>
-                          <a:ea typeface="Calibri" panose="020F0502020204030204" pitchFamily="34" charset="0"/>
-                          <a:cs typeface="Times New Roman" panose="02020603050405020304" pitchFamily="18" charset="0"/>
-                        </a:rPr>
-                        <a:t>4</a:t>
-                      </a:r>
-                    </a:p>
-                    <a:p>
-                      <a:pPr>
-                        <a:spcAft>
-                          <a:spcPts val="0"/>
-                        </a:spcAft>
-                      </a:pPr>
-                      <a:r>
-                        <a:rPr lang="en-ZA" sz="1000" dirty="0">
-                          <a:effectLst/>
-                          <a:latin typeface="Calibri" panose="020F0502020204030204" pitchFamily="34" charset="0"/>
-                          <a:ea typeface="Calibri" panose="020F0502020204030204" pitchFamily="34" charset="0"/>
-                          <a:cs typeface="Times New Roman" panose="02020603050405020304" pitchFamily="18" charset="0"/>
-                        </a:rPr>
-                        <a:t>MUD (Middle Up Down) from 3 cards. Follow up with higher then lower card. </a:t>
-                      </a:r>
-                      <a:r>
-                        <a:rPr lang="en-ZA" sz="1000" dirty="0">
-                          <a:solidFill>
-                            <a:srgbClr val="0070C0"/>
-                          </a:solidFill>
-                          <a:effectLst/>
-                          <a:latin typeface="Calibri" panose="020F0502020204030204" pitchFamily="34" charset="0"/>
-                          <a:ea typeface="Calibri" panose="020F0502020204030204" pitchFamily="34" charset="0"/>
-                          <a:cs typeface="Times New Roman" panose="02020603050405020304" pitchFamily="18" charset="0"/>
-                        </a:rPr>
-                        <a:t>863 </a:t>
-                      </a:r>
-                      <a:r>
-                        <a:rPr lang="en-ZA" sz="1000" dirty="0">
-                          <a:effectLst/>
-                          <a:latin typeface="Calibri" panose="020F0502020204030204" pitchFamily="34" charset="0"/>
-                          <a:ea typeface="Calibri" panose="020F0502020204030204" pitchFamily="34" charset="0"/>
-                          <a:cs typeface="Times New Roman" panose="02020603050405020304" pitchFamily="18" charset="0"/>
-                        </a:rPr>
-                        <a:t>play </a:t>
-                      </a:r>
-                      <a:r>
-                        <a:rPr lang="en-ZA" sz="1000" b="1" u="sng" dirty="0">
-                          <a:solidFill>
-                            <a:srgbClr val="0070C0"/>
-                          </a:solidFill>
-                          <a:effectLst/>
-                          <a:latin typeface="Calibri" panose="020F0502020204030204" pitchFamily="34" charset="0"/>
-                          <a:ea typeface="Calibri" panose="020F0502020204030204" pitchFamily="34" charset="0"/>
-                          <a:cs typeface="Times New Roman" panose="02020603050405020304" pitchFamily="18" charset="0"/>
-                        </a:rPr>
-                        <a:t>6</a:t>
-                      </a:r>
-                      <a:r>
-                        <a:rPr lang="en-ZA" sz="1000" dirty="0">
-                          <a:effectLst/>
-                          <a:latin typeface="Calibri" panose="020F0502020204030204" pitchFamily="34" charset="0"/>
-                          <a:ea typeface="Calibri" panose="020F0502020204030204" pitchFamily="34" charset="0"/>
-                          <a:cs typeface="Times New Roman" panose="02020603050405020304" pitchFamily="18" charset="0"/>
-                        </a:rPr>
-                        <a:t>, </a:t>
-                      </a:r>
-                      <a:r>
-                        <a:rPr lang="en-ZA" sz="1000" b="1" u="sng" dirty="0">
-                          <a:solidFill>
-                            <a:srgbClr val="0070C0"/>
-                          </a:solidFill>
-                          <a:effectLst/>
-                          <a:latin typeface="Calibri" panose="020F0502020204030204" pitchFamily="34" charset="0"/>
-                          <a:ea typeface="Calibri" panose="020F0502020204030204" pitchFamily="34" charset="0"/>
-                          <a:cs typeface="Times New Roman" panose="02020603050405020304" pitchFamily="18" charset="0"/>
-                        </a:rPr>
-                        <a:t>8</a:t>
-                      </a:r>
-                      <a:r>
-                        <a:rPr lang="en-ZA" sz="1000" dirty="0">
-                          <a:solidFill>
-                            <a:srgbClr val="FF0000"/>
-                          </a:solidFill>
-                          <a:effectLst/>
-                          <a:latin typeface="Calibri" panose="020F0502020204030204" pitchFamily="34" charset="0"/>
-                          <a:ea typeface="Calibri" panose="020F0502020204030204" pitchFamily="34" charset="0"/>
-                          <a:cs typeface="Times New Roman" panose="02020603050405020304" pitchFamily="18" charset="0"/>
-                        </a:rPr>
-                        <a:t> </a:t>
-                      </a:r>
-                      <a:r>
-                        <a:rPr lang="en-ZA" sz="1000" dirty="0">
-                          <a:effectLst/>
-                          <a:latin typeface="Calibri" panose="020F0502020204030204" pitchFamily="34" charset="0"/>
-                          <a:ea typeface="Calibri" panose="020F0502020204030204" pitchFamily="34" charset="0"/>
-                          <a:cs typeface="Times New Roman" panose="02020603050405020304" pitchFamily="18" charset="0"/>
-                        </a:rPr>
-                        <a:t>then </a:t>
-                      </a:r>
-                      <a:r>
-                        <a:rPr lang="en-ZA" sz="1000" b="1" u="sng" dirty="0">
-                          <a:solidFill>
-                            <a:srgbClr val="0070C0"/>
-                          </a:solidFill>
-                          <a:effectLst/>
-                          <a:latin typeface="Calibri" panose="020F0502020204030204" pitchFamily="34" charset="0"/>
-                          <a:ea typeface="Calibri" panose="020F0502020204030204" pitchFamily="34" charset="0"/>
-                          <a:cs typeface="Times New Roman" panose="02020603050405020304" pitchFamily="18" charset="0"/>
-                        </a:rPr>
-                        <a:t>3</a:t>
+                        <a:t>9x </a:t>
+                      </a:r>
+                      <a:r>
+                        <a:rPr lang="en-ZA" sz="1000" i="1" dirty="0" smtClean="0">
+                          <a:solidFill>
+                            <a:schemeClr val="tx2">
+                              <a:lumMod val="60000"/>
+                              <a:lumOff val="40000"/>
+                            </a:schemeClr>
+                          </a:solidFill>
+                          <a:effectLst/>
+                          <a:latin typeface="Calibri" panose="020F0502020204030204" pitchFamily="34" charset="0"/>
+                          <a:ea typeface="Calibri" panose="020F0502020204030204" pitchFamily="34" charset="0"/>
+                          <a:cs typeface="Calibri" panose="020F0502020204030204" pitchFamily="34" charset="0"/>
+                        </a:rPr>
+                        <a:t>[10]</a:t>
                       </a:r>
                       <a:endParaRPr lang="en-ZA" sz="1000" dirty="0">
                         <a:solidFill>
@@ -10695,12 +12264,57 @@
                         </a:spcAft>
                       </a:pPr>
                       <a:r>
+                        <a:rPr lang="en-ZA" sz="1000" b="1" dirty="0">
+                          <a:effectLst/>
+                          <a:latin typeface="Calibri" panose="020F0502020204030204" pitchFamily="34" charset="0"/>
+                          <a:ea typeface="Calibri" panose="020F0502020204030204" pitchFamily="34" charset="0"/>
+                          <a:cs typeface="Times New Roman" panose="02020603050405020304" pitchFamily="18" charset="0"/>
+                        </a:rPr>
+                        <a:t>Low from an honour</a:t>
+                      </a:r>
+                      <a:r>
                         <a:rPr lang="en-ZA" sz="1000" dirty="0">
                           <a:effectLst/>
                           <a:latin typeface="Calibri" panose="020F0502020204030204" pitchFamily="34" charset="0"/>
                           <a:ea typeface="Calibri" panose="020F0502020204030204" pitchFamily="34" charset="0"/>
                           <a:cs typeface="Times New Roman" panose="02020603050405020304" pitchFamily="18" charset="0"/>
                         </a:rPr>
+                        <a:t> </a:t>
+                      </a:r>
+                      <a:r>
+                        <a:rPr lang="en-ZA" sz="1000" dirty="0" smtClean="0">
+                          <a:effectLst/>
+                          <a:latin typeface="Calibri" panose="020F0502020204030204" pitchFamily="34" charset="0"/>
+                          <a:ea typeface="Calibri" panose="020F0502020204030204" pitchFamily="34" charset="0"/>
+                          <a:cs typeface="Times New Roman" panose="02020603050405020304" pitchFamily="18" charset="0"/>
+                        </a:rPr>
+                        <a:t>(not</a:t>
+                      </a:r>
+                      <a:r>
+                        <a:rPr lang="en-ZA" sz="1000" baseline="0" dirty="0" smtClean="0">
+                          <a:effectLst/>
+                          <a:latin typeface="Calibri" panose="020F0502020204030204" pitchFamily="34" charset="0"/>
+                          <a:ea typeface="Calibri" panose="020F0502020204030204" pitchFamily="34" charset="0"/>
+                          <a:cs typeface="Times New Roman" panose="02020603050405020304" pitchFamily="18" charset="0"/>
+                        </a:rPr>
+                        <a:t> </a:t>
+                      </a:r>
+                      <a:r>
+                        <a:rPr lang="en-ZA" sz="1000" dirty="0" smtClean="0">
+                          <a:effectLst/>
+                          <a:latin typeface="Calibri" panose="020F0502020204030204" pitchFamily="34" charset="0"/>
+                          <a:ea typeface="Calibri" panose="020F0502020204030204" pitchFamily="34" charset="0"/>
+                          <a:cs typeface="Times New Roman" panose="02020603050405020304" pitchFamily="18" charset="0"/>
+                        </a:rPr>
+                        <a:t>below </a:t>
+                      </a:r>
+                      <a:r>
+                        <a:rPr lang="en-ZA" sz="1000" dirty="0">
+                          <a:effectLst/>
+                          <a:latin typeface="Calibri" panose="020F0502020204030204" pitchFamily="34" charset="0"/>
+                          <a:ea typeface="Calibri" panose="020F0502020204030204" pitchFamily="34" charset="0"/>
+                          <a:cs typeface="Times New Roman" panose="02020603050405020304" pitchFamily="18" charset="0"/>
+                        </a:rPr>
                         <a:t>4</a:t>
                       </a:r>
                       <a:r>
@@ -10719,7 +12333,7 @@
                           <a:ea typeface="Calibri" panose="020F0502020204030204" pitchFamily="34" charset="0"/>
                           <a:cs typeface="Times New Roman" panose="02020603050405020304" pitchFamily="18" charset="0"/>
                         </a:rPr>
-                        <a:t> highest from 4 small cards </a:t>
+                        <a:t> highest) </a:t>
                       </a:r>
                       <a:r>
                         <a:rPr lang="en-ZA" sz="1000" dirty="0">
@@ -10731,7 +12345,7 @@
                           <a:ea typeface="Calibri" panose="020F0502020204030204" pitchFamily="34" charset="0"/>
                           <a:cs typeface="Times New Roman" panose="02020603050405020304" pitchFamily="18" charset="0"/>
                         </a:rPr>
-                        <a:t>973</a:t>
+                        <a:t>K8</a:t>
                       </a:r>
                       <a:r>
                         <a:rPr lang="en-ZA" sz="1000" b="1" u="sng" dirty="0">
@@ -10755,7 +12369,7 @@
                           <a:ea typeface="Calibri" panose="020F0502020204030204" pitchFamily="34" charset="0"/>
                           <a:cs typeface="Times New Roman" panose="02020603050405020304" pitchFamily="18" charset="0"/>
                         </a:rPr>
-                        <a:t> 875</a:t>
+                        <a:t> Q96</a:t>
                       </a:r>
                       <a:r>
                         <a:rPr lang="en-ZA" sz="1000" b="1" u="sng" dirty="0">
@@ -10768,6 +12382,271 @@
                           <a:cs typeface="Times New Roman" panose="02020603050405020304" pitchFamily="18" charset="0"/>
                         </a:rPr>
                         <a:t>4</a:t>
+                      </a:r>
+                      <a:r>
+                        <a:rPr lang="en-ZA" sz="1000" dirty="0">
+                          <a:solidFill>
+                            <a:srgbClr val="0070C0"/>
+                          </a:solidFill>
+                          <a:effectLst/>
+                          <a:latin typeface="Calibri" panose="020F0502020204030204" pitchFamily="34" charset="0"/>
+                          <a:ea typeface="Calibri" panose="020F0502020204030204" pitchFamily="34" charset="0"/>
+                          <a:cs typeface="Times New Roman" panose="02020603050405020304" pitchFamily="18" charset="0"/>
+                        </a:rPr>
+                        <a:t> J86</a:t>
+                      </a:r>
+                      <a:r>
+                        <a:rPr lang="en-ZA" sz="1000" b="1" u="sng" dirty="0">
+                          <a:solidFill>
+                            <a:srgbClr val="0070C0"/>
+                          </a:solidFill>
+                          <a:effectLst/>
+                          <a:latin typeface="Calibri" panose="020F0502020204030204" pitchFamily="34" charset="0"/>
+                          <a:ea typeface="Calibri" panose="020F0502020204030204" pitchFamily="34" charset="0"/>
+                          <a:cs typeface="Times New Roman" panose="02020603050405020304" pitchFamily="18" charset="0"/>
+                        </a:rPr>
+                        <a:t>3</a:t>
+                      </a:r>
+                      <a:r>
+                        <a:rPr lang="en-ZA" sz="1000" dirty="0">
+                          <a:solidFill>
+                            <a:srgbClr val="0070C0"/>
+                          </a:solidFill>
+                          <a:effectLst/>
+                          <a:latin typeface="Calibri" panose="020F0502020204030204" pitchFamily="34" charset="0"/>
+                          <a:ea typeface="Calibri" panose="020F0502020204030204" pitchFamily="34" charset="0"/>
+                          <a:cs typeface="Times New Roman" panose="02020603050405020304" pitchFamily="18" charset="0"/>
+                        </a:rPr>
+                        <a:t>2 T75</a:t>
+                      </a:r>
+                      <a:r>
+                        <a:rPr lang="en-ZA" sz="1000" b="1" u="sng" dirty="0">
+                          <a:solidFill>
+                            <a:srgbClr val="0070C0"/>
+                          </a:solidFill>
+                          <a:effectLst/>
+                          <a:latin typeface="Calibri" panose="020F0502020204030204" pitchFamily="34" charset="0"/>
+                          <a:ea typeface="Calibri" panose="020F0502020204030204" pitchFamily="34" charset="0"/>
+                          <a:cs typeface="Times New Roman" panose="02020603050405020304" pitchFamily="18" charset="0"/>
+                        </a:rPr>
+                        <a:t>4</a:t>
+                      </a:r>
+                      <a:r>
+                        <a:rPr lang="en-ZA" sz="1000" dirty="0">
+                          <a:solidFill>
+                            <a:srgbClr val="0070C0"/>
+                          </a:solidFill>
+                          <a:effectLst/>
+                          <a:latin typeface="Calibri" panose="020F0502020204030204" pitchFamily="34" charset="0"/>
+                          <a:ea typeface="Calibri" panose="020F0502020204030204" pitchFamily="34" charset="0"/>
+                          <a:cs typeface="Times New Roman" panose="02020603050405020304" pitchFamily="18" charset="0"/>
+                        </a:rPr>
+                        <a:t> Q96</a:t>
+                      </a:r>
+                      <a:r>
+                        <a:rPr lang="en-ZA" sz="1000" b="1" u="sng" dirty="0">
+                          <a:solidFill>
+                            <a:srgbClr val="0070C0"/>
+                          </a:solidFill>
+                          <a:effectLst/>
+                          <a:latin typeface="Calibri" panose="020F0502020204030204" pitchFamily="34" charset="0"/>
+                          <a:ea typeface="Calibri" panose="020F0502020204030204" pitchFamily="34" charset="0"/>
+                          <a:cs typeface="Times New Roman" panose="02020603050405020304" pitchFamily="18" charset="0"/>
+                        </a:rPr>
+                        <a:t>5</a:t>
+                      </a:r>
+                      <a:r>
+                        <a:rPr lang="en-ZA" sz="1000" dirty="0">
+                          <a:solidFill>
+                            <a:srgbClr val="0070C0"/>
+                          </a:solidFill>
+                          <a:effectLst/>
+                          <a:latin typeface="Calibri" panose="020F0502020204030204" pitchFamily="34" charset="0"/>
+                          <a:ea typeface="Calibri" panose="020F0502020204030204" pitchFamily="34" charset="0"/>
+                          <a:cs typeface="Times New Roman" panose="02020603050405020304" pitchFamily="18" charset="0"/>
+                        </a:rPr>
+                        <a:t>43 K87</a:t>
+                      </a:r>
+                      <a:r>
+                        <a:rPr lang="en-ZA" sz="1000" b="1" u="sng" dirty="0">
+                          <a:solidFill>
+                            <a:srgbClr val="0070C0"/>
+                          </a:solidFill>
+                          <a:effectLst/>
+                          <a:latin typeface="Calibri" panose="020F0502020204030204" pitchFamily="34" charset="0"/>
+                          <a:ea typeface="Calibri" panose="020F0502020204030204" pitchFamily="34" charset="0"/>
+                          <a:cs typeface="Times New Roman" panose="02020603050405020304" pitchFamily="18" charset="0"/>
+                        </a:rPr>
+                        <a:t>6</a:t>
+                      </a:r>
+                      <a:r>
+                        <a:rPr lang="en-ZA" sz="1000" dirty="0">
+                          <a:effectLst/>
+                          <a:latin typeface="Calibri" panose="020F0502020204030204" pitchFamily="34" charset="0"/>
+                          <a:ea typeface="Calibri" panose="020F0502020204030204" pitchFamily="34" charset="0"/>
+                          <a:cs typeface="Times New Roman" panose="02020603050405020304" pitchFamily="18" charset="0"/>
+                        </a:rPr>
+                        <a:t> (No </a:t>
+                      </a:r>
+                      <a:r>
+                        <a:rPr lang="en-ZA" sz="1000" dirty="0" smtClean="0">
+                          <a:effectLst/>
+                          <a:latin typeface="Calibri" panose="020F0502020204030204" pitchFamily="34" charset="0"/>
+                          <a:ea typeface="Calibri" panose="020F0502020204030204" pitchFamily="34" charset="0"/>
+                          <a:cs typeface="Times New Roman" panose="02020603050405020304" pitchFamily="18" charset="0"/>
+                        </a:rPr>
+                        <a:t>Ten - not </a:t>
+                      </a:r>
+                      <a:r>
+                        <a:rPr lang="en-ZA" sz="1000" dirty="0">
+                          <a:effectLst/>
+                          <a:latin typeface="Calibri" panose="020F0502020204030204" pitchFamily="34" charset="0"/>
+                          <a:ea typeface="Calibri" panose="020F0502020204030204" pitchFamily="34" charset="0"/>
+                          <a:cs typeface="Times New Roman" panose="02020603050405020304" pitchFamily="18" charset="0"/>
+                        </a:rPr>
+                        <a:t>a </a:t>
+                      </a:r>
+                      <a:r>
+                        <a:rPr lang="en-ZA" sz="1000" dirty="0" smtClean="0">
+                          <a:effectLst/>
+                          <a:latin typeface="Calibri" panose="020F0502020204030204" pitchFamily="34" charset="0"/>
+                          <a:ea typeface="Calibri" panose="020F0502020204030204" pitchFamily="34" charset="0"/>
+                          <a:cs typeface="Times New Roman" panose="02020603050405020304" pitchFamily="18" charset="0"/>
+                        </a:rPr>
+                        <a:t>seq.) </a:t>
+                      </a:r>
+                      <a:r>
+                        <a:rPr lang="en-ZA" sz="1000" i="1" dirty="0" smtClean="0">
+                          <a:solidFill>
+                            <a:schemeClr val="tx2">
+                              <a:lumMod val="60000"/>
+                              <a:lumOff val="40000"/>
+                            </a:schemeClr>
+                          </a:solidFill>
+                          <a:effectLst/>
+                          <a:latin typeface="Calibri" panose="020F0502020204030204" pitchFamily="34" charset="0"/>
+                          <a:ea typeface="Calibri" panose="020F0502020204030204" pitchFamily="34" charset="0"/>
+                          <a:cs typeface="Calibri" panose="020F0502020204030204" pitchFamily="34" charset="0"/>
+                        </a:rPr>
+                        <a:t>[10]</a:t>
+                      </a:r>
+                      <a:endParaRPr lang="en-ZA" sz="1000" dirty="0">
+                        <a:effectLst/>
+                        <a:latin typeface="Calibri" panose="020F0502020204030204" pitchFamily="34" charset="0"/>
+                        <a:ea typeface="Calibri" panose="020F0502020204030204" pitchFamily="34" charset="0"/>
+                        <a:cs typeface="Times New Roman" panose="02020603050405020304" pitchFamily="18" charset="0"/>
+                      </a:endParaRPr>
+                    </a:p>
+                    <a:p>
+                      <a:pPr>
+                        <a:spcAft>
+                          <a:spcPts val="0"/>
+                        </a:spcAft>
+                      </a:pPr>
+                      <a:r>
+                        <a:rPr lang="en-ZA" sz="1000" b="1" dirty="0">
+                          <a:effectLst/>
+                          <a:latin typeface="Calibri" panose="020F0502020204030204" pitchFamily="34" charset="0"/>
+                          <a:ea typeface="Calibri" panose="020F0502020204030204" pitchFamily="34" charset="0"/>
+                          <a:cs typeface="Times New Roman" panose="02020603050405020304" pitchFamily="18" charset="0"/>
+                        </a:rPr>
+                        <a:t>Top of a doubleton</a:t>
+                      </a:r>
+                      <a:r>
+                        <a:rPr lang="en-ZA" sz="1000" dirty="0">
+                          <a:effectLst/>
+                          <a:latin typeface="Calibri" panose="020F0502020204030204" pitchFamily="34" charset="0"/>
+                          <a:ea typeface="Calibri" panose="020F0502020204030204" pitchFamily="34" charset="0"/>
+                          <a:cs typeface="Times New Roman" panose="02020603050405020304" pitchFamily="18" charset="0"/>
+                        </a:rPr>
+                        <a:t> </a:t>
+                      </a:r>
+                      <a:r>
+                        <a:rPr lang="en-ZA" sz="1000" b="1" u="sng" dirty="0">
+                          <a:solidFill>
+                            <a:srgbClr val="0070C0"/>
+                          </a:solidFill>
+                          <a:effectLst/>
+                          <a:latin typeface="Calibri" panose="020F0502020204030204" pitchFamily="34" charset="0"/>
+                          <a:ea typeface="Calibri" panose="020F0502020204030204" pitchFamily="34" charset="0"/>
+                          <a:cs typeface="Times New Roman" panose="02020603050405020304" pitchFamily="18" charset="0"/>
+                        </a:rPr>
+                        <a:t>8</a:t>
+                      </a:r>
+                      <a:r>
+                        <a:rPr lang="en-ZA" sz="1000" dirty="0">
+                          <a:solidFill>
+                            <a:srgbClr val="0070C0"/>
+                          </a:solidFill>
+                          <a:effectLst/>
+                          <a:latin typeface="Calibri" panose="020F0502020204030204" pitchFamily="34" charset="0"/>
+                          <a:ea typeface="Calibri" panose="020F0502020204030204" pitchFamily="34" charset="0"/>
+                          <a:cs typeface="Times New Roman" panose="02020603050405020304" pitchFamily="18" charset="0"/>
+                        </a:rPr>
+                        <a:t>6 </a:t>
+                      </a:r>
+                      <a:r>
+                        <a:rPr lang="en-ZA" sz="1000" b="1" u="sng" dirty="0">
+                          <a:solidFill>
+                            <a:srgbClr val="0070C0"/>
+                          </a:solidFill>
+                          <a:effectLst/>
+                          <a:latin typeface="Calibri" panose="020F0502020204030204" pitchFamily="34" charset="0"/>
+                          <a:ea typeface="Calibri" panose="020F0502020204030204" pitchFamily="34" charset="0"/>
+                          <a:cs typeface="Times New Roman" panose="02020603050405020304" pitchFamily="18" charset="0"/>
+                        </a:rPr>
+                        <a:t>7</a:t>
+                      </a:r>
+                      <a:r>
+                        <a:rPr lang="en-ZA" sz="1000" dirty="0">
+                          <a:solidFill>
+                            <a:srgbClr val="0070C0"/>
+                          </a:solidFill>
+                          <a:effectLst/>
+                          <a:latin typeface="Calibri" panose="020F0502020204030204" pitchFamily="34" charset="0"/>
+                          <a:ea typeface="Calibri" panose="020F0502020204030204" pitchFamily="34" charset="0"/>
+                          <a:cs typeface="Times New Roman" panose="02020603050405020304" pitchFamily="18" charset="0"/>
+                        </a:rPr>
+                        <a:t>2 </a:t>
+                      </a:r>
+                      <a:r>
+                        <a:rPr lang="en-ZA" sz="1000" b="1" u="sng" dirty="0" smtClean="0">
+                          <a:solidFill>
+                            <a:srgbClr val="0070C0"/>
+                          </a:solidFill>
+                          <a:effectLst/>
+                          <a:latin typeface="Calibri" panose="020F0502020204030204" pitchFamily="34" charset="0"/>
+                          <a:ea typeface="Calibri" panose="020F0502020204030204" pitchFamily="34" charset="0"/>
+                          <a:cs typeface="Times New Roman" panose="02020603050405020304" pitchFamily="18" charset="0"/>
+                        </a:rPr>
+                        <a:t>9</a:t>
+                      </a:r>
+                      <a:r>
+                        <a:rPr lang="en-ZA" sz="1000" dirty="0" smtClean="0">
+                          <a:solidFill>
+                            <a:srgbClr val="0070C0"/>
+                          </a:solidFill>
+                          <a:effectLst/>
+                          <a:latin typeface="Calibri" panose="020F0502020204030204" pitchFamily="34" charset="0"/>
+                          <a:ea typeface="Calibri" panose="020F0502020204030204" pitchFamily="34" charset="0"/>
+                          <a:cs typeface="Times New Roman" panose="02020603050405020304" pitchFamily="18" charset="0"/>
+                        </a:rPr>
+                        <a:t>4 </a:t>
+                      </a:r>
+                      <a:r>
+                        <a:rPr lang="en-ZA" sz="1000" i="1" dirty="0" smtClean="0">
+                          <a:solidFill>
+                            <a:schemeClr val="tx2">
+                              <a:lumMod val="60000"/>
+                              <a:lumOff val="40000"/>
+                            </a:schemeClr>
+                          </a:solidFill>
+                          <a:effectLst/>
+                          <a:latin typeface="Calibri" panose="020F0502020204030204" pitchFamily="34" charset="0"/>
+                          <a:ea typeface="Calibri" panose="020F0502020204030204" pitchFamily="34" charset="0"/>
+                          <a:cs typeface="Calibri" panose="020F0502020204030204" pitchFamily="34" charset="0"/>
+                        </a:rPr>
+                        <a:t>[10]</a:t>
                       </a:r>
                       <a:endParaRPr lang="en-ZA" sz="1000" dirty="0">
                         <a:solidFill>
@@ -10786,12 +12665,329 @@
                         </a:spcAft>
                       </a:pPr>
                       <a:r>
+                        <a:rPr lang="en-ZA" sz="1000" dirty="0">
+                          <a:effectLst/>
+                          <a:latin typeface="Calibri" panose="020F0502020204030204" pitchFamily="34" charset="0"/>
+                          <a:ea typeface="Calibri" panose="020F0502020204030204" pitchFamily="34" charset="0"/>
+                          <a:cs typeface="Times New Roman" panose="02020603050405020304" pitchFamily="18" charset="0"/>
+                        </a:rPr>
+                        <a:t>MUD </a:t>
+                      </a:r>
+                      <a:r>
+                        <a:rPr lang="en-ZA" sz="1000" dirty="0" smtClean="0">
+                          <a:effectLst/>
+                          <a:latin typeface="Calibri" panose="020F0502020204030204" pitchFamily="34" charset="0"/>
+                          <a:ea typeface="Calibri" panose="020F0502020204030204" pitchFamily="34" charset="0"/>
+                          <a:cs typeface="Times New Roman" panose="02020603050405020304" pitchFamily="18" charset="0"/>
+                        </a:rPr>
+                        <a:t>-</a:t>
+                      </a:r>
+                      <a:r>
+                        <a:rPr lang="en-ZA" sz="1000" baseline="0" dirty="0" smtClean="0">
+                          <a:effectLst/>
+                          <a:latin typeface="Calibri" panose="020F0502020204030204" pitchFamily="34" charset="0"/>
+                          <a:ea typeface="Calibri" panose="020F0502020204030204" pitchFamily="34" charset="0"/>
+                          <a:cs typeface="Times New Roman" panose="02020603050405020304" pitchFamily="18" charset="0"/>
+                        </a:rPr>
+                        <a:t> </a:t>
+                      </a:r>
+                      <a:r>
+                        <a:rPr lang="en-ZA" sz="1000" b="1" dirty="0" smtClean="0">
+                          <a:effectLst/>
+                          <a:latin typeface="Calibri" panose="020F0502020204030204" pitchFamily="34" charset="0"/>
+                          <a:ea typeface="Calibri" panose="020F0502020204030204" pitchFamily="34" charset="0"/>
+                          <a:cs typeface="Times New Roman" panose="02020603050405020304" pitchFamily="18" charset="0"/>
+                        </a:rPr>
+                        <a:t>Middle </a:t>
+                      </a:r>
+                      <a:r>
                         <a:rPr lang="en-ZA" sz="1000" b="1" dirty="0">
                           <a:effectLst/>
                           <a:latin typeface="Calibri" panose="020F0502020204030204" pitchFamily="34" charset="0"/>
                           <a:ea typeface="Calibri" panose="020F0502020204030204" pitchFamily="34" charset="0"/>
                           <a:cs typeface="Times New Roman" panose="02020603050405020304" pitchFamily="18" charset="0"/>
                         </a:rPr>
+                        <a:t>Up </a:t>
+                      </a:r>
+                      <a:r>
+                        <a:rPr lang="en-ZA" sz="1000" b="1" dirty="0" smtClean="0">
+                          <a:effectLst/>
+                          <a:latin typeface="Calibri" panose="020F0502020204030204" pitchFamily="34" charset="0"/>
+                          <a:ea typeface="Calibri" panose="020F0502020204030204" pitchFamily="34" charset="0"/>
+                          <a:cs typeface="Times New Roman" panose="02020603050405020304" pitchFamily="18" charset="0"/>
+                        </a:rPr>
+                        <a:t>Down </a:t>
+                      </a:r>
+                      <a:r>
+                        <a:rPr lang="en-ZA" sz="1000" b="1" dirty="0">
+                          <a:effectLst/>
+                          <a:latin typeface="Calibri" panose="020F0502020204030204" pitchFamily="34" charset="0"/>
+                          <a:ea typeface="Calibri" panose="020F0502020204030204" pitchFamily="34" charset="0"/>
+                          <a:cs typeface="Times New Roman" panose="02020603050405020304" pitchFamily="18" charset="0"/>
+                        </a:rPr>
+                        <a:t>from 3 cards</a:t>
+                      </a:r>
+                      <a:r>
+                        <a:rPr lang="en-ZA" sz="1000" dirty="0">
+                          <a:effectLst/>
+                          <a:latin typeface="Calibri" panose="020F0502020204030204" pitchFamily="34" charset="0"/>
+                          <a:ea typeface="Calibri" panose="020F0502020204030204" pitchFamily="34" charset="0"/>
+                          <a:cs typeface="Times New Roman" panose="02020603050405020304" pitchFamily="18" charset="0"/>
+                        </a:rPr>
+                        <a:t>. Follow up with higher then lower card. </a:t>
+                      </a:r>
+                      <a:r>
+                        <a:rPr lang="en-ZA" sz="1000" dirty="0">
+                          <a:solidFill>
+                            <a:srgbClr val="0070C0"/>
+                          </a:solidFill>
+                          <a:effectLst/>
+                          <a:latin typeface="Calibri" panose="020F0502020204030204" pitchFamily="34" charset="0"/>
+                          <a:ea typeface="Calibri" panose="020F0502020204030204" pitchFamily="34" charset="0"/>
+                          <a:cs typeface="Times New Roman" panose="02020603050405020304" pitchFamily="18" charset="0"/>
+                        </a:rPr>
+                        <a:t>863 </a:t>
+                      </a:r>
+                      <a:r>
+                        <a:rPr lang="en-ZA" sz="1000" dirty="0">
+                          <a:effectLst/>
+                          <a:latin typeface="Calibri" panose="020F0502020204030204" pitchFamily="34" charset="0"/>
+                          <a:ea typeface="Calibri" panose="020F0502020204030204" pitchFamily="34" charset="0"/>
+                          <a:cs typeface="Times New Roman" panose="02020603050405020304" pitchFamily="18" charset="0"/>
+                        </a:rPr>
+                        <a:t>play </a:t>
+                      </a:r>
+                      <a:r>
+                        <a:rPr lang="en-ZA" sz="1000" b="1" u="sng" dirty="0">
+                          <a:solidFill>
+                            <a:srgbClr val="0070C0"/>
+                          </a:solidFill>
+                          <a:effectLst/>
+                          <a:latin typeface="Calibri" panose="020F0502020204030204" pitchFamily="34" charset="0"/>
+                          <a:ea typeface="Calibri" panose="020F0502020204030204" pitchFamily="34" charset="0"/>
+                          <a:cs typeface="Times New Roman" panose="02020603050405020304" pitchFamily="18" charset="0"/>
+                        </a:rPr>
+                        <a:t>6</a:t>
+                      </a:r>
+                      <a:r>
+                        <a:rPr lang="en-ZA" sz="1000" dirty="0">
+                          <a:effectLst/>
+                          <a:latin typeface="Calibri" panose="020F0502020204030204" pitchFamily="34" charset="0"/>
+                          <a:ea typeface="Calibri" panose="020F0502020204030204" pitchFamily="34" charset="0"/>
+                          <a:cs typeface="Times New Roman" panose="02020603050405020304" pitchFamily="18" charset="0"/>
+                        </a:rPr>
+                        <a:t>, </a:t>
+                      </a:r>
+                      <a:r>
+                        <a:rPr lang="en-ZA" sz="1000" b="1" u="sng" dirty="0">
+                          <a:solidFill>
+                            <a:srgbClr val="0070C0"/>
+                          </a:solidFill>
+                          <a:effectLst/>
+                          <a:latin typeface="Calibri" panose="020F0502020204030204" pitchFamily="34" charset="0"/>
+                          <a:ea typeface="Calibri" panose="020F0502020204030204" pitchFamily="34" charset="0"/>
+                          <a:cs typeface="Times New Roman" panose="02020603050405020304" pitchFamily="18" charset="0"/>
+                        </a:rPr>
+                        <a:t>8</a:t>
+                      </a:r>
+                      <a:r>
+                        <a:rPr lang="en-ZA" sz="1000" dirty="0">
+                          <a:solidFill>
+                            <a:srgbClr val="FF0000"/>
+                          </a:solidFill>
+                          <a:effectLst/>
+                          <a:latin typeface="Calibri" panose="020F0502020204030204" pitchFamily="34" charset="0"/>
+                          <a:ea typeface="Calibri" panose="020F0502020204030204" pitchFamily="34" charset="0"/>
+                          <a:cs typeface="Times New Roman" panose="02020603050405020304" pitchFamily="18" charset="0"/>
+                        </a:rPr>
+                        <a:t> </a:t>
+                      </a:r>
+                      <a:r>
+                        <a:rPr lang="en-ZA" sz="1000" dirty="0">
+                          <a:effectLst/>
+                          <a:latin typeface="Calibri" panose="020F0502020204030204" pitchFamily="34" charset="0"/>
+                          <a:ea typeface="Calibri" panose="020F0502020204030204" pitchFamily="34" charset="0"/>
+                          <a:cs typeface="Times New Roman" panose="02020603050405020304" pitchFamily="18" charset="0"/>
+                        </a:rPr>
+                        <a:t>then </a:t>
+                      </a:r>
+                      <a:r>
+                        <a:rPr lang="en-ZA" sz="1000" b="1" u="sng" dirty="0" smtClean="0">
+                          <a:solidFill>
+                            <a:srgbClr val="0070C0"/>
+                          </a:solidFill>
+                          <a:effectLst/>
+                          <a:latin typeface="Calibri" panose="020F0502020204030204" pitchFamily="34" charset="0"/>
+                          <a:ea typeface="Calibri" panose="020F0502020204030204" pitchFamily="34" charset="0"/>
+                          <a:cs typeface="Times New Roman" panose="02020603050405020304" pitchFamily="18" charset="0"/>
+                        </a:rPr>
+                        <a:t>3 </a:t>
+                      </a:r>
+                      <a:r>
+                        <a:rPr lang="en-ZA" sz="1000" i="1" dirty="0" smtClean="0">
+                          <a:solidFill>
+                            <a:schemeClr val="tx2">
+                              <a:lumMod val="60000"/>
+                              <a:lumOff val="40000"/>
+                            </a:schemeClr>
+                          </a:solidFill>
+                          <a:effectLst/>
+                          <a:latin typeface="Calibri" panose="020F0502020204030204" pitchFamily="34" charset="0"/>
+                          <a:ea typeface="Calibri" panose="020F0502020204030204" pitchFamily="34" charset="0"/>
+                          <a:cs typeface="Calibri" panose="020F0502020204030204" pitchFamily="34" charset="0"/>
+                        </a:rPr>
+                        <a:t>[10]</a:t>
+                      </a:r>
+                      <a:endParaRPr lang="en-ZA" sz="1000" dirty="0">
+                        <a:solidFill>
+                          <a:srgbClr val="0070C0"/>
+                        </a:solidFill>
+                        <a:effectLst/>
+                        <a:latin typeface="Calibri" panose="020F0502020204030204" pitchFamily="34" charset="0"/>
+                        <a:ea typeface="Calibri" panose="020F0502020204030204" pitchFamily="34" charset="0"/>
+                        <a:cs typeface="Times New Roman" panose="02020603050405020304" pitchFamily="18" charset="0"/>
+                      </a:endParaRPr>
+                    </a:p>
+                    <a:p>
+                      <a:pPr>
+                        <a:spcAft>
+                          <a:spcPts val="0"/>
+                        </a:spcAft>
+                      </a:pPr>
+                      <a:r>
+                        <a:rPr lang="en-ZA" sz="1000" b="1" dirty="0">
+                          <a:effectLst/>
+                          <a:latin typeface="Calibri" panose="020F0502020204030204" pitchFamily="34" charset="0"/>
+                          <a:ea typeface="Calibri" panose="020F0502020204030204" pitchFamily="34" charset="0"/>
+                          <a:cs typeface="Times New Roman" panose="02020603050405020304" pitchFamily="18" charset="0"/>
+                        </a:rPr>
+                        <a:t>4</a:t>
+                      </a:r>
+                      <a:r>
+                        <a:rPr lang="en-ZA" sz="1000" b="1" baseline="30000" dirty="0">
+                          <a:effectLst/>
+                          <a:latin typeface="Calibri" panose="020F0502020204030204" pitchFamily="34" charset="0"/>
+                          <a:ea typeface="Calibri" panose="020F0502020204030204" pitchFamily="34" charset="0"/>
+                          <a:cs typeface="Times New Roman" panose="02020603050405020304" pitchFamily="18" charset="0"/>
+                        </a:rPr>
+                        <a:t>th</a:t>
+                      </a:r>
+                      <a:r>
+                        <a:rPr lang="en-ZA" sz="1000" b="1" dirty="0">
+                          <a:effectLst/>
+                          <a:latin typeface="Calibri" panose="020F0502020204030204" pitchFamily="34" charset="0"/>
+                          <a:ea typeface="Calibri" panose="020F0502020204030204" pitchFamily="34" charset="0"/>
+                          <a:cs typeface="Times New Roman" panose="02020603050405020304" pitchFamily="18" charset="0"/>
+                        </a:rPr>
+                        <a:t> highest from 4 small cards</a:t>
+                      </a:r>
+                      <a:r>
+                        <a:rPr lang="en-ZA" sz="1000" dirty="0">
+                          <a:effectLst/>
+                          <a:latin typeface="Calibri" panose="020F0502020204030204" pitchFamily="34" charset="0"/>
+                          <a:ea typeface="Calibri" panose="020F0502020204030204" pitchFamily="34" charset="0"/>
+                          <a:cs typeface="Times New Roman" panose="02020603050405020304" pitchFamily="18" charset="0"/>
+                        </a:rPr>
+                        <a:t> </a:t>
+                      </a:r>
+                      <a:r>
+                        <a:rPr lang="en-ZA" sz="1000" dirty="0">
+                          <a:solidFill>
+                            <a:srgbClr val="0070C0"/>
+                          </a:solidFill>
+                          <a:effectLst/>
+                          <a:latin typeface="Calibri" panose="020F0502020204030204" pitchFamily="34" charset="0"/>
+                          <a:ea typeface="Calibri" panose="020F0502020204030204" pitchFamily="34" charset="0"/>
+                          <a:cs typeface="Times New Roman" panose="02020603050405020304" pitchFamily="18" charset="0"/>
+                        </a:rPr>
+                        <a:t>973</a:t>
+                      </a:r>
+                      <a:r>
+                        <a:rPr lang="en-ZA" sz="1000" b="1" u="sng" dirty="0">
+                          <a:solidFill>
+                            <a:srgbClr val="0070C0"/>
+                          </a:solidFill>
+                          <a:effectLst/>
+                          <a:latin typeface="Calibri" panose="020F0502020204030204" pitchFamily="34" charset="0"/>
+                          <a:ea typeface="Calibri" panose="020F0502020204030204" pitchFamily="34" charset="0"/>
+                          <a:cs typeface="Times New Roman" panose="02020603050405020304" pitchFamily="18" charset="0"/>
+                        </a:rPr>
+                        <a:t>2</a:t>
+                      </a:r>
+                      <a:r>
+                        <a:rPr lang="en-ZA" sz="1000" dirty="0">
+                          <a:solidFill>
+                            <a:srgbClr val="0070C0"/>
+                          </a:solidFill>
+                          <a:effectLst/>
+                          <a:latin typeface="Calibri" panose="020F0502020204030204" pitchFamily="34" charset="0"/>
+                          <a:ea typeface="Calibri" panose="020F0502020204030204" pitchFamily="34" charset="0"/>
+                          <a:cs typeface="Times New Roman" panose="02020603050405020304" pitchFamily="18" charset="0"/>
+                        </a:rPr>
+                        <a:t> </a:t>
+                      </a:r>
+                      <a:r>
+                        <a:rPr lang="en-ZA" sz="1000" dirty="0" smtClean="0">
+                          <a:solidFill>
+                            <a:srgbClr val="0070C0"/>
+                          </a:solidFill>
+                          <a:effectLst/>
+                          <a:latin typeface="Calibri" panose="020F0502020204030204" pitchFamily="34" charset="0"/>
+                          <a:ea typeface="Calibri" panose="020F0502020204030204" pitchFamily="34" charset="0"/>
+                          <a:cs typeface="Times New Roman" panose="02020603050405020304" pitchFamily="18" charset="0"/>
+                        </a:rPr>
+                        <a:t>875</a:t>
+                      </a:r>
+                      <a:r>
+                        <a:rPr lang="en-ZA" sz="1000" b="1" u="sng" dirty="0" smtClean="0">
+                          <a:solidFill>
+                            <a:srgbClr val="0070C0"/>
+                          </a:solidFill>
+                          <a:effectLst/>
+                          <a:latin typeface="Calibri" panose="020F0502020204030204" pitchFamily="34" charset="0"/>
+                          <a:ea typeface="Calibri" panose="020F0502020204030204" pitchFamily="34" charset="0"/>
+                          <a:cs typeface="Times New Roman" panose="02020603050405020304" pitchFamily="18" charset="0"/>
+                        </a:rPr>
+                        <a:t>4 </a:t>
+                      </a:r>
+                      <a:r>
+                        <a:rPr lang="en-ZA" sz="1000" i="1" dirty="0" smtClean="0">
+                          <a:solidFill>
+                            <a:schemeClr val="tx2">
+                              <a:lumMod val="60000"/>
+                              <a:lumOff val="40000"/>
+                            </a:schemeClr>
+                          </a:solidFill>
+                          <a:effectLst/>
+                          <a:latin typeface="Calibri" panose="020F0502020204030204" pitchFamily="34" charset="0"/>
+                          <a:ea typeface="Calibri" panose="020F0502020204030204" pitchFamily="34" charset="0"/>
+                          <a:cs typeface="Calibri" panose="020F0502020204030204" pitchFamily="34" charset="0"/>
+                        </a:rPr>
+                        <a:t>[10]</a:t>
+                      </a:r>
+                      <a:endParaRPr lang="en-ZA" sz="1000" dirty="0">
+                        <a:solidFill>
+                          <a:srgbClr val="0070C0"/>
+                        </a:solidFill>
+                        <a:effectLst/>
+                        <a:latin typeface="Calibri" panose="020F0502020204030204" pitchFamily="34" charset="0"/>
+                        <a:ea typeface="Calibri" panose="020F0502020204030204" pitchFamily="34" charset="0"/>
+                        <a:cs typeface="Times New Roman" panose="02020603050405020304" pitchFamily="18" charset="0"/>
+                      </a:endParaRPr>
+                    </a:p>
+                    <a:p>
+                      <a:pPr>
+                        <a:spcAft>
+                          <a:spcPts val="0"/>
+                        </a:spcAft>
+                      </a:pPr>
+                      <a:r>
+                        <a:rPr lang="en-ZA" sz="1000" b="1" dirty="0">
+                          <a:effectLst/>
+                          <a:latin typeface="Calibri" panose="020F0502020204030204" pitchFamily="34" charset="0"/>
+                          <a:ea typeface="Calibri" panose="020F0502020204030204" pitchFamily="34" charset="0"/>
+                          <a:cs typeface="Times New Roman" panose="02020603050405020304" pitchFamily="18" charset="0"/>
+                        </a:rPr>
                         <a:t>Never lead a suite with an unsupported Ace</a:t>
                       </a:r>
                       <a:r>
@@ -10801,8 +12997,38 @@
                           <a:ea typeface="Calibri" panose="020F0502020204030204" pitchFamily="34" charset="0"/>
                           <a:cs typeface="Times New Roman" panose="02020603050405020304" pitchFamily="18" charset="0"/>
                         </a:rPr>
-                        <a:t> (Ace without King). Avoid the suite completely.</a:t>
-                      </a:r>
+                        <a:t> (Ace without King). Avoid the suite completely</a:t>
+                      </a:r>
+                      <a:r>
+                        <a:rPr lang="en-ZA" sz="1000" dirty="0" smtClean="0">
+                          <a:effectLst/>
+                          <a:latin typeface="Calibri" panose="020F0502020204030204" pitchFamily="34" charset="0"/>
+                          <a:ea typeface="Calibri" panose="020F0502020204030204" pitchFamily="34" charset="0"/>
+                          <a:cs typeface="Times New Roman" panose="02020603050405020304" pitchFamily="18" charset="0"/>
+                        </a:rPr>
+                        <a:t>. </a:t>
+                      </a:r>
+                      <a:r>
+                        <a:rPr lang="en-ZA" sz="1000" i="1" dirty="0" smtClean="0">
+                          <a:solidFill>
+                            <a:schemeClr val="tx2">
+                              <a:lumMod val="60000"/>
+                              <a:lumOff val="40000"/>
+                            </a:schemeClr>
+                          </a:solidFill>
+                          <a:effectLst/>
+                          <a:latin typeface="Calibri" panose="020F0502020204030204" pitchFamily="34" charset="0"/>
+                          <a:ea typeface="Calibri" panose="020F0502020204030204" pitchFamily="34" charset="0"/>
+                          <a:cs typeface="Calibri" panose="020F0502020204030204" pitchFamily="34" charset="0"/>
+                        </a:rPr>
+                        <a:t>[10]</a:t>
+                      </a:r>
+                      <a:endParaRPr lang="en-ZA" sz="1000" dirty="0">
+                        <a:effectLst/>
+                        <a:latin typeface="Calibri" panose="020F0502020204030204" pitchFamily="34" charset="0"/>
+                        <a:ea typeface="Calibri" panose="020F0502020204030204" pitchFamily="34" charset="0"/>
+                        <a:cs typeface="Times New Roman" panose="02020603050405020304" pitchFamily="18" charset="0"/>
+                      </a:endParaRPr>
                     </a:p>
                   </a:txBody>
                   <a:tcPr marL="68580" marR="68580" marT="0" marB="0">
@@ -10858,21 +13084,21 @@
           <p:nvPr>
             <p:extLst>
               <p:ext uri="{D42A27DB-BD31-4B8C-83A1-F6EECF244321}">
-                <p14:modId xmlns:p14="http://schemas.microsoft.com/office/powerpoint/2010/main" val="1855596693"/>
+                <p14:modId xmlns:p14="http://schemas.microsoft.com/office/powerpoint/2010/main" val="1542300682"/>
               </p:ext>
             </p:extLst>
           </p:nvPr>
         </p:nvGraphicFramePr>
         <p:xfrm>
-          <a:off x="8239" y="5017517"/>
-          <a:ext cx="5478161" cy="652272"/>
+          <a:off x="316494" y="5333717"/>
+          <a:ext cx="5708993" cy="652272"/>
         </p:xfrm>
         <a:graphic>
           <a:graphicData uri="http://schemas.openxmlformats.org/drawingml/2006/table">
             <a:tbl>
               <a:tblPr firstRow="1" firstCol="1" bandRow="1"/>
               <a:tblGrid>
-                <a:gridCol w="5478161"/>
+                <a:gridCol w="5708993"/>
               </a:tblGrid>
               <a:tr h="407709">
                 <a:tc>
@@ -10931,8 +13157,38 @@
                           <a:ea typeface="Calibri" panose="020F0502020204030204" pitchFamily="34" charset="0"/>
                           <a:cs typeface="Times New Roman" panose="02020603050405020304" pitchFamily="18" charset="0"/>
                         </a:rPr>
-                        <a:t>highest of longest and strongest.</a:t>
-                      </a:r>
+                        <a:t>highest of longest and strongest</a:t>
+                      </a:r>
+                      <a:r>
+                        <a:rPr lang="en-ZA" sz="1000" b="1" dirty="0" smtClean="0">
+                          <a:effectLst/>
+                          <a:latin typeface="Calibri" panose="020F0502020204030204" pitchFamily="34" charset="0"/>
+                          <a:ea typeface="Calibri" panose="020F0502020204030204" pitchFamily="34" charset="0"/>
+                          <a:cs typeface="Times New Roman" panose="02020603050405020304" pitchFamily="18" charset="0"/>
+                        </a:rPr>
+                        <a:t>. </a:t>
+                      </a:r>
+                      <a:r>
+                        <a:rPr lang="en-ZA" sz="1000" i="1" dirty="0" smtClean="0">
+                          <a:solidFill>
+                            <a:schemeClr val="tx2">
+                              <a:lumMod val="60000"/>
+                              <a:lumOff val="40000"/>
+                            </a:schemeClr>
+                          </a:solidFill>
+                          <a:effectLst/>
+                          <a:latin typeface="Calibri" panose="020F0502020204030204" pitchFamily="34" charset="0"/>
+                          <a:ea typeface="Calibri" panose="020F0502020204030204" pitchFamily="34" charset="0"/>
+                          <a:cs typeface="Calibri" panose="020F0502020204030204" pitchFamily="34" charset="0"/>
+                        </a:rPr>
+                        <a:t>[11]</a:t>
+                      </a:r>
+                      <a:endParaRPr lang="en-ZA" sz="1000" b="1" dirty="0">
+                        <a:effectLst/>
+                        <a:latin typeface="Calibri" panose="020F0502020204030204" pitchFamily="34" charset="0"/>
+                        <a:ea typeface="Calibri" panose="020F0502020204030204" pitchFamily="34" charset="0"/>
+                        <a:cs typeface="Times New Roman" panose="02020603050405020304" pitchFamily="18" charset="0"/>
+                      </a:endParaRPr>
                     </a:p>
                     <a:p>
                       <a:pPr>
@@ -10950,10 +13206,28 @@
                           <a:ea typeface="Calibri" panose="020F0502020204030204" pitchFamily="34" charset="0"/>
                           <a:cs typeface="Times New Roman" panose="02020603050405020304" pitchFamily="18" charset="0"/>
                         </a:rPr>
-                        <a:t>Same as Suite Contracts except that the sequence needs 3 touching cards </a:t>
-                      </a:r>
-                      <a:r>
-                        <a:rPr lang="en-ZA" sz="1000" b="1" u="sng" dirty="0" err="1">
+                        <a:t>Same as Suite Contracts except that the </a:t>
+                      </a:r>
+                      <a:r>
+                        <a:rPr lang="en-ZA" sz="1000" b="1" dirty="0">
+                          <a:effectLst/>
+                          <a:latin typeface="Calibri" panose="020F0502020204030204" pitchFamily="34" charset="0"/>
+                          <a:ea typeface="Calibri" panose="020F0502020204030204" pitchFamily="34" charset="0"/>
+                          <a:cs typeface="Times New Roman" panose="02020603050405020304" pitchFamily="18" charset="0"/>
+                        </a:rPr>
+                        <a:t>sequence needs 3 touching cards</a:t>
+                      </a:r>
+                      <a:r>
+                        <a:rPr lang="en-ZA" sz="1000" dirty="0">
+                          <a:effectLst/>
+                          <a:latin typeface="Calibri" panose="020F0502020204030204" pitchFamily="34" charset="0"/>
+                          <a:ea typeface="Calibri" panose="020F0502020204030204" pitchFamily="34" charset="0"/>
+                          <a:cs typeface="Times New Roman" panose="02020603050405020304" pitchFamily="18" charset="0"/>
+                        </a:rPr>
+                        <a:t> </a:t>
+                      </a:r>
+                      <a:r>
+                        <a:rPr lang="en-ZA" sz="1000" b="1" u="sng" dirty="0" err="1" smtClean="0">
                           <a:solidFill>
                             <a:srgbClr val="0070C0"/>
                           </a:solidFill>
@@ -10965,7 +13239,7 @@
                         <a:t>K</a:t>
                       </a:r>
                       <a:r>
-                        <a:rPr lang="en-ZA" sz="1000" dirty="0" err="1">
+                        <a:rPr lang="en-ZA" sz="1000" dirty="0" err="1" smtClean="0">
                           <a:solidFill>
                             <a:srgbClr val="0070C0"/>
                           </a:solidFill>
@@ -10975,6 +13249,33 @@
                           <a:cs typeface="Times New Roman" panose="02020603050405020304" pitchFamily="18" charset="0"/>
                         </a:rPr>
                         <a:t>QJxx</a:t>
+                      </a:r>
+                      <a:r>
+                        <a:rPr lang="en-ZA" sz="1000" dirty="0" smtClean="0">
+                          <a:solidFill>
+                            <a:srgbClr val="0070C0"/>
+                          </a:solidFill>
+                          <a:effectLst/>
+                          <a:latin typeface="Calibri" panose="020F0502020204030204" pitchFamily="34" charset="0"/>
+                          <a:ea typeface="Calibri" panose="020F0502020204030204" pitchFamily="34" charset="0"/>
+                          <a:cs typeface="Times New Roman" panose="02020603050405020304" pitchFamily="18" charset="0"/>
+                        </a:rPr>
+                        <a:t> </a:t>
+                      </a:r>
+                      <a:r>
+                        <a:rPr lang="en-ZA" sz="1000" i="1" dirty="0" smtClean="0">
+                          <a:solidFill>
+                            <a:schemeClr val="tx2">
+                              <a:lumMod val="60000"/>
+                              <a:lumOff val="40000"/>
+                            </a:schemeClr>
+                          </a:solidFill>
+                          <a:effectLst/>
+                          <a:latin typeface="Calibri" panose="020F0502020204030204" pitchFamily="34" charset="0"/>
+                          <a:ea typeface="Calibri" panose="020F0502020204030204" pitchFamily="34" charset="0"/>
+                          <a:cs typeface="Calibri" panose="020F0502020204030204" pitchFamily="34" charset="0"/>
+                        </a:rPr>
+                        <a:t>[11]</a:t>
                       </a:r>
                       <a:endParaRPr lang="en-ZA" sz="1000" dirty="0">
                         <a:solidFill>
@@ -11029,8 +13330,38 @@
                           <a:ea typeface="Calibri" panose="020F0502020204030204" pitchFamily="34" charset="0"/>
                           <a:cs typeface="Times New Roman" panose="02020603050405020304" pitchFamily="18" charset="0"/>
                         </a:rPr>
-                        <a:t> highest.</a:t>
-                      </a:r>
+                        <a:t> highest</a:t>
+                      </a:r>
+                      <a:r>
+                        <a:rPr lang="en-ZA" sz="1000" b="1" dirty="0" smtClean="0">
+                          <a:effectLst/>
+                          <a:latin typeface="Calibri" panose="020F0502020204030204" pitchFamily="34" charset="0"/>
+                          <a:ea typeface="Calibri" panose="020F0502020204030204" pitchFamily="34" charset="0"/>
+                          <a:cs typeface="Times New Roman" panose="02020603050405020304" pitchFamily="18" charset="0"/>
+                        </a:rPr>
+                        <a:t>. </a:t>
+                      </a:r>
+                      <a:r>
+                        <a:rPr lang="en-ZA" sz="1000" i="1" dirty="0" smtClean="0">
+                          <a:solidFill>
+                            <a:schemeClr val="tx2">
+                              <a:lumMod val="60000"/>
+                              <a:lumOff val="40000"/>
+                            </a:schemeClr>
+                          </a:solidFill>
+                          <a:effectLst/>
+                          <a:latin typeface="Calibri" panose="020F0502020204030204" pitchFamily="34" charset="0"/>
+                          <a:ea typeface="Calibri" panose="020F0502020204030204" pitchFamily="34" charset="0"/>
+                          <a:cs typeface="Calibri" panose="020F0502020204030204" pitchFamily="34" charset="0"/>
+                        </a:rPr>
+                        <a:t>[11]</a:t>
+                      </a:r>
+                      <a:endParaRPr lang="en-ZA" sz="1000" b="1" dirty="0">
+                        <a:effectLst/>
+                        <a:latin typeface="Calibri" panose="020F0502020204030204" pitchFamily="34" charset="0"/>
+                        <a:ea typeface="Calibri" panose="020F0502020204030204" pitchFamily="34" charset="0"/>
+                        <a:cs typeface="Times New Roman" panose="02020603050405020304" pitchFamily="18" charset="0"/>
+                      </a:endParaRPr>
                     </a:p>
                     <a:p>
                       <a:pPr>
@@ -11111,10 +13442,10 @@
                           <a:ea typeface="Calibri" panose="020F0502020204030204" pitchFamily="34" charset="0"/>
                           <a:cs typeface="Times New Roman" panose="02020603050405020304" pitchFamily="18" charset="0"/>
                         </a:rPr>
-                        <a:t>(</a:t>
-                      </a:r>
-                      <a:r>
-                        <a:rPr lang="en-ZA" sz="1000" i="1" dirty="0" err="1" smtClean="0">
+                        <a:t>(Called </a:t>
+                      </a:r>
+                      <a:r>
+                        <a:rPr lang="en-ZA" sz="1000" i="1" u="sng" dirty="0" err="1" smtClean="0">
                           <a:effectLst/>
                           <a:latin typeface="Calibri" panose="020F0502020204030204" pitchFamily="34" charset="0"/>
                           <a:ea typeface="Calibri" panose="020F0502020204030204" pitchFamily="34" charset="0"/>
@@ -11147,7 +13478,22 @@
                           <a:ea typeface="Calibri" panose="020F0502020204030204" pitchFamily="34" charset="0"/>
                           <a:cs typeface="Times New Roman" panose="02020603050405020304" pitchFamily="18" charset="0"/>
                         </a:rPr>
-                        <a:t>Ace)</a:t>
+                        <a:t>Ace) </a:t>
+                      </a:r>
+                      <a:r>
+                        <a:rPr lang="en-ZA" sz="1000" i="1" dirty="0" smtClean="0">
+                          <a:solidFill>
+                            <a:schemeClr val="tx2">
+                              <a:lumMod val="60000"/>
+                              <a:lumOff val="40000"/>
+                            </a:schemeClr>
+                          </a:solidFill>
+                          <a:effectLst/>
+                          <a:latin typeface="Calibri" panose="020F0502020204030204" pitchFamily="34" charset="0"/>
+                          <a:ea typeface="Calibri" panose="020F0502020204030204" pitchFamily="34" charset="0"/>
+                          <a:cs typeface="Calibri" panose="020F0502020204030204" pitchFamily="34" charset="0"/>
+                        </a:rPr>
+                        <a:t>[11]</a:t>
                       </a:r>
                       <a:endParaRPr lang="en-ZA" sz="1000" i="1" dirty="0">
                         <a:effectLst/>
@@ -11209,12 +13555,42 @@
         </p:nvSpPr>
         <p:spPr>
           <a:xfrm>
-            <a:off x="0" y="12941"/>
+            <a:off x="291779" y="12756"/>
             <a:ext cx="1016001" cy="276999"/>
           </a:xfrm>
           <a:prstGeom prst="rect">
             <a:avLst/>
           </a:prstGeom>
+          <a:gradFill flip="none" rotWithShape="1">
+            <a:gsLst>
+              <a:gs pos="0">
+                <a:schemeClr val="accent6">
+                  <a:lumMod val="5000"/>
+                  <a:lumOff val="95000"/>
+                </a:schemeClr>
+              </a:gs>
+              <a:gs pos="74000">
+                <a:schemeClr val="accent6">
+                  <a:lumMod val="45000"/>
+                  <a:lumOff val="55000"/>
+                </a:schemeClr>
+              </a:gs>
+              <a:gs pos="83000">
+                <a:schemeClr val="accent6">
+                  <a:lumMod val="45000"/>
+                  <a:lumOff val="55000"/>
+                </a:schemeClr>
+              </a:gs>
+              <a:gs pos="100000">
+                <a:schemeClr val="accent6">
+                  <a:lumMod val="30000"/>
+                  <a:lumOff val="70000"/>
+                </a:schemeClr>
+              </a:gs>
+            </a:gsLst>
+            <a:lin ang="5400000" scaled="1"/>
+            <a:tileRect/>
+          </a:gradFill>
         </p:spPr>
         <p:style>
           <a:lnRef idx="1">
@@ -11252,12 +13628,42 @@
         </p:nvSpPr>
         <p:spPr>
           <a:xfrm>
-            <a:off x="5672224" y="7009"/>
+            <a:off x="6209662" y="13648"/>
             <a:ext cx="1214608" cy="276999"/>
           </a:xfrm>
           <a:prstGeom prst="rect">
             <a:avLst/>
           </a:prstGeom>
+          <a:gradFill flip="none" rotWithShape="1">
+            <a:gsLst>
+              <a:gs pos="0">
+                <a:schemeClr val="accent6">
+                  <a:lumMod val="5000"/>
+                  <a:lumOff val="95000"/>
+                </a:schemeClr>
+              </a:gs>
+              <a:gs pos="74000">
+                <a:schemeClr val="accent6">
+                  <a:lumMod val="45000"/>
+                  <a:lumOff val="55000"/>
+                </a:schemeClr>
+              </a:gs>
+              <a:gs pos="83000">
+                <a:schemeClr val="accent6">
+                  <a:lumMod val="45000"/>
+                  <a:lumOff val="55000"/>
+                </a:schemeClr>
+              </a:gs>
+              <a:gs pos="100000">
+                <a:schemeClr val="accent6">
+                  <a:lumMod val="30000"/>
+                  <a:lumOff val="70000"/>
+                </a:schemeClr>
+              </a:gs>
+            </a:gsLst>
+            <a:lin ang="5400000" scaled="1"/>
+            <a:tileRect/>
+          </a:gradFill>
         </p:spPr>
         <p:style>
           <a:lnRef idx="1">
@@ -11295,12 +13701,42 @@
         </p:nvSpPr>
         <p:spPr>
           <a:xfrm>
-            <a:off x="8588" y="1915862"/>
+            <a:off x="293543" y="1908853"/>
             <a:ext cx="1385478" cy="276999"/>
           </a:xfrm>
           <a:prstGeom prst="rect">
             <a:avLst/>
           </a:prstGeom>
+          <a:gradFill flip="none" rotWithShape="1">
+            <a:gsLst>
+              <a:gs pos="0">
+                <a:schemeClr val="accent6">
+                  <a:lumMod val="5000"/>
+                  <a:lumOff val="95000"/>
+                </a:schemeClr>
+              </a:gs>
+              <a:gs pos="74000">
+                <a:schemeClr val="accent6">
+                  <a:lumMod val="45000"/>
+                  <a:lumOff val="55000"/>
+                </a:schemeClr>
+              </a:gs>
+              <a:gs pos="83000">
+                <a:schemeClr val="accent6">
+                  <a:lumMod val="45000"/>
+                  <a:lumOff val="55000"/>
+                </a:schemeClr>
+              </a:gs>
+              <a:gs pos="100000">
+                <a:schemeClr val="accent6">
+                  <a:lumMod val="30000"/>
+                  <a:lumOff val="70000"/>
+                </a:schemeClr>
+              </a:gs>
+            </a:gsLst>
+            <a:lin ang="5400000" scaled="1"/>
+            <a:tileRect/>
+          </a:gradFill>
         </p:spPr>
         <p:style>
           <a:lnRef idx="1">
@@ -11338,12 +13774,42 @@
         </p:nvSpPr>
         <p:spPr>
           <a:xfrm>
-            <a:off x="0" y="3367290"/>
+            <a:off x="291779" y="3467849"/>
             <a:ext cx="1524867" cy="276999"/>
           </a:xfrm>
           <a:prstGeom prst="rect">
             <a:avLst/>
           </a:prstGeom>
+          <a:gradFill flip="none" rotWithShape="1">
+            <a:gsLst>
+              <a:gs pos="0">
+                <a:schemeClr val="accent6">
+                  <a:lumMod val="5000"/>
+                  <a:lumOff val="95000"/>
+                </a:schemeClr>
+              </a:gs>
+              <a:gs pos="74000">
+                <a:schemeClr val="accent6">
+                  <a:lumMod val="45000"/>
+                  <a:lumOff val="55000"/>
+                </a:schemeClr>
+              </a:gs>
+              <a:gs pos="83000">
+                <a:schemeClr val="accent6">
+                  <a:lumMod val="45000"/>
+                  <a:lumOff val="55000"/>
+                </a:schemeClr>
+              </a:gs>
+              <a:gs pos="100000">
+                <a:schemeClr val="accent6">
+                  <a:lumMod val="30000"/>
+                  <a:lumOff val="70000"/>
+                </a:schemeClr>
+              </a:gs>
+            </a:gsLst>
+            <a:lin ang="5400000" scaled="1"/>
+            <a:tileRect/>
+          </a:gradFill>
         </p:spPr>
         <p:style>
           <a:lnRef idx="1">
@@ -11381,12 +13847,42 @@
         </p:nvSpPr>
         <p:spPr>
           <a:xfrm>
-            <a:off x="7732" y="4734060"/>
+            <a:off x="315987" y="5050260"/>
             <a:ext cx="1394573" cy="276999"/>
           </a:xfrm>
           <a:prstGeom prst="rect">
             <a:avLst/>
           </a:prstGeom>
+          <a:gradFill flip="none" rotWithShape="1">
+            <a:gsLst>
+              <a:gs pos="0">
+                <a:schemeClr val="accent6">
+                  <a:lumMod val="5000"/>
+                  <a:lumOff val="95000"/>
+                </a:schemeClr>
+              </a:gs>
+              <a:gs pos="74000">
+                <a:schemeClr val="accent6">
+                  <a:lumMod val="45000"/>
+                  <a:lumOff val="55000"/>
+                </a:schemeClr>
+              </a:gs>
+              <a:gs pos="83000">
+                <a:schemeClr val="accent6">
+                  <a:lumMod val="45000"/>
+                  <a:lumOff val="55000"/>
+                </a:schemeClr>
+              </a:gs>
+              <a:gs pos="100000">
+                <a:schemeClr val="accent6">
+                  <a:lumMod val="30000"/>
+                  <a:lumOff val="70000"/>
+                </a:schemeClr>
+              </a:gs>
+            </a:gsLst>
+            <a:lin ang="5400000" scaled="1"/>
+            <a:tileRect/>
+          </a:gradFill>
         </p:spPr>
         <p:style>
           <a:lnRef idx="1">
@@ -11425,23 +13921,23 @@
           <p:nvPr>
             <p:extLst>
               <p:ext uri="{D42A27DB-BD31-4B8C-83A1-F6EECF244321}">
-                <p14:modId xmlns:p14="http://schemas.microsoft.com/office/powerpoint/2010/main" val="1439298603"/>
+                <p14:modId xmlns:p14="http://schemas.microsoft.com/office/powerpoint/2010/main" val="3291731071"/>
               </p:ext>
             </p:extLst>
           </p:nvPr>
         </p:nvGraphicFramePr>
         <p:xfrm>
-          <a:off x="5664493" y="4860632"/>
-          <a:ext cx="4616560" cy="407709"/>
+          <a:off x="6201931" y="4634435"/>
+          <a:ext cx="4630207" cy="971169"/>
         </p:xfrm>
         <a:graphic>
           <a:graphicData uri="http://schemas.openxmlformats.org/drawingml/2006/table">
             <a:tbl>
               <a:tblPr firstRow="1" firstCol="1" bandRow="1"/>
               <a:tblGrid>
-                <a:gridCol w="4616560"/>
+                <a:gridCol w="4630207"/>
               </a:tblGrid>
-              <a:tr h="407709">
+              <a:tr h="923180">
                 <a:tc>
                   <a:txBody>
                     <a:bodyPr/>
@@ -11456,16 +13952,173 @@
                         </a:spcAft>
                       </a:pPr>
                       <a:r>
+                        <a:rPr lang="en-ZA" sz="1000" b="1" i="0" baseline="0" dirty="0" smtClean="0">
+                          <a:effectLst/>
+                          <a:latin typeface="Calibri" panose="020F0502020204030204" pitchFamily="34" charset="0"/>
+                          <a:ea typeface="Calibri" panose="020F0502020204030204" pitchFamily="34" charset="0"/>
+                          <a:cs typeface="Times New Roman" panose="02020603050405020304" pitchFamily="18" charset="0"/>
+                        </a:rPr>
+                        <a:t>Playing 2</a:t>
+                      </a:r>
+                      <a:r>
+                        <a:rPr lang="en-ZA" sz="1000" b="1" i="0" baseline="30000" dirty="0" smtClean="0">
+                          <a:effectLst/>
+                          <a:latin typeface="Calibri" panose="020F0502020204030204" pitchFamily="34" charset="0"/>
+                          <a:ea typeface="Calibri" panose="020F0502020204030204" pitchFamily="34" charset="0"/>
+                          <a:cs typeface="Times New Roman" panose="02020603050405020304" pitchFamily="18" charset="0"/>
+                        </a:rPr>
+                        <a:t>nd</a:t>
+                      </a:r>
+                      <a:r>
+                        <a:rPr lang="en-ZA" sz="1000" b="1" i="0" baseline="0" dirty="0" smtClean="0">
+                          <a:effectLst/>
+                          <a:latin typeface="Calibri" panose="020F0502020204030204" pitchFamily="34" charset="0"/>
+                          <a:ea typeface="Calibri" panose="020F0502020204030204" pitchFamily="34" charset="0"/>
+                          <a:cs typeface="Times New Roman" panose="02020603050405020304" pitchFamily="18" charset="0"/>
+                        </a:rPr>
+                        <a:t> hand</a:t>
+                      </a:r>
+                      <a:r>
+                        <a:rPr lang="en-ZA" sz="1000" i="0" baseline="0" dirty="0" smtClean="0">
+                          <a:effectLst/>
+                          <a:latin typeface="Calibri" panose="020F0502020204030204" pitchFamily="34" charset="0"/>
+                          <a:ea typeface="Calibri" panose="020F0502020204030204" pitchFamily="34" charset="0"/>
+                          <a:cs typeface="Times New Roman" panose="02020603050405020304" pitchFamily="18" charset="0"/>
+                        </a:rPr>
+                        <a:t>: do not play high card immediately. 2</a:t>
+                      </a:r>
+                      <a:r>
+                        <a:rPr lang="en-ZA" sz="1000" i="0" baseline="30000" dirty="0" smtClean="0">
+                          <a:effectLst/>
+                          <a:latin typeface="Calibri" panose="020F0502020204030204" pitchFamily="34" charset="0"/>
+                          <a:ea typeface="Calibri" panose="020F0502020204030204" pitchFamily="34" charset="0"/>
+                          <a:cs typeface="Times New Roman" panose="02020603050405020304" pitchFamily="18" charset="0"/>
+                        </a:rPr>
+                        <a:t>nd</a:t>
+                      </a:r>
+                      <a:r>
+                        <a:rPr lang="en-ZA" sz="1000" i="0" baseline="0" dirty="0" smtClean="0">
+                          <a:effectLst/>
+                          <a:latin typeface="Calibri" panose="020F0502020204030204" pitchFamily="34" charset="0"/>
+                          <a:ea typeface="Calibri" panose="020F0502020204030204" pitchFamily="34" charset="0"/>
+                          <a:cs typeface="Times New Roman" panose="02020603050405020304" pitchFamily="18" charset="0"/>
+                        </a:rPr>
+                        <a:t> hand low </a:t>
+                      </a:r>
+                      <a:r>
+                        <a:rPr lang="en-ZA" sz="1000" i="1" dirty="0" smtClean="0">
+                          <a:solidFill>
+                            <a:schemeClr val="tx2">
+                              <a:lumMod val="60000"/>
+                              <a:lumOff val="40000"/>
+                            </a:schemeClr>
+                          </a:solidFill>
+                          <a:effectLst/>
+                          <a:latin typeface="Calibri" panose="020F0502020204030204" pitchFamily="34" charset="0"/>
+                          <a:ea typeface="Calibri" panose="020F0502020204030204" pitchFamily="34" charset="0"/>
+                          <a:cs typeface="Calibri" panose="020F0502020204030204" pitchFamily="34" charset="0"/>
+                        </a:rPr>
+                        <a:t>[12]</a:t>
+                      </a:r>
+                      <a:endParaRPr lang="en-ZA" sz="1000" i="0" baseline="0" dirty="0" smtClean="0">
+                        <a:effectLst/>
+                        <a:latin typeface="Calibri" panose="020F0502020204030204" pitchFamily="34" charset="0"/>
+                        <a:ea typeface="Calibri" panose="020F0502020204030204" pitchFamily="34" charset="0"/>
+                        <a:cs typeface="Times New Roman" panose="02020603050405020304" pitchFamily="18" charset="0"/>
+                      </a:endParaRPr>
+                    </a:p>
+                    <a:p>
+                      <a:pPr marL="0" marR="0" lvl="0" indent="0" algn="l" defTabSz="914400" rtl="0" eaLnBrk="1" fontAlgn="auto" latinLnBrk="0" hangingPunct="1">
+                        <a:lnSpc>
+                          <a:spcPct val="107000"/>
+                        </a:lnSpc>
+                        <a:spcBef>
+                          <a:spcPts val="0"/>
+                        </a:spcBef>
+                        <a:spcAft>
+                          <a:spcPts val="0"/>
+                        </a:spcAft>
+                        <a:buClrTx/>
+                        <a:buSzTx/>
+                        <a:buFontTx/>
+                        <a:buNone/>
+                        <a:tabLst/>
+                        <a:defRPr/>
+                      </a:pPr>
+                      <a:r>
                         <a:rPr lang="en-ZA" sz="1000" b="1" i="0" dirty="0" smtClean="0">
                           <a:effectLst/>
                           <a:latin typeface="Calibri" panose="020F0502020204030204" pitchFamily="34" charset="0"/>
                           <a:ea typeface="Calibri" panose="020F0502020204030204" pitchFamily="34" charset="0"/>
                           <a:cs typeface="Times New Roman" panose="02020603050405020304" pitchFamily="18" charset="0"/>
                         </a:rPr>
+                        <a:t>Playing 3</a:t>
+                      </a:r>
+                      <a:r>
+                        <a:rPr lang="en-ZA" sz="1000" b="1" i="0" baseline="30000" dirty="0" smtClean="0">
+                          <a:effectLst/>
+                          <a:latin typeface="Calibri" panose="020F0502020204030204" pitchFamily="34" charset="0"/>
+                          <a:ea typeface="Calibri" panose="020F0502020204030204" pitchFamily="34" charset="0"/>
+                          <a:cs typeface="Times New Roman" panose="02020603050405020304" pitchFamily="18" charset="0"/>
+                        </a:rPr>
+                        <a:t>rd</a:t>
+                      </a:r>
+                      <a:r>
+                        <a:rPr lang="en-ZA" sz="1000" b="1" i="0" dirty="0" smtClean="0">
+                          <a:effectLst/>
+                          <a:latin typeface="Calibri" panose="020F0502020204030204" pitchFamily="34" charset="0"/>
+                          <a:ea typeface="Calibri" panose="020F0502020204030204" pitchFamily="34" charset="0"/>
+                          <a:cs typeface="Times New Roman" panose="02020603050405020304" pitchFamily="18" charset="0"/>
+                        </a:rPr>
+                        <a:t> hand</a:t>
+                      </a:r>
+                      <a:r>
+                        <a:rPr lang="en-ZA" sz="1000" i="0" dirty="0" smtClean="0">
+                          <a:effectLst/>
+                          <a:latin typeface="Calibri" panose="020F0502020204030204" pitchFamily="34" charset="0"/>
+                          <a:ea typeface="Calibri" panose="020F0502020204030204" pitchFamily="34" charset="0"/>
+                          <a:cs typeface="Times New Roman" panose="02020603050405020304" pitchFamily="18" charset="0"/>
+                        </a:rPr>
+                        <a:t>:</a:t>
+                      </a:r>
+                      <a:r>
+                        <a:rPr lang="en-ZA" sz="1000" i="0" baseline="0" dirty="0" smtClean="0">
+                          <a:effectLst/>
+                          <a:latin typeface="Calibri" panose="020F0502020204030204" pitchFamily="34" charset="0"/>
+                          <a:ea typeface="Calibri" panose="020F0502020204030204" pitchFamily="34" charset="0"/>
+                          <a:cs typeface="Times New Roman" panose="02020603050405020304" pitchFamily="18" charset="0"/>
+                        </a:rPr>
+                        <a:t> </a:t>
+                      </a:r>
+                      <a:r>
+                        <a:rPr lang="en-ZA" sz="1000" i="0" dirty="0" smtClean="0">
+                          <a:effectLst/>
+                          <a:latin typeface="Calibri" panose="020F0502020204030204" pitchFamily="34" charset="0"/>
+                          <a:ea typeface="Calibri" panose="020F0502020204030204" pitchFamily="34" charset="0"/>
+                          <a:cs typeface="Times New Roman" panose="02020603050405020304" pitchFamily="18" charset="0"/>
+                        </a:rPr>
+                        <a:t>play highest card.</a:t>
+                      </a:r>
+                      <a:r>
+                        <a:rPr lang="en-ZA" sz="1000" i="0" baseline="0" dirty="0" smtClean="0">
+                          <a:effectLst/>
+                          <a:latin typeface="Calibri" panose="020F0502020204030204" pitchFamily="34" charset="0"/>
+                          <a:ea typeface="Calibri" panose="020F0502020204030204" pitchFamily="34" charset="0"/>
+                          <a:cs typeface="Times New Roman" panose="02020603050405020304" pitchFamily="18" charset="0"/>
+                        </a:rPr>
+                        <a:t> </a:t>
+                      </a:r>
+                      <a:r>
+                        <a:rPr lang="en-ZA" sz="1000" i="1" baseline="0" dirty="0" smtClean="0">
+                          <a:effectLst/>
+                          <a:latin typeface="Calibri" panose="020F0502020204030204" pitchFamily="34" charset="0"/>
+                          <a:ea typeface="Calibri" panose="020F0502020204030204" pitchFamily="34" charset="0"/>
+                          <a:cs typeface="Times New Roman" panose="02020603050405020304" pitchFamily="18" charset="0"/>
+                        </a:rPr>
                         <a:t>3</a:t>
                       </a:r>
                       <a:r>
-                        <a:rPr lang="en-ZA" sz="1000" b="1" i="0" baseline="30000" dirty="0" smtClean="0">
+                        <a:rPr lang="en-ZA" sz="1000" i="1" baseline="30000" dirty="0" smtClean="0">
                           <a:effectLst/>
                           <a:latin typeface="Calibri" panose="020F0502020204030204" pitchFamily="34" charset="0"/>
                           <a:ea typeface="Calibri" panose="020F0502020204030204" pitchFamily="34" charset="0"/>
@@ -11474,77 +14127,35 @@
                         <a:t>rd</a:t>
                       </a:r>
                       <a:r>
-                        <a:rPr lang="en-ZA" sz="1000" b="1" i="0" dirty="0" smtClean="0">
-                          <a:effectLst/>
-                          <a:latin typeface="Calibri" panose="020F0502020204030204" pitchFamily="34" charset="0"/>
-                          <a:ea typeface="Calibri" panose="020F0502020204030204" pitchFamily="34" charset="0"/>
-                          <a:cs typeface="Times New Roman" panose="02020603050405020304" pitchFamily="18" charset="0"/>
-                        </a:rPr>
-                        <a:t> hand</a:t>
-                      </a:r>
-                      <a:r>
-                        <a:rPr lang="en-ZA" sz="1000" i="0" dirty="0" smtClean="0">
-                          <a:effectLst/>
-                          <a:latin typeface="Calibri" panose="020F0502020204030204" pitchFamily="34" charset="0"/>
-                          <a:ea typeface="Calibri" panose="020F0502020204030204" pitchFamily="34" charset="0"/>
-                          <a:cs typeface="Times New Roman" panose="02020603050405020304" pitchFamily="18" charset="0"/>
-                        </a:rPr>
-                        <a:t>:</a:t>
-                      </a:r>
-                      <a:r>
-                        <a:rPr lang="en-ZA" sz="1000" i="0" baseline="0" dirty="0" smtClean="0">
-                          <a:effectLst/>
-                          <a:latin typeface="Calibri" panose="020F0502020204030204" pitchFamily="34" charset="0"/>
-                          <a:ea typeface="Calibri" panose="020F0502020204030204" pitchFamily="34" charset="0"/>
-                          <a:cs typeface="Times New Roman" panose="02020603050405020304" pitchFamily="18" charset="0"/>
-                        </a:rPr>
-                        <a:t> </a:t>
-                      </a:r>
-                      <a:r>
-                        <a:rPr lang="en-ZA" sz="1000" i="0" dirty="0" smtClean="0">
-                          <a:effectLst/>
-                          <a:latin typeface="Calibri" panose="020F0502020204030204" pitchFamily="34" charset="0"/>
-                          <a:ea typeface="Calibri" panose="020F0502020204030204" pitchFamily="34" charset="0"/>
-                          <a:cs typeface="Times New Roman" panose="02020603050405020304" pitchFamily="18" charset="0"/>
-                        </a:rPr>
-                        <a:t>play highest card.</a:t>
-                      </a:r>
-                      <a:r>
-                        <a:rPr lang="en-ZA" sz="1000" i="0" baseline="0" dirty="0" smtClean="0">
-                          <a:effectLst/>
-                          <a:latin typeface="Calibri" panose="020F0502020204030204" pitchFamily="34" charset="0"/>
-                          <a:ea typeface="Calibri" panose="020F0502020204030204" pitchFamily="34" charset="0"/>
-                          <a:cs typeface="Times New Roman" panose="02020603050405020304" pitchFamily="18" charset="0"/>
-                        </a:rPr>
-                        <a:t> </a:t>
-                      </a:r>
-                      <a:r>
                         <a:rPr lang="en-ZA" sz="1000" i="1" baseline="0" dirty="0" smtClean="0">
                           <a:effectLst/>
                           <a:latin typeface="Calibri" panose="020F0502020204030204" pitchFamily="34" charset="0"/>
                           <a:ea typeface="Calibri" panose="020F0502020204030204" pitchFamily="34" charset="0"/>
                           <a:cs typeface="Times New Roman" panose="02020603050405020304" pitchFamily="18" charset="0"/>
                         </a:rPr>
-                        <a:t>3</a:t>
-                      </a:r>
-                      <a:r>
-                        <a:rPr lang="en-ZA" sz="1000" i="1" baseline="30000" dirty="0" smtClean="0">
-                          <a:effectLst/>
-                          <a:latin typeface="Calibri" panose="020F0502020204030204" pitchFamily="34" charset="0"/>
-                          <a:ea typeface="Calibri" panose="020F0502020204030204" pitchFamily="34" charset="0"/>
-                          <a:cs typeface="Times New Roman" panose="02020603050405020304" pitchFamily="18" charset="0"/>
-                        </a:rPr>
-                        <a:t>rd</a:t>
-                      </a:r>
-                      <a:r>
-                        <a:rPr lang="en-ZA" sz="1000" i="1" baseline="0" dirty="0" smtClean="0">
-                          <a:effectLst/>
-                          <a:latin typeface="Calibri" panose="020F0502020204030204" pitchFamily="34" charset="0"/>
-                          <a:ea typeface="Calibri" panose="020F0502020204030204" pitchFamily="34" charset="0"/>
-                          <a:cs typeface="Times New Roman" panose="02020603050405020304" pitchFamily="18" charset="0"/>
-                        </a:rPr>
-                        <a:t> hand high</a:t>
-                      </a:r>
+                        <a:t> hand high </a:t>
+                      </a:r>
+                      <a:r>
+                        <a:rPr lang="en-ZA" sz="1000" i="1" dirty="0" smtClean="0">
+                          <a:solidFill>
+                            <a:schemeClr val="tx2">
+                              <a:lumMod val="60000"/>
+                              <a:lumOff val="40000"/>
+                            </a:schemeClr>
+                          </a:solidFill>
+                          <a:effectLst/>
+                          <a:latin typeface="Calibri" panose="020F0502020204030204" pitchFamily="34" charset="0"/>
+                          <a:ea typeface="Calibri" panose="020F0502020204030204" pitchFamily="34" charset="0"/>
+                          <a:cs typeface="Calibri" panose="020F0502020204030204" pitchFamily="34" charset="0"/>
+                        </a:rPr>
+                        <a:t>[12]</a:t>
+                      </a:r>
+                      <a:endParaRPr lang="en-ZA" sz="1000" i="1" baseline="0" dirty="0" smtClean="0">
+                        <a:effectLst/>
+                        <a:latin typeface="Calibri" panose="020F0502020204030204" pitchFamily="34" charset="0"/>
+                        <a:ea typeface="Calibri" panose="020F0502020204030204" pitchFamily="34" charset="0"/>
+                        <a:cs typeface="Times New Roman" panose="02020603050405020304" pitchFamily="18" charset="0"/>
+                      </a:endParaRPr>
                     </a:p>
                     <a:p>
                       <a:pPr>
@@ -11556,65 +14167,287 @@
                         </a:spcAft>
                       </a:pPr>
                       <a:r>
-                        <a:rPr lang="en-ZA" sz="1000" b="1" i="0" baseline="0" dirty="0" smtClean="0">
-                          <a:effectLst/>
-                          <a:latin typeface="Calibri" panose="020F0502020204030204" pitchFamily="34" charset="0"/>
-                          <a:ea typeface="Calibri" panose="020F0502020204030204" pitchFamily="34" charset="0"/>
-                          <a:cs typeface="Times New Roman" panose="02020603050405020304" pitchFamily="18" charset="0"/>
-                        </a:rPr>
-                        <a:t>2</a:t>
-                      </a:r>
-                      <a:r>
-                        <a:rPr lang="en-ZA" sz="1000" b="1" i="0" baseline="30000" dirty="0" smtClean="0">
-                          <a:effectLst/>
-                          <a:latin typeface="Calibri" panose="020F0502020204030204" pitchFamily="34" charset="0"/>
-                          <a:ea typeface="Calibri" panose="020F0502020204030204" pitchFamily="34" charset="0"/>
-                          <a:cs typeface="Times New Roman" panose="02020603050405020304" pitchFamily="18" charset="0"/>
-                        </a:rPr>
-                        <a:t>nd</a:t>
-                      </a:r>
-                      <a:r>
-                        <a:rPr lang="en-ZA" sz="1000" b="1" i="0" baseline="0" dirty="0" smtClean="0">
-                          <a:effectLst/>
-                          <a:latin typeface="Calibri" panose="020F0502020204030204" pitchFamily="34" charset="0"/>
-                          <a:ea typeface="Calibri" panose="020F0502020204030204" pitchFamily="34" charset="0"/>
-                          <a:cs typeface="Times New Roman" panose="02020603050405020304" pitchFamily="18" charset="0"/>
-                        </a:rPr>
-                        <a:t> hand</a:t>
-                      </a:r>
-                      <a:r>
-                        <a:rPr lang="en-ZA" sz="1000" i="0" baseline="0" dirty="0" smtClean="0">
-                          <a:effectLst/>
-                          <a:latin typeface="Calibri" panose="020F0502020204030204" pitchFamily="34" charset="0"/>
-                          <a:ea typeface="Calibri" panose="020F0502020204030204" pitchFamily="34" charset="0"/>
-                          <a:cs typeface="Times New Roman" panose="02020603050405020304" pitchFamily="18" charset="0"/>
-                        </a:rPr>
-                        <a:t>: do not play high card immediately. 2</a:t>
-                      </a:r>
-                      <a:r>
-                        <a:rPr lang="en-ZA" sz="1000" i="0" baseline="30000" dirty="0" smtClean="0">
-                          <a:effectLst/>
-                          <a:latin typeface="Calibri" panose="020F0502020204030204" pitchFamily="34" charset="0"/>
-                          <a:ea typeface="Calibri" panose="020F0502020204030204" pitchFamily="34" charset="0"/>
-                          <a:cs typeface="Times New Roman" panose="02020603050405020304" pitchFamily="18" charset="0"/>
-                        </a:rPr>
-                        <a:t>nd</a:t>
-                      </a:r>
-                      <a:r>
-                        <a:rPr lang="en-ZA" sz="1000" i="0" baseline="0" dirty="0" smtClean="0">
-                          <a:effectLst/>
-                          <a:latin typeface="Calibri" panose="020F0502020204030204" pitchFamily="34" charset="0"/>
-                          <a:ea typeface="Calibri" panose="020F0502020204030204" pitchFamily="34" charset="0"/>
-                          <a:cs typeface="Times New Roman" panose="02020603050405020304" pitchFamily="18" charset="0"/>
-                        </a:rPr>
-                        <a:t> hand low</a:t>
-                      </a:r>
-                      <a:endParaRPr lang="en-ZA" sz="1000" i="0" dirty="0">
+                        <a:rPr lang="en-ZA" sz="1000" b="1" i="0" u="sng" dirty="0" smtClean="0">
+                          <a:effectLst/>
+                          <a:latin typeface="Calibri" panose="020F0502020204030204" pitchFamily="34" charset="0"/>
+                          <a:ea typeface="Calibri" panose="020F0502020204030204" pitchFamily="34" charset="0"/>
+                          <a:cs typeface="Times New Roman" panose="02020603050405020304" pitchFamily="18" charset="0"/>
+                        </a:rPr>
+                        <a:t>Card distribution</a:t>
+                      </a:r>
+                      <a:r>
+                        <a:rPr lang="en-ZA" sz="1000" b="1" i="0" u="none" dirty="0" smtClean="0">
+                          <a:effectLst/>
+                          <a:latin typeface="Calibri" panose="020F0502020204030204" pitchFamily="34" charset="0"/>
+                          <a:ea typeface="Calibri" panose="020F0502020204030204" pitchFamily="34" charset="0"/>
+                          <a:cs typeface="Times New Roman" panose="02020603050405020304" pitchFamily="18" charset="0"/>
+                        </a:rPr>
+                        <a:t> </a:t>
+                      </a:r>
+                      <a:r>
+                        <a:rPr lang="en-ZA" sz="1000" i="1" dirty="0" smtClean="0">
+                          <a:solidFill>
+                            <a:schemeClr val="tx2">
+                              <a:lumMod val="60000"/>
+                              <a:lumOff val="40000"/>
+                            </a:schemeClr>
+                          </a:solidFill>
+                          <a:effectLst/>
+                          <a:latin typeface="Calibri" panose="020F0502020204030204" pitchFamily="34" charset="0"/>
+                          <a:ea typeface="Calibri" panose="020F0502020204030204" pitchFamily="34" charset="0"/>
+                          <a:cs typeface="Calibri" panose="020F0502020204030204" pitchFamily="34" charset="0"/>
+                        </a:rPr>
+                        <a:t>[7]</a:t>
+                      </a:r>
+                      <a:endParaRPr lang="en-ZA" sz="1000" b="1" i="0" u="sng" dirty="0" smtClean="0">
                         <a:effectLst/>
                         <a:latin typeface="Calibri" panose="020F0502020204030204" pitchFamily="34" charset="0"/>
                         <a:ea typeface="Calibri" panose="020F0502020204030204" pitchFamily="34" charset="0"/>
                         <a:cs typeface="Times New Roman" panose="02020603050405020304" pitchFamily="18" charset="0"/>
                       </a:endParaRPr>
+                    </a:p>
+                    <a:p>
+                      <a:pPr marL="171450" indent="-171450">
+                        <a:lnSpc>
+                          <a:spcPct val="107000"/>
+                        </a:lnSpc>
+                        <a:spcAft>
+                          <a:spcPts val="0"/>
+                        </a:spcAft>
+                        <a:buFont typeface="Arial" panose="020B0604020202020204" pitchFamily="34" charset="0"/>
+                        <a:buChar char="•"/>
+                      </a:pPr>
+                      <a:r>
+                        <a:rPr lang="en-ZA" sz="1000" i="0" dirty="0" smtClean="0">
+                          <a:effectLst/>
+                          <a:latin typeface="Calibri" panose="020F0502020204030204" pitchFamily="34" charset="0"/>
+                          <a:ea typeface="Calibri" panose="020F0502020204030204" pitchFamily="34" charset="0"/>
+                          <a:cs typeface="Times New Roman" panose="02020603050405020304" pitchFamily="18" charset="0"/>
+                        </a:rPr>
+                        <a:t>Even</a:t>
+                      </a:r>
+                      <a:r>
+                        <a:rPr lang="en-ZA" sz="1000" i="0" baseline="0" dirty="0" smtClean="0">
+                          <a:effectLst/>
+                          <a:latin typeface="Calibri" panose="020F0502020204030204" pitchFamily="34" charset="0"/>
+                          <a:ea typeface="Calibri" panose="020F0502020204030204" pitchFamily="34" charset="0"/>
+                          <a:cs typeface="Times New Roman" panose="02020603050405020304" pitchFamily="18" charset="0"/>
+                        </a:rPr>
+                        <a:t> cards likely slightly unevenly distributed e.g. </a:t>
+                      </a:r>
+                      <a:r>
+                        <a:rPr lang="en-ZA" sz="1000" dirty="0" smtClean="0">
+                          <a:solidFill>
+                            <a:srgbClr val="0070C0"/>
+                          </a:solidFill>
+                          <a:effectLst/>
+                          <a:latin typeface="Calibri" panose="020F0502020204030204" pitchFamily="34" charset="0"/>
+                          <a:ea typeface="Calibri" panose="020F0502020204030204" pitchFamily="34" charset="0"/>
+                          <a:cs typeface="Times New Roman" panose="02020603050405020304" pitchFamily="18" charset="0"/>
+                        </a:rPr>
+                        <a:t>(4,2)</a:t>
+                      </a:r>
+                      <a:r>
+                        <a:rPr lang="en-ZA" sz="1000" i="1" baseline="0" dirty="0" smtClean="0">
+                          <a:effectLst/>
+                          <a:latin typeface="Calibri" panose="020F0502020204030204" pitchFamily="34" charset="0"/>
+                          <a:ea typeface="Calibri" panose="020F0502020204030204" pitchFamily="34" charset="0"/>
+                          <a:cs typeface="Times New Roman" panose="02020603050405020304" pitchFamily="18" charset="0"/>
+                        </a:rPr>
+                        <a:t> not (3,3) </a:t>
+                      </a:r>
+                      <a:r>
+                        <a:rPr lang="en-ZA" sz="1000" i="1" dirty="0" smtClean="0">
+                          <a:solidFill>
+                            <a:schemeClr val="tx2">
+                              <a:lumMod val="60000"/>
+                              <a:lumOff val="40000"/>
+                            </a:schemeClr>
+                          </a:solidFill>
+                          <a:effectLst/>
+                          <a:latin typeface="Calibri" panose="020F0502020204030204" pitchFamily="34" charset="0"/>
+                          <a:ea typeface="Calibri" panose="020F0502020204030204" pitchFamily="34" charset="0"/>
+                          <a:cs typeface="Calibri" panose="020F0502020204030204" pitchFamily="34" charset="0"/>
+                        </a:rPr>
+                        <a:t>[7]</a:t>
+                      </a:r>
+                      <a:endParaRPr lang="en-ZA" sz="1000" i="1" baseline="0" dirty="0" smtClean="0">
+                        <a:effectLst/>
+                        <a:latin typeface="Calibri" panose="020F0502020204030204" pitchFamily="34" charset="0"/>
+                        <a:ea typeface="Calibri" panose="020F0502020204030204" pitchFamily="34" charset="0"/>
+                        <a:cs typeface="Times New Roman" panose="02020603050405020304" pitchFamily="18" charset="0"/>
+                      </a:endParaRPr>
+                    </a:p>
+                    <a:p>
+                      <a:pPr marL="171450" indent="-171450">
+                        <a:lnSpc>
+                          <a:spcPct val="107000"/>
+                        </a:lnSpc>
+                        <a:spcAft>
+                          <a:spcPts val="0"/>
+                        </a:spcAft>
+                        <a:buFont typeface="Arial" panose="020B0604020202020204" pitchFamily="34" charset="0"/>
+                        <a:buChar char="•"/>
+                      </a:pPr>
+                      <a:r>
+                        <a:rPr lang="en-ZA" sz="1000" i="0" baseline="0" dirty="0" smtClean="0">
+                          <a:effectLst/>
+                          <a:latin typeface="Calibri" panose="020F0502020204030204" pitchFamily="34" charset="0"/>
+                          <a:ea typeface="Calibri" panose="020F0502020204030204" pitchFamily="34" charset="0"/>
+                          <a:cs typeface="Times New Roman" panose="02020603050405020304" pitchFamily="18" charset="0"/>
+                        </a:rPr>
+                        <a:t>Odd cards likely evenly distributed e.g. </a:t>
+                      </a:r>
+                      <a:r>
+                        <a:rPr lang="en-ZA" sz="1000" dirty="0" smtClean="0">
+                          <a:solidFill>
+                            <a:srgbClr val="0070C0"/>
+                          </a:solidFill>
+                          <a:effectLst/>
+                          <a:latin typeface="Calibri" panose="020F0502020204030204" pitchFamily="34" charset="0"/>
+                          <a:ea typeface="Calibri" panose="020F0502020204030204" pitchFamily="34" charset="0"/>
+                          <a:cs typeface="Times New Roman" panose="02020603050405020304" pitchFamily="18" charset="0"/>
+                        </a:rPr>
+                        <a:t>(2,1)</a:t>
+                      </a:r>
+                      <a:r>
+                        <a:rPr lang="en-ZA" sz="1000" i="0" baseline="0" dirty="0" smtClean="0">
+                          <a:effectLst/>
+                          <a:latin typeface="Calibri" panose="020F0502020204030204" pitchFamily="34" charset="0"/>
+                          <a:ea typeface="Calibri" panose="020F0502020204030204" pitchFamily="34" charset="0"/>
+                          <a:cs typeface="Times New Roman" panose="02020603050405020304" pitchFamily="18" charset="0"/>
+                        </a:rPr>
+                        <a:t>  or </a:t>
+                      </a:r>
+                      <a:r>
+                        <a:rPr lang="en-ZA" sz="1000" dirty="0" smtClean="0">
+                          <a:solidFill>
+                            <a:srgbClr val="0070C0"/>
+                          </a:solidFill>
+                          <a:effectLst/>
+                          <a:latin typeface="Calibri" panose="020F0502020204030204" pitchFamily="34" charset="0"/>
+                          <a:ea typeface="Calibri" panose="020F0502020204030204" pitchFamily="34" charset="0"/>
+                          <a:cs typeface="Times New Roman" panose="02020603050405020304" pitchFamily="18" charset="0"/>
+                        </a:rPr>
+                        <a:t>(3,2)</a:t>
+                      </a:r>
+                      <a:r>
+                        <a:rPr lang="en-ZA" sz="1000" i="1" dirty="0" smtClean="0">
+                          <a:solidFill>
+                            <a:schemeClr val="tx2">
+                              <a:lumMod val="60000"/>
+                              <a:lumOff val="40000"/>
+                            </a:schemeClr>
+                          </a:solidFill>
+                          <a:effectLst/>
+                          <a:latin typeface="Calibri" panose="020F0502020204030204" pitchFamily="34" charset="0"/>
+                          <a:ea typeface="Calibri" panose="020F0502020204030204" pitchFamily="34" charset="0"/>
+                          <a:cs typeface="Calibri" panose="020F0502020204030204" pitchFamily="34" charset="0"/>
+                        </a:rPr>
+                        <a:t> [7]</a:t>
+                      </a:r>
+                    </a:p>
+                    <a:p>
+                      <a:pPr marL="0" indent="0">
+                        <a:lnSpc>
+                          <a:spcPct val="107000"/>
+                        </a:lnSpc>
+                        <a:spcAft>
+                          <a:spcPts val="0"/>
+                        </a:spcAft>
+                        <a:buFont typeface="Arial" panose="020B0604020202020204" pitchFamily="34" charset="0"/>
+                        <a:buNone/>
+                      </a:pPr>
+                      <a:r>
+                        <a:rPr lang="en-ZA" sz="1000" b="1" i="0" u="sng" dirty="0" smtClean="0">
+                          <a:solidFill>
+                            <a:schemeClr val="tx1"/>
+                          </a:solidFill>
+                          <a:effectLst/>
+                          <a:latin typeface="Calibri" panose="020F0502020204030204" pitchFamily="34" charset="0"/>
+                          <a:ea typeface="Calibri" panose="020F0502020204030204" pitchFamily="34" charset="0"/>
+                          <a:cs typeface="Calibri" panose="020F0502020204030204" pitchFamily="34" charset="0"/>
+                        </a:rPr>
+                        <a:t>The Finesse</a:t>
+                      </a:r>
+                      <a:r>
+                        <a:rPr lang="en-ZA" sz="1000" b="1" i="0" u="none" dirty="0" smtClean="0">
+                          <a:solidFill>
+                            <a:schemeClr val="tx1"/>
+                          </a:solidFill>
+                          <a:effectLst/>
+                          <a:latin typeface="Calibri" panose="020F0502020204030204" pitchFamily="34" charset="0"/>
+                          <a:ea typeface="Calibri" panose="020F0502020204030204" pitchFamily="34" charset="0"/>
+                          <a:cs typeface="Calibri" panose="020F0502020204030204" pitchFamily="34" charset="0"/>
+                        </a:rPr>
+                        <a:t>  </a:t>
+                      </a:r>
+                      <a:r>
+                        <a:rPr lang="en-ZA" sz="1000" b="0" i="0" u="none" dirty="0" smtClean="0">
+                          <a:solidFill>
+                            <a:schemeClr val="tx1"/>
+                          </a:solidFill>
+                          <a:effectLst/>
+                          <a:latin typeface="Calibri" panose="020F0502020204030204" pitchFamily="34" charset="0"/>
+                          <a:ea typeface="Calibri" panose="020F0502020204030204" pitchFamily="34" charset="0"/>
+                          <a:cs typeface="Calibri" panose="020F0502020204030204" pitchFamily="34" charset="0"/>
+                        </a:rPr>
+                        <a:t>P</a:t>
+                      </a:r>
+                      <a:r>
+                        <a:rPr lang="en-ZA" sz="1000" b="0" i="0" dirty="0" smtClean="0">
+                          <a:solidFill>
+                            <a:schemeClr val="tx1"/>
+                          </a:solidFill>
+                          <a:effectLst/>
+                          <a:latin typeface="Calibri" panose="020F0502020204030204" pitchFamily="34" charset="0"/>
+                          <a:ea typeface="Calibri" panose="020F0502020204030204" pitchFamily="34" charset="0"/>
+                          <a:cs typeface="Calibri" panose="020F0502020204030204" pitchFamily="34" charset="0"/>
+                        </a:rPr>
+                        <a:t>lay small cards</a:t>
+                      </a:r>
+                      <a:r>
+                        <a:rPr lang="en-ZA" sz="1000" b="0" i="0" baseline="0" dirty="0" smtClean="0">
+                          <a:solidFill>
+                            <a:schemeClr val="tx1"/>
+                          </a:solidFill>
+                          <a:effectLst/>
+                          <a:latin typeface="Calibri" panose="020F0502020204030204" pitchFamily="34" charset="0"/>
+                          <a:ea typeface="Calibri" panose="020F0502020204030204" pitchFamily="34" charset="0"/>
+                          <a:cs typeface="Calibri" panose="020F0502020204030204" pitchFamily="34" charset="0"/>
+                        </a:rPr>
+                        <a:t> towards larger cards to try and draw out a high card </a:t>
+                      </a:r>
+                      <a:r>
+                        <a:rPr lang="en-ZA" sz="1000" i="1" dirty="0" smtClean="0">
+                          <a:solidFill>
+                            <a:schemeClr val="tx2">
+                              <a:lumMod val="60000"/>
+                              <a:lumOff val="40000"/>
+                            </a:schemeClr>
+                          </a:solidFill>
+                          <a:effectLst/>
+                          <a:latin typeface="Calibri" panose="020F0502020204030204" pitchFamily="34" charset="0"/>
+                          <a:ea typeface="Calibri" panose="020F0502020204030204" pitchFamily="34" charset="0"/>
+                          <a:cs typeface="Calibri" panose="020F0502020204030204" pitchFamily="34" charset="0"/>
+                        </a:rPr>
+                        <a:t>[12</a:t>
+                      </a:r>
+                      <a:r>
+                        <a:rPr lang="en-ZA" sz="1000" i="1" dirty="0" smtClean="0">
+                          <a:solidFill>
+                            <a:schemeClr val="tx2">
+                              <a:lumMod val="60000"/>
+                              <a:lumOff val="40000"/>
+                            </a:schemeClr>
+                          </a:solidFill>
+                          <a:effectLst/>
+                          <a:latin typeface="Calibri" panose="020F0502020204030204" pitchFamily="34" charset="0"/>
+                          <a:ea typeface="Calibri" panose="020F0502020204030204" pitchFamily="34" charset="0"/>
+                          <a:cs typeface="Calibri" panose="020F0502020204030204" pitchFamily="34" charset="0"/>
+                        </a:rPr>
+                        <a:t>]</a:t>
+                      </a:r>
                     </a:p>
                   </a:txBody>
                   <a:tcPr marL="68580" marR="68580" marT="0" marB="0">
@@ -11669,12 +14502,42 @@
         </p:nvSpPr>
         <p:spPr>
           <a:xfrm>
-            <a:off x="5663985" y="4577175"/>
+            <a:off x="6189472" y="4350978"/>
             <a:ext cx="1394573" cy="276999"/>
           </a:xfrm>
           <a:prstGeom prst="rect">
             <a:avLst/>
           </a:prstGeom>
+          <a:gradFill flip="none" rotWithShape="1">
+            <a:gsLst>
+              <a:gs pos="0">
+                <a:schemeClr val="accent6">
+                  <a:lumMod val="5000"/>
+                  <a:lumOff val="95000"/>
+                </a:schemeClr>
+              </a:gs>
+              <a:gs pos="74000">
+                <a:schemeClr val="accent6">
+                  <a:lumMod val="45000"/>
+                  <a:lumOff val="55000"/>
+                </a:schemeClr>
+              </a:gs>
+              <a:gs pos="83000">
+                <a:schemeClr val="accent6">
+                  <a:lumMod val="45000"/>
+                  <a:lumOff val="55000"/>
+                </a:schemeClr>
+              </a:gs>
+              <a:gs pos="100000">
+                <a:schemeClr val="accent6">
+                  <a:lumMod val="30000"/>
+                  <a:lumOff val="70000"/>
+                </a:schemeClr>
+              </a:gs>
+            </a:gsLst>
+            <a:lin ang="5400000" scaled="1"/>
+            <a:tileRect/>
+          </a:gradFill>
         </p:spPr>
         <p:style>
           <a:lnRef idx="1">
@@ -11712,13 +14575,42 @@
         </p:nvSpPr>
         <p:spPr>
           <a:xfrm>
-            <a:off x="8929117" y="5459262"/>
-            <a:ext cx="3011333" cy="1200329"/>
+            <a:off x="3257177" y="6299369"/>
+            <a:ext cx="2667559" cy="507831"/>
           </a:xfrm>
           <a:prstGeom prst="rect">
             <a:avLst/>
           </a:prstGeom>
-          <a:noFill/>
+          <a:gradFill flip="none" rotWithShape="1">
+            <a:gsLst>
+              <a:gs pos="0">
+                <a:schemeClr val="accent3">
+                  <a:lumMod val="5000"/>
+                  <a:lumOff val="95000"/>
+                </a:schemeClr>
+              </a:gs>
+              <a:gs pos="74000">
+                <a:schemeClr val="accent3">
+                  <a:lumMod val="45000"/>
+                  <a:lumOff val="55000"/>
+                </a:schemeClr>
+              </a:gs>
+              <a:gs pos="83000">
+                <a:schemeClr val="accent3">
+                  <a:lumMod val="45000"/>
+                  <a:lumOff val="55000"/>
+                </a:schemeClr>
+              </a:gs>
+              <a:gs pos="100000">
+                <a:schemeClr val="accent3">
+                  <a:lumMod val="30000"/>
+                  <a:lumOff val="70000"/>
+                </a:schemeClr>
+              </a:gs>
+            </a:gsLst>
+            <a:lin ang="5400000" scaled="1"/>
+            <a:tileRect/>
+          </a:gradFill>
         </p:spPr>
         <p:txBody>
           <a:bodyPr wrap="square" rtlCol="0">
@@ -11758,19 +14650,19 @@
             </a:r>
             <a:r>
               <a:rPr lang="en-ZA" sz="900" dirty="0" smtClean="0">
-                <a:hlinkClick r:id="rId2"/>
+                <a:hlinkClick r:id="rId3"/>
               </a:rPr>
               <a:t>https</a:t>
             </a:r>
             <a:r>
               <a:rPr lang="en-ZA" sz="900" dirty="0">
-                <a:hlinkClick r:id="rId2"/>
+                <a:hlinkClick r:id="rId3"/>
               </a:rPr>
               <a:t>://</a:t>
             </a:r>
             <a:r>
               <a:rPr lang="en-ZA" sz="900" dirty="0" smtClean="0">
-                <a:hlinkClick r:id="rId2"/>
+                <a:hlinkClick r:id="rId3"/>
               </a:rPr>
               <a:t>tinyurl.com/RussellsBridgePDF</a:t>
             </a:r>
@@ -11798,7 +14690,7 @@
                 <a:solidFill>
                   <a:srgbClr val="0070C0"/>
                 </a:solidFill>
-                <a:hlinkClick r:id="rId3"/>
+                <a:hlinkClick r:id="rId4"/>
               </a:rPr>
               <a:t>https</a:t>
             </a:r>
@@ -11807,7 +14699,7 @@
                 <a:solidFill>
                   <a:srgbClr val="0070C0"/>
                 </a:solidFill>
-                <a:hlinkClick r:id="rId3"/>
+                <a:hlinkClick r:id="rId4"/>
               </a:rPr>
               <a:t>://</a:t>
             </a:r>
@@ -11816,74 +14708,13 @@
                 <a:solidFill>
                   <a:srgbClr val="0070C0"/>
                 </a:solidFill>
-                <a:hlinkClick r:id="rId3"/>
+                <a:hlinkClick r:id="rId4"/>
               </a:rPr>
               <a:t>tinyurl.com/RussellBridgePPT</a:t>
             </a:r>
             <a:endParaRPr lang="en-ZA" sz="900" u="sng" dirty="0" smtClean="0">
               <a:solidFill>
                 <a:srgbClr val="0070C0"/>
-              </a:solidFill>
-            </a:endParaRPr>
-          </a:p>
-          <a:p>
-            <a:endParaRPr lang="en-ZA" sz="900" u="sng" dirty="0" smtClean="0">
-              <a:solidFill>
-                <a:srgbClr val="0070C0"/>
-              </a:solidFill>
-            </a:endParaRPr>
-          </a:p>
-          <a:p>
-            <a:r>
-              <a:rPr lang="en-ZA" sz="900" dirty="0" smtClean="0"/>
-              <a:t>My email:  </a:t>
-            </a:r>
-            <a:r>
-              <a:rPr lang="en-ZA" sz="900" dirty="0" smtClean="0">
-                <a:hlinkClick r:id="rId4"/>
-              </a:rPr>
-              <a:t>russell.contact@gmail.com</a:t>
-            </a:r>
-            <a:r>
-              <a:rPr lang="en-ZA" sz="900" dirty="0" smtClean="0"/>
-              <a:t>  Cell: 083 709 8553.</a:t>
-            </a:r>
-          </a:p>
-          <a:p>
-            <a:r>
-              <a:rPr lang="en-ZA" sz="900" dirty="0" smtClean="0"/>
-              <a:t>Feel free to share or improve this </a:t>
-            </a:r>
-            <a:r>
-              <a:rPr lang="en-ZA" sz="900" dirty="0" smtClean="0">
-                <a:solidFill>
-                  <a:srgbClr val="FF0000"/>
-                </a:solidFill>
-                <a:sym typeface="Wingdings" panose="05000000000000000000" pitchFamily="2" charset="2"/>
-              </a:rPr>
-              <a:t></a:t>
-            </a:r>
-          </a:p>
-          <a:p>
-            <a:endParaRPr lang="en-ZA" sz="900" dirty="0" smtClean="0">
-              <a:solidFill>
-                <a:srgbClr val="FF0000"/>
-              </a:solidFill>
-              <a:sym typeface="Wingdings" panose="05000000000000000000" pitchFamily="2" charset="2"/>
-            </a:endParaRPr>
-          </a:p>
-          <a:p>
-            <a:r>
-              <a:rPr lang="en-ZA" sz="900" i="1" dirty="0" smtClean="0">
-                <a:solidFill>
-                  <a:srgbClr val="002060"/>
-                </a:solidFill>
-              </a:rPr>
-              <a:t>Last updated: 25 June 2019 11:45pm</a:t>
-            </a:r>
-            <a:endParaRPr lang="en-ZA" sz="900" i="1" dirty="0">
-              <a:solidFill>
-                <a:srgbClr val="002060"/>
               </a:solidFill>
             </a:endParaRPr>
           </a:p>
@@ -11897,7 +14728,7 @@
         </p:nvSpPr>
         <p:spPr>
           <a:xfrm>
-            <a:off x="9438939" y="1255059"/>
+            <a:off x="10160623" y="1261698"/>
             <a:ext cx="171226" cy="235586"/>
           </a:xfrm>
           <a:prstGeom prst="rightBrace">
@@ -11935,7 +14766,7 @@
         </p:nvSpPr>
         <p:spPr>
           <a:xfrm>
-            <a:off x="9610165" y="1143267"/>
+            <a:off x="10331849" y="1149906"/>
             <a:ext cx="1649238" cy="461665"/>
           </a:xfrm>
           <a:prstGeom prst="rect">
@@ -11979,25 +14810,742 @@
           <a:p>
             <a:r>
               <a:rPr lang="en-ZA" sz="800" dirty="0" smtClean="0"/>
-              <a:t>NB. Partner cannot pass after </a:t>
-            </a:r>
-            <a:r>
-              <a:rPr lang="en-ZA" sz="800" dirty="0" smtClean="0"/>
-              <a:t>an initial change of suite </a:t>
-            </a:r>
-            <a:r>
-              <a:rPr lang="en-ZA" sz="800" dirty="0" smtClean="0"/>
-              <a:t>and </a:t>
+              <a:t>NB. Partner cannot pass after an initial change of suite and </a:t>
             </a:r>
             <a:r>
               <a:rPr lang="en-ZA" sz="800" b="1" dirty="0" smtClean="0"/>
-              <a:t>must respond </a:t>
+              <a:t>must respond again.</a:t>
+            </a:r>
+            <a:endParaRPr lang="en-ZA" sz="800" dirty="0"/>
+          </a:p>
+        </p:txBody>
+      </p:sp>
+      <p:sp>
+        <p:nvSpPr>
+          <p:cNvPr id="17" name="TextBox 16"/>
+          <p:cNvSpPr txBox="1"/>
+          <p:nvPr/>
+        </p:nvSpPr>
+        <p:spPr>
+          <a:xfrm>
+            <a:off x="300019" y="6294206"/>
+            <a:ext cx="2957158" cy="507831"/>
+          </a:xfrm>
+          <a:prstGeom prst="rect">
+            <a:avLst/>
+          </a:prstGeom>
+          <a:gradFill>
+            <a:gsLst>
+              <a:gs pos="0">
+                <a:schemeClr val="accent3">
+                  <a:lumMod val="5000"/>
+                  <a:lumOff val="95000"/>
+                </a:schemeClr>
+              </a:gs>
+              <a:gs pos="74000">
+                <a:schemeClr val="accent3">
+                  <a:lumMod val="45000"/>
+                  <a:lumOff val="55000"/>
+                </a:schemeClr>
+              </a:gs>
+              <a:gs pos="83000">
+                <a:schemeClr val="accent3">
+                  <a:lumMod val="45000"/>
+                  <a:lumOff val="55000"/>
+                </a:schemeClr>
+              </a:gs>
+              <a:gs pos="100000">
+                <a:schemeClr val="accent3">
+                  <a:lumMod val="30000"/>
+                  <a:lumOff val="70000"/>
+                </a:schemeClr>
+              </a:gs>
+            </a:gsLst>
+            <a:lin ang="5400000" scaled="1"/>
+          </a:gradFill>
+        </p:spPr>
+        <p:txBody>
+          <a:bodyPr wrap="square" rtlCol="0">
+            <a:spAutoFit/>
+          </a:bodyPr>
+          <a:lstStyle/>
+          <a:p>
+            <a:pPr lvl="0"/>
+            <a:r>
+              <a:rPr lang="en-ZA" sz="900" dirty="0">
+                <a:solidFill>
+                  <a:prstClr val="black"/>
+                </a:solidFill>
+              </a:rPr>
+              <a:t>My email:  </a:t>
             </a:r>
             <a:r>
-              <a:rPr lang="en-ZA" sz="800" b="1" dirty="0" smtClean="0"/>
-              <a:t>again.</a:t>
+              <a:rPr lang="en-ZA" sz="900" dirty="0">
+                <a:solidFill>
+                  <a:prstClr val="black"/>
+                </a:solidFill>
+                <a:hlinkClick r:id="rId5"/>
+              </a:rPr>
+              <a:t>russell.contact@gmail.com</a:t>
             </a:r>
-            <a:endParaRPr lang="en-ZA" sz="800" dirty="0"/>
+            <a:r>
+              <a:rPr lang="en-ZA" sz="900" dirty="0">
+                <a:solidFill>
+                  <a:prstClr val="black"/>
+                </a:solidFill>
+              </a:rPr>
+              <a:t>  Cell: 083 709 8553.</a:t>
+            </a:r>
+          </a:p>
+          <a:p>
+            <a:pPr lvl="0"/>
+            <a:r>
+              <a:rPr lang="en-ZA" sz="900" dirty="0">
+                <a:solidFill>
+                  <a:prstClr val="black"/>
+                </a:solidFill>
+              </a:rPr>
+              <a:t>Feel free to share or improve </a:t>
+            </a:r>
+            <a:r>
+              <a:rPr lang="en-ZA" sz="900" dirty="0" smtClean="0">
+                <a:solidFill>
+                  <a:srgbClr val="FF0000"/>
+                </a:solidFill>
+                <a:sym typeface="Wingdings" panose="05000000000000000000" pitchFamily="2" charset="2"/>
+              </a:rPr>
+              <a:t></a:t>
+            </a:r>
+            <a:endParaRPr lang="en-ZA" sz="900" dirty="0">
+              <a:solidFill>
+                <a:srgbClr val="FF0000"/>
+              </a:solidFill>
+              <a:sym typeface="Wingdings" panose="05000000000000000000" pitchFamily="2" charset="2"/>
+            </a:endParaRPr>
+          </a:p>
+          <a:p>
+            <a:pPr lvl="0"/>
+            <a:r>
+              <a:rPr lang="en-ZA" sz="900" i="1" dirty="0" smtClean="0">
+                <a:solidFill>
+                  <a:srgbClr val="002060"/>
+                </a:solidFill>
+              </a:rPr>
+              <a:t>Last </a:t>
+            </a:r>
+            <a:r>
+              <a:rPr lang="en-ZA" sz="900" i="1" dirty="0">
+                <a:solidFill>
+                  <a:srgbClr val="002060"/>
+                </a:solidFill>
+              </a:rPr>
+              <a:t>updated: 25 June 2019 11:45pm</a:t>
+            </a:r>
+          </a:p>
+        </p:txBody>
+      </p:sp>
+      <p:sp>
+        <p:nvSpPr>
+          <p:cNvPr id="21" name="TextBox 20"/>
+          <p:cNvSpPr txBox="1"/>
+          <p:nvPr/>
+        </p:nvSpPr>
+        <p:spPr>
+          <a:xfrm>
+            <a:off x="300018" y="5985208"/>
+            <a:ext cx="3871573" cy="246221"/>
+          </a:xfrm>
+          <a:prstGeom prst="rect">
+            <a:avLst/>
+          </a:prstGeom>
+          <a:noFill/>
+        </p:spPr>
+        <p:txBody>
+          <a:bodyPr wrap="none" rtlCol="0">
+            <a:spAutoFit/>
+          </a:bodyPr>
+          <a:lstStyle/>
+          <a:p>
+            <a:pPr lvl="0">
+              <a:defRPr/>
+            </a:pPr>
+            <a:r>
+              <a:rPr lang="en-ZA" sz="1000" i="1" dirty="0" smtClean="0">
+                <a:solidFill>
+                  <a:srgbClr val="44546A">
+                    <a:lumMod val="60000"/>
+                    <a:lumOff val="40000"/>
+                  </a:srgbClr>
+                </a:solidFill>
+                <a:latin typeface="Calibri" panose="020F0502020204030204" pitchFamily="34" charset="0"/>
+                <a:ea typeface="Calibri" panose="020F0502020204030204" pitchFamily="34" charset="0"/>
+                <a:cs typeface="Calibri" panose="020F0502020204030204" pitchFamily="34" charset="0"/>
+              </a:rPr>
+              <a:t>Lessons referenced at end of each line. E.g. [8] means </a:t>
+            </a:r>
+            <a:r>
+              <a:rPr lang="en-ZA" sz="1000" b="1" i="1" u="sng" dirty="0" smtClean="0">
+                <a:solidFill>
+                  <a:srgbClr val="44546A">
+                    <a:lumMod val="60000"/>
+                    <a:lumOff val="40000"/>
+                  </a:srgbClr>
+                </a:solidFill>
+                <a:latin typeface="Calibri" panose="020F0502020204030204" pitchFamily="34" charset="0"/>
+                <a:ea typeface="Calibri" panose="020F0502020204030204" pitchFamily="34" charset="0"/>
+                <a:cs typeface="Calibri" panose="020F0502020204030204" pitchFamily="34" charset="0"/>
+              </a:rPr>
+              <a:t>Refer to Lesson 8</a:t>
+            </a:r>
+            <a:endParaRPr lang="en-ZA" sz="1000" b="1" u="sng" dirty="0">
+              <a:solidFill>
+                <a:prstClr val="black"/>
+              </a:solidFill>
+              <a:latin typeface="Calibri" panose="020F0502020204030204" pitchFamily="34" charset="0"/>
+              <a:ea typeface="Calibri" panose="020F0502020204030204" pitchFamily="34" charset="0"/>
+              <a:cs typeface="Times New Roman" panose="02020603050405020304" pitchFamily="18" charset="0"/>
+            </a:endParaRPr>
+          </a:p>
+        </p:txBody>
+      </p:sp>
+      <p:sp>
+        <p:nvSpPr>
+          <p:cNvPr id="22" name="TextBox 21"/>
+          <p:cNvSpPr txBox="1"/>
+          <p:nvPr/>
+        </p:nvSpPr>
+        <p:spPr>
+          <a:xfrm>
+            <a:off x="11156468" y="3463352"/>
+            <a:ext cx="457176" cy="246221"/>
+          </a:xfrm>
+          <a:prstGeom prst="rect">
+            <a:avLst/>
+          </a:prstGeom>
+          <a:noFill/>
+        </p:spPr>
+        <p:txBody>
+          <a:bodyPr wrap="none" rtlCol="0">
+            <a:spAutoFit/>
+          </a:bodyPr>
+          <a:lstStyle/>
+          <a:p>
+            <a:pPr lvl="0">
+              <a:defRPr/>
+            </a:pPr>
+            <a:r>
+              <a:rPr lang="en-ZA" sz="1000" i="1" dirty="0" smtClean="0">
+                <a:solidFill>
+                  <a:srgbClr val="44546A">
+                    <a:lumMod val="60000"/>
+                    <a:lumOff val="40000"/>
+                  </a:srgbClr>
+                </a:solidFill>
+                <a:latin typeface="Calibri" panose="020F0502020204030204" pitchFamily="34" charset="0"/>
+                <a:ea typeface="Calibri" panose="020F0502020204030204" pitchFamily="34" charset="0"/>
+                <a:cs typeface="Calibri" panose="020F0502020204030204" pitchFamily="34" charset="0"/>
+              </a:rPr>
+              <a:t>[6, 7]</a:t>
+            </a:r>
+            <a:endParaRPr lang="en-ZA" sz="1000" b="1" u="sng" dirty="0">
+              <a:solidFill>
+                <a:prstClr val="black"/>
+              </a:solidFill>
+              <a:latin typeface="Calibri" panose="020F0502020204030204" pitchFamily="34" charset="0"/>
+              <a:ea typeface="Calibri" panose="020F0502020204030204" pitchFamily="34" charset="0"/>
+              <a:cs typeface="Times New Roman" panose="02020603050405020304" pitchFamily="18" charset="0"/>
+            </a:endParaRPr>
+          </a:p>
+        </p:txBody>
+      </p:sp>
+      <p:sp>
+        <p:nvSpPr>
+          <p:cNvPr id="23" name="Right Brace 22"/>
+          <p:cNvSpPr/>
+          <p:nvPr/>
+        </p:nvSpPr>
+        <p:spPr>
+          <a:xfrm>
+            <a:off x="10944348" y="2915016"/>
+            <a:ext cx="212120" cy="1349216"/>
+          </a:xfrm>
+          <a:prstGeom prst="rightBrace">
+            <a:avLst/>
+          </a:prstGeom>
+        </p:spPr>
+        <p:style>
+          <a:lnRef idx="1">
+            <a:schemeClr val="accent1"/>
+          </a:lnRef>
+          <a:fillRef idx="0">
+            <a:schemeClr val="accent1"/>
+          </a:fillRef>
+          <a:effectRef idx="0">
+            <a:schemeClr val="accent1"/>
+          </a:effectRef>
+          <a:fontRef idx="minor">
+            <a:schemeClr val="tx1"/>
+          </a:fontRef>
+        </p:style>
+        <p:txBody>
+          <a:bodyPr rtlCol="0" anchor="ctr"/>
+          <a:lstStyle/>
+          <a:p>
+            <a:pPr algn="ctr"/>
+            <a:endParaRPr lang="en-ZA"/>
+          </a:p>
+        </p:txBody>
+      </p:sp>
+      <p:graphicFrame>
+        <p:nvGraphicFramePr>
+          <p:cNvPr id="24" name="Table 23"/>
+          <p:cNvGraphicFramePr>
+            <a:graphicFrameLocks noGrp="1"/>
+          </p:cNvGraphicFramePr>
+          <p:nvPr>
+            <p:extLst>
+              <p:ext uri="{D42A27DB-BD31-4B8C-83A1-F6EECF244321}">
+                <p14:modId xmlns:p14="http://schemas.microsoft.com/office/powerpoint/2010/main" val="3168083253"/>
+              </p:ext>
+            </p:extLst>
+          </p:nvPr>
+        </p:nvGraphicFramePr>
+        <p:xfrm>
+          <a:off x="6201931" y="5965628"/>
+          <a:ext cx="4630207" cy="841572"/>
+        </p:xfrm>
+        <a:graphic>
+          <a:graphicData uri="http://schemas.openxmlformats.org/drawingml/2006/table">
+            <a:tbl>
+              <a:tblPr firstRow="1" firstCol="1" bandRow="1"/>
+              <a:tblGrid>
+                <a:gridCol w="4630207"/>
+              </a:tblGrid>
+              <a:tr h="841572">
+                <a:tc>
+                  <a:txBody>
+                    <a:bodyPr/>
+                    <a:lstStyle/>
+                    <a:p>
+                      <a:pPr>
+                        <a:lnSpc>
+                          <a:spcPct val="107000"/>
+                        </a:lnSpc>
+                        <a:spcAft>
+                          <a:spcPts val="0"/>
+                        </a:spcAft>
+                      </a:pPr>
+                      <a:r>
+                        <a:rPr lang="en-ZA" sz="1000" b="1" i="0" u="sng" baseline="0" dirty="0" smtClean="0">
+                          <a:effectLst/>
+                          <a:latin typeface="Calibri" panose="020F0502020204030204" pitchFamily="34" charset="0"/>
+                          <a:ea typeface="Calibri" panose="020F0502020204030204" pitchFamily="34" charset="0"/>
+                          <a:cs typeface="Times New Roman" panose="02020603050405020304" pitchFamily="18" charset="0"/>
+                        </a:rPr>
+                        <a:t>Do not Add points for length when: </a:t>
+                      </a:r>
+                      <a:endParaRPr lang="en-ZA" sz="1000" i="0" u="sng" baseline="0" dirty="0" smtClean="0">
+                        <a:effectLst/>
+                        <a:latin typeface="Calibri" panose="020F0502020204030204" pitchFamily="34" charset="0"/>
+                        <a:ea typeface="Calibri" panose="020F0502020204030204" pitchFamily="34" charset="0"/>
+                        <a:cs typeface="Times New Roman" panose="02020603050405020304" pitchFamily="18" charset="0"/>
+                      </a:endParaRPr>
+                    </a:p>
+                    <a:p>
+                      <a:pPr marL="171450" lvl="0" indent="-171450">
+                        <a:spcAft>
+                          <a:spcPts val="0"/>
+                        </a:spcAft>
+                        <a:buFont typeface="Arial" panose="020B0604020202020204" pitchFamily="34" charset="0"/>
+                        <a:buChar char="•"/>
+                      </a:pPr>
+                      <a:r>
+                        <a:rPr lang="en-ZA" sz="1000" dirty="0" smtClean="0">
+                          <a:effectLst/>
+                          <a:latin typeface="Calibri" panose="020F0502020204030204" pitchFamily="34" charset="0"/>
+                          <a:ea typeface="Times New Roman" panose="02020603050405020304" pitchFamily="18" charset="0"/>
+                          <a:cs typeface="Times New Roman" panose="02020603050405020304" pitchFamily="18" charset="0"/>
+                        </a:rPr>
+                        <a:t>Considering </a:t>
+                      </a:r>
+                      <a:r>
+                        <a:rPr lang="en-ZA" sz="1000" b="1" dirty="0" smtClean="0">
+                          <a:effectLst/>
+                          <a:latin typeface="Calibri" panose="020F0502020204030204" pitchFamily="34" charset="0"/>
+                          <a:ea typeface="Times New Roman" panose="02020603050405020304" pitchFamily="18" charset="0"/>
+                          <a:cs typeface="Times New Roman" panose="02020603050405020304" pitchFamily="18" charset="0"/>
+                        </a:rPr>
+                        <a:t>opening 1NT or 2NT. </a:t>
+                      </a:r>
+                      <a:r>
+                        <a:rPr lang="en-ZA" sz="1000" i="1" dirty="0" smtClean="0">
+                          <a:solidFill>
+                            <a:schemeClr val="tx2">
+                              <a:lumMod val="60000"/>
+                              <a:lumOff val="40000"/>
+                            </a:schemeClr>
+                          </a:solidFill>
+                          <a:effectLst/>
+                          <a:latin typeface="Calibri" panose="020F0502020204030204" pitchFamily="34" charset="0"/>
+                          <a:ea typeface="Calibri" panose="020F0502020204030204" pitchFamily="34" charset="0"/>
+                          <a:cs typeface="Calibri" panose="020F0502020204030204" pitchFamily="34" charset="0"/>
+                        </a:rPr>
+                        <a:t>[4, 5,</a:t>
+                      </a:r>
+                      <a:r>
+                        <a:rPr lang="en-ZA" sz="1000" i="1" baseline="0" dirty="0" smtClean="0">
+                          <a:solidFill>
+                            <a:schemeClr val="tx2">
+                              <a:lumMod val="60000"/>
+                              <a:lumOff val="40000"/>
+                            </a:schemeClr>
+                          </a:solidFill>
+                          <a:effectLst/>
+                          <a:latin typeface="Calibri" panose="020F0502020204030204" pitchFamily="34" charset="0"/>
+                          <a:ea typeface="Calibri" panose="020F0502020204030204" pitchFamily="34" charset="0"/>
+                          <a:cs typeface="Calibri" panose="020F0502020204030204" pitchFamily="34" charset="0"/>
+                        </a:rPr>
+                        <a:t> 8, 11</a:t>
+                      </a:r>
+                      <a:r>
+                        <a:rPr lang="en-ZA" sz="1000" i="1" dirty="0" smtClean="0">
+                          <a:solidFill>
+                            <a:schemeClr val="tx2">
+                              <a:lumMod val="60000"/>
+                              <a:lumOff val="40000"/>
+                            </a:schemeClr>
+                          </a:solidFill>
+                          <a:effectLst/>
+                          <a:latin typeface="Calibri" panose="020F0502020204030204" pitchFamily="34" charset="0"/>
+                          <a:ea typeface="Calibri" panose="020F0502020204030204" pitchFamily="34" charset="0"/>
+                          <a:cs typeface="Calibri" panose="020F0502020204030204" pitchFamily="34" charset="0"/>
+                        </a:rPr>
+                        <a:t>]</a:t>
+                      </a:r>
+                      <a:endParaRPr lang="en-ZA" sz="1000" b="1" dirty="0" smtClean="0">
+                        <a:effectLst/>
+                        <a:latin typeface="Calibri" panose="020F0502020204030204" pitchFamily="34" charset="0"/>
+                        <a:ea typeface="Times New Roman" panose="02020603050405020304" pitchFamily="18" charset="0"/>
+                        <a:cs typeface="Times New Roman" panose="02020603050405020304" pitchFamily="18" charset="0"/>
+                      </a:endParaRPr>
+                    </a:p>
+                    <a:p>
+                      <a:pPr marL="171450" lvl="0" indent="-171450">
+                        <a:spcAft>
+                          <a:spcPts val="0"/>
+                        </a:spcAft>
+                        <a:buFont typeface="Arial" panose="020B0604020202020204" pitchFamily="34" charset="0"/>
+                        <a:buChar char="•"/>
+                      </a:pPr>
+                      <a:r>
+                        <a:rPr lang="en-ZA" sz="1000" dirty="0" smtClean="0">
+                          <a:effectLst/>
+                          <a:latin typeface="Calibri" panose="020F0502020204030204" pitchFamily="34" charset="0"/>
+                          <a:ea typeface="Times New Roman" panose="02020603050405020304" pitchFamily="18" charset="0"/>
+                          <a:cs typeface="Times New Roman" panose="02020603050405020304" pitchFamily="18" charset="0"/>
+                        </a:rPr>
+                        <a:t>Opening a </a:t>
+                      </a:r>
+                      <a:r>
+                        <a:rPr lang="en-ZA" sz="1000" b="1" dirty="0" smtClean="0">
+                          <a:effectLst/>
+                          <a:latin typeface="Calibri" panose="020F0502020204030204" pitchFamily="34" charset="0"/>
+                          <a:ea typeface="Times New Roman" panose="02020603050405020304" pitchFamily="18" charset="0"/>
+                          <a:cs typeface="Times New Roman" panose="02020603050405020304" pitchFamily="18" charset="0"/>
+                        </a:rPr>
+                        <a:t>Weak 2, or pre-emptive 3 or 4</a:t>
+                      </a:r>
+                      <a:r>
+                        <a:rPr lang="en-ZA" sz="1000" dirty="0" smtClean="0">
+                          <a:effectLst/>
+                          <a:latin typeface="Calibri" panose="020F0502020204030204" pitchFamily="34" charset="0"/>
+                          <a:ea typeface="Times New Roman" panose="02020603050405020304" pitchFamily="18" charset="0"/>
+                          <a:cs typeface="Times New Roman" panose="02020603050405020304" pitchFamily="18" charset="0"/>
+                        </a:rPr>
+                        <a:t> of a suit. </a:t>
+                      </a:r>
+                      <a:r>
+                        <a:rPr lang="en-ZA" sz="1000" i="1" dirty="0" smtClean="0">
+                          <a:solidFill>
+                            <a:schemeClr val="tx2">
+                              <a:lumMod val="60000"/>
+                              <a:lumOff val="40000"/>
+                            </a:schemeClr>
+                          </a:solidFill>
+                          <a:effectLst/>
+                          <a:latin typeface="Calibri" panose="020F0502020204030204" pitchFamily="34" charset="0"/>
+                          <a:ea typeface="Calibri" panose="020F0502020204030204" pitchFamily="34" charset="0"/>
+                          <a:cs typeface="Calibri" panose="020F0502020204030204" pitchFamily="34" charset="0"/>
+                        </a:rPr>
+                        <a:t>[8,</a:t>
+                      </a:r>
+                      <a:r>
+                        <a:rPr lang="en-ZA" sz="1000" i="1" baseline="0" dirty="0" smtClean="0">
+                          <a:solidFill>
+                            <a:schemeClr val="tx2">
+                              <a:lumMod val="60000"/>
+                              <a:lumOff val="40000"/>
+                            </a:schemeClr>
+                          </a:solidFill>
+                          <a:effectLst/>
+                          <a:latin typeface="Calibri" panose="020F0502020204030204" pitchFamily="34" charset="0"/>
+                          <a:ea typeface="Calibri" panose="020F0502020204030204" pitchFamily="34" charset="0"/>
+                          <a:cs typeface="Calibri" panose="020F0502020204030204" pitchFamily="34" charset="0"/>
+                        </a:rPr>
+                        <a:t> 11</a:t>
+                      </a:r>
+                      <a:r>
+                        <a:rPr lang="en-ZA" sz="1000" i="1" dirty="0" smtClean="0">
+                          <a:solidFill>
+                            <a:schemeClr val="tx2">
+                              <a:lumMod val="60000"/>
+                              <a:lumOff val="40000"/>
+                            </a:schemeClr>
+                          </a:solidFill>
+                          <a:effectLst/>
+                          <a:latin typeface="Calibri" panose="020F0502020204030204" pitchFamily="34" charset="0"/>
+                          <a:ea typeface="Calibri" panose="020F0502020204030204" pitchFamily="34" charset="0"/>
+                          <a:cs typeface="Calibri" panose="020F0502020204030204" pitchFamily="34" charset="0"/>
+                        </a:rPr>
+                        <a:t>]</a:t>
+                      </a:r>
+                      <a:endParaRPr lang="en-ZA" sz="1000" dirty="0" smtClean="0">
+                        <a:effectLst/>
+                        <a:latin typeface="Times New Roman" panose="02020603050405020304" pitchFamily="18" charset="0"/>
+                        <a:ea typeface="Times New Roman" panose="02020603050405020304" pitchFamily="18" charset="0"/>
+                      </a:endParaRPr>
+                    </a:p>
+                    <a:p>
+                      <a:pPr marL="171450" marR="0" lvl="0" indent="-171450" algn="l" defTabSz="914400" rtl="0" eaLnBrk="1" fontAlgn="auto" latinLnBrk="0" hangingPunct="1">
+                        <a:lnSpc>
+                          <a:spcPct val="107000"/>
+                        </a:lnSpc>
+                        <a:spcBef>
+                          <a:spcPts val="0"/>
+                        </a:spcBef>
+                        <a:spcAft>
+                          <a:spcPts val="0"/>
+                        </a:spcAft>
+                        <a:buClrTx/>
+                        <a:buSzTx/>
+                        <a:buFont typeface="Arial" panose="020B0604020202020204" pitchFamily="34" charset="0"/>
+                        <a:buChar char="•"/>
+                        <a:tabLst/>
+                        <a:defRPr/>
+                      </a:pPr>
+                      <a:r>
+                        <a:rPr lang="en-ZA" sz="1000" b="0" i="0" baseline="0" dirty="0" smtClean="0">
+                          <a:effectLst/>
+                          <a:latin typeface="Calibri" panose="020F0502020204030204" pitchFamily="34" charset="0"/>
+                          <a:ea typeface="Calibri" panose="020F0502020204030204" pitchFamily="34" charset="0"/>
+                          <a:cs typeface="Times New Roman" panose="02020603050405020304" pitchFamily="18" charset="0"/>
+                        </a:rPr>
+                        <a:t>Considering </a:t>
+                      </a:r>
+                      <a:r>
+                        <a:rPr lang="en-ZA" sz="1000" b="1" i="0" baseline="0" dirty="0" smtClean="0">
+                          <a:effectLst/>
+                          <a:latin typeface="Calibri" panose="020F0502020204030204" pitchFamily="34" charset="0"/>
+                          <a:ea typeface="Calibri" panose="020F0502020204030204" pitchFamily="34" charset="0"/>
+                          <a:cs typeface="Times New Roman" panose="02020603050405020304" pitchFamily="18" charset="0"/>
+                        </a:rPr>
+                        <a:t>Overcalling. </a:t>
+                      </a:r>
+                      <a:r>
+                        <a:rPr lang="en-ZA" sz="1000" i="1" dirty="0" smtClean="0">
+                          <a:solidFill>
+                            <a:schemeClr val="tx2">
+                              <a:lumMod val="60000"/>
+                              <a:lumOff val="40000"/>
+                            </a:schemeClr>
+                          </a:solidFill>
+                          <a:effectLst/>
+                          <a:latin typeface="Calibri" panose="020F0502020204030204" pitchFamily="34" charset="0"/>
+                          <a:ea typeface="Calibri" panose="020F0502020204030204" pitchFamily="34" charset="0"/>
+                          <a:cs typeface="Calibri" panose="020F0502020204030204" pitchFamily="34" charset="0"/>
+                        </a:rPr>
+                        <a:t>[9, 11]</a:t>
+                      </a:r>
+                      <a:endParaRPr lang="en-ZA" sz="1000" b="1" i="0" baseline="0" dirty="0" smtClean="0">
+                        <a:effectLst/>
+                        <a:latin typeface="Calibri" panose="020F0502020204030204" pitchFamily="34" charset="0"/>
+                        <a:ea typeface="Calibri" panose="020F0502020204030204" pitchFamily="34" charset="0"/>
+                        <a:cs typeface="Times New Roman" panose="02020603050405020304" pitchFamily="18" charset="0"/>
+                      </a:endParaRPr>
+                    </a:p>
+                    <a:p>
+                      <a:pPr marL="171450" marR="0" lvl="0" indent="-171450" algn="l" defTabSz="914400" rtl="0" eaLnBrk="1" fontAlgn="auto" latinLnBrk="0" hangingPunct="1">
+                        <a:lnSpc>
+                          <a:spcPct val="107000"/>
+                        </a:lnSpc>
+                        <a:spcBef>
+                          <a:spcPts val="0"/>
+                        </a:spcBef>
+                        <a:spcAft>
+                          <a:spcPts val="0"/>
+                        </a:spcAft>
+                        <a:buClrTx/>
+                        <a:buSzTx/>
+                        <a:buFont typeface="Arial" panose="020B0604020202020204" pitchFamily="34" charset="0"/>
+                        <a:buChar char="•"/>
+                        <a:tabLst/>
+                        <a:defRPr/>
+                      </a:pPr>
+                      <a:r>
+                        <a:rPr lang="en-ZA" sz="1000" i="0" baseline="0" dirty="0" smtClean="0">
+                          <a:effectLst/>
+                          <a:latin typeface="Calibri" panose="020F0502020204030204" pitchFamily="34" charset="0"/>
+                          <a:ea typeface="Calibri" panose="020F0502020204030204" pitchFamily="34" charset="0"/>
+                          <a:cs typeface="Times New Roman" panose="02020603050405020304" pitchFamily="18" charset="0"/>
+                        </a:rPr>
+                        <a:t>Supporting partners using </a:t>
+                      </a:r>
+                      <a:r>
+                        <a:rPr lang="en-ZA" sz="1000" b="1" i="0" baseline="0" dirty="0" smtClean="0">
+                          <a:effectLst/>
+                          <a:latin typeface="Calibri" panose="020F0502020204030204" pitchFamily="34" charset="0"/>
+                          <a:ea typeface="Calibri" panose="020F0502020204030204" pitchFamily="34" charset="0"/>
+                          <a:cs typeface="Times New Roman" panose="02020603050405020304" pitchFamily="18" charset="0"/>
+                        </a:rPr>
+                        <a:t>shortage method. </a:t>
+                      </a:r>
+                      <a:r>
+                        <a:rPr lang="en-ZA" sz="1000" i="1" dirty="0" smtClean="0">
+                          <a:solidFill>
+                            <a:schemeClr val="tx2">
+                              <a:lumMod val="60000"/>
+                              <a:lumOff val="40000"/>
+                            </a:schemeClr>
+                          </a:solidFill>
+                          <a:effectLst/>
+                          <a:latin typeface="Calibri" panose="020F0502020204030204" pitchFamily="34" charset="0"/>
+                          <a:ea typeface="Calibri" panose="020F0502020204030204" pitchFamily="34" charset="0"/>
+                          <a:cs typeface="Calibri" panose="020F0502020204030204" pitchFamily="34" charset="0"/>
+                        </a:rPr>
+                        <a:t>[6, 11]</a:t>
+                      </a:r>
+                      <a:endParaRPr lang="en-ZA" sz="1000" b="1" i="0" baseline="0" dirty="0" smtClean="0">
+                        <a:effectLst/>
+                        <a:latin typeface="Calibri" panose="020F0502020204030204" pitchFamily="34" charset="0"/>
+                        <a:ea typeface="Calibri" panose="020F0502020204030204" pitchFamily="34" charset="0"/>
+                        <a:cs typeface="Times New Roman" panose="02020603050405020304" pitchFamily="18" charset="0"/>
+                      </a:endParaRPr>
+                    </a:p>
+                  </a:txBody>
+                  <a:tcPr marL="68580" marR="68580" marT="0" marB="0">
+                    <a:lnL w="12700" cap="flat" cmpd="sng" algn="ctr">
+                      <a:solidFill>
+                        <a:srgbClr val="000000"/>
+                      </a:solidFill>
+                      <a:prstDash val="solid"/>
+                      <a:round/>
+                      <a:headEnd type="none" w="med" len="med"/>
+                      <a:tailEnd type="none" w="med" len="med"/>
+                    </a:lnL>
+                    <a:lnR w="12700" cap="flat" cmpd="sng" algn="ctr">
+                      <a:solidFill>
+                        <a:srgbClr val="000000"/>
+                      </a:solidFill>
+                      <a:prstDash val="solid"/>
+                      <a:round/>
+                      <a:headEnd type="none" w="med" len="med"/>
+                      <a:tailEnd type="none" w="med" len="med"/>
+                    </a:lnR>
+                    <a:lnT w="12700" cap="flat" cmpd="sng" algn="ctr">
+                      <a:solidFill>
+                        <a:srgbClr val="000000"/>
+                      </a:solidFill>
+                      <a:prstDash val="solid"/>
+                      <a:round/>
+                      <a:headEnd type="none" w="med" len="med"/>
+                      <a:tailEnd type="none" w="med" len="med"/>
+                    </a:lnT>
+                    <a:lnB w="12700" cap="flat" cmpd="sng" algn="ctr">
+                      <a:solidFill>
+                        <a:srgbClr val="000000"/>
+                      </a:solidFill>
+                      <a:prstDash val="solid"/>
+                      <a:round/>
+                      <a:headEnd type="none" w="med" len="med"/>
+                      <a:tailEnd type="none" w="med" len="med"/>
+                    </a:lnB>
+                  </a:tcPr>
+                </a:tc>
+              </a:tr>
+            </a:tbl>
+          </a:graphicData>
+        </a:graphic>
+      </p:graphicFrame>
+      <p:sp>
+        <p:nvSpPr>
+          <p:cNvPr id="25" name="TextBox 24"/>
+          <p:cNvSpPr txBox="1"/>
+          <p:nvPr/>
+        </p:nvSpPr>
+        <p:spPr>
+          <a:xfrm>
+            <a:off x="6189472" y="5682171"/>
+            <a:ext cx="1394573" cy="276999"/>
+          </a:xfrm>
+          <a:prstGeom prst="rect">
+            <a:avLst/>
+          </a:prstGeom>
+          <a:gradFill flip="none" rotWithShape="1">
+            <a:gsLst>
+              <a:gs pos="0">
+                <a:schemeClr val="accent6">
+                  <a:lumMod val="5000"/>
+                  <a:lumOff val="95000"/>
+                </a:schemeClr>
+              </a:gs>
+              <a:gs pos="74000">
+                <a:schemeClr val="accent6">
+                  <a:lumMod val="45000"/>
+                  <a:lumOff val="55000"/>
+                </a:schemeClr>
+              </a:gs>
+              <a:gs pos="83000">
+                <a:schemeClr val="accent6">
+                  <a:lumMod val="45000"/>
+                  <a:lumOff val="55000"/>
+                </a:schemeClr>
+              </a:gs>
+              <a:gs pos="100000">
+                <a:schemeClr val="accent6">
+                  <a:lumMod val="30000"/>
+                  <a:lumOff val="70000"/>
+                </a:schemeClr>
+              </a:gs>
+            </a:gsLst>
+            <a:lin ang="5400000" scaled="1"/>
+            <a:tileRect/>
+          </a:gradFill>
+        </p:spPr>
+        <p:style>
+          <a:lnRef idx="1">
+            <a:schemeClr val="accent3"/>
+          </a:lnRef>
+          <a:fillRef idx="2">
+            <a:schemeClr val="accent3"/>
+          </a:fillRef>
+          <a:effectRef idx="1">
+            <a:schemeClr val="accent3"/>
+          </a:effectRef>
+          <a:fontRef idx="minor">
+            <a:schemeClr val="dk1"/>
+          </a:fontRef>
+        </p:style>
+        <p:txBody>
+          <a:bodyPr wrap="square" rtlCol="0">
+            <a:spAutoFit/>
+          </a:bodyPr>
+          <a:lstStyle/>
+          <a:p>
+            <a:r>
+              <a:rPr lang="en-ZA" sz="1200" dirty="0" smtClean="0"/>
+              <a:t>Points for length</a:t>
+            </a:r>
+            <a:endParaRPr lang="en-ZA" sz="1200" dirty="0"/>
           </a:p>
         </p:txBody>
       </p:sp>
@@ -12280,4 +15828,526 @@
     </a:ext>
   </a:extLst>
 </a:theme>
+</file>
+
+<file path=ppt/theme/theme2.xml><?xml version="1.0" encoding="utf-8"?>
+<a:theme xmlns:a="http://schemas.openxmlformats.org/drawingml/2006/main" name="Office Theme">
+  <a:themeElements>
+    <a:clrScheme name="Office">
+      <a:dk1>
+        <a:sysClr val="windowText" lastClr="000000"/>
+      </a:dk1>
+      <a:lt1>
+        <a:sysClr val="window" lastClr="FFFFFF"/>
+      </a:lt1>
+      <a:dk2>
+        <a:srgbClr val="44546A"/>
+      </a:dk2>
+      <a:lt2>
+        <a:srgbClr val="E7E6E6"/>
+      </a:lt2>
+      <a:accent1>
+        <a:srgbClr val="5B9BD5"/>
+      </a:accent1>
+      <a:accent2>
+        <a:srgbClr val="ED7D31"/>
+      </a:accent2>
+      <a:accent3>
+        <a:srgbClr val="A5A5A5"/>
+      </a:accent3>
+      <a:accent4>
+        <a:srgbClr val="FFC000"/>
+      </a:accent4>
+      <a:accent5>
+        <a:srgbClr val="4472C4"/>
+      </a:accent5>
+      <a:accent6>
+        <a:srgbClr val="70AD47"/>
+      </a:accent6>
+      <a:hlink>
+        <a:srgbClr val="0563C1"/>
+      </a:hlink>
+      <a:folHlink>
+        <a:srgbClr val="954F72"/>
+      </a:folHlink>
+    </a:clrScheme>
+    <a:fontScheme name="Office">
+      <a:majorFont>
+        <a:latin typeface="Calibri Light" panose="020F0302020204030204"/>
+        <a:ea typeface=""/>
+        <a:cs typeface=""/>
+        <a:font script="Jpan" typeface="ＭＳ Ｐゴシック"/>
+        <a:font script="Hang" typeface="맑은 고딕"/>
+        <a:font script="Hans" typeface="宋体"/>
+        <a:font script="Hant" typeface="新細明體"/>
+        <a:font script="Arab" typeface="Times New Roman"/>
+        <a:font script="Hebr" typeface="Times New Roman"/>
+        <a:font script="Thai" typeface="Angsana New"/>
+        <a:font script="Ethi" typeface="Nyala"/>
+        <a:font script="Beng" typeface="Vrinda"/>
+        <a:font script="Gujr" typeface="Shruti"/>
+        <a:font script="Khmr" typeface="MoolBoran"/>
+        <a:font script="Knda" typeface="Tunga"/>
+        <a:font script="Guru" typeface="Raavi"/>
+        <a:font script="Cans" typeface="Euphemia"/>
+        <a:font script="Cher" typeface="Plantagenet Cherokee"/>
+        <a:font script="Yiii" typeface="Microsoft Yi Baiti"/>
+        <a:font script="Tibt" typeface="Microsoft Himalaya"/>
+        <a:font script="Thaa" typeface="MV Boli"/>
+        <a:font script="Deva" typeface="Mangal"/>
+        <a:font script="Telu" typeface="Gautami"/>
+        <a:font script="Taml" typeface="Latha"/>
+        <a:font script="Syrc" typeface="Estrangelo Edessa"/>
+        <a:font script="Orya" typeface="Kalinga"/>
+        <a:font script="Mlym" typeface="Kartika"/>
+        <a:font script="Laoo" typeface="DokChampa"/>
+        <a:font script="Sinh" typeface="Iskoola Pota"/>
+        <a:font script="Mong" typeface="Mongolian Baiti"/>
+        <a:font script="Viet" typeface="Times New Roman"/>
+        <a:font script="Uigh" typeface="Microsoft Uighur"/>
+        <a:font script="Geor" typeface="Sylfaen"/>
+      </a:majorFont>
+      <a:minorFont>
+        <a:latin typeface="Calibri" panose="020F0502020204030204"/>
+        <a:ea typeface=""/>
+        <a:cs typeface=""/>
+        <a:font script="Jpan" typeface="ＭＳ Ｐゴシック"/>
+        <a:font script="Hang" typeface="맑은 고딕"/>
+        <a:font script="Hans" typeface="宋体"/>
+        <a:font script="Hant" typeface="新細明體"/>
+        <a:font script="Arab" typeface="Arial"/>
+        <a:font script="Hebr" typeface="Arial"/>
+        <a:font script="Thai" typeface="Cordia New"/>
+        <a:font script="Ethi" typeface="Nyala"/>
+        <a:font script="Beng" typeface="Vrinda"/>
+        <a:font script="Gujr" typeface="Shruti"/>
+        <a:font script="Khmr" typeface="DaunPenh"/>
+        <a:font script="Knda" typeface="Tunga"/>
+        <a:font script="Guru" typeface="Raavi"/>
+        <a:font script="Cans" typeface="Euphemia"/>
+        <a:font script="Cher" typeface="Plantagenet Cherokee"/>
+        <a:font script="Yiii" typeface="Microsoft Yi Baiti"/>
+        <a:font script="Tibt" typeface="Microsoft Himalaya"/>
+        <a:font script="Thaa" typeface="MV Boli"/>
+        <a:font script="Deva" typeface="Mangal"/>
+        <a:font script="Telu" typeface="Gautami"/>
+        <a:font script="Taml" typeface="Latha"/>
+        <a:font script="Syrc" typeface="Estrangelo Edessa"/>
+        <a:font script="Orya" typeface="Kalinga"/>
+        <a:font script="Mlym" typeface="Kartika"/>
+        <a:font script="Laoo" typeface="DokChampa"/>
+        <a:font script="Sinh" typeface="Iskoola Pota"/>
+        <a:font script="Mong" typeface="Mongolian Baiti"/>
+        <a:font script="Viet" typeface="Arial"/>
+        <a:font script="Uigh" typeface="Microsoft Uighur"/>
+        <a:font script="Geor" typeface="Sylfaen"/>
+      </a:minorFont>
+    </a:fontScheme>
+    <a:fmtScheme name="Office">
+      <a:fillStyleLst>
+        <a:solidFill>
+          <a:schemeClr val="phClr"/>
+        </a:solidFill>
+        <a:gradFill rotWithShape="1">
+          <a:gsLst>
+            <a:gs pos="0">
+              <a:schemeClr val="phClr">
+                <a:lumMod val="110000"/>
+                <a:satMod val="105000"/>
+                <a:tint val="67000"/>
+              </a:schemeClr>
+            </a:gs>
+            <a:gs pos="50000">
+              <a:schemeClr val="phClr">
+                <a:lumMod val="105000"/>
+                <a:satMod val="103000"/>
+                <a:tint val="73000"/>
+              </a:schemeClr>
+            </a:gs>
+            <a:gs pos="100000">
+              <a:schemeClr val="phClr">
+                <a:lumMod val="105000"/>
+                <a:satMod val="109000"/>
+                <a:tint val="81000"/>
+              </a:schemeClr>
+            </a:gs>
+          </a:gsLst>
+          <a:lin ang="5400000" scaled="0"/>
+        </a:gradFill>
+        <a:gradFill rotWithShape="1">
+          <a:gsLst>
+            <a:gs pos="0">
+              <a:schemeClr val="phClr">
+                <a:satMod val="103000"/>
+                <a:lumMod val="102000"/>
+                <a:tint val="94000"/>
+              </a:schemeClr>
+            </a:gs>
+            <a:gs pos="50000">
+              <a:schemeClr val="phClr">
+                <a:satMod val="110000"/>
+                <a:lumMod val="100000"/>
+                <a:shade val="100000"/>
+              </a:schemeClr>
+            </a:gs>
+            <a:gs pos="100000">
+              <a:schemeClr val="phClr">
+                <a:lumMod val="99000"/>
+                <a:satMod val="120000"/>
+                <a:shade val="78000"/>
+              </a:schemeClr>
+            </a:gs>
+          </a:gsLst>
+          <a:lin ang="5400000" scaled="0"/>
+        </a:gradFill>
+      </a:fillStyleLst>
+      <a:lnStyleLst>
+        <a:ln w="6350" cap="flat" cmpd="sng" algn="ctr">
+          <a:solidFill>
+            <a:schemeClr val="phClr"/>
+          </a:solidFill>
+          <a:prstDash val="solid"/>
+          <a:miter lim="800000"/>
+        </a:ln>
+        <a:ln w="12700" cap="flat" cmpd="sng" algn="ctr">
+          <a:solidFill>
+            <a:schemeClr val="phClr"/>
+          </a:solidFill>
+          <a:prstDash val="solid"/>
+          <a:miter lim="800000"/>
+        </a:ln>
+        <a:ln w="19050" cap="flat" cmpd="sng" algn="ctr">
+          <a:solidFill>
+            <a:schemeClr val="phClr"/>
+          </a:solidFill>
+          <a:prstDash val="solid"/>
+          <a:miter lim="800000"/>
+        </a:ln>
+      </a:lnStyleLst>
+      <a:effectStyleLst>
+        <a:effectStyle>
+          <a:effectLst/>
+        </a:effectStyle>
+        <a:effectStyle>
+          <a:effectLst/>
+        </a:effectStyle>
+        <a:effectStyle>
+          <a:effectLst>
+            <a:outerShdw blurRad="57150" dist="19050" dir="5400000" algn="ctr" rotWithShape="0">
+              <a:srgbClr val="000000">
+                <a:alpha val="63000"/>
+              </a:srgbClr>
+            </a:outerShdw>
+          </a:effectLst>
+        </a:effectStyle>
+      </a:effectStyleLst>
+      <a:bgFillStyleLst>
+        <a:solidFill>
+          <a:schemeClr val="phClr"/>
+        </a:solidFill>
+        <a:solidFill>
+          <a:schemeClr val="phClr">
+            <a:tint val="95000"/>
+            <a:satMod val="170000"/>
+          </a:schemeClr>
+        </a:solidFill>
+        <a:gradFill rotWithShape="1">
+          <a:gsLst>
+            <a:gs pos="0">
+              <a:schemeClr val="phClr">
+                <a:tint val="93000"/>
+                <a:satMod val="150000"/>
+                <a:shade val="98000"/>
+                <a:lumMod val="102000"/>
+              </a:schemeClr>
+            </a:gs>
+            <a:gs pos="50000">
+              <a:schemeClr val="phClr">
+                <a:tint val="98000"/>
+                <a:satMod val="130000"/>
+                <a:shade val="90000"/>
+                <a:lumMod val="103000"/>
+              </a:schemeClr>
+            </a:gs>
+            <a:gs pos="100000">
+              <a:schemeClr val="phClr">
+                <a:shade val="63000"/>
+                <a:satMod val="120000"/>
+              </a:schemeClr>
+            </a:gs>
+          </a:gsLst>
+          <a:lin ang="5400000" scaled="0"/>
+        </a:gradFill>
+      </a:bgFillStyleLst>
+    </a:fmtScheme>
+  </a:themeElements>
+  <a:objectDefaults/>
+  <a:extraClrSchemeLst/>
+  <a:extLst>
+    <a:ext uri="{05A4C25C-085E-4340-85A3-A5531E510DB2}">
+      <thm15:themeFamily xmlns:thm15="http://schemas.microsoft.com/office/thememl/2012/main" name="Office Theme" id="{62F939B6-93AF-4DB8-9C6B-D6C7DFDC589F}" vid="{4A3C46E8-61CC-4603-A589-7422A47A8E4A}"/>
+    </a:ext>
+  </a:extLst>
+</a:theme>
+</file>
+
+<file path=ppt/theme/theme3.xml><?xml version="1.0" encoding="utf-8"?>
+<a:theme xmlns:a="http://schemas.openxmlformats.org/drawingml/2006/main" name="Office Theme">
+  <a:themeElements>
+    <a:clrScheme name="Office">
+      <a:dk1>
+        <a:sysClr val="windowText" lastClr="000000"/>
+      </a:dk1>
+      <a:lt1>
+        <a:sysClr val="window" lastClr="FFFFFF"/>
+      </a:lt1>
+      <a:dk2>
+        <a:srgbClr val="44546A"/>
+      </a:dk2>
+      <a:lt2>
+        <a:srgbClr val="E7E6E6"/>
+      </a:lt2>
+      <a:accent1>
+        <a:srgbClr val="5B9BD5"/>
+      </a:accent1>
+      <a:accent2>
+        <a:srgbClr val="ED7D31"/>
+      </a:accent2>
+      <a:accent3>
+        <a:srgbClr val="A5A5A5"/>
+      </a:accent3>
+      <a:accent4>
+        <a:srgbClr val="FFC000"/>
+      </a:accent4>
+      <a:accent5>
+        <a:srgbClr val="4472C4"/>
+      </a:accent5>
+      <a:accent6>
+        <a:srgbClr val="70AD47"/>
+      </a:accent6>
+      <a:hlink>
+        <a:srgbClr val="0563C1"/>
+      </a:hlink>
+      <a:folHlink>
+        <a:srgbClr val="954F72"/>
+      </a:folHlink>
+    </a:clrScheme>
+    <a:fontScheme name="Office">
+      <a:majorFont>
+        <a:latin typeface="Calibri Light" panose="020F0302020204030204"/>
+        <a:ea typeface=""/>
+        <a:cs typeface=""/>
+        <a:font script="Jpan" typeface="ＭＳ Ｐゴシック"/>
+        <a:font script="Hang" typeface="맑은 고딕"/>
+        <a:font script="Hans" typeface="宋体"/>
+        <a:font script="Hant" typeface="新細明體"/>
+        <a:font script="Arab" typeface="Times New Roman"/>
+        <a:font script="Hebr" typeface="Times New Roman"/>
+        <a:font script="Thai" typeface="Angsana New"/>
+        <a:font script="Ethi" typeface="Nyala"/>
+        <a:font script="Beng" typeface="Vrinda"/>
+        <a:font script="Gujr" typeface="Shruti"/>
+        <a:font script="Khmr" typeface="MoolBoran"/>
+        <a:font script="Knda" typeface="Tunga"/>
+        <a:font script="Guru" typeface="Raavi"/>
+        <a:font script="Cans" typeface="Euphemia"/>
+        <a:font script="Cher" typeface="Plantagenet Cherokee"/>
+        <a:font script="Yiii" typeface="Microsoft Yi Baiti"/>
+        <a:font script="Tibt" typeface="Microsoft Himalaya"/>
+        <a:font script="Thaa" typeface="MV Boli"/>
+        <a:font script="Deva" typeface="Mangal"/>
+        <a:font script="Telu" typeface="Gautami"/>
+        <a:font script="Taml" typeface="Latha"/>
+        <a:font script="Syrc" typeface="Estrangelo Edessa"/>
+        <a:font script="Orya" typeface="Kalinga"/>
+        <a:font script="Mlym" typeface="Kartika"/>
+        <a:font script="Laoo" typeface="DokChampa"/>
+        <a:font script="Sinh" typeface="Iskoola Pota"/>
+        <a:font script="Mong" typeface="Mongolian Baiti"/>
+        <a:font script="Viet" typeface="Times New Roman"/>
+        <a:font script="Uigh" typeface="Microsoft Uighur"/>
+        <a:font script="Geor" typeface="Sylfaen"/>
+      </a:majorFont>
+      <a:minorFont>
+        <a:latin typeface="Calibri" panose="020F0502020204030204"/>
+        <a:ea typeface=""/>
+        <a:cs typeface=""/>
+        <a:font script="Jpan" typeface="ＭＳ Ｐゴシック"/>
+        <a:font script="Hang" typeface="맑은 고딕"/>
+        <a:font script="Hans" typeface="宋体"/>
+        <a:font script="Hant" typeface="新細明體"/>
+        <a:font script="Arab" typeface="Arial"/>
+        <a:font script="Hebr" typeface="Arial"/>
+        <a:font script="Thai" typeface="Cordia New"/>
+        <a:font script="Ethi" typeface="Nyala"/>
+        <a:font script="Beng" typeface="Vrinda"/>
+        <a:font script="Gujr" typeface="Shruti"/>
+        <a:font script="Khmr" typeface="DaunPenh"/>
+        <a:font script="Knda" typeface="Tunga"/>
+        <a:font script="Guru" typeface="Raavi"/>
+        <a:font script="Cans" typeface="Euphemia"/>
+        <a:font script="Cher" typeface="Plantagenet Cherokee"/>
+        <a:font script="Yiii" typeface="Microsoft Yi Baiti"/>
+        <a:font script="Tibt" typeface="Microsoft Himalaya"/>
+        <a:font script="Thaa" typeface="MV Boli"/>
+        <a:font script="Deva" typeface="Mangal"/>
+        <a:font script="Telu" typeface="Gautami"/>
+        <a:font script="Taml" typeface="Latha"/>
+        <a:font script="Syrc" typeface="Estrangelo Edessa"/>
+        <a:font script="Orya" typeface="Kalinga"/>
+        <a:font script="Mlym" typeface="Kartika"/>
+        <a:font script="Laoo" typeface="DokChampa"/>
+        <a:font script="Sinh" typeface="Iskoola Pota"/>
+        <a:font script="Mong" typeface="Mongolian Baiti"/>
+        <a:font script="Viet" typeface="Arial"/>
+        <a:font script="Uigh" typeface="Microsoft Uighur"/>
+        <a:font script="Geor" typeface="Sylfaen"/>
+      </a:minorFont>
+    </a:fontScheme>
+    <a:fmtScheme name="Office">
+      <a:fillStyleLst>
+        <a:solidFill>
+          <a:schemeClr val="phClr"/>
+        </a:solidFill>
+        <a:gradFill rotWithShape="1">
+          <a:gsLst>
+            <a:gs pos="0">
+              <a:schemeClr val="phClr">
+                <a:lumMod val="110000"/>
+                <a:satMod val="105000"/>
+                <a:tint val="67000"/>
+              </a:schemeClr>
+            </a:gs>
+            <a:gs pos="50000">
+              <a:schemeClr val="phClr">
+                <a:lumMod val="105000"/>
+                <a:satMod val="103000"/>
+                <a:tint val="73000"/>
+              </a:schemeClr>
+            </a:gs>
+            <a:gs pos="100000">
+              <a:schemeClr val="phClr">
+                <a:lumMod val="105000"/>
+                <a:satMod val="109000"/>
+                <a:tint val="81000"/>
+              </a:schemeClr>
+            </a:gs>
+          </a:gsLst>
+          <a:lin ang="5400000" scaled="0"/>
+        </a:gradFill>
+        <a:gradFill rotWithShape="1">
+          <a:gsLst>
+            <a:gs pos="0">
+              <a:schemeClr val="phClr">
+                <a:satMod val="103000"/>
+                <a:lumMod val="102000"/>
+                <a:tint val="94000"/>
+              </a:schemeClr>
+            </a:gs>
+            <a:gs pos="50000">
+              <a:schemeClr val="phClr">
+                <a:satMod val="110000"/>
+                <a:lumMod val="100000"/>
+                <a:shade val="100000"/>
+              </a:schemeClr>
+            </a:gs>
+            <a:gs pos="100000">
+              <a:schemeClr val="phClr">
+                <a:lumMod val="99000"/>
+                <a:satMod val="120000"/>
+                <a:shade val="78000"/>
+              </a:schemeClr>
+            </a:gs>
+          </a:gsLst>
+          <a:lin ang="5400000" scaled="0"/>
+        </a:gradFill>
+      </a:fillStyleLst>
+      <a:lnStyleLst>
+        <a:ln w="6350" cap="flat" cmpd="sng" algn="ctr">
+          <a:solidFill>
+            <a:schemeClr val="phClr"/>
+          </a:solidFill>
+          <a:prstDash val="solid"/>
+          <a:miter lim="800000"/>
+        </a:ln>
+        <a:ln w="12700" cap="flat" cmpd="sng" algn="ctr">
+          <a:solidFill>
+            <a:schemeClr val="phClr"/>
+          </a:solidFill>
+          <a:prstDash val="solid"/>
+          <a:miter lim="800000"/>
+        </a:ln>
+        <a:ln w="19050" cap="flat" cmpd="sng" algn="ctr">
+          <a:solidFill>
+            <a:schemeClr val="phClr"/>
+          </a:solidFill>
+          <a:prstDash val="solid"/>
+          <a:miter lim="800000"/>
+        </a:ln>
+      </a:lnStyleLst>
+      <a:effectStyleLst>
+        <a:effectStyle>
+          <a:effectLst/>
+        </a:effectStyle>
+        <a:effectStyle>
+          <a:effectLst/>
+        </a:effectStyle>
+        <a:effectStyle>
+          <a:effectLst>
+            <a:outerShdw blurRad="57150" dist="19050" dir="5400000" algn="ctr" rotWithShape="0">
+              <a:srgbClr val="000000">
+                <a:alpha val="63000"/>
+              </a:srgbClr>
+            </a:outerShdw>
+          </a:effectLst>
+        </a:effectStyle>
+      </a:effectStyleLst>
+      <a:bgFillStyleLst>
+        <a:solidFill>
+          <a:schemeClr val="phClr"/>
+        </a:solidFill>
+        <a:solidFill>
+          <a:schemeClr val="phClr">
+            <a:tint val="95000"/>
+            <a:satMod val="170000"/>
+          </a:schemeClr>
+        </a:solidFill>
+        <a:gradFill rotWithShape="1">
+          <a:gsLst>
+            <a:gs pos="0">
+              <a:schemeClr val="phClr">
+                <a:tint val="93000"/>
+                <a:satMod val="150000"/>
+                <a:shade val="98000"/>
+                <a:lumMod val="102000"/>
+              </a:schemeClr>
+            </a:gs>
+            <a:gs pos="50000">
+              <a:schemeClr val="phClr">
+                <a:tint val="98000"/>
+                <a:satMod val="130000"/>
+                <a:shade val="90000"/>
+                <a:lumMod val="103000"/>
+              </a:schemeClr>
+            </a:gs>
+            <a:gs pos="100000">
+              <a:schemeClr val="phClr">
+                <a:shade val="63000"/>
+                <a:satMod val="120000"/>
+              </a:schemeClr>
+            </a:gs>
+          </a:gsLst>
+          <a:lin ang="5400000" scaled="0"/>
+        </a:gradFill>
+      </a:bgFillStyleLst>
+    </a:fmtScheme>
+  </a:themeElements>
+  <a:objectDefaults/>
+  <a:extraClrSchemeLst/>
+  <a:extLst>
+    <a:ext uri="{05A4C25C-085E-4340-85A3-A5531E510DB2}">
+      <thm15:themeFamily xmlns:thm15="http://schemas.microsoft.com/office/thememl/2012/main" name="Office Theme" id="{62F939B6-93AF-4DB8-9C6B-D6C7DFDC589F}" vid="{4A3C46E8-61CC-4603-A589-7422A47A8E4A}"/>
+    </a:ext>
+  </a:extLst>
+</a:theme>
 </file>